--- a/share/presentations/Java 2/RentATool_16.06.20.pptx
+++ b/share/presentations/Java 2/RentATool_16.06.20.pptx
@@ -5,21 +5,25 @@
     <p:sldMasterId id="2147483864" r:id="rId4"/>
   </p:sldMasterIdLst>
   <p:notesMasterIdLst>
-    <p:notesMasterId r:id="rId14"/>
+    <p:notesMasterId r:id="rId18"/>
   </p:notesMasterIdLst>
   <p:handoutMasterIdLst>
-    <p:handoutMasterId r:id="rId15"/>
+    <p:handoutMasterId r:id="rId19"/>
   </p:handoutMasterIdLst>
   <p:sldIdLst>
     <p:sldId id="256" r:id="rId5"/>
     <p:sldId id="262" r:id="rId6"/>
-    <p:sldId id="264" r:id="rId7"/>
-    <p:sldId id="263" r:id="rId8"/>
-    <p:sldId id="266" r:id="rId9"/>
-    <p:sldId id="267" r:id="rId10"/>
-    <p:sldId id="268" r:id="rId11"/>
-    <p:sldId id="269" r:id="rId12"/>
-    <p:sldId id="261" r:id="rId13"/>
+    <p:sldId id="270" r:id="rId7"/>
+    <p:sldId id="272" r:id="rId8"/>
+    <p:sldId id="264" r:id="rId9"/>
+    <p:sldId id="263" r:id="rId10"/>
+    <p:sldId id="266" r:id="rId11"/>
+    <p:sldId id="267" r:id="rId12"/>
+    <p:sldId id="268" r:id="rId13"/>
+    <p:sldId id="269" r:id="rId14"/>
+    <p:sldId id="273" r:id="rId15"/>
+    <p:sldId id="274" r:id="rId16"/>
+    <p:sldId id="261" r:id="rId17"/>
   </p:sldIdLst>
   <p:sldSz cx="12192000" cy="6858000"/>
   <p:notesSz cx="6858000" cy="9144000"/>
@@ -125,12 +129,16 @@
           <p14:sldIdLst>
             <p14:sldId id="256"/>
             <p14:sldId id="262"/>
+            <p14:sldId id="270"/>
+            <p14:sldId id="272"/>
             <p14:sldId id="264"/>
             <p14:sldId id="263"/>
             <p14:sldId id="266"/>
             <p14:sldId id="267"/>
             <p14:sldId id="268"/>
             <p14:sldId id="269"/>
+            <p14:sldId id="273"/>
+            <p14:sldId id="274"/>
             <p14:sldId id="261"/>
           </p14:sldIdLst>
         </p14:section>
@@ -890,6 +898,753 @@
   <dgm:styleLbl name="revTx">
     <dgm:fillClrLst meth="repeat">
       <a:schemeClr val="lt2">
+        <a:alpha val="0"/>
+      </a:schemeClr>
+    </dgm:fillClrLst>
+    <dgm:linClrLst meth="repeat">
+      <a:schemeClr val="dk1">
+        <a:alpha val="0"/>
+      </a:schemeClr>
+    </dgm:linClrLst>
+    <dgm:effectClrLst/>
+    <dgm:txLinClrLst/>
+    <dgm:txFillClrLst meth="repeat">
+      <a:schemeClr val="tx1"/>
+    </dgm:txFillClrLst>
+    <dgm:txEffectClrLst/>
+  </dgm:styleLbl>
+</dgm:colorsDef>
+</file>
+
+<file path=ppt/diagrams/colors2.xml><?xml version="1.0" encoding="utf-8"?>
+<dgm:colorsDef xmlns:dgm="http://schemas.openxmlformats.org/drawingml/2006/diagram" xmlns:a="http://schemas.openxmlformats.org/drawingml/2006/main" uniqueId="urn:microsoft.com/office/officeart/2005/8/colors/accent1_2">
+  <dgm:title val=""/>
+  <dgm:desc val=""/>
+  <dgm:catLst>
+    <dgm:cat type="accent1" pri="11200"/>
+  </dgm:catLst>
+  <dgm:styleLbl name="node0">
+    <dgm:fillClrLst meth="repeat">
+      <a:schemeClr val="accent1"/>
+    </dgm:fillClrLst>
+    <dgm:linClrLst meth="repeat">
+      <a:schemeClr val="lt1"/>
+    </dgm:linClrLst>
+    <dgm:effectClrLst/>
+    <dgm:txLinClrLst/>
+    <dgm:txFillClrLst/>
+    <dgm:txEffectClrLst/>
+  </dgm:styleLbl>
+  <dgm:styleLbl name="alignNode1">
+    <dgm:fillClrLst meth="repeat">
+      <a:schemeClr val="accent1"/>
+    </dgm:fillClrLst>
+    <dgm:linClrLst meth="repeat">
+      <a:schemeClr val="accent1"/>
+    </dgm:linClrLst>
+    <dgm:effectClrLst/>
+    <dgm:txLinClrLst/>
+    <dgm:txFillClrLst/>
+    <dgm:txEffectClrLst/>
+  </dgm:styleLbl>
+  <dgm:styleLbl name="node1">
+    <dgm:fillClrLst meth="repeat">
+      <a:schemeClr val="accent1"/>
+    </dgm:fillClrLst>
+    <dgm:linClrLst meth="repeat">
+      <a:schemeClr val="lt1"/>
+    </dgm:linClrLst>
+    <dgm:effectClrLst/>
+    <dgm:txLinClrLst/>
+    <dgm:txFillClrLst/>
+    <dgm:txEffectClrLst/>
+  </dgm:styleLbl>
+  <dgm:styleLbl name="lnNode1">
+    <dgm:fillClrLst meth="repeat">
+      <a:schemeClr val="accent1"/>
+    </dgm:fillClrLst>
+    <dgm:linClrLst meth="repeat">
+      <a:schemeClr val="lt1"/>
+    </dgm:linClrLst>
+    <dgm:effectClrLst/>
+    <dgm:txLinClrLst/>
+    <dgm:txFillClrLst/>
+    <dgm:txEffectClrLst/>
+  </dgm:styleLbl>
+  <dgm:styleLbl name="vennNode1">
+    <dgm:fillClrLst meth="repeat">
+      <a:schemeClr val="accent1">
+        <a:alpha val="50000"/>
+      </a:schemeClr>
+    </dgm:fillClrLst>
+    <dgm:linClrLst meth="repeat">
+      <a:schemeClr val="lt1"/>
+    </dgm:linClrLst>
+    <dgm:effectClrLst/>
+    <dgm:txLinClrLst/>
+    <dgm:txFillClrLst/>
+    <dgm:txEffectClrLst/>
+  </dgm:styleLbl>
+  <dgm:styleLbl name="node2">
+    <dgm:fillClrLst meth="repeat">
+      <a:schemeClr val="accent1"/>
+    </dgm:fillClrLst>
+    <dgm:linClrLst meth="repeat">
+      <a:schemeClr val="lt1"/>
+    </dgm:linClrLst>
+    <dgm:effectClrLst/>
+    <dgm:txLinClrLst/>
+    <dgm:txFillClrLst/>
+    <dgm:txEffectClrLst/>
+  </dgm:styleLbl>
+  <dgm:styleLbl name="node3">
+    <dgm:fillClrLst meth="repeat">
+      <a:schemeClr val="accent1"/>
+    </dgm:fillClrLst>
+    <dgm:linClrLst meth="repeat">
+      <a:schemeClr val="lt1"/>
+    </dgm:linClrLst>
+    <dgm:effectClrLst/>
+    <dgm:txLinClrLst/>
+    <dgm:txFillClrLst/>
+    <dgm:txEffectClrLst/>
+  </dgm:styleLbl>
+  <dgm:styleLbl name="node4">
+    <dgm:fillClrLst meth="repeat">
+      <a:schemeClr val="accent1"/>
+    </dgm:fillClrLst>
+    <dgm:linClrLst meth="repeat">
+      <a:schemeClr val="lt1"/>
+    </dgm:linClrLst>
+    <dgm:effectClrLst/>
+    <dgm:txLinClrLst/>
+    <dgm:txFillClrLst/>
+    <dgm:txEffectClrLst/>
+  </dgm:styleLbl>
+  <dgm:styleLbl name="fgImgPlace1">
+    <dgm:fillClrLst meth="repeat">
+      <a:schemeClr val="accent1">
+        <a:tint val="50000"/>
+      </a:schemeClr>
+    </dgm:fillClrLst>
+    <dgm:linClrLst meth="repeat">
+      <a:schemeClr val="lt1"/>
+    </dgm:linClrLst>
+    <dgm:effectClrLst/>
+    <dgm:txLinClrLst/>
+    <dgm:txFillClrLst meth="repeat">
+      <a:schemeClr val="lt1"/>
+    </dgm:txFillClrLst>
+    <dgm:txEffectClrLst/>
+  </dgm:styleLbl>
+  <dgm:styleLbl name="alignImgPlace1">
+    <dgm:fillClrLst meth="repeat">
+      <a:schemeClr val="accent1">
+        <a:tint val="50000"/>
+      </a:schemeClr>
+    </dgm:fillClrLst>
+    <dgm:linClrLst meth="repeat">
+      <a:schemeClr val="lt1"/>
+    </dgm:linClrLst>
+    <dgm:effectClrLst/>
+    <dgm:txLinClrLst/>
+    <dgm:txFillClrLst meth="repeat">
+      <a:schemeClr val="lt1"/>
+    </dgm:txFillClrLst>
+    <dgm:txEffectClrLst/>
+  </dgm:styleLbl>
+  <dgm:styleLbl name="bgImgPlace1">
+    <dgm:fillClrLst meth="repeat">
+      <a:schemeClr val="accent1">
+        <a:tint val="50000"/>
+      </a:schemeClr>
+    </dgm:fillClrLst>
+    <dgm:linClrLst meth="repeat">
+      <a:schemeClr val="lt1"/>
+    </dgm:linClrLst>
+    <dgm:effectClrLst/>
+    <dgm:txLinClrLst/>
+    <dgm:txFillClrLst meth="repeat">
+      <a:schemeClr val="lt1"/>
+    </dgm:txFillClrLst>
+    <dgm:txEffectClrLst/>
+  </dgm:styleLbl>
+  <dgm:styleLbl name="sibTrans2D1">
+    <dgm:fillClrLst meth="repeat">
+      <a:schemeClr val="accent1">
+        <a:tint val="60000"/>
+      </a:schemeClr>
+    </dgm:fillClrLst>
+    <dgm:linClrLst meth="repeat">
+      <a:schemeClr val="accent1">
+        <a:tint val="60000"/>
+      </a:schemeClr>
+    </dgm:linClrLst>
+    <dgm:effectClrLst/>
+    <dgm:txLinClrLst/>
+    <dgm:txFillClrLst/>
+    <dgm:txEffectClrLst/>
+  </dgm:styleLbl>
+  <dgm:styleLbl name="fgSibTrans2D1">
+    <dgm:fillClrLst meth="repeat">
+      <a:schemeClr val="accent1">
+        <a:tint val="60000"/>
+      </a:schemeClr>
+    </dgm:fillClrLst>
+    <dgm:linClrLst meth="repeat">
+      <a:schemeClr val="accent1">
+        <a:tint val="60000"/>
+      </a:schemeClr>
+    </dgm:linClrLst>
+    <dgm:effectClrLst/>
+    <dgm:txLinClrLst/>
+    <dgm:txFillClrLst/>
+    <dgm:txEffectClrLst/>
+  </dgm:styleLbl>
+  <dgm:styleLbl name="bgSibTrans2D1">
+    <dgm:fillClrLst meth="repeat">
+      <a:schemeClr val="accent1">
+        <a:tint val="60000"/>
+      </a:schemeClr>
+    </dgm:fillClrLst>
+    <dgm:linClrLst meth="repeat">
+      <a:schemeClr val="accent1">
+        <a:tint val="60000"/>
+      </a:schemeClr>
+    </dgm:linClrLst>
+    <dgm:effectClrLst/>
+    <dgm:txLinClrLst/>
+    <dgm:txFillClrLst/>
+    <dgm:txEffectClrLst/>
+  </dgm:styleLbl>
+  <dgm:styleLbl name="sibTrans1D1">
+    <dgm:fillClrLst meth="repeat">
+      <a:schemeClr val="accent1"/>
+    </dgm:fillClrLst>
+    <dgm:linClrLst meth="repeat">
+      <a:schemeClr val="accent1"/>
+    </dgm:linClrLst>
+    <dgm:effectClrLst/>
+    <dgm:txLinClrLst/>
+    <dgm:txFillClrLst meth="repeat">
+      <a:schemeClr val="tx1"/>
+    </dgm:txFillClrLst>
+    <dgm:txEffectClrLst/>
+  </dgm:styleLbl>
+  <dgm:styleLbl name="callout">
+    <dgm:fillClrLst meth="repeat">
+      <a:schemeClr val="accent1"/>
+    </dgm:fillClrLst>
+    <dgm:linClrLst meth="repeat">
+      <a:schemeClr val="accent1">
+        <a:tint val="50000"/>
+      </a:schemeClr>
+    </dgm:linClrLst>
+    <dgm:effectClrLst/>
+    <dgm:txLinClrLst/>
+    <dgm:txFillClrLst meth="repeat">
+      <a:schemeClr val="tx1"/>
+    </dgm:txFillClrLst>
+    <dgm:txEffectClrLst/>
+  </dgm:styleLbl>
+  <dgm:styleLbl name="asst0">
+    <dgm:fillClrLst meth="repeat">
+      <a:schemeClr val="accent1"/>
+    </dgm:fillClrLst>
+    <dgm:linClrLst meth="repeat">
+      <a:schemeClr val="lt1"/>
+    </dgm:linClrLst>
+    <dgm:effectClrLst/>
+    <dgm:txLinClrLst/>
+    <dgm:txFillClrLst/>
+    <dgm:txEffectClrLst/>
+  </dgm:styleLbl>
+  <dgm:styleLbl name="asst1">
+    <dgm:fillClrLst meth="repeat">
+      <a:schemeClr val="accent1"/>
+    </dgm:fillClrLst>
+    <dgm:linClrLst meth="repeat">
+      <a:schemeClr val="lt1"/>
+    </dgm:linClrLst>
+    <dgm:effectClrLst/>
+    <dgm:txLinClrLst/>
+    <dgm:txFillClrLst/>
+    <dgm:txEffectClrLst/>
+  </dgm:styleLbl>
+  <dgm:styleLbl name="asst2">
+    <dgm:fillClrLst meth="repeat">
+      <a:schemeClr val="accent1"/>
+    </dgm:fillClrLst>
+    <dgm:linClrLst meth="repeat">
+      <a:schemeClr val="lt1"/>
+    </dgm:linClrLst>
+    <dgm:effectClrLst/>
+    <dgm:txLinClrLst/>
+    <dgm:txFillClrLst/>
+    <dgm:txEffectClrLst/>
+  </dgm:styleLbl>
+  <dgm:styleLbl name="asst3">
+    <dgm:fillClrLst meth="repeat">
+      <a:schemeClr val="accent1"/>
+    </dgm:fillClrLst>
+    <dgm:linClrLst meth="repeat">
+      <a:schemeClr val="lt1"/>
+    </dgm:linClrLst>
+    <dgm:effectClrLst/>
+    <dgm:txLinClrLst/>
+    <dgm:txFillClrLst/>
+    <dgm:txEffectClrLst/>
+  </dgm:styleLbl>
+  <dgm:styleLbl name="asst4">
+    <dgm:fillClrLst meth="repeat">
+      <a:schemeClr val="accent1"/>
+    </dgm:fillClrLst>
+    <dgm:linClrLst meth="repeat">
+      <a:schemeClr val="lt1"/>
+    </dgm:linClrLst>
+    <dgm:effectClrLst/>
+    <dgm:txLinClrLst/>
+    <dgm:txFillClrLst/>
+    <dgm:txEffectClrLst/>
+  </dgm:styleLbl>
+  <dgm:styleLbl name="parChTrans2D1">
+    <dgm:fillClrLst meth="repeat">
+      <a:schemeClr val="accent1">
+        <a:tint val="60000"/>
+      </a:schemeClr>
+    </dgm:fillClrLst>
+    <dgm:linClrLst meth="repeat">
+      <a:schemeClr val="accent1">
+        <a:tint val="60000"/>
+      </a:schemeClr>
+    </dgm:linClrLst>
+    <dgm:effectClrLst/>
+    <dgm:txLinClrLst/>
+    <dgm:txFillClrLst meth="repeat">
+      <a:schemeClr val="lt1"/>
+    </dgm:txFillClrLst>
+    <dgm:txEffectClrLst/>
+  </dgm:styleLbl>
+  <dgm:styleLbl name="parChTrans2D2">
+    <dgm:fillClrLst meth="repeat">
+      <a:schemeClr val="accent1"/>
+    </dgm:fillClrLst>
+    <dgm:linClrLst meth="repeat">
+      <a:schemeClr val="accent1"/>
+    </dgm:linClrLst>
+    <dgm:effectClrLst/>
+    <dgm:txLinClrLst/>
+    <dgm:txFillClrLst meth="repeat">
+      <a:schemeClr val="lt1"/>
+    </dgm:txFillClrLst>
+    <dgm:txEffectClrLst/>
+  </dgm:styleLbl>
+  <dgm:styleLbl name="parChTrans2D3">
+    <dgm:fillClrLst meth="repeat">
+      <a:schemeClr val="accent1"/>
+    </dgm:fillClrLst>
+    <dgm:linClrLst meth="repeat">
+      <a:schemeClr val="accent1"/>
+    </dgm:linClrLst>
+    <dgm:effectClrLst/>
+    <dgm:txLinClrLst/>
+    <dgm:txFillClrLst meth="repeat">
+      <a:schemeClr val="lt1"/>
+    </dgm:txFillClrLst>
+    <dgm:txEffectClrLst/>
+  </dgm:styleLbl>
+  <dgm:styleLbl name="parChTrans2D4">
+    <dgm:fillClrLst meth="repeat">
+      <a:schemeClr val="accent1"/>
+    </dgm:fillClrLst>
+    <dgm:linClrLst meth="repeat">
+      <a:schemeClr val="accent1"/>
+    </dgm:linClrLst>
+    <dgm:effectClrLst/>
+    <dgm:txLinClrLst/>
+    <dgm:txFillClrLst meth="repeat">
+      <a:schemeClr val="lt1"/>
+    </dgm:txFillClrLst>
+    <dgm:txEffectClrLst/>
+  </dgm:styleLbl>
+  <dgm:styleLbl name="parChTrans1D1">
+    <dgm:fillClrLst meth="repeat">
+      <a:schemeClr val="accent1"/>
+    </dgm:fillClrLst>
+    <dgm:linClrLst meth="repeat">
+      <a:schemeClr val="accent1">
+        <a:shade val="60000"/>
+      </a:schemeClr>
+    </dgm:linClrLst>
+    <dgm:effectClrLst/>
+    <dgm:txLinClrLst/>
+    <dgm:txFillClrLst meth="repeat">
+      <a:schemeClr val="tx1"/>
+    </dgm:txFillClrLst>
+    <dgm:txEffectClrLst/>
+  </dgm:styleLbl>
+  <dgm:styleLbl name="parChTrans1D2">
+    <dgm:fillClrLst meth="repeat">
+      <a:schemeClr val="accent1"/>
+    </dgm:fillClrLst>
+    <dgm:linClrLst meth="repeat">
+      <a:schemeClr val="accent1">
+        <a:shade val="60000"/>
+      </a:schemeClr>
+    </dgm:linClrLst>
+    <dgm:effectClrLst/>
+    <dgm:txLinClrLst/>
+    <dgm:txFillClrLst meth="repeat">
+      <a:schemeClr val="tx1"/>
+    </dgm:txFillClrLst>
+    <dgm:txEffectClrLst/>
+  </dgm:styleLbl>
+  <dgm:styleLbl name="parChTrans1D3">
+    <dgm:fillClrLst meth="repeat">
+      <a:schemeClr val="accent1"/>
+    </dgm:fillClrLst>
+    <dgm:linClrLst meth="repeat">
+      <a:schemeClr val="accent1">
+        <a:shade val="80000"/>
+      </a:schemeClr>
+    </dgm:linClrLst>
+    <dgm:effectClrLst/>
+    <dgm:txLinClrLst/>
+    <dgm:txFillClrLst meth="repeat">
+      <a:schemeClr val="tx1"/>
+    </dgm:txFillClrLst>
+    <dgm:txEffectClrLst/>
+  </dgm:styleLbl>
+  <dgm:styleLbl name="parChTrans1D4">
+    <dgm:fillClrLst meth="repeat">
+      <a:schemeClr val="accent1"/>
+    </dgm:fillClrLst>
+    <dgm:linClrLst meth="repeat">
+      <a:schemeClr val="accent1">
+        <a:shade val="80000"/>
+      </a:schemeClr>
+    </dgm:linClrLst>
+    <dgm:effectClrLst/>
+    <dgm:txLinClrLst/>
+    <dgm:txFillClrLst meth="repeat">
+      <a:schemeClr val="tx1"/>
+    </dgm:txFillClrLst>
+    <dgm:txEffectClrLst/>
+  </dgm:styleLbl>
+  <dgm:styleLbl name="fgAcc1">
+    <dgm:fillClrLst meth="repeat">
+      <a:schemeClr val="lt1">
+        <a:alpha val="90000"/>
+      </a:schemeClr>
+    </dgm:fillClrLst>
+    <dgm:linClrLst meth="repeat">
+      <a:schemeClr val="accent1"/>
+    </dgm:linClrLst>
+    <dgm:effectClrLst/>
+    <dgm:txLinClrLst/>
+    <dgm:txFillClrLst meth="repeat">
+      <a:schemeClr val="dk1"/>
+    </dgm:txFillClrLst>
+    <dgm:txEffectClrLst/>
+  </dgm:styleLbl>
+  <dgm:styleLbl name="conFgAcc1">
+    <dgm:fillClrLst meth="repeat">
+      <a:schemeClr val="lt1">
+        <a:alpha val="90000"/>
+      </a:schemeClr>
+    </dgm:fillClrLst>
+    <dgm:linClrLst meth="repeat">
+      <a:schemeClr val="accent1"/>
+    </dgm:linClrLst>
+    <dgm:effectClrLst/>
+    <dgm:txLinClrLst/>
+    <dgm:txFillClrLst meth="repeat">
+      <a:schemeClr val="dk1"/>
+    </dgm:txFillClrLst>
+    <dgm:txEffectClrLst/>
+  </dgm:styleLbl>
+  <dgm:styleLbl name="alignAcc1">
+    <dgm:fillClrLst meth="repeat">
+      <a:schemeClr val="lt1">
+        <a:alpha val="90000"/>
+      </a:schemeClr>
+    </dgm:fillClrLst>
+    <dgm:linClrLst meth="repeat">
+      <a:schemeClr val="accent1"/>
+    </dgm:linClrLst>
+    <dgm:effectClrLst/>
+    <dgm:txLinClrLst/>
+    <dgm:txFillClrLst meth="repeat">
+      <a:schemeClr val="dk1"/>
+    </dgm:txFillClrLst>
+    <dgm:txEffectClrLst/>
+  </dgm:styleLbl>
+  <dgm:styleLbl name="trAlignAcc1">
+    <dgm:fillClrLst meth="repeat">
+      <a:schemeClr val="lt1">
+        <a:alpha val="40000"/>
+      </a:schemeClr>
+    </dgm:fillClrLst>
+    <dgm:linClrLst meth="repeat">
+      <a:schemeClr val="accent1"/>
+    </dgm:linClrLst>
+    <dgm:effectClrLst/>
+    <dgm:txLinClrLst/>
+    <dgm:txFillClrLst meth="repeat">
+      <a:schemeClr val="dk1"/>
+    </dgm:txFillClrLst>
+    <dgm:txEffectClrLst/>
+  </dgm:styleLbl>
+  <dgm:styleLbl name="bgAcc1">
+    <dgm:fillClrLst meth="repeat">
+      <a:schemeClr val="lt1">
+        <a:alpha val="90000"/>
+      </a:schemeClr>
+    </dgm:fillClrLst>
+    <dgm:linClrLst meth="repeat">
+      <a:schemeClr val="accent1"/>
+    </dgm:linClrLst>
+    <dgm:effectClrLst/>
+    <dgm:txLinClrLst/>
+    <dgm:txFillClrLst meth="repeat">
+      <a:schemeClr val="dk1"/>
+    </dgm:txFillClrLst>
+    <dgm:txEffectClrLst/>
+  </dgm:styleLbl>
+  <dgm:styleLbl name="solidFgAcc1">
+    <dgm:fillClrLst meth="repeat">
+      <a:schemeClr val="lt1"/>
+    </dgm:fillClrLst>
+    <dgm:linClrLst meth="repeat">
+      <a:schemeClr val="accent1"/>
+    </dgm:linClrLst>
+    <dgm:effectClrLst/>
+    <dgm:txLinClrLst/>
+    <dgm:txFillClrLst meth="repeat">
+      <a:schemeClr val="dk1"/>
+    </dgm:txFillClrLst>
+    <dgm:txEffectClrLst/>
+  </dgm:styleLbl>
+  <dgm:styleLbl name="solidAlignAcc1">
+    <dgm:fillClrLst meth="repeat">
+      <a:schemeClr val="lt1"/>
+    </dgm:fillClrLst>
+    <dgm:linClrLst meth="repeat">
+      <a:schemeClr val="accent1"/>
+    </dgm:linClrLst>
+    <dgm:effectClrLst/>
+    <dgm:txLinClrLst/>
+    <dgm:txFillClrLst meth="repeat">
+      <a:schemeClr val="dk1"/>
+    </dgm:txFillClrLst>
+    <dgm:txEffectClrLst/>
+  </dgm:styleLbl>
+  <dgm:styleLbl name="solidBgAcc1">
+    <dgm:fillClrLst meth="repeat">
+      <a:schemeClr val="lt1"/>
+    </dgm:fillClrLst>
+    <dgm:linClrLst meth="repeat">
+      <a:schemeClr val="accent1"/>
+    </dgm:linClrLst>
+    <dgm:effectClrLst/>
+    <dgm:txLinClrLst/>
+    <dgm:txFillClrLst meth="repeat">
+      <a:schemeClr val="dk1"/>
+    </dgm:txFillClrLst>
+    <dgm:txEffectClrLst/>
+  </dgm:styleLbl>
+  <dgm:styleLbl name="fgAccFollowNode1">
+    <dgm:fillClrLst meth="repeat">
+      <a:schemeClr val="accent1">
+        <a:alpha val="90000"/>
+        <a:tint val="40000"/>
+      </a:schemeClr>
+    </dgm:fillClrLst>
+    <dgm:linClrLst meth="repeat">
+      <a:schemeClr val="accent1">
+        <a:alpha val="90000"/>
+        <a:tint val="40000"/>
+      </a:schemeClr>
+    </dgm:linClrLst>
+    <dgm:effectClrLst/>
+    <dgm:txLinClrLst/>
+    <dgm:txFillClrLst meth="repeat">
+      <a:schemeClr val="dk1"/>
+    </dgm:txFillClrLst>
+    <dgm:txEffectClrLst/>
+  </dgm:styleLbl>
+  <dgm:styleLbl name="alignAccFollowNode1">
+    <dgm:fillClrLst meth="repeat">
+      <a:schemeClr val="accent1">
+        <a:alpha val="90000"/>
+        <a:tint val="40000"/>
+      </a:schemeClr>
+    </dgm:fillClrLst>
+    <dgm:linClrLst meth="repeat">
+      <a:schemeClr val="accent1">
+        <a:alpha val="90000"/>
+        <a:tint val="40000"/>
+      </a:schemeClr>
+    </dgm:linClrLst>
+    <dgm:effectClrLst/>
+    <dgm:txLinClrLst/>
+    <dgm:txFillClrLst meth="repeat">
+      <a:schemeClr val="dk1"/>
+    </dgm:txFillClrLst>
+    <dgm:txEffectClrLst/>
+  </dgm:styleLbl>
+  <dgm:styleLbl name="bgAccFollowNode1">
+    <dgm:fillClrLst meth="repeat">
+      <a:schemeClr val="accent1">
+        <a:alpha val="90000"/>
+        <a:tint val="40000"/>
+      </a:schemeClr>
+    </dgm:fillClrLst>
+    <dgm:linClrLst meth="repeat">
+      <a:schemeClr val="accent1">
+        <a:alpha val="90000"/>
+        <a:tint val="40000"/>
+      </a:schemeClr>
+    </dgm:linClrLst>
+    <dgm:effectClrLst/>
+    <dgm:txLinClrLst/>
+    <dgm:txFillClrLst meth="repeat">
+      <a:schemeClr val="dk1"/>
+    </dgm:txFillClrLst>
+    <dgm:txEffectClrLst/>
+  </dgm:styleLbl>
+  <dgm:styleLbl name="fgAcc0">
+    <dgm:fillClrLst meth="repeat">
+      <a:schemeClr val="lt1">
+        <a:alpha val="90000"/>
+      </a:schemeClr>
+    </dgm:fillClrLst>
+    <dgm:linClrLst meth="repeat">
+      <a:schemeClr val="accent1"/>
+    </dgm:linClrLst>
+    <dgm:effectClrLst/>
+    <dgm:txLinClrLst/>
+    <dgm:txFillClrLst meth="repeat">
+      <a:schemeClr val="dk1"/>
+    </dgm:txFillClrLst>
+    <dgm:txEffectClrLst/>
+  </dgm:styleLbl>
+  <dgm:styleLbl name="fgAcc2">
+    <dgm:fillClrLst meth="repeat">
+      <a:schemeClr val="lt1">
+        <a:alpha val="90000"/>
+      </a:schemeClr>
+    </dgm:fillClrLst>
+    <dgm:linClrLst meth="repeat">
+      <a:schemeClr val="accent1"/>
+    </dgm:linClrLst>
+    <dgm:effectClrLst/>
+    <dgm:txLinClrLst/>
+    <dgm:txFillClrLst meth="repeat">
+      <a:schemeClr val="dk1"/>
+    </dgm:txFillClrLst>
+    <dgm:txEffectClrLst/>
+  </dgm:styleLbl>
+  <dgm:styleLbl name="fgAcc3">
+    <dgm:fillClrLst meth="repeat">
+      <a:schemeClr val="lt1">
+        <a:alpha val="90000"/>
+      </a:schemeClr>
+    </dgm:fillClrLst>
+    <dgm:linClrLst meth="repeat">
+      <a:schemeClr val="accent1"/>
+    </dgm:linClrLst>
+    <dgm:effectClrLst/>
+    <dgm:txLinClrLst/>
+    <dgm:txFillClrLst meth="repeat">
+      <a:schemeClr val="dk1"/>
+    </dgm:txFillClrLst>
+    <dgm:txEffectClrLst/>
+  </dgm:styleLbl>
+  <dgm:styleLbl name="fgAcc4">
+    <dgm:fillClrLst meth="repeat">
+      <a:schemeClr val="lt1">
+        <a:alpha val="90000"/>
+      </a:schemeClr>
+    </dgm:fillClrLst>
+    <dgm:linClrLst meth="repeat">
+      <a:schemeClr val="accent1"/>
+    </dgm:linClrLst>
+    <dgm:effectClrLst/>
+    <dgm:txLinClrLst/>
+    <dgm:txFillClrLst meth="repeat">
+      <a:schemeClr val="dk1"/>
+    </dgm:txFillClrLst>
+    <dgm:txEffectClrLst/>
+  </dgm:styleLbl>
+  <dgm:styleLbl name="bgShp">
+    <dgm:fillClrLst meth="repeat">
+      <a:schemeClr val="accent1">
+        <a:tint val="40000"/>
+      </a:schemeClr>
+    </dgm:fillClrLst>
+    <dgm:linClrLst meth="repeat">
+      <a:schemeClr val="accent1"/>
+    </dgm:linClrLst>
+    <dgm:effectClrLst/>
+    <dgm:txLinClrLst/>
+    <dgm:txFillClrLst meth="repeat">
+      <a:schemeClr val="dk1"/>
+    </dgm:txFillClrLst>
+    <dgm:txEffectClrLst/>
+  </dgm:styleLbl>
+  <dgm:styleLbl name="dkBgShp">
+    <dgm:fillClrLst meth="repeat">
+      <a:schemeClr val="accent1">
+        <a:shade val="80000"/>
+      </a:schemeClr>
+    </dgm:fillClrLst>
+    <dgm:linClrLst meth="repeat">
+      <a:schemeClr val="accent1"/>
+    </dgm:linClrLst>
+    <dgm:effectClrLst/>
+    <dgm:txLinClrLst/>
+    <dgm:txFillClrLst meth="repeat">
+      <a:schemeClr val="lt1"/>
+    </dgm:txFillClrLst>
+    <dgm:txEffectClrLst/>
+  </dgm:styleLbl>
+  <dgm:styleLbl name="trBgShp">
+    <dgm:fillClrLst meth="repeat">
+      <a:schemeClr val="accent1">
+        <a:tint val="50000"/>
+        <a:alpha val="40000"/>
+      </a:schemeClr>
+    </dgm:fillClrLst>
+    <dgm:linClrLst meth="repeat">
+      <a:schemeClr val="accent1"/>
+    </dgm:linClrLst>
+    <dgm:effectClrLst/>
+    <dgm:txLinClrLst/>
+    <dgm:txFillClrLst meth="repeat">
+      <a:schemeClr val="lt1"/>
+    </dgm:txFillClrLst>
+    <dgm:txEffectClrLst/>
+  </dgm:styleLbl>
+  <dgm:styleLbl name="fgShp">
+    <dgm:fillClrLst meth="repeat">
+      <a:schemeClr val="accent1">
+        <a:tint val="60000"/>
+      </a:schemeClr>
+    </dgm:fillClrLst>
+    <dgm:linClrLst meth="repeat">
+      <a:schemeClr val="lt1"/>
+    </dgm:linClrLst>
+    <dgm:effectClrLst/>
+    <dgm:txLinClrLst/>
+    <dgm:txFillClrLst meth="repeat">
+      <a:schemeClr val="dk1"/>
+    </dgm:txFillClrLst>
+    <dgm:txEffectClrLst/>
+  </dgm:styleLbl>
+  <dgm:styleLbl name="revTx">
+    <dgm:fillClrLst meth="repeat">
+      <a:schemeClr val="lt1">
         <a:alpha val="0"/>
       </a:schemeClr>
     </dgm:fillClrLst>
@@ -1152,6 +1907,248 @@
   <dgm:extLst>
     <a:ext uri="http://schemas.microsoft.com/office/drawing/2008/diagram">
       <dsp:dataModelExt xmlns:dsp="http://schemas.microsoft.com/office/drawing/2008/diagram" relId="rId8" minVer="http://schemas.openxmlformats.org/drawingml/2006/diagram"/>
+    </a:ext>
+  </dgm:extLst>
+</dgm:dataModel>
+</file>
+
+<file path=ppt/diagrams/data2.xml><?xml version="1.0" encoding="utf-8"?>
+<dgm:dataModel xmlns:dgm="http://schemas.openxmlformats.org/drawingml/2006/diagram" xmlns:a="http://schemas.openxmlformats.org/drawingml/2006/main">
+  <dgm:ptLst>
+    <dgm:pt modelId="{C2D72EC4-F752-4319-91BE-A5E74E5B5F9E}" type="doc">
+      <dgm:prSet loTypeId="urn:microsoft.com/office/officeart/2005/8/layout/chevron1" loCatId="process" qsTypeId="urn:microsoft.com/office/officeart/2005/8/quickstyle/simple1" qsCatId="simple" csTypeId="urn:microsoft.com/office/officeart/2005/8/colors/accent1_2" csCatId="accent1" phldr="1"/>
+      <dgm:spPr/>
+    </dgm:pt>
+    <dgm:pt modelId="{4F2F146D-8F2A-4AF8-A115-CC64FC64FBD1}">
+      <dgm:prSet phldrT="[Text]"/>
+      <dgm:spPr/>
+      <dgm:t>
+        <a:bodyPr/>
+        <a:lstStyle/>
+        <a:p>
+          <a:r>
+            <a:rPr lang="de-DE" dirty="0"/>
+            <a:t>Einführung Spring</a:t>
+          </a:r>
+        </a:p>
+      </dgm:t>
+    </dgm:pt>
+    <dgm:pt modelId="{3097C091-248E-47BD-B3D4-C7E228B9DA2E}" type="parTrans" cxnId="{2546161C-1E53-4C16-A4DE-1931D6EE3401}">
+      <dgm:prSet/>
+      <dgm:spPr/>
+      <dgm:t>
+        <a:bodyPr/>
+        <a:lstStyle/>
+        <a:p>
+          <a:endParaRPr lang="de-DE"/>
+        </a:p>
+      </dgm:t>
+    </dgm:pt>
+    <dgm:pt modelId="{D7128C17-3F5C-4405-B93B-D090035413E6}" type="sibTrans" cxnId="{2546161C-1E53-4C16-A4DE-1931D6EE3401}">
+      <dgm:prSet/>
+      <dgm:spPr/>
+      <dgm:t>
+        <a:bodyPr/>
+        <a:lstStyle/>
+        <a:p>
+          <a:endParaRPr lang="de-DE"/>
+        </a:p>
+      </dgm:t>
+    </dgm:pt>
+    <dgm:pt modelId="{73FEFD8B-5141-40C5-885D-A6DAF365A791}">
+      <dgm:prSet phldrT="[Text]"/>
+      <dgm:spPr/>
+      <dgm:t>
+        <a:bodyPr/>
+        <a:lstStyle/>
+        <a:p>
+          <a:r>
+            <a:rPr lang="de-DE" dirty="0"/>
+            <a:t>REST Webservices</a:t>
+          </a:r>
+        </a:p>
+      </dgm:t>
+    </dgm:pt>
+    <dgm:pt modelId="{BFE68F10-CD65-4E98-932C-8F3C815A0637}" type="parTrans" cxnId="{9AAF8BE4-B254-4E41-82C6-4E0716CCA30C}">
+      <dgm:prSet/>
+      <dgm:spPr/>
+      <dgm:t>
+        <a:bodyPr/>
+        <a:lstStyle/>
+        <a:p>
+          <a:endParaRPr lang="de-DE"/>
+        </a:p>
+      </dgm:t>
+    </dgm:pt>
+    <dgm:pt modelId="{20C35A14-040F-4AD8-AC0F-4D75C84158AF}" type="sibTrans" cxnId="{9AAF8BE4-B254-4E41-82C6-4E0716CCA30C}">
+      <dgm:prSet/>
+      <dgm:spPr/>
+      <dgm:t>
+        <a:bodyPr/>
+        <a:lstStyle/>
+        <a:p>
+          <a:endParaRPr lang="de-DE"/>
+        </a:p>
+      </dgm:t>
+    </dgm:pt>
+    <dgm:pt modelId="{44E1DBBA-9AC0-4037-9792-3961B2AFA622}">
+      <dgm:prSet phldrT="[Text]"/>
+      <dgm:spPr/>
+      <dgm:t>
+        <a:bodyPr/>
+        <a:lstStyle/>
+        <a:p>
+          <a:r>
+            <a:rPr lang="de-DE" dirty="0"/>
+            <a:t>Webservice oder Website</a:t>
+          </a:r>
+        </a:p>
+      </dgm:t>
+    </dgm:pt>
+    <dgm:pt modelId="{CE718CBF-702C-45F7-9AED-71B90C783883}" type="parTrans" cxnId="{7328A35E-1575-40AD-8C1D-77F807D66609}">
+      <dgm:prSet/>
+      <dgm:spPr/>
+      <dgm:t>
+        <a:bodyPr/>
+        <a:lstStyle/>
+        <a:p>
+          <a:endParaRPr lang="de-DE"/>
+        </a:p>
+      </dgm:t>
+    </dgm:pt>
+    <dgm:pt modelId="{1B9979D9-931E-4170-A165-ACD447BA9267}" type="sibTrans" cxnId="{7328A35E-1575-40AD-8C1D-77F807D66609}">
+      <dgm:prSet/>
+      <dgm:spPr/>
+      <dgm:t>
+        <a:bodyPr/>
+        <a:lstStyle/>
+        <a:p>
+          <a:endParaRPr lang="de-DE"/>
+        </a:p>
+      </dgm:t>
+    </dgm:pt>
+    <dgm:pt modelId="{AD0C67B8-9D83-4C84-B7F8-9D3CCD937FBF}">
+      <dgm:prSet phldrT="[Text]"/>
+      <dgm:spPr/>
+      <dgm:t>
+        <a:bodyPr/>
+        <a:lstStyle/>
+        <a:p>
+          <a:r>
+            <a:rPr lang="de-DE" dirty="0"/>
+            <a:t>???</a:t>
+          </a:r>
+        </a:p>
+      </dgm:t>
+    </dgm:pt>
+    <dgm:pt modelId="{556E8FD3-6190-45AB-89E7-78104503C4BD}" type="parTrans" cxnId="{3B328F37-99C6-4846-9D82-D2CE7011DD72}">
+      <dgm:prSet/>
+      <dgm:spPr/>
+      <dgm:t>
+        <a:bodyPr/>
+        <a:lstStyle/>
+        <a:p>
+          <a:endParaRPr lang="de-DE"/>
+        </a:p>
+      </dgm:t>
+    </dgm:pt>
+    <dgm:pt modelId="{2C028DEE-33F3-47DE-B5B9-C3898074F9B5}" type="sibTrans" cxnId="{3B328F37-99C6-4846-9D82-D2CE7011DD72}">
+      <dgm:prSet/>
+      <dgm:spPr/>
+      <dgm:t>
+        <a:bodyPr/>
+        <a:lstStyle/>
+        <a:p>
+          <a:endParaRPr lang="de-DE"/>
+        </a:p>
+      </dgm:t>
+    </dgm:pt>
+    <dgm:pt modelId="{C2AD534B-2930-4DD9-9FBD-B09E862F74DD}" type="pres">
+      <dgm:prSet presAssocID="{C2D72EC4-F752-4319-91BE-A5E74E5B5F9E}" presName="Name0" presStyleCnt="0">
+        <dgm:presLayoutVars>
+          <dgm:dir/>
+          <dgm:animLvl val="lvl"/>
+          <dgm:resizeHandles val="exact"/>
+        </dgm:presLayoutVars>
+      </dgm:prSet>
+      <dgm:spPr/>
+    </dgm:pt>
+    <dgm:pt modelId="{2FE105B9-4BD3-4A1E-8C4D-8BD0A9A75643}" type="pres">
+      <dgm:prSet presAssocID="{4F2F146D-8F2A-4AF8-A115-CC64FC64FBD1}" presName="parTxOnly" presStyleLbl="node1" presStyleIdx="0" presStyleCnt="4">
+        <dgm:presLayoutVars>
+          <dgm:chMax val="0"/>
+          <dgm:chPref val="0"/>
+          <dgm:bulletEnabled val="1"/>
+        </dgm:presLayoutVars>
+      </dgm:prSet>
+      <dgm:spPr/>
+    </dgm:pt>
+    <dgm:pt modelId="{2CEFE862-40BB-437C-A350-B5259583DE5E}" type="pres">
+      <dgm:prSet presAssocID="{D7128C17-3F5C-4405-B93B-D090035413E6}" presName="parTxOnlySpace" presStyleCnt="0"/>
+      <dgm:spPr/>
+    </dgm:pt>
+    <dgm:pt modelId="{C1AB1E3E-90D9-49E3-ADF6-E7E60EBC974A}" type="pres">
+      <dgm:prSet presAssocID="{73FEFD8B-5141-40C5-885D-A6DAF365A791}" presName="parTxOnly" presStyleLbl="node1" presStyleIdx="1" presStyleCnt="4">
+        <dgm:presLayoutVars>
+          <dgm:chMax val="0"/>
+          <dgm:chPref val="0"/>
+          <dgm:bulletEnabled val="1"/>
+        </dgm:presLayoutVars>
+      </dgm:prSet>
+      <dgm:spPr/>
+    </dgm:pt>
+    <dgm:pt modelId="{6FA262B0-E108-4435-A243-4BE9CB2A2CF4}" type="pres">
+      <dgm:prSet presAssocID="{20C35A14-040F-4AD8-AC0F-4D75C84158AF}" presName="parTxOnlySpace" presStyleCnt="0"/>
+      <dgm:spPr/>
+    </dgm:pt>
+    <dgm:pt modelId="{A32CC01D-50EC-43F5-9EB4-BDE3B819DB4C}" type="pres">
+      <dgm:prSet presAssocID="{44E1DBBA-9AC0-4037-9792-3961B2AFA622}" presName="parTxOnly" presStyleLbl="node1" presStyleIdx="2" presStyleCnt="4">
+        <dgm:presLayoutVars>
+          <dgm:chMax val="0"/>
+          <dgm:chPref val="0"/>
+          <dgm:bulletEnabled val="1"/>
+        </dgm:presLayoutVars>
+      </dgm:prSet>
+      <dgm:spPr/>
+    </dgm:pt>
+    <dgm:pt modelId="{14CBF8B4-DD11-4BDF-86FC-AA15C67A4897}" type="pres">
+      <dgm:prSet presAssocID="{1B9979D9-931E-4170-A165-ACD447BA9267}" presName="parTxOnlySpace" presStyleCnt="0"/>
+      <dgm:spPr/>
+    </dgm:pt>
+    <dgm:pt modelId="{F4D1F037-EABE-44F7-83AF-9AA11A497827}" type="pres">
+      <dgm:prSet presAssocID="{AD0C67B8-9D83-4C84-B7F8-9D3CCD937FBF}" presName="parTxOnly" presStyleLbl="node1" presStyleIdx="3" presStyleCnt="4">
+        <dgm:presLayoutVars>
+          <dgm:chMax val="0"/>
+          <dgm:chPref val="0"/>
+          <dgm:bulletEnabled val="1"/>
+        </dgm:presLayoutVars>
+      </dgm:prSet>
+      <dgm:spPr/>
+    </dgm:pt>
+  </dgm:ptLst>
+  <dgm:cxnLst>
+    <dgm:cxn modelId="{2546161C-1E53-4C16-A4DE-1931D6EE3401}" srcId="{C2D72EC4-F752-4319-91BE-A5E74E5B5F9E}" destId="{4F2F146D-8F2A-4AF8-A115-CC64FC64FBD1}" srcOrd="0" destOrd="0" parTransId="{3097C091-248E-47BD-B3D4-C7E228B9DA2E}" sibTransId="{D7128C17-3F5C-4405-B93B-D090035413E6}"/>
+    <dgm:cxn modelId="{005B242B-1DC9-4243-B407-59F5C4EF09A2}" type="presOf" srcId="{4F2F146D-8F2A-4AF8-A115-CC64FC64FBD1}" destId="{2FE105B9-4BD3-4A1E-8C4D-8BD0A9A75643}" srcOrd="0" destOrd="0" presId="urn:microsoft.com/office/officeart/2005/8/layout/chevron1"/>
+    <dgm:cxn modelId="{3B328F37-99C6-4846-9D82-D2CE7011DD72}" srcId="{C2D72EC4-F752-4319-91BE-A5E74E5B5F9E}" destId="{AD0C67B8-9D83-4C84-B7F8-9D3CCD937FBF}" srcOrd="3" destOrd="0" parTransId="{556E8FD3-6190-45AB-89E7-78104503C4BD}" sibTransId="{2C028DEE-33F3-47DE-B5B9-C3898074F9B5}"/>
+    <dgm:cxn modelId="{5F4E7940-8C64-4ADF-9AA0-349B9267A77A}" type="presOf" srcId="{73FEFD8B-5141-40C5-885D-A6DAF365A791}" destId="{C1AB1E3E-90D9-49E3-ADF6-E7E60EBC974A}" srcOrd="0" destOrd="0" presId="urn:microsoft.com/office/officeart/2005/8/layout/chevron1"/>
+    <dgm:cxn modelId="{7328A35E-1575-40AD-8C1D-77F807D66609}" srcId="{C2D72EC4-F752-4319-91BE-A5E74E5B5F9E}" destId="{44E1DBBA-9AC0-4037-9792-3961B2AFA622}" srcOrd="2" destOrd="0" parTransId="{CE718CBF-702C-45F7-9AED-71B90C783883}" sibTransId="{1B9979D9-931E-4170-A165-ACD447BA9267}"/>
+    <dgm:cxn modelId="{502FCF4C-1E8C-4C73-A5BB-528F77AE79ED}" type="presOf" srcId="{AD0C67B8-9D83-4C84-B7F8-9D3CCD937FBF}" destId="{F4D1F037-EABE-44F7-83AF-9AA11A497827}" srcOrd="0" destOrd="0" presId="urn:microsoft.com/office/officeart/2005/8/layout/chevron1"/>
+    <dgm:cxn modelId="{AD89749F-C364-4EAE-AE62-38A0E6E9C840}" type="presOf" srcId="{44E1DBBA-9AC0-4037-9792-3961B2AFA622}" destId="{A32CC01D-50EC-43F5-9EB4-BDE3B819DB4C}" srcOrd="0" destOrd="0" presId="urn:microsoft.com/office/officeart/2005/8/layout/chevron1"/>
+    <dgm:cxn modelId="{9AAF8BE4-B254-4E41-82C6-4E0716CCA30C}" srcId="{C2D72EC4-F752-4319-91BE-A5E74E5B5F9E}" destId="{73FEFD8B-5141-40C5-885D-A6DAF365A791}" srcOrd="1" destOrd="0" parTransId="{BFE68F10-CD65-4E98-932C-8F3C815A0637}" sibTransId="{20C35A14-040F-4AD8-AC0F-4D75C84158AF}"/>
+    <dgm:cxn modelId="{975A7DE5-D9AC-4CC9-97AF-5961CCE5A362}" type="presOf" srcId="{C2D72EC4-F752-4319-91BE-A5E74E5B5F9E}" destId="{C2AD534B-2930-4DD9-9FBD-B09E862F74DD}" srcOrd="0" destOrd="0" presId="urn:microsoft.com/office/officeart/2005/8/layout/chevron1"/>
+    <dgm:cxn modelId="{28FB32EA-6D63-486C-B961-506F82F43AE9}" type="presParOf" srcId="{C2AD534B-2930-4DD9-9FBD-B09E862F74DD}" destId="{2FE105B9-4BD3-4A1E-8C4D-8BD0A9A75643}" srcOrd="0" destOrd="0" presId="urn:microsoft.com/office/officeart/2005/8/layout/chevron1"/>
+    <dgm:cxn modelId="{4B8E0F30-8D79-454F-83A0-0F768BA9DF5B}" type="presParOf" srcId="{C2AD534B-2930-4DD9-9FBD-B09E862F74DD}" destId="{2CEFE862-40BB-437C-A350-B5259583DE5E}" srcOrd="1" destOrd="0" presId="urn:microsoft.com/office/officeart/2005/8/layout/chevron1"/>
+    <dgm:cxn modelId="{F619E7F5-4ADF-4AAC-92D2-82D01564A21E}" type="presParOf" srcId="{C2AD534B-2930-4DD9-9FBD-B09E862F74DD}" destId="{C1AB1E3E-90D9-49E3-ADF6-E7E60EBC974A}" srcOrd="2" destOrd="0" presId="urn:microsoft.com/office/officeart/2005/8/layout/chevron1"/>
+    <dgm:cxn modelId="{BF74FC70-997F-4FAC-92F3-3D4CC48BAAD4}" type="presParOf" srcId="{C2AD534B-2930-4DD9-9FBD-B09E862F74DD}" destId="{6FA262B0-E108-4435-A243-4BE9CB2A2CF4}" srcOrd="3" destOrd="0" presId="urn:microsoft.com/office/officeart/2005/8/layout/chevron1"/>
+    <dgm:cxn modelId="{3A592F3C-28A2-4013-97E2-F070A1169545}" type="presParOf" srcId="{C2AD534B-2930-4DD9-9FBD-B09E862F74DD}" destId="{A32CC01D-50EC-43F5-9EB4-BDE3B819DB4C}" srcOrd="4" destOrd="0" presId="urn:microsoft.com/office/officeart/2005/8/layout/chevron1"/>
+    <dgm:cxn modelId="{D9D21E91-582C-44FA-8913-81456F2634ED}" type="presParOf" srcId="{C2AD534B-2930-4DD9-9FBD-B09E862F74DD}" destId="{14CBF8B4-DD11-4BDF-86FC-AA15C67A4897}" srcOrd="5" destOrd="0" presId="urn:microsoft.com/office/officeart/2005/8/layout/chevron1"/>
+    <dgm:cxn modelId="{D4A766F4-E1C3-4DC8-86DE-C523AF967698}" type="presParOf" srcId="{C2AD534B-2930-4DD9-9FBD-B09E862F74DD}" destId="{F4D1F037-EABE-44F7-83AF-9AA11A497827}" srcOrd="6" destOrd="0" presId="urn:microsoft.com/office/officeart/2005/8/layout/chevron1"/>
+  </dgm:cxnLst>
+  <dgm:bg/>
+  <dgm:whole/>
+  <dgm:extLst>
+    <a:ext uri="http://schemas.microsoft.com/office/drawing/2008/diagram">
+      <dsp:dataModelExt xmlns:dsp="http://schemas.microsoft.com/office/drawing/2008/diagram" relId="rId13" minVer="http://schemas.openxmlformats.org/drawingml/2006/diagram"/>
     </a:ext>
   </dgm:extLst>
 </dgm:dataModel>
@@ -1553,6 +2550,326 @@
       <dsp:txXfrm>
         <a:off x="5296064" y="2054263"/>
         <a:ext cx="1980869" cy="1229918"/>
+      </dsp:txXfrm>
+    </dsp:sp>
+  </dsp:spTree>
+</dsp:drawing>
+</file>
+
+<file path=ppt/diagrams/drawing2.xml><?xml version="1.0" encoding="utf-8"?>
+<dsp:drawing xmlns:dgm="http://schemas.openxmlformats.org/drawingml/2006/diagram" xmlns:dsp="http://schemas.microsoft.com/office/drawing/2008/diagram" xmlns:a="http://schemas.openxmlformats.org/drawingml/2006/main">
+  <dsp:spTree>
+    <dsp:nvGrpSpPr>
+      <dsp:cNvPr id="0" name=""/>
+      <dsp:cNvGrpSpPr/>
+    </dsp:nvGrpSpPr>
+    <dsp:grpSpPr/>
+    <dsp:sp modelId="{2FE105B9-4BD3-4A1E-8C4D-8BD0A9A75643}">
+      <dsp:nvSpPr>
+        <dsp:cNvPr id="0" name=""/>
+        <dsp:cNvSpPr/>
+      </dsp:nvSpPr>
+      <dsp:spPr>
+        <a:xfrm>
+          <a:off x="3036" y="447854"/>
+          <a:ext cx="1767313" cy="706925"/>
+        </a:xfrm>
+        <a:prstGeom prst="chevron">
+          <a:avLst/>
+        </a:prstGeom>
+        <a:solidFill>
+          <a:schemeClr val="accent1">
+            <a:hueOff val="0"/>
+            <a:satOff val="0"/>
+            <a:lumOff val="0"/>
+            <a:alphaOff val="0"/>
+          </a:schemeClr>
+        </a:solidFill>
+        <a:ln w="10795" cap="flat" cmpd="sng" algn="ctr">
+          <a:solidFill>
+            <a:schemeClr val="lt1">
+              <a:hueOff val="0"/>
+              <a:satOff val="0"/>
+              <a:lumOff val="0"/>
+              <a:alphaOff val="0"/>
+            </a:schemeClr>
+          </a:solidFill>
+          <a:prstDash val="solid"/>
+        </a:ln>
+        <a:effectLst/>
+      </dsp:spPr>
+      <dsp:style>
+        <a:lnRef idx="2">
+          <a:scrgbClr r="0" g="0" b="0"/>
+        </a:lnRef>
+        <a:fillRef idx="1">
+          <a:scrgbClr r="0" g="0" b="0"/>
+        </a:fillRef>
+        <a:effectRef idx="0">
+          <a:scrgbClr r="0" g="0" b="0"/>
+        </a:effectRef>
+        <a:fontRef idx="minor">
+          <a:schemeClr val="lt1"/>
+        </a:fontRef>
+      </dsp:style>
+      <dsp:txBody>
+        <a:bodyPr spcFirstLastPara="0" vert="horz" wrap="square" lIns="56007" tIns="18669" rIns="18669" bIns="18669" numCol="1" spcCol="1270" anchor="ctr" anchorCtr="0">
+          <a:noAutofit/>
+        </a:bodyPr>
+        <a:lstStyle/>
+        <a:p>
+          <a:pPr marL="0" lvl="0" indent="0" algn="ctr" defTabSz="622300">
+            <a:lnSpc>
+              <a:spcPct val="90000"/>
+            </a:lnSpc>
+            <a:spcBef>
+              <a:spcPct val="0"/>
+            </a:spcBef>
+            <a:spcAft>
+              <a:spcPct val="35000"/>
+            </a:spcAft>
+            <a:buNone/>
+          </a:pPr>
+          <a:r>
+            <a:rPr lang="de-DE" sz="1400" kern="1200" dirty="0"/>
+            <a:t>Einführung Spring</a:t>
+          </a:r>
+        </a:p>
+      </dsp:txBody>
+      <dsp:txXfrm>
+        <a:off x="356499" y="447854"/>
+        <a:ext cx="1060388" cy="706925"/>
+      </dsp:txXfrm>
+    </dsp:sp>
+    <dsp:sp modelId="{C1AB1E3E-90D9-49E3-ADF6-E7E60EBC974A}">
+      <dsp:nvSpPr>
+        <dsp:cNvPr id="0" name=""/>
+        <dsp:cNvSpPr/>
+      </dsp:nvSpPr>
+      <dsp:spPr>
+        <a:xfrm>
+          <a:off x="1593618" y="447854"/>
+          <a:ext cx="1767313" cy="706925"/>
+        </a:xfrm>
+        <a:prstGeom prst="chevron">
+          <a:avLst/>
+        </a:prstGeom>
+        <a:solidFill>
+          <a:schemeClr val="accent1">
+            <a:hueOff val="0"/>
+            <a:satOff val="0"/>
+            <a:lumOff val="0"/>
+            <a:alphaOff val="0"/>
+          </a:schemeClr>
+        </a:solidFill>
+        <a:ln w="10795" cap="flat" cmpd="sng" algn="ctr">
+          <a:solidFill>
+            <a:schemeClr val="lt1">
+              <a:hueOff val="0"/>
+              <a:satOff val="0"/>
+              <a:lumOff val="0"/>
+              <a:alphaOff val="0"/>
+            </a:schemeClr>
+          </a:solidFill>
+          <a:prstDash val="solid"/>
+        </a:ln>
+        <a:effectLst/>
+      </dsp:spPr>
+      <dsp:style>
+        <a:lnRef idx="2">
+          <a:scrgbClr r="0" g="0" b="0"/>
+        </a:lnRef>
+        <a:fillRef idx="1">
+          <a:scrgbClr r="0" g="0" b="0"/>
+        </a:fillRef>
+        <a:effectRef idx="0">
+          <a:scrgbClr r="0" g="0" b="0"/>
+        </a:effectRef>
+        <a:fontRef idx="minor">
+          <a:schemeClr val="lt1"/>
+        </a:fontRef>
+      </dsp:style>
+      <dsp:txBody>
+        <a:bodyPr spcFirstLastPara="0" vert="horz" wrap="square" lIns="56007" tIns="18669" rIns="18669" bIns="18669" numCol="1" spcCol="1270" anchor="ctr" anchorCtr="0">
+          <a:noAutofit/>
+        </a:bodyPr>
+        <a:lstStyle/>
+        <a:p>
+          <a:pPr marL="0" lvl="0" indent="0" algn="ctr" defTabSz="622300">
+            <a:lnSpc>
+              <a:spcPct val="90000"/>
+            </a:lnSpc>
+            <a:spcBef>
+              <a:spcPct val="0"/>
+            </a:spcBef>
+            <a:spcAft>
+              <a:spcPct val="35000"/>
+            </a:spcAft>
+            <a:buNone/>
+          </a:pPr>
+          <a:r>
+            <a:rPr lang="de-DE" sz="1400" kern="1200" dirty="0"/>
+            <a:t>REST Webservices</a:t>
+          </a:r>
+        </a:p>
+      </dsp:txBody>
+      <dsp:txXfrm>
+        <a:off x="1947081" y="447854"/>
+        <a:ext cx="1060388" cy="706925"/>
+      </dsp:txXfrm>
+    </dsp:sp>
+    <dsp:sp modelId="{A32CC01D-50EC-43F5-9EB4-BDE3B819DB4C}">
+      <dsp:nvSpPr>
+        <dsp:cNvPr id="0" name=""/>
+        <dsp:cNvSpPr/>
+      </dsp:nvSpPr>
+      <dsp:spPr>
+        <a:xfrm>
+          <a:off x="3184200" y="447854"/>
+          <a:ext cx="1767313" cy="706925"/>
+        </a:xfrm>
+        <a:prstGeom prst="chevron">
+          <a:avLst/>
+        </a:prstGeom>
+        <a:solidFill>
+          <a:schemeClr val="accent1">
+            <a:hueOff val="0"/>
+            <a:satOff val="0"/>
+            <a:lumOff val="0"/>
+            <a:alphaOff val="0"/>
+          </a:schemeClr>
+        </a:solidFill>
+        <a:ln w="10795" cap="flat" cmpd="sng" algn="ctr">
+          <a:solidFill>
+            <a:schemeClr val="lt1">
+              <a:hueOff val="0"/>
+              <a:satOff val="0"/>
+              <a:lumOff val="0"/>
+              <a:alphaOff val="0"/>
+            </a:schemeClr>
+          </a:solidFill>
+          <a:prstDash val="solid"/>
+        </a:ln>
+        <a:effectLst/>
+      </dsp:spPr>
+      <dsp:style>
+        <a:lnRef idx="2">
+          <a:scrgbClr r="0" g="0" b="0"/>
+        </a:lnRef>
+        <a:fillRef idx="1">
+          <a:scrgbClr r="0" g="0" b="0"/>
+        </a:fillRef>
+        <a:effectRef idx="0">
+          <a:scrgbClr r="0" g="0" b="0"/>
+        </a:effectRef>
+        <a:fontRef idx="minor">
+          <a:schemeClr val="lt1"/>
+        </a:fontRef>
+      </dsp:style>
+      <dsp:txBody>
+        <a:bodyPr spcFirstLastPara="0" vert="horz" wrap="square" lIns="56007" tIns="18669" rIns="18669" bIns="18669" numCol="1" spcCol="1270" anchor="ctr" anchorCtr="0">
+          <a:noAutofit/>
+        </a:bodyPr>
+        <a:lstStyle/>
+        <a:p>
+          <a:pPr marL="0" lvl="0" indent="0" algn="ctr" defTabSz="622300">
+            <a:lnSpc>
+              <a:spcPct val="90000"/>
+            </a:lnSpc>
+            <a:spcBef>
+              <a:spcPct val="0"/>
+            </a:spcBef>
+            <a:spcAft>
+              <a:spcPct val="35000"/>
+            </a:spcAft>
+            <a:buNone/>
+          </a:pPr>
+          <a:r>
+            <a:rPr lang="de-DE" sz="1400" kern="1200" dirty="0"/>
+            <a:t>Webservice oder Website</a:t>
+          </a:r>
+        </a:p>
+      </dsp:txBody>
+      <dsp:txXfrm>
+        <a:off x="3537663" y="447854"/>
+        <a:ext cx="1060388" cy="706925"/>
+      </dsp:txXfrm>
+    </dsp:sp>
+    <dsp:sp modelId="{F4D1F037-EABE-44F7-83AF-9AA11A497827}">
+      <dsp:nvSpPr>
+        <dsp:cNvPr id="0" name=""/>
+        <dsp:cNvSpPr/>
+      </dsp:nvSpPr>
+      <dsp:spPr>
+        <a:xfrm>
+          <a:off x="4774783" y="447854"/>
+          <a:ext cx="1767313" cy="706925"/>
+        </a:xfrm>
+        <a:prstGeom prst="chevron">
+          <a:avLst/>
+        </a:prstGeom>
+        <a:solidFill>
+          <a:schemeClr val="accent1">
+            <a:hueOff val="0"/>
+            <a:satOff val="0"/>
+            <a:lumOff val="0"/>
+            <a:alphaOff val="0"/>
+          </a:schemeClr>
+        </a:solidFill>
+        <a:ln w="10795" cap="flat" cmpd="sng" algn="ctr">
+          <a:solidFill>
+            <a:schemeClr val="lt1">
+              <a:hueOff val="0"/>
+              <a:satOff val="0"/>
+              <a:lumOff val="0"/>
+              <a:alphaOff val="0"/>
+            </a:schemeClr>
+          </a:solidFill>
+          <a:prstDash val="solid"/>
+        </a:ln>
+        <a:effectLst/>
+      </dsp:spPr>
+      <dsp:style>
+        <a:lnRef idx="2">
+          <a:scrgbClr r="0" g="0" b="0"/>
+        </a:lnRef>
+        <a:fillRef idx="1">
+          <a:scrgbClr r="0" g="0" b="0"/>
+        </a:fillRef>
+        <a:effectRef idx="0">
+          <a:scrgbClr r="0" g="0" b="0"/>
+        </a:effectRef>
+        <a:fontRef idx="minor">
+          <a:schemeClr val="lt1"/>
+        </a:fontRef>
+      </dsp:style>
+      <dsp:txBody>
+        <a:bodyPr spcFirstLastPara="0" vert="horz" wrap="square" lIns="56007" tIns="18669" rIns="18669" bIns="18669" numCol="1" spcCol="1270" anchor="ctr" anchorCtr="0">
+          <a:noAutofit/>
+        </a:bodyPr>
+        <a:lstStyle/>
+        <a:p>
+          <a:pPr marL="0" lvl="0" indent="0" algn="ctr" defTabSz="622300">
+            <a:lnSpc>
+              <a:spcPct val="90000"/>
+            </a:lnSpc>
+            <a:spcBef>
+              <a:spcPct val="0"/>
+            </a:spcBef>
+            <a:spcAft>
+              <a:spcPct val="35000"/>
+            </a:spcAft>
+            <a:buNone/>
+          </a:pPr>
+          <a:r>
+            <a:rPr lang="de-DE" sz="1400" kern="1200" dirty="0"/>
+            <a:t>???</a:t>
+          </a:r>
+        </a:p>
+      </dsp:txBody>
+      <dsp:txXfrm>
+        <a:off x="5128246" y="447854"/>
+        <a:ext cx="1060388" cy="706925"/>
       </dsp:txXfrm>
     </dsp:sp>
   </dsp:spTree>
@@ -2122,7 +3439,1324 @@
 </dgm:layoutDef>
 </file>
 
+<file path=ppt/diagrams/layout2.xml><?xml version="1.0" encoding="utf-8"?>
+<dgm:layoutDef xmlns:dgm="http://schemas.openxmlformats.org/drawingml/2006/diagram" xmlns:a="http://schemas.openxmlformats.org/drawingml/2006/main" uniqueId="urn:microsoft.com/office/officeart/2005/8/layout/chevron1">
+  <dgm:title val=""/>
+  <dgm:desc val=""/>
+  <dgm:catLst>
+    <dgm:cat type="process" pri="9000"/>
+  </dgm:catLst>
+  <dgm:sampData useDef="1">
+    <dgm:dataModel>
+      <dgm:ptLst/>
+      <dgm:bg/>
+      <dgm:whole/>
+    </dgm:dataModel>
+  </dgm:sampData>
+  <dgm:styleData>
+    <dgm:dataModel>
+      <dgm:ptLst>
+        <dgm:pt modelId="0" type="doc"/>
+        <dgm:pt modelId="1"/>
+        <dgm:pt modelId="2"/>
+      </dgm:ptLst>
+      <dgm:cxnLst>
+        <dgm:cxn modelId="3" srcId="0" destId="1" srcOrd="0" destOrd="0"/>
+        <dgm:cxn modelId="4" srcId="0" destId="2" srcOrd="1" destOrd="0"/>
+      </dgm:cxnLst>
+      <dgm:bg/>
+      <dgm:whole/>
+    </dgm:dataModel>
+  </dgm:styleData>
+  <dgm:clrData>
+    <dgm:dataModel>
+      <dgm:ptLst>
+        <dgm:pt modelId="0" type="doc"/>
+        <dgm:pt modelId="1"/>
+        <dgm:pt modelId="2"/>
+        <dgm:pt modelId="3"/>
+        <dgm:pt modelId="4"/>
+      </dgm:ptLst>
+      <dgm:cxnLst>
+        <dgm:cxn modelId="5" srcId="0" destId="1" srcOrd="0" destOrd="0"/>
+        <dgm:cxn modelId="6" srcId="0" destId="2" srcOrd="1" destOrd="0"/>
+        <dgm:cxn modelId="7" srcId="0" destId="3" srcOrd="2" destOrd="0"/>
+        <dgm:cxn modelId="8" srcId="0" destId="4" srcOrd="3" destOrd="0"/>
+      </dgm:cxnLst>
+      <dgm:bg/>
+      <dgm:whole/>
+    </dgm:dataModel>
+  </dgm:clrData>
+  <dgm:layoutNode name="Name0">
+    <dgm:varLst>
+      <dgm:dir/>
+      <dgm:animLvl val="lvl"/>
+      <dgm:resizeHandles val="exact"/>
+    </dgm:varLst>
+    <dgm:choose name="Name1">
+      <dgm:if name="Name2" func="var" arg="dir" op="equ" val="norm">
+        <dgm:alg type="lin"/>
+      </dgm:if>
+      <dgm:else name="Name3">
+        <dgm:alg type="lin">
+          <dgm:param type="linDir" val="fromR"/>
+        </dgm:alg>
+      </dgm:else>
+    </dgm:choose>
+    <dgm:shape xmlns:r="http://schemas.openxmlformats.org/officeDocument/2006/relationships" r:blip="">
+      <dgm:adjLst/>
+    </dgm:shape>
+    <dgm:presOf/>
+    <dgm:choose name="Name4">
+      <dgm:if name="Name5" axis="des" func="maxDepth" op="gte" val="2">
+        <dgm:constrLst>
+          <dgm:constr type="h" for="ch" forName="composite" refType="h"/>
+          <dgm:constr type="w" for="ch" forName="composite" refType="w"/>
+          <dgm:constr type="w" for="des" forName="parTx"/>
+          <dgm:constr type="h" for="des" forName="parTx" op="equ"/>
+          <dgm:constr type="w" for="des" forName="desTx"/>
+          <dgm:constr type="h" for="des" forName="desTx" op="equ"/>
+          <dgm:constr type="primFontSz" for="des" forName="parTx" val="65"/>
+          <dgm:constr type="secFontSz" for="des" forName="desTx" refType="primFontSz" refFor="des" refForName="parTx" op="equ"/>
+          <dgm:constr type="h" for="des" forName="parTx" refType="primFontSz" refFor="des" refForName="parTx" fact="1.5"/>
+          <dgm:constr type="h" for="des" forName="desTx" refType="primFontSz" refFor="des" refForName="parTx" fact="0.5"/>
+          <dgm:constr type="w" for="ch" forName="space" op="equ" val="-6"/>
+        </dgm:constrLst>
+        <dgm:ruleLst>
+          <dgm:rule type="w" for="ch" forName="composite" val="0" fact="NaN" max="NaN"/>
+          <dgm:rule type="primFontSz" for="des" forName="parTx" val="5" fact="NaN" max="NaN"/>
+        </dgm:ruleLst>
+        <dgm:forEach name="Name6" axis="ch" ptType="node">
+          <dgm:layoutNode name="composite">
+            <dgm:alg type="composite"/>
+            <dgm:shape xmlns:r="http://schemas.openxmlformats.org/officeDocument/2006/relationships" r:blip="">
+              <dgm:adjLst/>
+            </dgm:shape>
+            <dgm:presOf/>
+            <dgm:choose name="Name7">
+              <dgm:if name="Name8" func="var" arg="dir" op="equ" val="norm">
+                <dgm:constrLst>
+                  <dgm:constr type="l" for="ch" forName="parTx"/>
+                  <dgm:constr type="w" for="ch" forName="parTx" refType="w"/>
+                  <dgm:constr type="t" for="ch" forName="parTx"/>
+                  <dgm:constr type="l" for="ch" forName="desTx"/>
+                  <dgm:constr type="w" for="ch" forName="desTx" refType="w" refFor="ch" refForName="parTx" fact="0.8"/>
+                  <dgm:constr type="t" for="ch" forName="desTx" refType="h" refFor="ch" refForName="parTx" fact="1.125"/>
+                </dgm:constrLst>
+              </dgm:if>
+              <dgm:else name="Name9">
+                <dgm:constrLst>
+                  <dgm:constr type="l" for="ch" forName="parTx"/>
+                  <dgm:constr type="w" for="ch" forName="parTx" refType="w"/>
+                  <dgm:constr type="t" for="ch" forName="parTx"/>
+                  <dgm:constr type="l" for="ch" forName="desTx" refType="w" fact="0.2"/>
+                  <dgm:constr type="w" for="ch" forName="desTx" refType="w" refFor="ch" refForName="parTx" fact="0.8"/>
+                  <dgm:constr type="t" for="ch" forName="desTx" refType="h" refFor="ch" refForName="parTx" fact="1.125"/>
+                </dgm:constrLst>
+              </dgm:else>
+            </dgm:choose>
+            <dgm:ruleLst>
+              <dgm:rule type="h" val="INF" fact="NaN" max="NaN"/>
+            </dgm:ruleLst>
+            <dgm:layoutNode name="parTx">
+              <dgm:varLst>
+                <dgm:chMax val="0"/>
+                <dgm:chPref val="0"/>
+                <dgm:bulletEnabled val="1"/>
+              </dgm:varLst>
+              <dgm:alg type="tx"/>
+              <dgm:choose name="Name10">
+                <dgm:if name="Name11" func="var" arg="dir" op="equ" val="norm">
+                  <dgm:shape xmlns:r="http://schemas.openxmlformats.org/officeDocument/2006/relationships" type="chevron" r:blip="">
+                    <dgm:adjLst/>
+                  </dgm:shape>
+                </dgm:if>
+                <dgm:else name="Name12">
+                  <dgm:shape xmlns:r="http://schemas.openxmlformats.org/officeDocument/2006/relationships" rot="180" type="chevron" r:blip="">
+                    <dgm:adjLst/>
+                  </dgm:shape>
+                </dgm:else>
+              </dgm:choose>
+              <dgm:presOf axis="self" ptType="node"/>
+              <dgm:choose name="Name13">
+                <dgm:if name="Name14" func="var" arg="dir" op="equ" val="norm">
+                  <dgm:constrLst>
+                    <dgm:constr type="h" refType="w" op="lte" fact="0.4"/>
+                    <dgm:constr type="h"/>
+                    <dgm:constr type="tMarg" refType="primFontSz" fact="0.105"/>
+                    <dgm:constr type="bMarg" refType="primFontSz" fact="0.105"/>
+                    <dgm:constr type="lMarg" refType="primFontSz" fact="0.315"/>
+                    <dgm:constr type="rMarg" refType="primFontSz" fact="0.105"/>
+                  </dgm:constrLst>
+                </dgm:if>
+                <dgm:else name="Name15">
+                  <dgm:constrLst>
+                    <dgm:constr type="h" refType="w" op="lte" fact="0.4"/>
+                    <dgm:constr type="h"/>
+                    <dgm:constr type="tMarg" refType="primFontSz" fact="0.105"/>
+                    <dgm:constr type="bMarg" refType="primFontSz" fact="0.105"/>
+                    <dgm:constr type="lMarg" refType="primFontSz" fact="0.105"/>
+                    <dgm:constr type="rMarg" refType="primFontSz" fact="0.315"/>
+                  </dgm:constrLst>
+                </dgm:else>
+              </dgm:choose>
+              <dgm:ruleLst>
+                <dgm:rule type="h" val="INF" fact="NaN" max="NaN"/>
+              </dgm:ruleLst>
+            </dgm:layoutNode>
+            <dgm:layoutNode name="desTx" styleLbl="revTx">
+              <dgm:varLst>
+                <dgm:bulletEnabled val="1"/>
+              </dgm:varLst>
+              <dgm:alg type="tx">
+                <dgm:param type="stBulletLvl" val="1"/>
+              </dgm:alg>
+              <dgm:choose name="Name16">
+                <dgm:if name="Name17" axis="ch" ptType="node" func="cnt" op="gte" val="1">
+                  <dgm:shape xmlns:r="http://schemas.openxmlformats.org/officeDocument/2006/relationships" type="rect" r:blip="">
+                    <dgm:adjLst/>
+                  </dgm:shape>
+                </dgm:if>
+                <dgm:else name="Name18">
+                  <dgm:shape xmlns:r="http://schemas.openxmlformats.org/officeDocument/2006/relationships" type="rect" r:blip="" hideGeom="1">
+                    <dgm:adjLst/>
+                  </dgm:shape>
+                </dgm:else>
+              </dgm:choose>
+              <dgm:presOf axis="des" ptType="node"/>
+              <dgm:constrLst>
+                <dgm:constr type="secFontSz" val="65"/>
+                <dgm:constr type="primFontSz" refType="secFontSz"/>
+                <dgm:constr type="h"/>
+                <dgm:constr type="tMarg"/>
+                <dgm:constr type="bMarg"/>
+                <dgm:constr type="rMarg"/>
+                <dgm:constr type="lMarg"/>
+              </dgm:constrLst>
+              <dgm:ruleLst>
+                <dgm:rule type="h" val="INF" fact="NaN" max="NaN"/>
+              </dgm:ruleLst>
+            </dgm:layoutNode>
+          </dgm:layoutNode>
+          <dgm:forEach name="Name19" axis="followSib" ptType="sibTrans" cnt="1">
+            <dgm:layoutNode name="space">
+              <dgm:alg type="sp"/>
+              <dgm:shape xmlns:r="http://schemas.openxmlformats.org/officeDocument/2006/relationships" r:blip="">
+                <dgm:adjLst/>
+              </dgm:shape>
+              <dgm:presOf/>
+              <dgm:constrLst/>
+              <dgm:ruleLst/>
+            </dgm:layoutNode>
+          </dgm:forEach>
+        </dgm:forEach>
+      </dgm:if>
+      <dgm:else name="Name20">
+        <dgm:constrLst>
+          <dgm:constr type="w" for="ch" forName="parTxOnly" refType="w"/>
+          <dgm:constr type="h" for="des" forName="parTxOnly" op="equ"/>
+          <dgm:constr type="primFontSz" for="des" forName="parTxOnly" op="equ" val="65"/>
+          <dgm:constr type="w" for="ch" forName="parTxOnlySpace" refType="w" refFor="ch" refForName="parTxOnly" fact="-0.1"/>
+        </dgm:constrLst>
+        <dgm:ruleLst/>
+        <dgm:forEach name="Name21" axis="ch" ptType="node">
+          <dgm:layoutNode name="parTxOnly">
+            <dgm:varLst>
+              <dgm:chMax val="0"/>
+              <dgm:chPref val="0"/>
+              <dgm:bulletEnabled val="1"/>
+            </dgm:varLst>
+            <dgm:alg type="tx"/>
+            <dgm:choose name="Name22">
+              <dgm:if name="Name23" func="var" arg="dir" op="equ" val="norm">
+                <dgm:shape xmlns:r="http://schemas.openxmlformats.org/officeDocument/2006/relationships" type="chevron" r:blip="">
+                  <dgm:adjLst/>
+                </dgm:shape>
+              </dgm:if>
+              <dgm:else name="Name24">
+                <dgm:shape xmlns:r="http://schemas.openxmlformats.org/officeDocument/2006/relationships" rot="180" type="chevron" r:blip="">
+                  <dgm:adjLst/>
+                </dgm:shape>
+              </dgm:else>
+            </dgm:choose>
+            <dgm:presOf axis="self" ptType="node"/>
+            <dgm:choose name="Name25">
+              <dgm:if name="Name26" func="var" arg="dir" op="equ" val="norm">
+                <dgm:constrLst>
+                  <dgm:constr type="h" refType="w" op="equ" fact="0.4"/>
+                  <dgm:constr type="tMarg" refType="primFontSz" fact="0.105"/>
+                  <dgm:constr type="bMarg" refType="primFontSz" fact="0.105"/>
+                  <dgm:constr type="lMarg" refType="primFontSz" fact="0.315"/>
+                  <dgm:constr type="rMarg" refType="primFontSz" fact="0.105"/>
+                </dgm:constrLst>
+              </dgm:if>
+              <dgm:else name="Name27">
+                <dgm:constrLst>
+                  <dgm:constr type="h" refType="w" op="equ" fact="0.4"/>
+                  <dgm:constr type="tMarg" refType="primFontSz" fact="0.105"/>
+                  <dgm:constr type="bMarg" refType="primFontSz" fact="0.105"/>
+                  <dgm:constr type="lMarg" refType="primFontSz" fact="0.105"/>
+                  <dgm:constr type="rMarg" refType="primFontSz" fact="0.315"/>
+                </dgm:constrLst>
+              </dgm:else>
+            </dgm:choose>
+            <dgm:ruleLst>
+              <dgm:rule type="primFontSz" val="5" fact="NaN" max="NaN"/>
+            </dgm:ruleLst>
+          </dgm:layoutNode>
+          <dgm:forEach name="Name28" axis="followSib" ptType="sibTrans" cnt="1">
+            <dgm:layoutNode name="parTxOnlySpace">
+              <dgm:alg type="sp"/>
+              <dgm:shape xmlns:r="http://schemas.openxmlformats.org/officeDocument/2006/relationships" r:blip="">
+                <dgm:adjLst/>
+              </dgm:shape>
+              <dgm:presOf/>
+              <dgm:constrLst/>
+              <dgm:ruleLst/>
+            </dgm:layoutNode>
+          </dgm:forEach>
+        </dgm:forEach>
+      </dgm:else>
+    </dgm:choose>
+  </dgm:layoutNode>
+</dgm:layoutDef>
+</file>
+
 <file path=ppt/diagrams/quickStyle1.xml><?xml version="1.0" encoding="utf-8"?>
+<dgm:styleDef xmlns:dgm="http://schemas.openxmlformats.org/drawingml/2006/diagram" xmlns:a="http://schemas.openxmlformats.org/drawingml/2006/main" uniqueId="urn:microsoft.com/office/officeart/2005/8/quickstyle/simple1">
+  <dgm:title val=""/>
+  <dgm:desc val=""/>
+  <dgm:catLst>
+    <dgm:cat type="simple" pri="10100"/>
+  </dgm:catLst>
+  <dgm:scene3d>
+    <a:camera prst="orthographicFront"/>
+    <a:lightRig rig="threePt" dir="t"/>
+  </dgm:scene3d>
+  <dgm:styleLbl name="node0">
+    <dgm:scene3d>
+      <a:camera prst="orthographicFront"/>
+      <a:lightRig rig="threePt" dir="t"/>
+    </dgm:scene3d>
+    <dgm:sp3d/>
+    <dgm:txPr/>
+    <dgm:style>
+      <a:lnRef idx="2">
+        <a:scrgbClr r="0" g="0" b="0"/>
+      </a:lnRef>
+      <a:fillRef idx="1">
+        <a:scrgbClr r="0" g="0" b="0"/>
+      </a:fillRef>
+      <a:effectRef idx="0">
+        <a:scrgbClr r="0" g="0" b="0"/>
+      </a:effectRef>
+      <a:fontRef idx="minor">
+        <a:schemeClr val="lt1"/>
+      </a:fontRef>
+    </dgm:style>
+  </dgm:styleLbl>
+  <dgm:styleLbl name="lnNode1">
+    <dgm:scene3d>
+      <a:camera prst="orthographicFront"/>
+      <a:lightRig rig="threePt" dir="t"/>
+    </dgm:scene3d>
+    <dgm:sp3d/>
+    <dgm:txPr/>
+    <dgm:style>
+      <a:lnRef idx="2">
+        <a:scrgbClr r="0" g="0" b="0"/>
+      </a:lnRef>
+      <a:fillRef idx="1">
+        <a:scrgbClr r="0" g="0" b="0"/>
+      </a:fillRef>
+      <a:effectRef idx="0">
+        <a:scrgbClr r="0" g="0" b="0"/>
+      </a:effectRef>
+      <a:fontRef idx="minor">
+        <a:schemeClr val="lt1"/>
+      </a:fontRef>
+    </dgm:style>
+  </dgm:styleLbl>
+  <dgm:styleLbl name="vennNode1">
+    <dgm:scene3d>
+      <a:camera prst="orthographicFront"/>
+      <a:lightRig rig="threePt" dir="t"/>
+    </dgm:scene3d>
+    <dgm:sp3d/>
+    <dgm:txPr/>
+    <dgm:style>
+      <a:lnRef idx="2">
+        <a:scrgbClr r="0" g="0" b="0"/>
+      </a:lnRef>
+      <a:fillRef idx="1">
+        <a:scrgbClr r="0" g="0" b="0"/>
+      </a:fillRef>
+      <a:effectRef idx="0">
+        <a:scrgbClr r="0" g="0" b="0"/>
+      </a:effectRef>
+      <a:fontRef idx="minor">
+        <a:schemeClr val="tx1"/>
+      </a:fontRef>
+    </dgm:style>
+  </dgm:styleLbl>
+  <dgm:styleLbl name="alignNode1">
+    <dgm:scene3d>
+      <a:camera prst="orthographicFront"/>
+      <a:lightRig rig="threePt" dir="t"/>
+    </dgm:scene3d>
+    <dgm:sp3d/>
+    <dgm:txPr/>
+    <dgm:style>
+      <a:lnRef idx="2">
+        <a:scrgbClr r="0" g="0" b="0"/>
+      </a:lnRef>
+      <a:fillRef idx="1">
+        <a:scrgbClr r="0" g="0" b="0"/>
+      </a:fillRef>
+      <a:effectRef idx="0">
+        <a:scrgbClr r="0" g="0" b="0"/>
+      </a:effectRef>
+      <a:fontRef idx="minor">
+        <a:schemeClr val="lt1"/>
+      </a:fontRef>
+    </dgm:style>
+  </dgm:styleLbl>
+  <dgm:styleLbl name="node1">
+    <dgm:scene3d>
+      <a:camera prst="orthographicFront"/>
+      <a:lightRig rig="threePt" dir="t"/>
+    </dgm:scene3d>
+    <dgm:sp3d/>
+    <dgm:txPr/>
+    <dgm:style>
+      <a:lnRef idx="2">
+        <a:scrgbClr r="0" g="0" b="0"/>
+      </a:lnRef>
+      <a:fillRef idx="1">
+        <a:scrgbClr r="0" g="0" b="0"/>
+      </a:fillRef>
+      <a:effectRef idx="0">
+        <a:scrgbClr r="0" g="0" b="0"/>
+      </a:effectRef>
+      <a:fontRef idx="minor">
+        <a:schemeClr val="lt1"/>
+      </a:fontRef>
+    </dgm:style>
+  </dgm:styleLbl>
+  <dgm:styleLbl name="node2">
+    <dgm:scene3d>
+      <a:camera prst="orthographicFront"/>
+      <a:lightRig rig="threePt" dir="t"/>
+    </dgm:scene3d>
+    <dgm:sp3d/>
+    <dgm:txPr/>
+    <dgm:style>
+      <a:lnRef idx="2">
+        <a:scrgbClr r="0" g="0" b="0"/>
+      </a:lnRef>
+      <a:fillRef idx="1">
+        <a:scrgbClr r="0" g="0" b="0"/>
+      </a:fillRef>
+      <a:effectRef idx="0">
+        <a:scrgbClr r="0" g="0" b="0"/>
+      </a:effectRef>
+      <a:fontRef idx="minor">
+        <a:schemeClr val="lt1"/>
+      </a:fontRef>
+    </dgm:style>
+  </dgm:styleLbl>
+  <dgm:styleLbl name="node3">
+    <dgm:scene3d>
+      <a:camera prst="orthographicFront"/>
+      <a:lightRig rig="threePt" dir="t"/>
+    </dgm:scene3d>
+    <dgm:sp3d/>
+    <dgm:txPr/>
+    <dgm:style>
+      <a:lnRef idx="2">
+        <a:scrgbClr r="0" g="0" b="0"/>
+      </a:lnRef>
+      <a:fillRef idx="1">
+        <a:scrgbClr r="0" g="0" b="0"/>
+      </a:fillRef>
+      <a:effectRef idx="0">
+        <a:scrgbClr r="0" g="0" b="0"/>
+      </a:effectRef>
+      <a:fontRef idx="minor">
+        <a:schemeClr val="lt1"/>
+      </a:fontRef>
+    </dgm:style>
+  </dgm:styleLbl>
+  <dgm:styleLbl name="node4">
+    <dgm:scene3d>
+      <a:camera prst="orthographicFront"/>
+      <a:lightRig rig="threePt" dir="t"/>
+    </dgm:scene3d>
+    <dgm:sp3d/>
+    <dgm:txPr/>
+    <dgm:style>
+      <a:lnRef idx="2">
+        <a:scrgbClr r="0" g="0" b="0"/>
+      </a:lnRef>
+      <a:fillRef idx="1">
+        <a:scrgbClr r="0" g="0" b="0"/>
+      </a:fillRef>
+      <a:effectRef idx="0">
+        <a:scrgbClr r="0" g="0" b="0"/>
+      </a:effectRef>
+      <a:fontRef idx="minor">
+        <a:schemeClr val="lt1"/>
+      </a:fontRef>
+    </dgm:style>
+  </dgm:styleLbl>
+  <dgm:styleLbl name="fgImgPlace1">
+    <dgm:scene3d>
+      <a:camera prst="orthographicFront"/>
+      <a:lightRig rig="threePt" dir="t"/>
+    </dgm:scene3d>
+    <dgm:sp3d/>
+    <dgm:txPr/>
+    <dgm:style>
+      <a:lnRef idx="2">
+        <a:scrgbClr r="0" g="0" b="0"/>
+      </a:lnRef>
+      <a:fillRef idx="1">
+        <a:scrgbClr r="0" g="0" b="0"/>
+      </a:fillRef>
+      <a:effectRef idx="0">
+        <a:scrgbClr r="0" g="0" b="0"/>
+      </a:effectRef>
+      <a:fontRef idx="minor"/>
+    </dgm:style>
+  </dgm:styleLbl>
+  <dgm:styleLbl name="alignImgPlace1">
+    <dgm:scene3d>
+      <a:camera prst="orthographicFront"/>
+      <a:lightRig rig="threePt" dir="t"/>
+    </dgm:scene3d>
+    <dgm:sp3d/>
+    <dgm:txPr/>
+    <dgm:style>
+      <a:lnRef idx="2">
+        <a:scrgbClr r="0" g="0" b="0"/>
+      </a:lnRef>
+      <a:fillRef idx="1">
+        <a:scrgbClr r="0" g="0" b="0"/>
+      </a:fillRef>
+      <a:effectRef idx="0">
+        <a:scrgbClr r="0" g="0" b="0"/>
+      </a:effectRef>
+      <a:fontRef idx="minor"/>
+    </dgm:style>
+  </dgm:styleLbl>
+  <dgm:styleLbl name="bgImgPlace1">
+    <dgm:scene3d>
+      <a:camera prst="orthographicFront"/>
+      <a:lightRig rig="threePt" dir="t"/>
+    </dgm:scene3d>
+    <dgm:sp3d/>
+    <dgm:txPr/>
+    <dgm:style>
+      <a:lnRef idx="2">
+        <a:scrgbClr r="0" g="0" b="0"/>
+      </a:lnRef>
+      <a:fillRef idx="1">
+        <a:scrgbClr r="0" g="0" b="0"/>
+      </a:fillRef>
+      <a:effectRef idx="0">
+        <a:scrgbClr r="0" g="0" b="0"/>
+      </a:effectRef>
+      <a:fontRef idx="minor"/>
+    </dgm:style>
+  </dgm:styleLbl>
+  <dgm:styleLbl name="sibTrans2D1">
+    <dgm:scene3d>
+      <a:camera prst="orthographicFront"/>
+      <a:lightRig rig="threePt" dir="t"/>
+    </dgm:scene3d>
+    <dgm:sp3d/>
+    <dgm:txPr/>
+    <dgm:style>
+      <a:lnRef idx="0">
+        <a:scrgbClr r="0" g="0" b="0"/>
+      </a:lnRef>
+      <a:fillRef idx="1">
+        <a:scrgbClr r="0" g="0" b="0"/>
+      </a:fillRef>
+      <a:effectRef idx="0">
+        <a:scrgbClr r="0" g="0" b="0"/>
+      </a:effectRef>
+      <a:fontRef idx="minor">
+        <a:schemeClr val="lt1"/>
+      </a:fontRef>
+    </dgm:style>
+  </dgm:styleLbl>
+  <dgm:styleLbl name="fgSibTrans2D1">
+    <dgm:scene3d>
+      <a:camera prst="orthographicFront"/>
+      <a:lightRig rig="threePt" dir="t"/>
+    </dgm:scene3d>
+    <dgm:sp3d/>
+    <dgm:txPr/>
+    <dgm:style>
+      <a:lnRef idx="0">
+        <a:scrgbClr r="0" g="0" b="0"/>
+      </a:lnRef>
+      <a:fillRef idx="1">
+        <a:scrgbClr r="0" g="0" b="0"/>
+      </a:fillRef>
+      <a:effectRef idx="0">
+        <a:scrgbClr r="0" g="0" b="0"/>
+      </a:effectRef>
+      <a:fontRef idx="minor">
+        <a:schemeClr val="lt1"/>
+      </a:fontRef>
+    </dgm:style>
+  </dgm:styleLbl>
+  <dgm:styleLbl name="bgSibTrans2D1">
+    <dgm:scene3d>
+      <a:camera prst="orthographicFront"/>
+      <a:lightRig rig="threePt" dir="t"/>
+    </dgm:scene3d>
+    <dgm:sp3d/>
+    <dgm:txPr/>
+    <dgm:style>
+      <a:lnRef idx="0">
+        <a:scrgbClr r="0" g="0" b="0"/>
+      </a:lnRef>
+      <a:fillRef idx="1">
+        <a:scrgbClr r="0" g="0" b="0"/>
+      </a:fillRef>
+      <a:effectRef idx="0">
+        <a:scrgbClr r="0" g="0" b="0"/>
+      </a:effectRef>
+      <a:fontRef idx="minor">
+        <a:schemeClr val="lt1"/>
+      </a:fontRef>
+    </dgm:style>
+  </dgm:styleLbl>
+  <dgm:styleLbl name="sibTrans1D1">
+    <dgm:scene3d>
+      <a:camera prst="orthographicFront"/>
+      <a:lightRig rig="threePt" dir="t"/>
+    </dgm:scene3d>
+    <dgm:sp3d/>
+    <dgm:txPr/>
+    <dgm:style>
+      <a:lnRef idx="1">
+        <a:scrgbClr r="0" g="0" b="0"/>
+      </a:lnRef>
+      <a:fillRef idx="0">
+        <a:scrgbClr r="0" g="0" b="0"/>
+      </a:fillRef>
+      <a:effectRef idx="0">
+        <a:scrgbClr r="0" g="0" b="0"/>
+      </a:effectRef>
+      <a:fontRef idx="minor"/>
+    </dgm:style>
+  </dgm:styleLbl>
+  <dgm:styleLbl name="callout">
+    <dgm:scene3d>
+      <a:camera prst="orthographicFront"/>
+      <a:lightRig rig="threePt" dir="t"/>
+    </dgm:scene3d>
+    <dgm:sp3d/>
+    <dgm:txPr/>
+    <dgm:style>
+      <a:lnRef idx="2">
+        <a:scrgbClr r="0" g="0" b="0"/>
+      </a:lnRef>
+      <a:fillRef idx="1">
+        <a:scrgbClr r="0" g="0" b="0"/>
+      </a:fillRef>
+      <a:effectRef idx="0">
+        <a:scrgbClr r="0" g="0" b="0"/>
+      </a:effectRef>
+      <a:fontRef idx="minor"/>
+    </dgm:style>
+  </dgm:styleLbl>
+  <dgm:styleLbl name="asst0">
+    <dgm:scene3d>
+      <a:camera prst="orthographicFront"/>
+      <a:lightRig rig="threePt" dir="t"/>
+    </dgm:scene3d>
+    <dgm:sp3d/>
+    <dgm:txPr/>
+    <dgm:style>
+      <a:lnRef idx="2">
+        <a:scrgbClr r="0" g="0" b="0"/>
+      </a:lnRef>
+      <a:fillRef idx="1">
+        <a:scrgbClr r="0" g="0" b="0"/>
+      </a:fillRef>
+      <a:effectRef idx="0">
+        <a:scrgbClr r="0" g="0" b="0"/>
+      </a:effectRef>
+      <a:fontRef idx="minor">
+        <a:schemeClr val="lt1"/>
+      </a:fontRef>
+    </dgm:style>
+  </dgm:styleLbl>
+  <dgm:styleLbl name="asst1">
+    <dgm:scene3d>
+      <a:camera prst="orthographicFront"/>
+      <a:lightRig rig="threePt" dir="t"/>
+    </dgm:scene3d>
+    <dgm:sp3d/>
+    <dgm:txPr/>
+    <dgm:style>
+      <a:lnRef idx="2">
+        <a:scrgbClr r="0" g="0" b="0"/>
+      </a:lnRef>
+      <a:fillRef idx="1">
+        <a:scrgbClr r="0" g="0" b="0"/>
+      </a:fillRef>
+      <a:effectRef idx="0">
+        <a:scrgbClr r="0" g="0" b="0"/>
+      </a:effectRef>
+      <a:fontRef idx="minor">
+        <a:schemeClr val="lt1"/>
+      </a:fontRef>
+    </dgm:style>
+  </dgm:styleLbl>
+  <dgm:styleLbl name="asst2">
+    <dgm:scene3d>
+      <a:camera prst="orthographicFront"/>
+      <a:lightRig rig="threePt" dir="t"/>
+    </dgm:scene3d>
+    <dgm:sp3d/>
+    <dgm:txPr/>
+    <dgm:style>
+      <a:lnRef idx="2">
+        <a:scrgbClr r="0" g="0" b="0"/>
+      </a:lnRef>
+      <a:fillRef idx="1">
+        <a:scrgbClr r="0" g="0" b="0"/>
+      </a:fillRef>
+      <a:effectRef idx="0">
+        <a:scrgbClr r="0" g="0" b="0"/>
+      </a:effectRef>
+      <a:fontRef idx="minor">
+        <a:schemeClr val="lt1"/>
+      </a:fontRef>
+    </dgm:style>
+  </dgm:styleLbl>
+  <dgm:styleLbl name="asst3">
+    <dgm:scene3d>
+      <a:camera prst="orthographicFront"/>
+      <a:lightRig rig="threePt" dir="t"/>
+    </dgm:scene3d>
+    <dgm:sp3d/>
+    <dgm:txPr/>
+    <dgm:style>
+      <a:lnRef idx="2">
+        <a:scrgbClr r="0" g="0" b="0"/>
+      </a:lnRef>
+      <a:fillRef idx="1">
+        <a:scrgbClr r="0" g="0" b="0"/>
+      </a:fillRef>
+      <a:effectRef idx="0">
+        <a:scrgbClr r="0" g="0" b="0"/>
+      </a:effectRef>
+      <a:fontRef idx="minor">
+        <a:schemeClr val="lt1"/>
+      </a:fontRef>
+    </dgm:style>
+  </dgm:styleLbl>
+  <dgm:styleLbl name="asst4">
+    <dgm:scene3d>
+      <a:camera prst="orthographicFront"/>
+      <a:lightRig rig="threePt" dir="t"/>
+    </dgm:scene3d>
+    <dgm:sp3d/>
+    <dgm:txPr/>
+    <dgm:style>
+      <a:lnRef idx="2">
+        <a:scrgbClr r="0" g="0" b="0"/>
+      </a:lnRef>
+      <a:fillRef idx="1">
+        <a:scrgbClr r="0" g="0" b="0"/>
+      </a:fillRef>
+      <a:effectRef idx="0">
+        <a:scrgbClr r="0" g="0" b="0"/>
+      </a:effectRef>
+      <a:fontRef idx="minor">
+        <a:schemeClr val="lt1"/>
+      </a:fontRef>
+    </dgm:style>
+  </dgm:styleLbl>
+  <dgm:styleLbl name="parChTrans2D1">
+    <dgm:scene3d>
+      <a:camera prst="orthographicFront"/>
+      <a:lightRig rig="threePt" dir="t"/>
+    </dgm:scene3d>
+    <dgm:sp3d/>
+    <dgm:txPr/>
+    <dgm:style>
+      <a:lnRef idx="2">
+        <a:scrgbClr r="0" g="0" b="0"/>
+      </a:lnRef>
+      <a:fillRef idx="1">
+        <a:scrgbClr r="0" g="0" b="0"/>
+      </a:fillRef>
+      <a:effectRef idx="0">
+        <a:scrgbClr r="0" g="0" b="0"/>
+      </a:effectRef>
+      <a:fontRef idx="minor">
+        <a:schemeClr val="lt1"/>
+      </a:fontRef>
+    </dgm:style>
+  </dgm:styleLbl>
+  <dgm:styleLbl name="parChTrans2D2">
+    <dgm:scene3d>
+      <a:camera prst="orthographicFront"/>
+      <a:lightRig rig="threePt" dir="t"/>
+    </dgm:scene3d>
+    <dgm:sp3d/>
+    <dgm:txPr/>
+    <dgm:style>
+      <a:lnRef idx="2">
+        <a:scrgbClr r="0" g="0" b="0"/>
+      </a:lnRef>
+      <a:fillRef idx="1">
+        <a:scrgbClr r="0" g="0" b="0"/>
+      </a:fillRef>
+      <a:effectRef idx="0">
+        <a:scrgbClr r="0" g="0" b="0"/>
+      </a:effectRef>
+      <a:fontRef idx="minor">
+        <a:schemeClr val="lt1"/>
+      </a:fontRef>
+    </dgm:style>
+  </dgm:styleLbl>
+  <dgm:styleLbl name="parChTrans2D3">
+    <dgm:scene3d>
+      <a:camera prst="orthographicFront"/>
+      <a:lightRig rig="threePt" dir="t"/>
+    </dgm:scene3d>
+    <dgm:sp3d/>
+    <dgm:txPr/>
+    <dgm:style>
+      <a:lnRef idx="2">
+        <a:scrgbClr r="0" g="0" b="0"/>
+      </a:lnRef>
+      <a:fillRef idx="1">
+        <a:scrgbClr r="0" g="0" b="0"/>
+      </a:fillRef>
+      <a:effectRef idx="0">
+        <a:scrgbClr r="0" g="0" b="0"/>
+      </a:effectRef>
+      <a:fontRef idx="minor">
+        <a:schemeClr val="lt1"/>
+      </a:fontRef>
+    </dgm:style>
+  </dgm:styleLbl>
+  <dgm:styleLbl name="parChTrans2D4">
+    <dgm:scene3d>
+      <a:camera prst="orthographicFront"/>
+      <a:lightRig rig="threePt" dir="t"/>
+    </dgm:scene3d>
+    <dgm:sp3d/>
+    <dgm:txPr/>
+    <dgm:style>
+      <a:lnRef idx="2">
+        <a:scrgbClr r="0" g="0" b="0"/>
+      </a:lnRef>
+      <a:fillRef idx="1">
+        <a:scrgbClr r="0" g="0" b="0"/>
+      </a:fillRef>
+      <a:effectRef idx="0">
+        <a:scrgbClr r="0" g="0" b="0"/>
+      </a:effectRef>
+      <a:fontRef idx="minor">
+        <a:schemeClr val="lt1"/>
+      </a:fontRef>
+    </dgm:style>
+  </dgm:styleLbl>
+  <dgm:styleLbl name="parChTrans1D1">
+    <dgm:scene3d>
+      <a:camera prst="orthographicFront"/>
+      <a:lightRig rig="threePt" dir="t"/>
+    </dgm:scene3d>
+    <dgm:sp3d/>
+    <dgm:txPr/>
+    <dgm:style>
+      <a:lnRef idx="2">
+        <a:scrgbClr r="0" g="0" b="0"/>
+      </a:lnRef>
+      <a:fillRef idx="0">
+        <a:scrgbClr r="0" g="0" b="0"/>
+      </a:fillRef>
+      <a:effectRef idx="0">
+        <a:scrgbClr r="0" g="0" b="0"/>
+      </a:effectRef>
+      <a:fontRef idx="minor"/>
+    </dgm:style>
+  </dgm:styleLbl>
+  <dgm:styleLbl name="parChTrans1D2">
+    <dgm:scene3d>
+      <a:camera prst="orthographicFront"/>
+      <a:lightRig rig="threePt" dir="t"/>
+    </dgm:scene3d>
+    <dgm:sp3d/>
+    <dgm:txPr/>
+    <dgm:style>
+      <a:lnRef idx="2">
+        <a:scrgbClr r="0" g="0" b="0"/>
+      </a:lnRef>
+      <a:fillRef idx="0">
+        <a:scrgbClr r="0" g="0" b="0"/>
+      </a:fillRef>
+      <a:effectRef idx="0">
+        <a:scrgbClr r="0" g="0" b="0"/>
+      </a:effectRef>
+      <a:fontRef idx="minor"/>
+    </dgm:style>
+  </dgm:styleLbl>
+  <dgm:styleLbl name="parChTrans1D3">
+    <dgm:scene3d>
+      <a:camera prst="orthographicFront"/>
+      <a:lightRig rig="threePt" dir="t"/>
+    </dgm:scene3d>
+    <dgm:sp3d/>
+    <dgm:txPr/>
+    <dgm:style>
+      <a:lnRef idx="2">
+        <a:scrgbClr r="0" g="0" b="0"/>
+      </a:lnRef>
+      <a:fillRef idx="0">
+        <a:scrgbClr r="0" g="0" b="0"/>
+      </a:fillRef>
+      <a:effectRef idx="0">
+        <a:scrgbClr r="0" g="0" b="0"/>
+      </a:effectRef>
+      <a:fontRef idx="minor"/>
+    </dgm:style>
+  </dgm:styleLbl>
+  <dgm:styleLbl name="parChTrans1D4">
+    <dgm:scene3d>
+      <a:camera prst="orthographicFront"/>
+      <a:lightRig rig="threePt" dir="t"/>
+    </dgm:scene3d>
+    <dgm:sp3d/>
+    <dgm:txPr/>
+    <dgm:style>
+      <a:lnRef idx="2">
+        <a:scrgbClr r="0" g="0" b="0"/>
+      </a:lnRef>
+      <a:fillRef idx="0">
+        <a:scrgbClr r="0" g="0" b="0"/>
+      </a:fillRef>
+      <a:effectRef idx="0">
+        <a:scrgbClr r="0" g="0" b="0"/>
+      </a:effectRef>
+      <a:fontRef idx="minor"/>
+    </dgm:style>
+  </dgm:styleLbl>
+  <dgm:styleLbl name="fgAcc1">
+    <dgm:scene3d>
+      <a:camera prst="orthographicFront"/>
+      <a:lightRig rig="threePt" dir="t"/>
+    </dgm:scene3d>
+    <dgm:sp3d/>
+    <dgm:txPr/>
+    <dgm:style>
+      <a:lnRef idx="2">
+        <a:scrgbClr r="0" g="0" b="0"/>
+      </a:lnRef>
+      <a:fillRef idx="1">
+        <a:scrgbClr r="0" g="0" b="0"/>
+      </a:fillRef>
+      <a:effectRef idx="0">
+        <a:scrgbClr r="0" g="0" b="0"/>
+      </a:effectRef>
+      <a:fontRef idx="minor"/>
+    </dgm:style>
+  </dgm:styleLbl>
+  <dgm:styleLbl name="conFgAcc1">
+    <dgm:scene3d>
+      <a:camera prst="orthographicFront"/>
+      <a:lightRig rig="threePt" dir="t"/>
+    </dgm:scene3d>
+    <dgm:sp3d/>
+    <dgm:txPr/>
+    <dgm:style>
+      <a:lnRef idx="2">
+        <a:scrgbClr r="0" g="0" b="0"/>
+      </a:lnRef>
+      <a:fillRef idx="1">
+        <a:scrgbClr r="0" g="0" b="0"/>
+      </a:fillRef>
+      <a:effectRef idx="0">
+        <a:scrgbClr r="0" g="0" b="0"/>
+      </a:effectRef>
+      <a:fontRef idx="minor"/>
+    </dgm:style>
+  </dgm:styleLbl>
+  <dgm:styleLbl name="alignAcc1">
+    <dgm:scene3d>
+      <a:camera prst="orthographicFront"/>
+      <a:lightRig rig="threePt" dir="t"/>
+    </dgm:scene3d>
+    <dgm:sp3d/>
+    <dgm:txPr/>
+    <dgm:style>
+      <a:lnRef idx="2">
+        <a:scrgbClr r="0" g="0" b="0"/>
+      </a:lnRef>
+      <a:fillRef idx="1">
+        <a:scrgbClr r="0" g="0" b="0"/>
+      </a:fillRef>
+      <a:effectRef idx="0">
+        <a:scrgbClr r="0" g="0" b="0"/>
+      </a:effectRef>
+      <a:fontRef idx="minor"/>
+    </dgm:style>
+  </dgm:styleLbl>
+  <dgm:styleLbl name="trAlignAcc1">
+    <dgm:scene3d>
+      <a:camera prst="orthographicFront"/>
+      <a:lightRig rig="threePt" dir="t"/>
+    </dgm:scene3d>
+    <dgm:sp3d/>
+    <dgm:txPr/>
+    <dgm:style>
+      <a:lnRef idx="1">
+        <a:scrgbClr r="0" g="0" b="0"/>
+      </a:lnRef>
+      <a:fillRef idx="1">
+        <a:scrgbClr r="0" g="0" b="0"/>
+      </a:fillRef>
+      <a:effectRef idx="0">
+        <a:scrgbClr r="0" g="0" b="0"/>
+      </a:effectRef>
+      <a:fontRef idx="minor"/>
+    </dgm:style>
+  </dgm:styleLbl>
+  <dgm:styleLbl name="bgAcc1">
+    <dgm:scene3d>
+      <a:camera prst="orthographicFront"/>
+      <a:lightRig rig="threePt" dir="t"/>
+    </dgm:scene3d>
+    <dgm:sp3d/>
+    <dgm:txPr/>
+    <dgm:style>
+      <a:lnRef idx="2">
+        <a:scrgbClr r="0" g="0" b="0"/>
+      </a:lnRef>
+      <a:fillRef idx="1">
+        <a:scrgbClr r="0" g="0" b="0"/>
+      </a:fillRef>
+      <a:effectRef idx="0">
+        <a:scrgbClr r="0" g="0" b="0"/>
+      </a:effectRef>
+      <a:fontRef idx="minor"/>
+    </dgm:style>
+  </dgm:styleLbl>
+  <dgm:styleLbl name="solidFgAcc1">
+    <dgm:scene3d>
+      <a:camera prst="orthographicFront"/>
+      <a:lightRig rig="threePt" dir="t"/>
+    </dgm:scene3d>
+    <dgm:sp3d/>
+    <dgm:txPr/>
+    <dgm:style>
+      <a:lnRef idx="2">
+        <a:scrgbClr r="0" g="0" b="0"/>
+      </a:lnRef>
+      <a:fillRef idx="1">
+        <a:scrgbClr r="0" g="0" b="0"/>
+      </a:fillRef>
+      <a:effectRef idx="0">
+        <a:scrgbClr r="0" g="0" b="0"/>
+      </a:effectRef>
+      <a:fontRef idx="minor"/>
+    </dgm:style>
+  </dgm:styleLbl>
+  <dgm:styleLbl name="solidAlignAcc1">
+    <dgm:scene3d>
+      <a:camera prst="orthographicFront"/>
+      <a:lightRig rig="threePt" dir="t"/>
+    </dgm:scene3d>
+    <dgm:sp3d/>
+    <dgm:txPr/>
+    <dgm:style>
+      <a:lnRef idx="2">
+        <a:scrgbClr r="0" g="0" b="0"/>
+      </a:lnRef>
+      <a:fillRef idx="1">
+        <a:scrgbClr r="0" g="0" b="0"/>
+      </a:fillRef>
+      <a:effectRef idx="0">
+        <a:scrgbClr r="0" g="0" b="0"/>
+      </a:effectRef>
+      <a:fontRef idx="minor"/>
+    </dgm:style>
+  </dgm:styleLbl>
+  <dgm:styleLbl name="solidBgAcc1">
+    <dgm:scene3d>
+      <a:camera prst="orthographicFront"/>
+      <a:lightRig rig="threePt" dir="t"/>
+    </dgm:scene3d>
+    <dgm:sp3d/>
+    <dgm:txPr/>
+    <dgm:style>
+      <a:lnRef idx="2">
+        <a:scrgbClr r="0" g="0" b="0"/>
+      </a:lnRef>
+      <a:fillRef idx="1">
+        <a:scrgbClr r="0" g="0" b="0"/>
+      </a:fillRef>
+      <a:effectRef idx="0">
+        <a:scrgbClr r="0" g="0" b="0"/>
+      </a:effectRef>
+      <a:fontRef idx="minor"/>
+    </dgm:style>
+  </dgm:styleLbl>
+  <dgm:styleLbl name="fgAccFollowNode1">
+    <dgm:scene3d>
+      <a:camera prst="orthographicFront"/>
+      <a:lightRig rig="threePt" dir="t"/>
+    </dgm:scene3d>
+    <dgm:sp3d/>
+    <dgm:txPr/>
+    <dgm:style>
+      <a:lnRef idx="2">
+        <a:scrgbClr r="0" g="0" b="0"/>
+      </a:lnRef>
+      <a:fillRef idx="1">
+        <a:scrgbClr r="0" g="0" b="0"/>
+      </a:fillRef>
+      <a:effectRef idx="0">
+        <a:scrgbClr r="0" g="0" b="0"/>
+      </a:effectRef>
+      <a:fontRef idx="minor"/>
+    </dgm:style>
+  </dgm:styleLbl>
+  <dgm:styleLbl name="alignAccFollowNode1">
+    <dgm:scene3d>
+      <a:camera prst="orthographicFront"/>
+      <a:lightRig rig="threePt" dir="t"/>
+    </dgm:scene3d>
+    <dgm:sp3d/>
+    <dgm:txPr/>
+    <dgm:style>
+      <a:lnRef idx="2">
+        <a:scrgbClr r="0" g="0" b="0"/>
+      </a:lnRef>
+      <a:fillRef idx="1">
+        <a:scrgbClr r="0" g="0" b="0"/>
+      </a:fillRef>
+      <a:effectRef idx="0">
+        <a:scrgbClr r="0" g="0" b="0"/>
+      </a:effectRef>
+      <a:fontRef idx="minor"/>
+    </dgm:style>
+  </dgm:styleLbl>
+  <dgm:styleLbl name="bgAccFollowNode1">
+    <dgm:scene3d>
+      <a:camera prst="orthographicFront"/>
+      <a:lightRig rig="threePt" dir="t"/>
+    </dgm:scene3d>
+    <dgm:sp3d/>
+    <dgm:txPr/>
+    <dgm:style>
+      <a:lnRef idx="2">
+        <a:scrgbClr r="0" g="0" b="0"/>
+      </a:lnRef>
+      <a:fillRef idx="1">
+        <a:scrgbClr r="0" g="0" b="0"/>
+      </a:fillRef>
+      <a:effectRef idx="0">
+        <a:scrgbClr r="0" g="0" b="0"/>
+      </a:effectRef>
+      <a:fontRef idx="minor"/>
+    </dgm:style>
+  </dgm:styleLbl>
+  <dgm:styleLbl name="fgAcc0">
+    <dgm:scene3d>
+      <a:camera prst="orthographicFront"/>
+      <a:lightRig rig="threePt" dir="t"/>
+    </dgm:scene3d>
+    <dgm:sp3d/>
+    <dgm:txPr/>
+    <dgm:style>
+      <a:lnRef idx="2">
+        <a:scrgbClr r="0" g="0" b="0"/>
+      </a:lnRef>
+      <a:fillRef idx="1">
+        <a:scrgbClr r="0" g="0" b="0"/>
+      </a:fillRef>
+      <a:effectRef idx="0">
+        <a:scrgbClr r="0" g="0" b="0"/>
+      </a:effectRef>
+      <a:fontRef idx="minor"/>
+    </dgm:style>
+  </dgm:styleLbl>
+  <dgm:styleLbl name="fgAcc2">
+    <dgm:scene3d>
+      <a:camera prst="orthographicFront"/>
+      <a:lightRig rig="threePt" dir="t"/>
+    </dgm:scene3d>
+    <dgm:sp3d/>
+    <dgm:txPr/>
+    <dgm:style>
+      <a:lnRef idx="2">
+        <a:scrgbClr r="0" g="0" b="0"/>
+      </a:lnRef>
+      <a:fillRef idx="1">
+        <a:scrgbClr r="0" g="0" b="0"/>
+      </a:fillRef>
+      <a:effectRef idx="0">
+        <a:scrgbClr r="0" g="0" b="0"/>
+      </a:effectRef>
+      <a:fontRef idx="minor"/>
+    </dgm:style>
+  </dgm:styleLbl>
+  <dgm:styleLbl name="fgAcc3">
+    <dgm:scene3d>
+      <a:camera prst="orthographicFront"/>
+      <a:lightRig rig="threePt" dir="t"/>
+    </dgm:scene3d>
+    <dgm:sp3d/>
+    <dgm:txPr/>
+    <dgm:style>
+      <a:lnRef idx="2">
+        <a:scrgbClr r="0" g="0" b="0"/>
+      </a:lnRef>
+      <a:fillRef idx="1">
+        <a:scrgbClr r="0" g="0" b="0"/>
+      </a:fillRef>
+      <a:effectRef idx="0">
+        <a:scrgbClr r="0" g="0" b="0"/>
+      </a:effectRef>
+      <a:fontRef idx="minor"/>
+    </dgm:style>
+  </dgm:styleLbl>
+  <dgm:styleLbl name="fgAcc4">
+    <dgm:scene3d>
+      <a:camera prst="orthographicFront"/>
+      <a:lightRig rig="threePt" dir="t"/>
+    </dgm:scene3d>
+    <dgm:sp3d/>
+    <dgm:txPr/>
+    <dgm:style>
+      <a:lnRef idx="2">
+        <a:scrgbClr r="0" g="0" b="0"/>
+      </a:lnRef>
+      <a:fillRef idx="1">
+        <a:scrgbClr r="0" g="0" b="0"/>
+      </a:fillRef>
+      <a:effectRef idx="0">
+        <a:scrgbClr r="0" g="0" b="0"/>
+      </a:effectRef>
+      <a:fontRef idx="minor"/>
+    </dgm:style>
+  </dgm:styleLbl>
+  <dgm:styleLbl name="bgShp">
+    <dgm:scene3d>
+      <a:camera prst="orthographicFront"/>
+      <a:lightRig rig="threePt" dir="t"/>
+    </dgm:scene3d>
+    <dgm:sp3d/>
+    <dgm:txPr/>
+    <dgm:style>
+      <a:lnRef idx="0">
+        <a:scrgbClr r="0" g="0" b="0"/>
+      </a:lnRef>
+      <a:fillRef idx="1">
+        <a:scrgbClr r="0" g="0" b="0"/>
+      </a:fillRef>
+      <a:effectRef idx="0">
+        <a:scrgbClr r="0" g="0" b="0"/>
+      </a:effectRef>
+      <a:fontRef idx="minor"/>
+    </dgm:style>
+  </dgm:styleLbl>
+  <dgm:styleLbl name="dkBgShp">
+    <dgm:scene3d>
+      <a:camera prst="orthographicFront"/>
+      <a:lightRig rig="threePt" dir="t"/>
+    </dgm:scene3d>
+    <dgm:sp3d/>
+    <dgm:txPr/>
+    <dgm:style>
+      <a:lnRef idx="0">
+        <a:scrgbClr r="0" g="0" b="0"/>
+      </a:lnRef>
+      <a:fillRef idx="1">
+        <a:scrgbClr r="0" g="0" b="0"/>
+      </a:fillRef>
+      <a:effectRef idx="0">
+        <a:scrgbClr r="0" g="0" b="0"/>
+      </a:effectRef>
+      <a:fontRef idx="minor"/>
+    </dgm:style>
+  </dgm:styleLbl>
+  <dgm:styleLbl name="trBgShp">
+    <dgm:scene3d>
+      <a:camera prst="orthographicFront"/>
+      <a:lightRig rig="threePt" dir="t"/>
+    </dgm:scene3d>
+    <dgm:sp3d/>
+    <dgm:txPr/>
+    <dgm:style>
+      <a:lnRef idx="0">
+        <a:scrgbClr r="0" g="0" b="0"/>
+      </a:lnRef>
+      <a:fillRef idx="1">
+        <a:scrgbClr r="0" g="0" b="0"/>
+      </a:fillRef>
+      <a:effectRef idx="0">
+        <a:scrgbClr r="0" g="0" b="0"/>
+      </a:effectRef>
+      <a:fontRef idx="minor"/>
+    </dgm:style>
+  </dgm:styleLbl>
+  <dgm:styleLbl name="fgShp">
+    <dgm:scene3d>
+      <a:camera prst="orthographicFront"/>
+      <a:lightRig rig="threePt" dir="t"/>
+    </dgm:scene3d>
+    <dgm:sp3d/>
+    <dgm:txPr/>
+    <dgm:style>
+      <a:lnRef idx="2">
+        <a:scrgbClr r="0" g="0" b="0"/>
+      </a:lnRef>
+      <a:fillRef idx="1">
+        <a:scrgbClr r="0" g="0" b="0"/>
+      </a:fillRef>
+      <a:effectRef idx="0">
+        <a:scrgbClr r="0" g="0" b="0"/>
+      </a:effectRef>
+      <a:fontRef idx="minor"/>
+    </dgm:style>
+  </dgm:styleLbl>
+  <dgm:styleLbl name="revTx">
+    <dgm:scene3d>
+      <a:camera prst="orthographicFront"/>
+      <a:lightRig rig="threePt" dir="t"/>
+    </dgm:scene3d>
+    <dgm:sp3d/>
+    <dgm:txPr/>
+    <dgm:style>
+      <a:lnRef idx="0">
+        <a:scrgbClr r="0" g="0" b="0"/>
+      </a:lnRef>
+      <a:fillRef idx="0">
+        <a:scrgbClr r="0" g="0" b="0"/>
+      </a:fillRef>
+      <a:effectRef idx="0">
+        <a:scrgbClr r="0" g="0" b="0"/>
+      </a:effectRef>
+      <a:fontRef idx="minor"/>
+    </dgm:style>
+  </dgm:styleLbl>
+</dgm:styleDef>
+</file>
+
+<file path=ppt/diagrams/quickStyle2.xml><?xml version="1.0" encoding="utf-8"?>
 <dgm:styleDef xmlns:dgm="http://schemas.openxmlformats.org/drawingml/2006/diagram" xmlns:a="http://schemas.openxmlformats.org/drawingml/2006/main" uniqueId="urn:microsoft.com/office/officeart/2005/8/quickstyle/simple1">
   <dgm:title val=""/>
   <dgm:desc val=""/>
@@ -3250,7 +5884,7 @@
           <a:p>
             <a:fld id="{A4FF6716-91C8-43B5-8A44-D65BE93BEAF4}" type="datetimeFigureOut">
               <a:rPr lang="de-DE" smtClean="0"/>
-              <a:t>13.06.2020</a:t>
+              <a:t>14.06.2020</a:t>
             </a:fld>
             <a:endParaRPr lang="de-DE"/>
           </a:p>
@@ -3428,7 +6062,7 @@
           <a:p>
             <a:fld id="{78F9EC6D-9C59-4223-964A-334E089F8126}" type="datetimeFigureOut">
               <a:rPr lang="de-DE" noProof="0" smtClean="0"/>
-              <a:t>13.06.2020</a:t>
+              <a:t>14.06.2020</a:t>
             </a:fld>
             <a:endParaRPr lang="de-DE" noProof="0"/>
           </a:p>
@@ -3929,7 +6563,7 @@
           <a:p>
             <a:fld id="{76EB2DAB-85D8-4EA8-8EA4-376013B7B13D}" type="slidenum">
               <a:rPr lang="de-DE" noProof="0" smtClean="0"/>
-              <a:t>9</a:t>
+              <a:t>13</a:t>
             </a:fld>
             <a:endParaRPr lang="de-DE" noProof="0"/>
           </a:p>
@@ -4173,7 +6807,7 @@
             <a:pPr rtl="0"/>
             <a:fld id="{3FBCE97C-1EA7-481F-A1C1-82CF10E50389}" type="datetime1">
               <a:rPr lang="de-DE" noProof="0" smtClean="0"/>
-              <a:t>13.06.2020</a:t>
+              <a:t>14.06.2020</a:t>
             </a:fld>
             <a:endParaRPr lang="de-DE" noProof="0"/>
           </a:p>
@@ -4346,7 +6980,7 @@
             <a:pPr rtl="0"/>
             <a:fld id="{12808C30-8527-4D92-847D-468B9DBB0C5F}" type="datetime1">
               <a:rPr lang="de-DE" noProof="0" smtClean="0"/>
-              <a:t>13.06.2020</a:t>
+              <a:t>14.06.2020</a:t>
             </a:fld>
             <a:endParaRPr lang="de-DE" noProof="0"/>
           </a:p>
@@ -4529,7 +7163,7 @@
             <a:pPr rtl="0"/>
             <a:fld id="{100ABCC4-54EE-49C5-B099-8AA1BE9D6D14}" type="datetime1">
               <a:rPr lang="de-DE" noProof="0" smtClean="0"/>
-              <a:t>13.06.2020</a:t>
+              <a:t>14.06.2020</a:t>
             </a:fld>
             <a:endParaRPr lang="de-DE" noProof="0"/>
           </a:p>
@@ -4702,7 +7336,7 @@
             <a:pPr rtl="0"/>
             <a:fld id="{3CE0CFB2-33F1-444E-AFAB-C10CA2BA119D}" type="datetime1">
               <a:rPr lang="de-DE" noProof="0" smtClean="0"/>
-              <a:t>13.06.2020</a:t>
+              <a:t>14.06.2020</a:t>
             </a:fld>
             <a:endParaRPr lang="de-DE" noProof="0"/>
           </a:p>
@@ -4965,10 +7599,10 @@
             </a:lvl1pPr>
           </a:lstStyle>
           <a:p>
-            <a:fld id="{B7EFE625-2366-4427-96E6-A768CAD7D56D}" type="datetime1">
+            <a:fld id="{5CFFA431-234F-49D2-8EF6-A6807604A5FD}" type="datetime1">
               <a:rPr lang="de-DE" smtClean="0"/>
               <a:pPr/>
-              <a:t>13.06.2020</a:t>
+              <a:t>14.06.2020</a:t>
             </a:fld>
             <a:endParaRPr lang="de-DE" dirty="0"/>
           </a:p>
@@ -5265,7 +7899,7 @@
             <a:pPr rtl="0"/>
             <a:fld id="{3BB4DA5A-FE4A-4DFA-896A-CF9F5A8F10FE}" type="datetime1">
               <a:rPr lang="de-DE" noProof="0" smtClean="0"/>
-              <a:t>13.06.2020</a:t>
+              <a:t>14.06.2020</a:t>
             </a:fld>
             <a:endParaRPr lang="de-DE" noProof="0"/>
           </a:p>
@@ -5709,7 +8343,7 @@
             <a:pPr rtl="0"/>
             <a:fld id="{D9628D32-FABA-454C-B01B-8E25342A884A}" type="datetime1">
               <a:rPr lang="de-DE" noProof="0" smtClean="0"/>
-              <a:t>13.06.2020</a:t>
+              <a:t>14.06.2020</a:t>
             </a:fld>
             <a:endParaRPr lang="de-DE" noProof="0"/>
           </a:p>
@@ -5831,7 +8465,7 @@
             <a:pPr rtl="0"/>
             <a:fld id="{80687AA4-4A17-47B4-8560-7D150379A35E}" type="datetime1">
               <a:rPr lang="de-DE" noProof="0" smtClean="0"/>
-              <a:t>13.06.2020</a:t>
+              <a:t>14.06.2020</a:t>
             </a:fld>
             <a:endParaRPr lang="de-DE" noProof="0"/>
           </a:p>
@@ -5930,7 +8564,7 @@
             <a:pPr rtl="0"/>
             <a:fld id="{9319FE10-8BB8-4649-9733-7E124518D1C9}" type="datetime1">
               <a:rPr lang="de-DE" noProof="0" smtClean="0"/>
-              <a:t>13.06.2020</a:t>
+              <a:t>14.06.2020</a:t>
             </a:fld>
             <a:endParaRPr lang="de-DE" noProof="0"/>
           </a:p>
@@ -6221,7 +8855,7 @@
             <a:pPr rtl="0"/>
             <a:fld id="{33D87C07-2132-4C96-9878-9D75523C19F3}" type="datetime1">
               <a:rPr lang="de-DE" noProof="0" smtClean="0"/>
-              <a:t>13.06.2020</a:t>
+              <a:t>14.06.2020</a:t>
             </a:fld>
             <a:endParaRPr lang="de-DE" noProof="0"/>
           </a:p>
@@ -6795,7 +9429,7 @@
             <a:pPr rtl="0"/>
             <a:fld id="{BFF6270F-9EF5-4367-B994-D0D179497A39}" type="datetime1">
               <a:rPr lang="de-DE" noProof="0" smtClean="0"/>
-              <a:t>13.06.2020</a:t>
+              <a:t>14.06.2020</a:t>
             </a:fld>
             <a:endParaRPr lang="de-DE" noProof="0"/>
           </a:p>
@@ -7095,9 +9729,9 @@
             <a:pPr rtl="0"/>
             <a:fld id="{5CFFA431-234F-49D2-8EF6-A6807604A5FD}" type="datetime1">
               <a:rPr lang="de-DE" noProof="0" smtClean="0"/>
-              <a:t>13.06.2020</a:t>
+              <a:t>14.06.2020</a:t>
             </a:fld>
-            <a:endParaRPr lang="de-DE" noProof="0"/>
+            <a:endParaRPr lang="de-DE" noProof="0" dirty="0"/>
           </a:p>
         </p:txBody>
       </p:sp>
@@ -7810,10 +10444,13 @@
           <a:p>
             <a:pPr algn="ctr" rtl="0"/>
             <a:r>
-              <a:rPr lang="de-DE" sz="3600"/>
+              <a:rPr lang="de-DE" sz="3600" dirty="0">
+                <a:solidFill>
+                  <a:schemeClr val="bg1"/>
+                </a:solidFill>
+              </a:rPr>
               <a:t>„FIX IT RIGHT“</a:t>
             </a:r>
-            <a:endParaRPr lang="de-DE" sz="3600" dirty="0"/>
           </a:p>
         </p:txBody>
       </p:sp>
@@ -7887,402 +10524,7 @@
 </p:sld>
 </file>
 
-<file path=ppt/slides/slide2.xml><?xml version="1.0" encoding="utf-8"?>
-<p:sld xmlns:a="http://schemas.openxmlformats.org/drawingml/2006/main" xmlns:r="http://schemas.openxmlformats.org/officeDocument/2006/relationships" xmlns:p="http://schemas.openxmlformats.org/presentationml/2006/main">
-  <p:cSld>
-    <p:bg>
-      <p:bgPr>
-        <a:solidFill>
-          <a:schemeClr val="bg1"/>
-        </a:solidFill>
-        <a:effectLst/>
-      </p:bgPr>
-    </p:bg>
-    <p:spTree>
-      <p:nvGrpSpPr>
-        <p:cNvPr id="1" name=""/>
-        <p:cNvGrpSpPr/>
-        <p:nvPr/>
-      </p:nvGrpSpPr>
-      <p:grpSpPr>
-        <a:xfrm>
-          <a:off x="0" y="0"/>
-          <a:ext cx="0" cy="0"/>
-          <a:chOff x="0" y="0"/>
-          <a:chExt cx="0" cy="0"/>
-        </a:xfrm>
-      </p:grpSpPr>
-      <p:pic>
-        <p:nvPicPr>
-          <p:cNvPr id="11" name="Grafik 10" descr="Ein Bild, das Boden, Tisch, aus Holz, drinnen enthält.&#10;&#10;Automatisch generierte Beschreibung">
-            <a:extLst>
-              <a:ext uri="{FF2B5EF4-FFF2-40B4-BE49-F238E27FC236}">
-                <a16:creationId xmlns:a16="http://schemas.microsoft.com/office/drawing/2014/main" id="{EB201CCA-E5D6-430B-BA02-C73F7787DC5D}"/>
-              </a:ext>
-            </a:extLst>
-          </p:cNvPr>
-          <p:cNvPicPr>
-            <a:picLocks noChangeAspect="1"/>
-          </p:cNvPicPr>
-          <p:nvPr/>
-        </p:nvPicPr>
-        <p:blipFill rotWithShape="1">
-          <a:blip r:embed="rId3">
-            <a:alphaModFix amt="25000"/>
-          </a:blip>
-          <a:srcRect t="7361" b="8370"/>
-          <a:stretch/>
-        </p:blipFill>
-        <p:spPr>
-          <a:xfrm>
-            <a:off x="20" y="10"/>
-            <a:ext cx="12191980" cy="6857990"/>
-          </a:xfrm>
-          <a:prstGeom prst="rect">
-            <a:avLst/>
-          </a:prstGeom>
-        </p:spPr>
-      </p:pic>
-      <p:sp>
-        <p:nvSpPr>
-          <p:cNvPr id="2" name="Titel 1">
-            <a:extLst>
-              <a:ext uri="{FF2B5EF4-FFF2-40B4-BE49-F238E27FC236}">
-                <a16:creationId xmlns:a16="http://schemas.microsoft.com/office/drawing/2014/main" id="{28492750-E12D-4995-ABCB-5BB846060890}"/>
-              </a:ext>
-            </a:extLst>
-          </p:cNvPr>
-          <p:cNvSpPr>
-            <a:spLocks noGrp="1"/>
-          </p:cNvSpPr>
-          <p:nvPr>
-            <p:ph type="title"/>
-          </p:nvPr>
-        </p:nvSpPr>
-        <p:spPr>
-          <a:xfrm>
-            <a:off x="0" y="2769325"/>
-            <a:ext cx="3487783" cy="978063"/>
-          </a:xfrm>
-        </p:spPr>
-        <p:txBody>
-          <a:bodyPr rtlCol="0">
-            <a:normAutofit/>
-          </a:bodyPr>
-          <a:lstStyle/>
-          <a:p>
-            <a:pPr rtl="0"/>
-            <a:r>
-              <a:rPr lang="de-DE" dirty="0">
-                <a:solidFill>
-                  <a:schemeClr val="tx1"/>
-                </a:solidFill>
-              </a:rPr>
-              <a:t>Gliederung</a:t>
-            </a:r>
-          </a:p>
-        </p:txBody>
-      </p:sp>
-      <p:sp>
-        <p:nvSpPr>
-          <p:cNvPr id="3" name="Datumsplatzhalter 2">
-            <a:extLst>
-              <a:ext uri="{FF2B5EF4-FFF2-40B4-BE49-F238E27FC236}">
-                <a16:creationId xmlns:a16="http://schemas.microsoft.com/office/drawing/2014/main" id="{AAA7D7D8-C7DD-4D17-AFAF-CAD97ED68945}"/>
-              </a:ext>
-            </a:extLst>
-          </p:cNvPr>
-          <p:cNvSpPr>
-            <a:spLocks noGrp="1"/>
-          </p:cNvSpPr>
-          <p:nvPr>
-            <p:ph type="dt" sz="half" idx="10"/>
-          </p:nvPr>
-        </p:nvSpPr>
-        <p:spPr/>
-        <p:txBody>
-          <a:bodyPr>
-            <a:normAutofit/>
-          </a:bodyPr>
-          <a:lstStyle/>
-          <a:p>
-            <a:pPr rtl="0">
-              <a:spcAft>
-                <a:spcPts val="600"/>
-              </a:spcAft>
-            </a:pPr>
-            <a:fld id="{5D3B16C5-1466-462D-9DCB-5C8225BA97CD}" type="datetime1">
-              <a:rPr lang="de-DE" b="1" noProof="0" smtClean="0">
-                <a:solidFill>
-                  <a:schemeClr val="tx1"/>
-                </a:solidFill>
-              </a:rPr>
-              <a:t>13.06.2020</a:t>
-            </a:fld>
-            <a:endParaRPr lang="de-DE" b="1" noProof="0" dirty="0">
-              <a:solidFill>
-                <a:schemeClr val="tx1"/>
-              </a:solidFill>
-            </a:endParaRPr>
-          </a:p>
-        </p:txBody>
-      </p:sp>
-      <p:sp>
-        <p:nvSpPr>
-          <p:cNvPr id="6" name="Foliennummernplatzhalter 5">
-            <a:extLst>
-              <a:ext uri="{FF2B5EF4-FFF2-40B4-BE49-F238E27FC236}">
-                <a16:creationId xmlns:a16="http://schemas.microsoft.com/office/drawing/2014/main" id="{EC795EFD-F0D9-4FC3-BE50-5903450A1052}"/>
-              </a:ext>
-            </a:extLst>
-          </p:cNvPr>
-          <p:cNvSpPr>
-            <a:spLocks noGrp="1"/>
-          </p:cNvSpPr>
-          <p:nvPr>
-            <p:ph type="sldNum" sz="quarter" idx="12"/>
-          </p:nvPr>
-        </p:nvSpPr>
-        <p:spPr/>
-        <p:txBody>
-          <a:bodyPr>
-            <a:normAutofit/>
-          </a:bodyPr>
-          <a:lstStyle/>
-          <a:p>
-            <a:pPr rtl="0">
-              <a:spcAft>
-                <a:spcPts val="600"/>
-              </a:spcAft>
-            </a:pPr>
-            <a:fld id="{4FAB73BC-B049-4115-A692-8D63A059BFB8}" type="slidenum">
-              <a:rPr lang="de-DE" noProof="0">
-                <a:solidFill>
-                  <a:schemeClr val="tx1"/>
-                </a:solidFill>
-              </a:rPr>
-              <a:pPr rtl="0">
-                <a:spcAft>
-                  <a:spcPts val="600"/>
-                </a:spcAft>
-              </a:pPr>
-              <a:t>2</a:t>
-            </a:fld>
-            <a:endParaRPr lang="de-DE" noProof="0" dirty="0">
-              <a:solidFill>
-                <a:schemeClr val="tx1"/>
-              </a:solidFill>
-            </a:endParaRPr>
-          </a:p>
-        </p:txBody>
-      </p:sp>
-      <p:graphicFrame>
-        <p:nvGraphicFramePr>
-          <p:cNvPr id="4" name="Inhaltsplatzhalter 3" descr="Symbol für SmartArt-Platzhalter ">
-            <a:extLst>
-              <a:ext uri="{FF2B5EF4-FFF2-40B4-BE49-F238E27FC236}">
-                <a16:creationId xmlns:a16="http://schemas.microsoft.com/office/drawing/2014/main" id="{F5DF3745-CCEE-4BD3-9E49-A25F9124ACF6}"/>
-              </a:ext>
-            </a:extLst>
-          </p:cNvPr>
-          <p:cNvGraphicFramePr>
-            <a:graphicFrameLocks noGrp="1"/>
-          </p:cNvGraphicFramePr>
-          <p:nvPr>
-            <p:ph idx="4294967295"/>
-            <p:extLst>
-              <p:ext uri="{D42A27DB-BD31-4B8C-83A1-F6EECF244321}">
-                <p14:modId xmlns:p14="http://schemas.microsoft.com/office/powerpoint/2010/main" val="61507011"/>
-              </p:ext>
-            </p:extLst>
-          </p:nvPr>
-        </p:nvGraphicFramePr>
-        <p:xfrm>
-          <a:off x="4876800" y="863600"/>
-          <a:ext cx="7315200" cy="5121275"/>
-        </p:xfrm>
-        <a:graphic>
-          <a:graphicData uri="http://schemas.openxmlformats.org/drawingml/2006/diagram">
-            <dgm:relIds xmlns:dgm="http://schemas.openxmlformats.org/drawingml/2006/diagram" xmlns:r="http://schemas.openxmlformats.org/officeDocument/2006/relationships" r:dm="rId4" r:lo="rId5" r:qs="rId6" r:cs="rId7"/>
-          </a:graphicData>
-        </a:graphic>
-      </p:graphicFrame>
-    </p:spTree>
-    <p:extLst>
-      <p:ext uri="{BB962C8B-B14F-4D97-AF65-F5344CB8AC3E}">
-        <p14:creationId xmlns:p14="http://schemas.microsoft.com/office/powerpoint/2010/main" val="1115916446"/>
-      </p:ext>
-    </p:extLst>
-  </p:cSld>
-  <p:clrMapOvr>
-    <a:overrideClrMapping bg1="dk1" tx1="lt1" bg2="dk2" tx2="lt2" accent1="accent1" accent2="accent2" accent3="accent3" accent4="accent4" accent5="accent5" accent6="accent6" hlink="hlink" folHlink="folHlink"/>
-  </p:clrMapOvr>
-</p:sld>
-</file>
-
-<file path=ppt/slides/slide3.xml><?xml version="1.0" encoding="utf-8"?>
-<p:sld xmlns:a="http://schemas.openxmlformats.org/drawingml/2006/main" xmlns:r="http://schemas.openxmlformats.org/officeDocument/2006/relationships" xmlns:p="http://schemas.openxmlformats.org/presentationml/2006/main">
-  <p:cSld>
-    <p:bg>
-      <p:bgPr>
-        <a:solidFill>
-          <a:schemeClr val="accent1"/>
-        </a:solidFill>
-        <a:effectLst/>
-      </p:bgPr>
-    </p:bg>
-    <p:spTree>
-      <p:nvGrpSpPr>
-        <p:cNvPr id="1" name=""/>
-        <p:cNvGrpSpPr/>
-        <p:nvPr/>
-      </p:nvGrpSpPr>
-      <p:grpSpPr>
-        <a:xfrm>
-          <a:off x="0" y="0"/>
-          <a:ext cx="0" cy="0"/>
-          <a:chOff x="0" y="0"/>
-          <a:chExt cx="0" cy="0"/>
-        </a:xfrm>
-      </p:grpSpPr>
-      <p:pic>
-        <p:nvPicPr>
-          <p:cNvPr id="16" name="Grafik 15" descr="Ein Bild, das Screenshot enthält.&#10;&#10;Automatisch generierte Beschreibung">
-            <a:extLst>
-              <a:ext uri="{FF2B5EF4-FFF2-40B4-BE49-F238E27FC236}">
-                <a16:creationId xmlns:a16="http://schemas.microsoft.com/office/drawing/2014/main" id="{E8FB7494-E794-4B4E-801F-BAD9E8F6C196}"/>
-              </a:ext>
-            </a:extLst>
-          </p:cNvPr>
-          <p:cNvPicPr>
-            <a:picLocks noChangeAspect="1"/>
-          </p:cNvPicPr>
-          <p:nvPr/>
-        </p:nvPicPr>
-        <p:blipFill rotWithShape="1">
-          <a:blip r:embed="rId2"/>
-          <a:srcRect l="589"/>
-          <a:stretch/>
-        </p:blipFill>
-        <p:spPr>
-          <a:xfrm>
-            <a:off x="643467" y="1029383"/>
-            <a:ext cx="10905066" cy="4799234"/>
-          </a:xfrm>
-          <a:prstGeom prst="rect">
-            <a:avLst/>
-          </a:prstGeom>
-        </p:spPr>
-      </p:pic>
-      <p:sp>
-        <p:nvSpPr>
-          <p:cNvPr id="4" name="Datumsplatzhalter 3">
-            <a:extLst>
-              <a:ext uri="{FF2B5EF4-FFF2-40B4-BE49-F238E27FC236}">
-                <a16:creationId xmlns:a16="http://schemas.microsoft.com/office/drawing/2014/main" id="{F5FBF785-3218-4D76-9C9D-FA1582BC5BF4}"/>
-              </a:ext>
-            </a:extLst>
-          </p:cNvPr>
-          <p:cNvSpPr>
-            <a:spLocks noGrp="1"/>
-          </p:cNvSpPr>
-          <p:nvPr>
-            <p:ph type="dt" sz="half" idx="10"/>
-          </p:nvPr>
-        </p:nvSpPr>
-        <p:spPr>
-          <a:xfrm>
-            <a:off x="262465" y="6356350"/>
-            <a:ext cx="2743200" cy="365125"/>
-          </a:xfrm>
-        </p:spPr>
-        <p:txBody>
-          <a:bodyPr>
-            <a:normAutofit/>
-          </a:bodyPr>
-          <a:lstStyle/>
-          <a:p>
-            <a:pPr rtl="0">
-              <a:spcAft>
-                <a:spcPts val="600"/>
-              </a:spcAft>
-            </a:pPr>
-            <a:fld id="{0C6EF790-5E19-47DA-AC9B-C39E3D5FB3E1}" type="datetime1">
-              <a:rPr lang="de-DE" sz="1400" b="1" noProof="0" smtClean="0"/>
-              <a:t>13.06.2020</a:t>
-            </a:fld>
-            <a:endParaRPr lang="de-DE" b="1" noProof="0" dirty="0"/>
-          </a:p>
-        </p:txBody>
-      </p:sp>
-      <p:sp>
-        <p:nvSpPr>
-          <p:cNvPr id="5" name="Foliennummernplatzhalter 4">
-            <a:extLst>
-              <a:ext uri="{FF2B5EF4-FFF2-40B4-BE49-F238E27FC236}">
-                <a16:creationId xmlns:a16="http://schemas.microsoft.com/office/drawing/2014/main" id="{4BBA910E-8982-4148-B05F-B3E87C60C50C}"/>
-              </a:ext>
-            </a:extLst>
-          </p:cNvPr>
-          <p:cNvSpPr>
-            <a:spLocks noGrp="1"/>
-          </p:cNvSpPr>
-          <p:nvPr>
-            <p:ph type="sldNum" sz="quarter" idx="12"/>
-          </p:nvPr>
-        </p:nvSpPr>
-        <p:spPr>
-          <a:xfrm>
-            <a:off x="10634135" y="6356350"/>
-            <a:ext cx="1530927" cy="365125"/>
-          </a:xfrm>
-        </p:spPr>
-        <p:txBody>
-          <a:bodyPr>
-            <a:normAutofit/>
-          </a:bodyPr>
-          <a:lstStyle/>
-          <a:p>
-            <a:pPr rtl="0">
-              <a:spcAft>
-                <a:spcPts val="600"/>
-              </a:spcAft>
-            </a:pPr>
-            <a:fld id="{4FAB73BC-B049-4115-A692-8D63A059BFB8}" type="slidenum">
-              <a:rPr lang="de-DE" sz="1400" noProof="0">
-                <a:solidFill>
-                  <a:schemeClr val="tx1"/>
-                </a:solidFill>
-              </a:rPr>
-              <a:pPr rtl="0">
-                <a:spcAft>
-                  <a:spcPts val="600"/>
-                </a:spcAft>
-              </a:pPr>
-              <a:t>3</a:t>
-            </a:fld>
-            <a:endParaRPr lang="de-DE" sz="1400" noProof="0" dirty="0">
-              <a:solidFill>
-                <a:schemeClr val="tx1"/>
-              </a:solidFill>
-            </a:endParaRPr>
-          </a:p>
-        </p:txBody>
-      </p:sp>
-    </p:spTree>
-    <p:extLst>
-      <p:ext uri="{BB962C8B-B14F-4D97-AF65-F5344CB8AC3E}">
-        <p14:creationId xmlns:p14="http://schemas.microsoft.com/office/powerpoint/2010/main" val="2570776204"/>
-      </p:ext>
-    </p:extLst>
-  </p:cSld>
-  <p:clrMapOvr>
-    <a:overrideClrMapping bg1="dk1" tx1="lt1" bg2="dk2" tx2="lt2" accent1="accent1" accent2="accent2" accent3="accent3" accent4="accent4" accent5="accent5" accent6="accent6" hlink="hlink" folHlink="folHlink"/>
-  </p:clrMapOvr>
-</p:sld>
-</file>
-
-<file path=ppt/slides/slide4.xml><?xml version="1.0" encoding="utf-8"?>
+<file path=ppt/slides/slide10.xml><?xml version="1.0" encoding="utf-8"?>
 <p:sld xmlns:a="http://schemas.openxmlformats.org/drawingml/2006/main" xmlns:r="http://schemas.openxmlformats.org/officeDocument/2006/relationships" xmlns:p="http://schemas.openxmlformats.org/presentationml/2006/main">
   <p:cSld>
     <p:bg>
@@ -8340,9 +10582,9 @@
                 <a:spcPts val="600"/>
               </a:spcAft>
             </a:pPr>
-            <a:fld id="{EC0170B4-3827-4DD2-AC2F-A17380A8C5D8}" type="datetime1">
+            <a:fld id="{6E08865F-54D0-4740-85C6-9F08F4842E2B}" type="datetime1">
               <a:rPr lang="de-DE" sz="1400" b="1" noProof="0" smtClean="0"/>
-              <a:t>13.06.2020</a:t>
+              <a:t>14.06.2020</a:t>
             </a:fld>
             <a:endParaRPr lang="de-DE" b="1" noProof="0" dirty="0"/>
           </a:p>
@@ -8392,746 +10634,7 @@
                   <a:spcPts val="600"/>
                 </a:spcAft>
               </a:pPr>
-              <a:t>4</a:t>
-            </a:fld>
-            <a:endParaRPr lang="de-DE" sz="1400" noProof="0" dirty="0">
-              <a:solidFill>
-                <a:schemeClr val="tx1"/>
-              </a:solidFill>
-            </a:endParaRPr>
-          </a:p>
-        </p:txBody>
-      </p:sp>
-      <p:pic>
-        <p:nvPicPr>
-          <p:cNvPr id="39" name="Grafik 38">
-            <a:extLst>
-              <a:ext uri="{FF2B5EF4-FFF2-40B4-BE49-F238E27FC236}">
-                <a16:creationId xmlns:a16="http://schemas.microsoft.com/office/drawing/2014/main" id="{4FD9FDF8-48E9-4DE0-87B1-52514C94B233}"/>
-              </a:ext>
-            </a:extLst>
-          </p:cNvPr>
-          <p:cNvPicPr>
-            <a:picLocks noChangeAspect="1"/>
-          </p:cNvPicPr>
-          <p:nvPr/>
-        </p:nvPicPr>
-        <p:blipFill rotWithShape="1">
-          <a:blip r:embed="rId2"/>
-          <a:srcRect b="26389"/>
-          <a:stretch/>
-        </p:blipFill>
-        <p:spPr>
-          <a:xfrm>
-            <a:off x="911317" y="647700"/>
-            <a:ext cx="5484573" cy="5467350"/>
-          </a:xfrm>
-          <a:prstGeom prst="rect">
-            <a:avLst/>
-          </a:prstGeom>
-        </p:spPr>
-      </p:pic>
-      <p:pic>
-        <p:nvPicPr>
-          <p:cNvPr id="40" name="Grafik 39">
-            <a:extLst>
-              <a:ext uri="{FF2B5EF4-FFF2-40B4-BE49-F238E27FC236}">
-                <a16:creationId xmlns:a16="http://schemas.microsoft.com/office/drawing/2014/main" id="{E5B9646C-0E2B-4939-965F-910C87A90D2F}"/>
-              </a:ext>
-            </a:extLst>
-          </p:cNvPr>
-          <p:cNvPicPr>
-            <a:picLocks noChangeAspect="1"/>
-          </p:cNvPicPr>
-          <p:nvPr/>
-        </p:nvPicPr>
-        <p:blipFill rotWithShape="1">
-          <a:blip r:embed="rId2"/>
-          <a:srcRect t="74167"/>
-          <a:stretch/>
-        </p:blipFill>
-        <p:spPr>
-          <a:xfrm>
-            <a:off x="6096000" y="647700"/>
-            <a:ext cx="5208348" cy="1771650"/>
-          </a:xfrm>
-          <a:prstGeom prst="rect">
-            <a:avLst/>
-          </a:prstGeom>
-        </p:spPr>
-      </p:pic>
-      <p:pic>
-        <p:nvPicPr>
-          <p:cNvPr id="42" name="Grafik 41">
-            <a:extLst>
-              <a:ext uri="{FF2B5EF4-FFF2-40B4-BE49-F238E27FC236}">
-                <a16:creationId xmlns:a16="http://schemas.microsoft.com/office/drawing/2014/main" id="{631D3439-B1E6-4ED3-8E8C-7FBAF27BE3DF}"/>
-              </a:ext>
-            </a:extLst>
-          </p:cNvPr>
-          <p:cNvPicPr>
-            <a:picLocks noChangeAspect="1"/>
-          </p:cNvPicPr>
-          <p:nvPr/>
-        </p:nvPicPr>
-        <p:blipFill>
-          <a:blip r:embed="rId3"/>
-          <a:stretch>
-            <a:fillRect/>
-          </a:stretch>
-        </p:blipFill>
-        <p:spPr>
-          <a:xfrm>
-            <a:off x="6300641" y="2291701"/>
-            <a:ext cx="5003707" cy="3823349"/>
-          </a:xfrm>
-          <a:prstGeom prst="rect">
-            <a:avLst/>
-          </a:prstGeom>
-        </p:spPr>
-      </p:pic>
-    </p:spTree>
-    <p:extLst>
-      <p:ext uri="{BB962C8B-B14F-4D97-AF65-F5344CB8AC3E}">
-        <p14:creationId xmlns:p14="http://schemas.microsoft.com/office/powerpoint/2010/main" val="814796416"/>
-      </p:ext>
-    </p:extLst>
-  </p:cSld>
-  <p:clrMapOvr>
-    <a:overrideClrMapping bg1="dk1" tx1="lt1" bg2="dk2" tx2="lt2" accent1="accent1" accent2="accent2" accent3="accent3" accent4="accent4" accent5="accent5" accent6="accent6" hlink="hlink" folHlink="folHlink"/>
-  </p:clrMapOvr>
-</p:sld>
-</file>
-
-<file path=ppt/slides/slide5.xml><?xml version="1.0" encoding="utf-8"?>
-<p:sld xmlns:a="http://schemas.openxmlformats.org/drawingml/2006/main" xmlns:r="http://schemas.openxmlformats.org/officeDocument/2006/relationships" xmlns:p="http://schemas.openxmlformats.org/presentationml/2006/main">
-  <p:cSld>
-    <p:bg>
-      <p:bgPr>
-        <a:solidFill>
-          <a:schemeClr val="accent1"/>
-        </a:solidFill>
-        <a:effectLst/>
-      </p:bgPr>
-    </p:bg>
-    <p:spTree>
-      <p:nvGrpSpPr>
-        <p:cNvPr id="1" name=""/>
-        <p:cNvGrpSpPr/>
-        <p:nvPr/>
-      </p:nvGrpSpPr>
-      <p:grpSpPr>
-        <a:xfrm>
-          <a:off x="0" y="0"/>
-          <a:ext cx="0" cy="0"/>
-          <a:chOff x="0" y="0"/>
-          <a:chExt cx="0" cy="0"/>
-        </a:xfrm>
-      </p:grpSpPr>
-      <p:sp>
-        <p:nvSpPr>
-          <p:cNvPr id="4" name="Datumsplatzhalter 3">
-            <a:extLst>
-              <a:ext uri="{FF2B5EF4-FFF2-40B4-BE49-F238E27FC236}">
-                <a16:creationId xmlns:a16="http://schemas.microsoft.com/office/drawing/2014/main" id="{04808089-4013-43A4-8319-4F458DFF0537}"/>
-              </a:ext>
-            </a:extLst>
-          </p:cNvPr>
-          <p:cNvSpPr>
-            <a:spLocks noGrp="1"/>
-          </p:cNvSpPr>
-          <p:nvPr>
-            <p:ph type="dt" sz="half" idx="10"/>
-          </p:nvPr>
-        </p:nvSpPr>
-        <p:spPr>
-          <a:xfrm>
-            <a:off x="262465" y="6356350"/>
-            <a:ext cx="2743200" cy="365125"/>
-          </a:xfrm>
-        </p:spPr>
-        <p:txBody>
-          <a:bodyPr>
-            <a:normAutofit/>
-          </a:bodyPr>
-          <a:lstStyle/>
-          <a:p>
-            <a:pPr rtl="0">
-              <a:spcAft>
-                <a:spcPts val="600"/>
-              </a:spcAft>
-            </a:pPr>
-            <a:fld id="{6B068280-2A27-4682-8998-B20A5AB8246E}" type="datetime1">
-              <a:rPr lang="de-DE" noProof="0" smtClean="0"/>
-              <a:t>13.06.2020</a:t>
-            </a:fld>
-            <a:endParaRPr lang="de-DE" noProof="0"/>
-          </a:p>
-        </p:txBody>
-      </p:sp>
-      <p:sp>
-        <p:nvSpPr>
-          <p:cNvPr id="5" name="Foliennummernplatzhalter 4">
-            <a:extLst>
-              <a:ext uri="{FF2B5EF4-FFF2-40B4-BE49-F238E27FC236}">
-                <a16:creationId xmlns:a16="http://schemas.microsoft.com/office/drawing/2014/main" id="{1EA0B2C6-5C03-4599-BD76-A571524418D6}"/>
-              </a:ext>
-            </a:extLst>
-          </p:cNvPr>
-          <p:cNvSpPr>
-            <a:spLocks noGrp="1"/>
-          </p:cNvSpPr>
-          <p:nvPr>
-            <p:ph type="sldNum" sz="quarter" idx="12"/>
-          </p:nvPr>
-        </p:nvSpPr>
-        <p:spPr>
-          <a:xfrm>
-            <a:off x="10634135" y="6356350"/>
-            <a:ext cx="1530927" cy="365125"/>
-          </a:xfrm>
-        </p:spPr>
-        <p:txBody>
-          <a:bodyPr>
-            <a:normAutofit/>
-          </a:bodyPr>
-          <a:lstStyle/>
-          <a:p>
-            <a:pPr rtl="0">
-              <a:spcAft>
-                <a:spcPts val="600"/>
-              </a:spcAft>
-            </a:pPr>
-            <a:fld id="{4FAB73BC-B049-4115-A692-8D63A059BFB8}" type="slidenum">
-              <a:rPr lang="de-DE" sz="1400" noProof="0" smtClean="0">
-                <a:solidFill>
-                  <a:schemeClr val="tx1"/>
-                </a:solidFill>
-              </a:rPr>
-              <a:pPr rtl="0">
-                <a:spcAft>
-                  <a:spcPts val="600"/>
-                </a:spcAft>
-              </a:pPr>
-              <a:t>5</a:t>
-            </a:fld>
-            <a:endParaRPr lang="de-DE" sz="1400" noProof="0" dirty="0">
-              <a:solidFill>
-                <a:schemeClr val="tx1"/>
-              </a:solidFill>
-            </a:endParaRPr>
-          </a:p>
-        </p:txBody>
-      </p:sp>
-      <p:pic>
-        <p:nvPicPr>
-          <p:cNvPr id="7" name="Grafik 6">
-            <a:extLst>
-              <a:ext uri="{FF2B5EF4-FFF2-40B4-BE49-F238E27FC236}">
-                <a16:creationId xmlns:a16="http://schemas.microsoft.com/office/drawing/2014/main" id="{32DB5BC7-7EF2-4C96-8682-0844F5D3E376}"/>
-              </a:ext>
-            </a:extLst>
-          </p:cNvPr>
-          <p:cNvPicPr>
-            <a:picLocks noChangeAspect="1"/>
-          </p:cNvPicPr>
-          <p:nvPr/>
-        </p:nvPicPr>
-        <p:blipFill>
-          <a:blip r:embed="rId2"/>
-          <a:stretch>
-            <a:fillRect/>
-          </a:stretch>
-        </p:blipFill>
-        <p:spPr>
-          <a:xfrm>
-            <a:off x="694942" y="1114253"/>
-            <a:ext cx="10564746" cy="3943522"/>
-          </a:xfrm>
-          <a:prstGeom prst="rect">
-            <a:avLst/>
-          </a:prstGeom>
-        </p:spPr>
-      </p:pic>
-    </p:spTree>
-    <p:extLst>
-      <p:ext uri="{BB962C8B-B14F-4D97-AF65-F5344CB8AC3E}">
-        <p14:creationId xmlns:p14="http://schemas.microsoft.com/office/powerpoint/2010/main" val="1183288971"/>
-      </p:ext>
-    </p:extLst>
-  </p:cSld>
-  <p:clrMapOvr>
-    <a:overrideClrMapping bg1="dk1" tx1="lt1" bg2="dk2" tx2="lt2" accent1="accent1" accent2="accent2" accent3="accent3" accent4="accent4" accent5="accent5" accent6="accent6" hlink="hlink" folHlink="folHlink"/>
-  </p:clrMapOvr>
-</p:sld>
-</file>
-
-<file path=ppt/slides/slide6.xml><?xml version="1.0" encoding="utf-8"?>
-<p:sld xmlns:a="http://schemas.openxmlformats.org/drawingml/2006/main" xmlns:r="http://schemas.openxmlformats.org/officeDocument/2006/relationships" xmlns:p="http://schemas.openxmlformats.org/presentationml/2006/main">
-  <p:cSld>
-    <p:bg>
-      <p:bgPr>
-        <a:solidFill>
-          <a:schemeClr val="accent1"/>
-        </a:solidFill>
-        <a:effectLst/>
-      </p:bgPr>
-    </p:bg>
-    <p:spTree>
-      <p:nvGrpSpPr>
-        <p:cNvPr id="1" name=""/>
-        <p:cNvGrpSpPr/>
-        <p:nvPr/>
-      </p:nvGrpSpPr>
-      <p:grpSpPr>
-        <a:xfrm>
-          <a:off x="0" y="0"/>
-          <a:ext cx="0" cy="0"/>
-          <a:chOff x="0" y="0"/>
-          <a:chExt cx="0" cy="0"/>
-        </a:xfrm>
-      </p:grpSpPr>
-      <p:sp>
-        <p:nvSpPr>
-          <p:cNvPr id="4" name="Datumsplatzhalter 3">
-            <a:extLst>
-              <a:ext uri="{FF2B5EF4-FFF2-40B4-BE49-F238E27FC236}">
-                <a16:creationId xmlns:a16="http://schemas.microsoft.com/office/drawing/2014/main" id="{04808089-4013-43A4-8319-4F458DFF0537}"/>
-              </a:ext>
-            </a:extLst>
-          </p:cNvPr>
-          <p:cNvSpPr>
-            <a:spLocks noGrp="1"/>
-          </p:cNvSpPr>
-          <p:nvPr>
-            <p:ph type="dt" sz="half" idx="10"/>
-          </p:nvPr>
-        </p:nvSpPr>
-        <p:spPr>
-          <a:xfrm>
-            <a:off x="262465" y="6356350"/>
-            <a:ext cx="2743200" cy="365125"/>
-          </a:xfrm>
-        </p:spPr>
-        <p:txBody>
-          <a:bodyPr>
-            <a:normAutofit/>
-          </a:bodyPr>
-          <a:lstStyle/>
-          <a:p>
-            <a:pPr rtl="0">
-              <a:spcAft>
-                <a:spcPts val="600"/>
-              </a:spcAft>
-            </a:pPr>
-            <a:fld id="{9809B556-1798-4F31-828B-F15A28A432B4}" type="datetime1">
-              <a:rPr lang="de-DE" sz="1400" b="1" noProof="0" smtClean="0"/>
-              <a:t>13.06.2020</a:t>
-            </a:fld>
-            <a:endParaRPr lang="de-DE" b="1" noProof="0" dirty="0"/>
-          </a:p>
-        </p:txBody>
-      </p:sp>
-      <p:sp>
-        <p:nvSpPr>
-          <p:cNvPr id="5" name="Foliennummernplatzhalter 4">
-            <a:extLst>
-              <a:ext uri="{FF2B5EF4-FFF2-40B4-BE49-F238E27FC236}">
-                <a16:creationId xmlns:a16="http://schemas.microsoft.com/office/drawing/2014/main" id="{1EA0B2C6-5C03-4599-BD76-A571524418D6}"/>
-              </a:ext>
-            </a:extLst>
-          </p:cNvPr>
-          <p:cNvSpPr>
-            <a:spLocks noGrp="1"/>
-          </p:cNvSpPr>
-          <p:nvPr>
-            <p:ph type="sldNum" sz="quarter" idx="12"/>
-          </p:nvPr>
-        </p:nvSpPr>
-        <p:spPr>
-          <a:xfrm>
-            <a:off x="10634135" y="6356350"/>
-            <a:ext cx="1530927" cy="365125"/>
-          </a:xfrm>
-        </p:spPr>
-        <p:txBody>
-          <a:bodyPr>
-            <a:normAutofit/>
-          </a:bodyPr>
-          <a:lstStyle/>
-          <a:p>
-            <a:pPr rtl="0">
-              <a:spcAft>
-                <a:spcPts val="600"/>
-              </a:spcAft>
-            </a:pPr>
-            <a:fld id="{4FAB73BC-B049-4115-A692-8D63A059BFB8}" type="slidenum">
-              <a:rPr lang="de-DE" sz="1400" noProof="0" smtClean="0">
-                <a:solidFill>
-                  <a:schemeClr val="tx1"/>
-                </a:solidFill>
-              </a:rPr>
-              <a:pPr rtl="0">
-                <a:spcAft>
-                  <a:spcPts val="600"/>
-                </a:spcAft>
-              </a:pPr>
-              <a:t>6</a:t>
-            </a:fld>
-            <a:endParaRPr lang="de-DE" sz="1400" noProof="0" dirty="0">
-              <a:solidFill>
-                <a:schemeClr val="tx1"/>
-              </a:solidFill>
-            </a:endParaRPr>
-          </a:p>
-        </p:txBody>
-      </p:sp>
-      <p:pic>
-        <p:nvPicPr>
-          <p:cNvPr id="8" name="Grafik 7">
-            <a:extLst>
-              <a:ext uri="{FF2B5EF4-FFF2-40B4-BE49-F238E27FC236}">
-                <a16:creationId xmlns:a16="http://schemas.microsoft.com/office/drawing/2014/main" id="{922CB720-6FB1-41E8-BED2-2F56C7978112}"/>
-              </a:ext>
-            </a:extLst>
-          </p:cNvPr>
-          <p:cNvPicPr>
-            <a:picLocks noChangeAspect="1"/>
-          </p:cNvPicPr>
-          <p:nvPr/>
-        </p:nvPicPr>
-        <p:blipFill rotWithShape="1">
-          <a:blip r:embed="rId2"/>
-          <a:srcRect r="6112"/>
-          <a:stretch/>
-        </p:blipFill>
-        <p:spPr>
-          <a:xfrm>
-            <a:off x="552046" y="635613"/>
-            <a:ext cx="6020203" cy="5586774"/>
-          </a:xfrm>
-          <a:prstGeom prst="rect">
-            <a:avLst/>
-          </a:prstGeom>
-        </p:spPr>
-      </p:pic>
-      <p:pic>
-        <p:nvPicPr>
-          <p:cNvPr id="9" name="Grafik 8">
-            <a:extLst>
-              <a:ext uri="{FF2B5EF4-FFF2-40B4-BE49-F238E27FC236}">
-                <a16:creationId xmlns:a16="http://schemas.microsoft.com/office/drawing/2014/main" id="{5FF7DD1E-07F8-4DAD-ADFE-BC75FCC0FE72}"/>
-              </a:ext>
-            </a:extLst>
-          </p:cNvPr>
-          <p:cNvPicPr>
-            <a:picLocks noChangeAspect="1"/>
-          </p:cNvPicPr>
-          <p:nvPr/>
-        </p:nvPicPr>
-        <p:blipFill>
-          <a:blip r:embed="rId3"/>
-          <a:stretch>
-            <a:fillRect/>
-          </a:stretch>
-        </p:blipFill>
-        <p:spPr>
-          <a:xfrm>
-            <a:off x="5292664" y="1997688"/>
-            <a:ext cx="6106934" cy="1431312"/>
-          </a:xfrm>
-          <a:prstGeom prst="rect">
-            <a:avLst/>
-          </a:prstGeom>
-        </p:spPr>
-      </p:pic>
-    </p:spTree>
-    <p:extLst>
-      <p:ext uri="{BB962C8B-B14F-4D97-AF65-F5344CB8AC3E}">
-        <p14:creationId xmlns:p14="http://schemas.microsoft.com/office/powerpoint/2010/main" val="1919221528"/>
-      </p:ext>
-    </p:extLst>
-  </p:cSld>
-  <p:clrMapOvr>
-    <a:overrideClrMapping bg1="dk1" tx1="lt1" bg2="dk2" tx2="lt2" accent1="accent1" accent2="accent2" accent3="accent3" accent4="accent4" accent5="accent5" accent6="accent6" hlink="hlink" folHlink="folHlink"/>
-  </p:clrMapOvr>
-</p:sld>
-</file>
-
-<file path=ppt/slides/slide7.xml><?xml version="1.0" encoding="utf-8"?>
-<p:sld xmlns:a="http://schemas.openxmlformats.org/drawingml/2006/main" xmlns:r="http://schemas.openxmlformats.org/officeDocument/2006/relationships" xmlns:p="http://schemas.openxmlformats.org/presentationml/2006/main">
-  <p:cSld>
-    <p:bg>
-      <p:bgPr>
-        <a:solidFill>
-          <a:schemeClr val="accent1"/>
-        </a:solidFill>
-        <a:effectLst/>
-      </p:bgPr>
-    </p:bg>
-    <p:spTree>
-      <p:nvGrpSpPr>
-        <p:cNvPr id="1" name=""/>
-        <p:cNvGrpSpPr/>
-        <p:nvPr/>
-      </p:nvGrpSpPr>
-      <p:grpSpPr>
-        <a:xfrm>
-          <a:off x="0" y="0"/>
-          <a:ext cx="0" cy="0"/>
-          <a:chOff x="0" y="0"/>
-          <a:chExt cx="0" cy="0"/>
-        </a:xfrm>
-      </p:grpSpPr>
-      <p:sp>
-        <p:nvSpPr>
-          <p:cNvPr id="4" name="Datumsplatzhalter 3">
-            <a:extLst>
-              <a:ext uri="{FF2B5EF4-FFF2-40B4-BE49-F238E27FC236}">
-                <a16:creationId xmlns:a16="http://schemas.microsoft.com/office/drawing/2014/main" id="{04808089-4013-43A4-8319-4F458DFF0537}"/>
-              </a:ext>
-            </a:extLst>
-          </p:cNvPr>
-          <p:cNvSpPr>
-            <a:spLocks noGrp="1"/>
-          </p:cNvSpPr>
-          <p:nvPr>
-            <p:ph type="dt" sz="half" idx="10"/>
-          </p:nvPr>
-        </p:nvSpPr>
-        <p:spPr>
-          <a:xfrm>
-            <a:off x="262465" y="6356350"/>
-            <a:ext cx="2743200" cy="365125"/>
-          </a:xfrm>
-        </p:spPr>
-        <p:txBody>
-          <a:bodyPr>
-            <a:normAutofit/>
-          </a:bodyPr>
-          <a:lstStyle/>
-          <a:p>
-            <a:pPr rtl="0">
-              <a:spcAft>
-                <a:spcPts val="600"/>
-              </a:spcAft>
-            </a:pPr>
-            <a:fld id="{8C30702F-9340-4455-8731-4C0913887CDC}" type="datetime1">
-              <a:rPr lang="de-DE" sz="1400" noProof="0" smtClean="0"/>
-              <a:t>13.06.2020</a:t>
-            </a:fld>
-            <a:endParaRPr lang="de-DE" noProof="0" dirty="0"/>
-          </a:p>
-        </p:txBody>
-      </p:sp>
-      <p:sp>
-        <p:nvSpPr>
-          <p:cNvPr id="5" name="Foliennummernplatzhalter 4">
-            <a:extLst>
-              <a:ext uri="{FF2B5EF4-FFF2-40B4-BE49-F238E27FC236}">
-                <a16:creationId xmlns:a16="http://schemas.microsoft.com/office/drawing/2014/main" id="{1EA0B2C6-5C03-4599-BD76-A571524418D6}"/>
-              </a:ext>
-            </a:extLst>
-          </p:cNvPr>
-          <p:cNvSpPr>
-            <a:spLocks noGrp="1"/>
-          </p:cNvSpPr>
-          <p:nvPr>
-            <p:ph type="sldNum" sz="quarter" idx="12"/>
-          </p:nvPr>
-        </p:nvSpPr>
-        <p:spPr>
-          <a:xfrm>
-            <a:off x="10634135" y="6356350"/>
-            <a:ext cx="1530927" cy="365125"/>
-          </a:xfrm>
-        </p:spPr>
-        <p:txBody>
-          <a:bodyPr>
-            <a:normAutofit/>
-          </a:bodyPr>
-          <a:lstStyle/>
-          <a:p>
-            <a:pPr rtl="0">
-              <a:spcAft>
-                <a:spcPts val="600"/>
-              </a:spcAft>
-            </a:pPr>
-            <a:fld id="{4FAB73BC-B049-4115-A692-8D63A059BFB8}" type="slidenum">
-              <a:rPr lang="de-DE" sz="1400" noProof="0" smtClean="0">
-                <a:solidFill>
-                  <a:schemeClr val="tx1"/>
-                </a:solidFill>
-              </a:rPr>
-              <a:pPr rtl="0">
-                <a:spcAft>
-                  <a:spcPts val="600"/>
-                </a:spcAft>
-              </a:pPr>
-              <a:t>7</a:t>
-            </a:fld>
-            <a:endParaRPr lang="de-DE" sz="1400" noProof="0" dirty="0">
-              <a:solidFill>
-                <a:schemeClr val="tx1"/>
-              </a:solidFill>
-            </a:endParaRPr>
-          </a:p>
-        </p:txBody>
-      </p:sp>
-      <p:pic>
-        <p:nvPicPr>
-          <p:cNvPr id="6" name="Grafik 5">
-            <a:extLst>
-              <a:ext uri="{FF2B5EF4-FFF2-40B4-BE49-F238E27FC236}">
-                <a16:creationId xmlns:a16="http://schemas.microsoft.com/office/drawing/2014/main" id="{DD00CDC1-0E0C-43E9-ACDC-EE8DD1A31AD8}"/>
-              </a:ext>
-            </a:extLst>
-          </p:cNvPr>
-          <p:cNvPicPr>
-            <a:picLocks noChangeAspect="1"/>
-          </p:cNvPicPr>
-          <p:nvPr/>
-        </p:nvPicPr>
-        <p:blipFill>
-          <a:blip r:embed="rId2"/>
-          <a:stretch>
-            <a:fillRect/>
-          </a:stretch>
-        </p:blipFill>
-        <p:spPr>
-          <a:xfrm>
-            <a:off x="2876247" y="495300"/>
-            <a:ext cx="6439505" cy="5867400"/>
-          </a:xfrm>
-          <a:prstGeom prst="rect">
-            <a:avLst/>
-          </a:prstGeom>
-        </p:spPr>
-      </p:pic>
-    </p:spTree>
-    <p:extLst>
-      <p:ext uri="{BB962C8B-B14F-4D97-AF65-F5344CB8AC3E}">
-        <p14:creationId xmlns:p14="http://schemas.microsoft.com/office/powerpoint/2010/main" val="2218266321"/>
-      </p:ext>
-    </p:extLst>
-  </p:cSld>
-  <p:clrMapOvr>
-    <a:overrideClrMapping bg1="dk1" tx1="lt1" bg2="dk2" tx2="lt2" accent1="accent1" accent2="accent2" accent3="accent3" accent4="accent4" accent5="accent5" accent6="accent6" hlink="hlink" folHlink="folHlink"/>
-  </p:clrMapOvr>
-</p:sld>
-</file>
-
-<file path=ppt/slides/slide8.xml><?xml version="1.0" encoding="utf-8"?>
-<p:sld xmlns:a="http://schemas.openxmlformats.org/drawingml/2006/main" xmlns:r="http://schemas.openxmlformats.org/officeDocument/2006/relationships" xmlns:p="http://schemas.openxmlformats.org/presentationml/2006/main">
-  <p:cSld>
-    <p:bg>
-      <p:bgPr>
-        <a:solidFill>
-          <a:schemeClr val="accent1"/>
-        </a:solidFill>
-        <a:effectLst/>
-      </p:bgPr>
-    </p:bg>
-    <p:spTree>
-      <p:nvGrpSpPr>
-        <p:cNvPr id="1" name=""/>
-        <p:cNvGrpSpPr/>
-        <p:nvPr/>
-      </p:nvGrpSpPr>
-      <p:grpSpPr>
-        <a:xfrm>
-          <a:off x="0" y="0"/>
-          <a:ext cx="0" cy="0"/>
-          <a:chOff x="0" y="0"/>
-          <a:chExt cx="0" cy="0"/>
-        </a:xfrm>
-      </p:grpSpPr>
-      <p:sp>
-        <p:nvSpPr>
-          <p:cNvPr id="4" name="Datumsplatzhalter 3">
-            <a:extLst>
-              <a:ext uri="{FF2B5EF4-FFF2-40B4-BE49-F238E27FC236}">
-                <a16:creationId xmlns:a16="http://schemas.microsoft.com/office/drawing/2014/main" id="{04808089-4013-43A4-8319-4F458DFF0537}"/>
-              </a:ext>
-            </a:extLst>
-          </p:cNvPr>
-          <p:cNvSpPr>
-            <a:spLocks noGrp="1"/>
-          </p:cNvSpPr>
-          <p:nvPr>
-            <p:ph type="dt" sz="half" idx="10"/>
-          </p:nvPr>
-        </p:nvSpPr>
-        <p:spPr>
-          <a:xfrm>
-            <a:off x="262465" y="6356350"/>
-            <a:ext cx="2743200" cy="365125"/>
-          </a:xfrm>
-        </p:spPr>
-        <p:txBody>
-          <a:bodyPr>
-            <a:normAutofit/>
-          </a:bodyPr>
-          <a:lstStyle/>
-          <a:p>
-            <a:pPr rtl="0">
-              <a:spcAft>
-                <a:spcPts val="600"/>
-              </a:spcAft>
-            </a:pPr>
-            <a:fld id="{6E08865F-54D0-4740-85C6-9F08F4842E2B}" type="datetime1">
-              <a:rPr lang="de-DE" sz="1400" b="1" noProof="0" smtClean="0"/>
-              <a:t>13.06.2020</a:t>
-            </a:fld>
-            <a:endParaRPr lang="de-DE" b="1" noProof="0" dirty="0"/>
-          </a:p>
-        </p:txBody>
-      </p:sp>
-      <p:sp>
-        <p:nvSpPr>
-          <p:cNvPr id="5" name="Foliennummernplatzhalter 4">
-            <a:extLst>
-              <a:ext uri="{FF2B5EF4-FFF2-40B4-BE49-F238E27FC236}">
-                <a16:creationId xmlns:a16="http://schemas.microsoft.com/office/drawing/2014/main" id="{1EA0B2C6-5C03-4599-BD76-A571524418D6}"/>
-              </a:ext>
-            </a:extLst>
-          </p:cNvPr>
-          <p:cNvSpPr>
-            <a:spLocks noGrp="1"/>
-          </p:cNvSpPr>
-          <p:nvPr>
-            <p:ph type="sldNum" sz="quarter" idx="12"/>
-          </p:nvPr>
-        </p:nvSpPr>
-        <p:spPr>
-          <a:xfrm>
-            <a:off x="10634135" y="6356350"/>
-            <a:ext cx="1530927" cy="365125"/>
-          </a:xfrm>
-        </p:spPr>
-        <p:txBody>
-          <a:bodyPr>
-            <a:normAutofit/>
-          </a:bodyPr>
-          <a:lstStyle/>
-          <a:p>
-            <a:pPr rtl="0">
-              <a:spcAft>
-                <a:spcPts val="600"/>
-              </a:spcAft>
-            </a:pPr>
-            <a:fld id="{4FAB73BC-B049-4115-A692-8D63A059BFB8}" type="slidenum">
-              <a:rPr lang="de-DE" sz="1400" noProof="0" smtClean="0">
-                <a:solidFill>
-                  <a:schemeClr val="tx1"/>
-                </a:solidFill>
-              </a:rPr>
-              <a:pPr rtl="0">
-                <a:spcAft>
-                  <a:spcPts val="600"/>
-                </a:spcAft>
-              </a:pPr>
-              <a:t>8</a:t>
+              <a:t>10</a:t>
             </a:fld>
             <a:endParaRPr lang="de-DE" sz="1400" noProof="0" dirty="0">
               <a:solidFill>
@@ -9183,7 +10686,857 @@
 </p:sld>
 </file>
 
-<file path=ppt/slides/slide9.xml><?xml version="1.0" encoding="utf-8"?>
+<file path=ppt/slides/slide11.xml><?xml version="1.0" encoding="utf-8"?>
+<p:sld xmlns:a="http://schemas.openxmlformats.org/drawingml/2006/main" xmlns:r="http://schemas.openxmlformats.org/officeDocument/2006/relationships" xmlns:p="http://schemas.openxmlformats.org/presentationml/2006/main">
+  <p:cSld>
+    <p:bg>
+      <p:bgPr>
+        <a:solidFill>
+          <a:schemeClr val="bg1"/>
+        </a:solidFill>
+        <a:effectLst/>
+      </p:bgPr>
+    </p:bg>
+    <p:spTree>
+      <p:nvGrpSpPr>
+        <p:cNvPr id="1" name=""/>
+        <p:cNvGrpSpPr/>
+        <p:nvPr/>
+      </p:nvGrpSpPr>
+      <p:grpSpPr>
+        <a:xfrm>
+          <a:off x="0" y="0"/>
+          <a:ext cx="0" cy="0"/>
+          <a:chOff x="0" y="0"/>
+          <a:chExt cx="0" cy="0"/>
+        </a:xfrm>
+      </p:grpSpPr>
+      <p:sp>
+        <p:nvSpPr>
+          <p:cNvPr id="99" name="Rectangle 98">
+            <a:extLst>
+              <a:ext uri="{FF2B5EF4-FFF2-40B4-BE49-F238E27FC236}">
+                <a16:creationId xmlns:a16="http://schemas.microsoft.com/office/drawing/2014/main" id="{C0F396D4-D75E-4F3D-8ACF-09B23638F07C}"/>
+              </a:ext>
+              <a:ext uri="{C183D7F6-B498-43B3-948B-1728B52AA6E4}">
+                <adec:decorative xmlns:adec="http://schemas.microsoft.com/office/drawing/2017/decorative" val="1"/>
+              </a:ext>
+            </a:extLst>
+          </p:cNvPr>
+          <p:cNvSpPr>
+            <a:spLocks noGrp="1" noRot="1" noChangeAspect="1" noMove="1" noResize="1" noEditPoints="1" noAdjustHandles="1" noChangeArrowheads="1" noChangeShapeType="1" noTextEdit="1"/>
+          </p:cNvSpPr>
+          <p:nvPr>
+            <p:extLst>
+              <p:ext uri="{386F3935-93C4-4BCD-93E2-E3B085C9AB24}">
+                <p16:designElem xmlns:p16="http://schemas.microsoft.com/office/powerpoint/2015/main" val="1"/>
+              </p:ext>
+            </p:extLst>
+          </p:nvPr>
+        </p:nvSpPr>
+        <p:spPr>
+          <a:xfrm>
+            <a:off x="0" y="761999"/>
+            <a:ext cx="9141619" cy="5334001"/>
+          </a:xfrm>
+          <a:prstGeom prst="rect">
+            <a:avLst/>
+          </a:prstGeom>
+          <a:solidFill>
+            <a:schemeClr val="accent1"/>
+          </a:solidFill>
+          <a:ln>
+            <a:noFill/>
+          </a:ln>
+        </p:spPr>
+        <p:style>
+          <a:lnRef idx="2">
+            <a:schemeClr val="accent1">
+              <a:shade val="50000"/>
+            </a:schemeClr>
+          </a:lnRef>
+          <a:fillRef idx="1">
+            <a:schemeClr val="accent1"/>
+          </a:fillRef>
+          <a:effectRef idx="0">
+            <a:schemeClr val="accent1"/>
+          </a:effectRef>
+          <a:fontRef idx="minor">
+            <a:schemeClr val="lt1"/>
+          </a:fontRef>
+        </p:style>
+      </p:sp>
+      <p:sp>
+        <p:nvSpPr>
+          <p:cNvPr id="101" name="Rectangle 100">
+            <a:extLst>
+              <a:ext uri="{FF2B5EF4-FFF2-40B4-BE49-F238E27FC236}">
+                <a16:creationId xmlns:a16="http://schemas.microsoft.com/office/drawing/2014/main" id="{815F6DE6-8123-413F-BC7B-1EB368E43E0A}"/>
+              </a:ext>
+              <a:ext uri="{C183D7F6-B498-43B3-948B-1728B52AA6E4}">
+                <adec:decorative xmlns:adec="http://schemas.microsoft.com/office/drawing/2017/decorative" val="1"/>
+              </a:ext>
+            </a:extLst>
+          </p:cNvPr>
+          <p:cNvSpPr>
+            <a:spLocks noGrp="1" noRot="1" noChangeAspect="1" noMove="1" noResize="1" noEditPoints="1" noAdjustHandles="1" noChangeArrowheads="1" noChangeShapeType="1" noTextEdit="1"/>
+          </p:cNvSpPr>
+          <p:nvPr>
+            <p:extLst>
+              <p:ext uri="{386F3935-93C4-4BCD-93E2-E3B085C9AB24}">
+                <p16:designElem xmlns:p16="http://schemas.microsoft.com/office/powerpoint/2015/main" val="1"/>
+              </p:ext>
+            </p:extLst>
+          </p:nvPr>
+        </p:nvSpPr>
+        <p:spPr>
+          <a:xfrm>
+            <a:off x="9270263" y="761999"/>
+            <a:ext cx="2925318" cy="5334001"/>
+          </a:xfrm>
+          <a:prstGeom prst="rect">
+            <a:avLst/>
+          </a:prstGeom>
+          <a:solidFill>
+            <a:srgbClr val="C8C8C8">
+              <a:alpha val="50000"/>
+            </a:srgbClr>
+          </a:solidFill>
+          <a:ln>
+            <a:noFill/>
+          </a:ln>
+        </p:spPr>
+        <p:style>
+          <a:lnRef idx="2">
+            <a:schemeClr val="accent1">
+              <a:shade val="50000"/>
+            </a:schemeClr>
+          </a:lnRef>
+          <a:fillRef idx="1">
+            <a:schemeClr val="accent1"/>
+          </a:fillRef>
+          <a:effectRef idx="0">
+            <a:schemeClr val="accent1"/>
+          </a:effectRef>
+          <a:fontRef idx="minor">
+            <a:schemeClr val="lt1"/>
+          </a:fontRef>
+        </p:style>
+      </p:sp>
+      <p:sp useBgFill="1">
+        <p:nvSpPr>
+          <p:cNvPr id="103" name="Rectangle 102">
+            <a:extLst>
+              <a:ext uri="{FF2B5EF4-FFF2-40B4-BE49-F238E27FC236}">
+                <a16:creationId xmlns:a16="http://schemas.microsoft.com/office/drawing/2014/main" id="{04AC1ECA-56A6-4FA8-A216-A0502A627D3D}"/>
+              </a:ext>
+              <a:ext uri="{C183D7F6-B498-43B3-948B-1728B52AA6E4}">
+                <adec:decorative xmlns:adec="http://schemas.microsoft.com/office/drawing/2017/decorative" val="1"/>
+              </a:ext>
+            </a:extLst>
+          </p:cNvPr>
+          <p:cNvSpPr>
+            <a:spLocks noGrp="1" noRot="1" noChangeAspect="1" noMove="1" noResize="1" noEditPoints="1" noAdjustHandles="1" noChangeArrowheads="1" noChangeShapeType="1" noTextEdit="1"/>
+          </p:cNvSpPr>
+          <p:nvPr>
+            <p:extLst>
+              <p:ext uri="{386F3935-93C4-4BCD-93E2-E3B085C9AB24}">
+                <p16:designElem xmlns:p16="http://schemas.microsoft.com/office/powerpoint/2015/main" val="1"/>
+              </p:ext>
+            </p:extLst>
+          </p:nvPr>
+        </p:nvSpPr>
+        <p:spPr>
+          <a:xfrm>
+            <a:off x="0" y="0"/>
+            <a:ext cx="12191999" cy="6858000"/>
+          </a:xfrm>
+          <a:prstGeom prst="rect">
+            <a:avLst/>
+          </a:prstGeom>
+          <a:ln>
+            <a:noFill/>
+          </a:ln>
+        </p:spPr>
+        <p:style>
+          <a:lnRef idx="2">
+            <a:schemeClr val="accent1">
+              <a:shade val="50000"/>
+            </a:schemeClr>
+          </a:lnRef>
+          <a:fillRef idx="1">
+            <a:schemeClr val="accent1"/>
+          </a:fillRef>
+          <a:effectRef idx="0">
+            <a:schemeClr val="accent1"/>
+          </a:effectRef>
+          <a:fontRef idx="minor">
+            <a:schemeClr val="lt1"/>
+          </a:fontRef>
+        </p:style>
+        <p:txBody>
+          <a:bodyPr rtlCol="0" anchor="ctr"/>
+          <a:lstStyle/>
+          <a:p>
+            <a:pPr algn="ctr"/>
+            <a:endParaRPr lang="en-US"/>
+          </a:p>
+        </p:txBody>
+      </p:sp>
+      <p:sp>
+        <p:nvSpPr>
+          <p:cNvPr id="105" name="Rectangle 104">
+            <a:extLst>
+              <a:ext uri="{FF2B5EF4-FFF2-40B4-BE49-F238E27FC236}">
+                <a16:creationId xmlns:a16="http://schemas.microsoft.com/office/drawing/2014/main" id="{E08EC873-0A32-4290-8CF6-220477C54E29}"/>
+              </a:ext>
+              <a:ext uri="{C183D7F6-B498-43B3-948B-1728B52AA6E4}">
+                <adec:decorative xmlns:adec="http://schemas.microsoft.com/office/drawing/2017/decorative" val="1"/>
+              </a:ext>
+            </a:extLst>
+          </p:cNvPr>
+          <p:cNvSpPr>
+            <a:spLocks noGrp="1" noRot="1" noChangeAspect="1" noMove="1" noResize="1" noEditPoints="1" noAdjustHandles="1" noChangeArrowheads="1" noChangeShapeType="1" noTextEdit="1"/>
+          </p:cNvSpPr>
+          <p:nvPr>
+            <p:extLst>
+              <p:ext uri="{386F3935-93C4-4BCD-93E2-E3B085C9AB24}">
+                <p16:designElem xmlns:p16="http://schemas.microsoft.com/office/powerpoint/2015/main" val="1"/>
+              </p:ext>
+            </p:extLst>
+          </p:nvPr>
+        </p:nvSpPr>
+        <p:spPr>
+          <a:xfrm>
+            <a:off x="0" y="4367639"/>
+            <a:ext cx="11707367" cy="1852186"/>
+          </a:xfrm>
+          <a:prstGeom prst="rect">
+            <a:avLst/>
+          </a:prstGeom>
+          <a:solidFill>
+            <a:schemeClr val="accent1"/>
+          </a:solidFill>
+          <a:ln>
+            <a:noFill/>
+          </a:ln>
+        </p:spPr>
+        <p:style>
+          <a:lnRef idx="2">
+            <a:schemeClr val="accent1">
+              <a:shade val="50000"/>
+            </a:schemeClr>
+          </a:lnRef>
+          <a:fillRef idx="1">
+            <a:schemeClr val="accent1"/>
+          </a:fillRef>
+          <a:effectRef idx="0">
+            <a:schemeClr val="accent1"/>
+          </a:effectRef>
+          <a:fontRef idx="minor">
+            <a:schemeClr val="lt1"/>
+          </a:fontRef>
+        </p:style>
+      </p:sp>
+      <p:sp>
+        <p:nvSpPr>
+          <p:cNvPr id="30" name="Titel 1">
+            <a:extLst>
+              <a:ext uri="{FF2B5EF4-FFF2-40B4-BE49-F238E27FC236}">
+                <a16:creationId xmlns:a16="http://schemas.microsoft.com/office/drawing/2014/main" id="{9602C987-9C02-4EE5-AF63-E074FFADF6CD}"/>
+              </a:ext>
+            </a:extLst>
+          </p:cNvPr>
+          <p:cNvSpPr>
+            <a:spLocks noGrp="1"/>
+          </p:cNvSpPr>
+          <p:nvPr>
+            <p:ph type="title"/>
+          </p:nvPr>
+        </p:nvSpPr>
+        <p:spPr>
+          <a:xfrm>
+            <a:off x="1069848" y="4590661"/>
+            <a:ext cx="10210862" cy="1065690"/>
+          </a:xfrm>
+        </p:spPr>
+        <p:txBody>
+          <a:bodyPr vert="horz" lIns="91440" tIns="45720" rIns="91440" bIns="45720" rtlCol="0" anchor="b">
+            <a:normAutofit/>
+          </a:bodyPr>
+          <a:lstStyle/>
+          <a:p>
+            <a:r>
+              <a:rPr lang="en-US">
+                <a:solidFill>
+                  <a:srgbClr val="FFFFFF"/>
+                </a:solidFill>
+              </a:rPr>
+              <a:t>Ausblick</a:t>
+            </a:r>
+            <a:endParaRPr lang="en-US" dirty="0">
+              <a:solidFill>
+                <a:srgbClr val="FFFFFF"/>
+              </a:solidFill>
+            </a:endParaRPr>
+          </a:p>
+        </p:txBody>
+      </p:sp>
+      <p:pic>
+        <p:nvPicPr>
+          <p:cNvPr id="3" name="Grafik 2">
+            <a:extLst>
+              <a:ext uri="{FF2B5EF4-FFF2-40B4-BE49-F238E27FC236}">
+                <a16:creationId xmlns:a16="http://schemas.microsoft.com/office/drawing/2014/main" id="{349D6AB6-29B9-4537-A97C-57E3382D0B14}"/>
+              </a:ext>
+            </a:extLst>
+          </p:cNvPr>
+          <p:cNvPicPr>
+            <a:picLocks noChangeAspect="1"/>
+          </p:cNvPicPr>
+          <p:nvPr/>
+        </p:nvPicPr>
+        <p:blipFill>
+          <a:blip r:embed="rId2"/>
+          <a:stretch>
+            <a:fillRect/>
+          </a:stretch>
+        </p:blipFill>
+        <p:spPr>
+          <a:xfrm>
+            <a:off x="1063691" y="1065511"/>
+            <a:ext cx="4789994" cy="2394997"/>
+          </a:xfrm>
+          <a:prstGeom prst="rect">
+            <a:avLst/>
+          </a:prstGeom>
+        </p:spPr>
+      </p:pic>
+      <p:sp>
+        <p:nvSpPr>
+          <p:cNvPr id="4" name="Datumsplatzhalter 3">
+            <a:extLst>
+              <a:ext uri="{FF2B5EF4-FFF2-40B4-BE49-F238E27FC236}">
+                <a16:creationId xmlns:a16="http://schemas.microsoft.com/office/drawing/2014/main" id="{AD5BACCE-E520-4B5E-8F1F-D3C60D825AFA}"/>
+              </a:ext>
+            </a:extLst>
+          </p:cNvPr>
+          <p:cNvSpPr>
+            <a:spLocks noGrp="1"/>
+          </p:cNvSpPr>
+          <p:nvPr>
+            <p:ph type="dt" sz="half" idx="10"/>
+          </p:nvPr>
+        </p:nvSpPr>
+        <p:spPr>
+          <a:xfrm>
+            <a:off x="262465" y="6356350"/>
+            <a:ext cx="2743200" cy="365125"/>
+          </a:xfrm>
+        </p:spPr>
+        <p:txBody>
+          <a:bodyPr vert="horz" lIns="91440" tIns="45720" rIns="91440" bIns="45720" rtlCol="0" anchor="ctr">
+            <a:normAutofit/>
+          </a:bodyPr>
+          <a:lstStyle/>
+          <a:p>
+            <a:pPr>
+              <a:spcAft>
+                <a:spcPts val="600"/>
+              </a:spcAft>
+            </a:pPr>
+            <a:r>
+              <a:rPr lang="en-US" b="1" dirty="0">
+                <a:solidFill>
+                  <a:schemeClr val="tx1">
+                    <a:lumMod val="50000"/>
+                    <a:lumOff val="50000"/>
+                  </a:schemeClr>
+                </a:solidFill>
+              </a:rPr>
+              <a:t>14.06.2020</a:t>
+            </a:r>
+            <a:endParaRPr lang="en-US" dirty="0">
+              <a:solidFill>
+                <a:schemeClr val="tx1">
+                  <a:lumMod val="50000"/>
+                  <a:lumOff val="50000"/>
+                </a:schemeClr>
+              </a:solidFill>
+            </a:endParaRPr>
+          </a:p>
+        </p:txBody>
+      </p:sp>
+      <p:sp>
+        <p:nvSpPr>
+          <p:cNvPr id="5" name="Foliennummernplatzhalter 4">
+            <a:extLst>
+              <a:ext uri="{FF2B5EF4-FFF2-40B4-BE49-F238E27FC236}">
+                <a16:creationId xmlns:a16="http://schemas.microsoft.com/office/drawing/2014/main" id="{D3D1FB3E-B192-44A9-9902-C336C150151E}"/>
+              </a:ext>
+            </a:extLst>
+          </p:cNvPr>
+          <p:cNvSpPr>
+            <a:spLocks noGrp="1"/>
+          </p:cNvSpPr>
+          <p:nvPr>
+            <p:ph type="sldNum" sz="quarter" idx="12"/>
+          </p:nvPr>
+        </p:nvSpPr>
+        <p:spPr>
+          <a:xfrm>
+            <a:off x="10634135" y="6356350"/>
+            <a:ext cx="1530927" cy="365125"/>
+          </a:xfrm>
+        </p:spPr>
+        <p:txBody>
+          <a:bodyPr vert="horz" lIns="91440" tIns="45720" rIns="91440" bIns="45720" rtlCol="0" anchor="ctr">
+            <a:normAutofit/>
+          </a:bodyPr>
+          <a:lstStyle/>
+          <a:p>
+            <a:pPr>
+              <a:spcAft>
+                <a:spcPts val="600"/>
+              </a:spcAft>
+            </a:pPr>
+            <a:fld id="{4FAB73BC-B049-4115-A692-8D63A059BFB8}" type="slidenum">
+              <a:rPr lang="en-US" sz="1400" smtClean="0">
+                <a:solidFill>
+                  <a:schemeClr val="accent1"/>
+                </a:solidFill>
+              </a:rPr>
+              <a:pPr>
+                <a:spcAft>
+                  <a:spcPts val="600"/>
+                </a:spcAft>
+              </a:pPr>
+              <a:t>11</a:t>
+            </a:fld>
+            <a:endParaRPr lang="en-US" sz="1200" dirty="0">
+              <a:solidFill>
+                <a:schemeClr val="accent1"/>
+              </a:solidFill>
+            </a:endParaRPr>
+          </a:p>
+        </p:txBody>
+      </p:sp>
+      <p:pic>
+        <p:nvPicPr>
+          <p:cNvPr id="23" name="Grafik 22" descr="Ein Bild, das Zeichnung enthält.&#10;&#10;Automatisch generierte Beschreibung">
+            <a:extLst>
+              <a:ext uri="{FF2B5EF4-FFF2-40B4-BE49-F238E27FC236}">
+                <a16:creationId xmlns:a16="http://schemas.microsoft.com/office/drawing/2014/main" id="{70C573C0-7D61-4CC1-8AFA-305492BA7949}"/>
+              </a:ext>
+            </a:extLst>
+          </p:cNvPr>
+          <p:cNvPicPr>
+            <a:picLocks noChangeAspect="1"/>
+          </p:cNvPicPr>
+          <p:nvPr/>
+        </p:nvPicPr>
+        <p:blipFill>
+          <a:blip r:embed="rId3"/>
+          <a:stretch>
+            <a:fillRect/>
+          </a:stretch>
+        </p:blipFill>
+        <p:spPr>
+          <a:xfrm>
+            <a:off x="7028251" y="1491483"/>
+            <a:ext cx="3366051" cy="1753377"/>
+          </a:xfrm>
+          <a:prstGeom prst="rect">
+            <a:avLst/>
+          </a:prstGeom>
+        </p:spPr>
+      </p:pic>
+    </p:spTree>
+    <p:extLst>
+      <p:ext uri="{BB962C8B-B14F-4D97-AF65-F5344CB8AC3E}">
+        <p14:creationId xmlns:p14="http://schemas.microsoft.com/office/powerpoint/2010/main" val="229833100"/>
+      </p:ext>
+    </p:extLst>
+  </p:cSld>
+  <p:clrMapOvr>
+    <a:masterClrMapping/>
+  </p:clrMapOvr>
+</p:sld>
+</file>
+
+<file path=ppt/slides/slide12.xml><?xml version="1.0" encoding="utf-8"?>
+<p:sld xmlns:a="http://schemas.openxmlformats.org/drawingml/2006/main" xmlns:r="http://schemas.openxmlformats.org/officeDocument/2006/relationships" xmlns:p="http://schemas.openxmlformats.org/presentationml/2006/main">
+  <p:cSld>
+    <p:spTree>
+      <p:nvGrpSpPr>
+        <p:cNvPr id="1" name=""/>
+        <p:cNvGrpSpPr/>
+        <p:nvPr/>
+      </p:nvGrpSpPr>
+      <p:grpSpPr>
+        <a:xfrm>
+          <a:off x="0" y="0"/>
+          <a:ext cx="0" cy="0"/>
+          <a:chOff x="0" y="0"/>
+          <a:chExt cx="0" cy="0"/>
+        </a:xfrm>
+      </p:grpSpPr>
+      <p:pic>
+        <p:nvPicPr>
+          <p:cNvPr id="19" name="Grafik 18" descr="Ein Bild, das Zeichnung enthält.&#10;&#10;Automatisch generierte Beschreibung">
+            <a:extLst>
+              <a:ext uri="{FF2B5EF4-FFF2-40B4-BE49-F238E27FC236}">
+                <a16:creationId xmlns:a16="http://schemas.microsoft.com/office/drawing/2014/main" id="{9AE80DBC-77A3-4984-A26C-21993EE1BC4D}"/>
+              </a:ext>
+            </a:extLst>
+          </p:cNvPr>
+          <p:cNvPicPr>
+            <a:picLocks noChangeAspect="1"/>
+          </p:cNvPicPr>
+          <p:nvPr/>
+        </p:nvPicPr>
+        <p:blipFill>
+          <a:blip r:embed="rId2"/>
+          <a:stretch>
+            <a:fillRect/>
+          </a:stretch>
+        </p:blipFill>
+        <p:spPr>
+          <a:xfrm>
+            <a:off x="8377756" y="3466813"/>
+            <a:ext cx="2962275" cy="1543050"/>
+          </a:xfrm>
+          <a:prstGeom prst="rect">
+            <a:avLst/>
+          </a:prstGeom>
+        </p:spPr>
+      </p:pic>
+      <p:pic>
+        <p:nvPicPr>
+          <p:cNvPr id="17" name="Grafik 16">
+            <a:extLst>
+              <a:ext uri="{FF2B5EF4-FFF2-40B4-BE49-F238E27FC236}">
+                <a16:creationId xmlns:a16="http://schemas.microsoft.com/office/drawing/2014/main" id="{19933FBD-5C37-4E10-8AD2-3E6AE864148F}"/>
+              </a:ext>
+            </a:extLst>
+          </p:cNvPr>
+          <p:cNvPicPr>
+            <a:picLocks noChangeAspect="1"/>
+          </p:cNvPicPr>
+          <p:nvPr/>
+        </p:nvPicPr>
+        <p:blipFill>
+          <a:blip r:embed="rId3"/>
+          <a:stretch>
+            <a:fillRect/>
+          </a:stretch>
+        </p:blipFill>
+        <p:spPr>
+          <a:xfrm>
+            <a:off x="3899362" y="3296061"/>
+            <a:ext cx="1614107" cy="1614107"/>
+          </a:xfrm>
+          <a:prstGeom prst="rect">
+            <a:avLst/>
+          </a:prstGeom>
+        </p:spPr>
+      </p:pic>
+      <p:pic>
+        <p:nvPicPr>
+          <p:cNvPr id="15" name="Grafik 14" descr="Ein Bild, das Zeichnung enthält.&#10;&#10;Automatisch generierte Beschreibung">
+            <a:extLst>
+              <a:ext uri="{FF2B5EF4-FFF2-40B4-BE49-F238E27FC236}">
+                <a16:creationId xmlns:a16="http://schemas.microsoft.com/office/drawing/2014/main" id="{1CDD6F78-9449-46B0-BD22-C43D4479638F}"/>
+              </a:ext>
+            </a:extLst>
+          </p:cNvPr>
+          <p:cNvPicPr>
+            <a:picLocks noChangeAspect="1"/>
+          </p:cNvPicPr>
+          <p:nvPr/>
+        </p:nvPicPr>
+        <p:blipFill>
+          <a:blip r:embed="rId4"/>
+          <a:stretch>
+            <a:fillRect/>
+          </a:stretch>
+        </p:blipFill>
+        <p:spPr>
+          <a:xfrm>
+            <a:off x="4165272" y="1101168"/>
+            <a:ext cx="2218750" cy="1106921"/>
+          </a:xfrm>
+          <a:prstGeom prst="rect">
+            <a:avLst/>
+          </a:prstGeom>
+        </p:spPr>
+      </p:pic>
+      <p:pic>
+        <p:nvPicPr>
+          <p:cNvPr id="11" name="Grafik 10">
+            <a:extLst>
+              <a:ext uri="{FF2B5EF4-FFF2-40B4-BE49-F238E27FC236}">
+                <a16:creationId xmlns:a16="http://schemas.microsoft.com/office/drawing/2014/main" id="{78D71A22-6FC6-43BD-84F8-4E189693C243}"/>
+              </a:ext>
+            </a:extLst>
+          </p:cNvPr>
+          <p:cNvPicPr>
+            <a:picLocks noChangeAspect="1"/>
+          </p:cNvPicPr>
+          <p:nvPr/>
+        </p:nvPicPr>
+        <p:blipFill>
+          <a:blip r:embed="rId5"/>
+          <a:stretch>
+            <a:fillRect/>
+          </a:stretch>
+        </p:blipFill>
+        <p:spPr>
+          <a:xfrm>
+            <a:off x="5375498" y="3325618"/>
+            <a:ext cx="1500232" cy="1550627"/>
+          </a:xfrm>
+          <a:prstGeom prst="rect">
+            <a:avLst/>
+          </a:prstGeom>
+        </p:spPr>
+      </p:pic>
+      <p:pic>
+        <p:nvPicPr>
+          <p:cNvPr id="13" name="Grafik 12" descr="Ein Bild, das Spielzeug enthält.&#10;&#10;Automatisch generierte Beschreibung">
+            <a:extLst>
+              <a:ext uri="{FF2B5EF4-FFF2-40B4-BE49-F238E27FC236}">
+                <a16:creationId xmlns:a16="http://schemas.microsoft.com/office/drawing/2014/main" id="{3F575C9B-FE27-41BB-96AE-272BF27B6150}"/>
+              </a:ext>
+            </a:extLst>
+          </p:cNvPr>
+          <p:cNvPicPr>
+            <a:picLocks noChangeAspect="1"/>
+          </p:cNvPicPr>
+          <p:nvPr/>
+        </p:nvPicPr>
+        <p:blipFill>
+          <a:blip r:embed="rId6"/>
+          <a:stretch>
+            <a:fillRect/>
+          </a:stretch>
+        </p:blipFill>
+        <p:spPr>
+          <a:xfrm>
+            <a:off x="7890544" y="990730"/>
+            <a:ext cx="3000464" cy="1500232"/>
+          </a:xfrm>
+          <a:prstGeom prst="rect">
+            <a:avLst/>
+          </a:prstGeom>
+        </p:spPr>
+      </p:pic>
+      <p:sp>
+        <p:nvSpPr>
+          <p:cNvPr id="4" name="Datumsplatzhalter 3">
+            <a:extLst>
+              <a:ext uri="{FF2B5EF4-FFF2-40B4-BE49-F238E27FC236}">
+                <a16:creationId xmlns:a16="http://schemas.microsoft.com/office/drawing/2014/main" id="{076F3C42-E939-42B7-A3A2-2C2756DDFFC6}"/>
+              </a:ext>
+            </a:extLst>
+          </p:cNvPr>
+          <p:cNvSpPr>
+            <a:spLocks noGrp="1"/>
+          </p:cNvSpPr>
+          <p:nvPr>
+            <p:ph type="dt" sz="half" idx="10"/>
+          </p:nvPr>
+        </p:nvSpPr>
+        <p:spPr/>
+        <p:txBody>
+          <a:bodyPr/>
+          <a:lstStyle/>
+          <a:p>
+            <a:fld id="{5CFFA431-234F-49D2-8EF6-A6807604A5FD}" type="datetime1">
+              <a:rPr lang="de-DE" smtClean="0">
+                <a:solidFill>
+                  <a:schemeClr val="tx1">
+                    <a:lumMod val="50000"/>
+                    <a:lumOff val="50000"/>
+                  </a:schemeClr>
+                </a:solidFill>
+              </a:rPr>
+              <a:pPr/>
+              <a:t>14.06.2020</a:t>
+            </a:fld>
+            <a:endParaRPr lang="de-DE" dirty="0">
+              <a:solidFill>
+                <a:schemeClr val="tx1">
+                  <a:lumMod val="50000"/>
+                  <a:lumOff val="50000"/>
+                </a:schemeClr>
+              </a:solidFill>
+            </a:endParaRPr>
+          </a:p>
+        </p:txBody>
+      </p:sp>
+      <p:sp>
+        <p:nvSpPr>
+          <p:cNvPr id="5" name="Foliennummernplatzhalter 4">
+            <a:extLst>
+              <a:ext uri="{FF2B5EF4-FFF2-40B4-BE49-F238E27FC236}">
+                <a16:creationId xmlns:a16="http://schemas.microsoft.com/office/drawing/2014/main" id="{A1C4C47C-E060-41E8-9F0E-9FC071F792F9}"/>
+              </a:ext>
+            </a:extLst>
+          </p:cNvPr>
+          <p:cNvSpPr>
+            <a:spLocks noGrp="1"/>
+          </p:cNvSpPr>
+          <p:nvPr>
+            <p:ph type="sldNum" sz="quarter" idx="12"/>
+          </p:nvPr>
+        </p:nvSpPr>
+        <p:spPr/>
+        <p:txBody>
+          <a:bodyPr/>
+          <a:lstStyle/>
+          <a:p>
+            <a:fld id="{4FAB73BC-B049-4115-A692-8D63A059BFB8}" type="slidenum">
+              <a:rPr lang="de-DE" smtClean="0">
+                <a:solidFill>
+                  <a:schemeClr val="tx1">
+                    <a:lumMod val="50000"/>
+                    <a:lumOff val="50000"/>
+                  </a:schemeClr>
+                </a:solidFill>
+              </a:rPr>
+              <a:pPr/>
+              <a:t>12</a:t>
+            </a:fld>
+            <a:endParaRPr lang="de-DE" dirty="0">
+              <a:solidFill>
+                <a:schemeClr val="tx1">
+                  <a:lumMod val="50000"/>
+                  <a:lumOff val="50000"/>
+                </a:schemeClr>
+              </a:solidFill>
+            </a:endParaRPr>
+          </a:p>
+        </p:txBody>
+      </p:sp>
+      <p:pic>
+        <p:nvPicPr>
+          <p:cNvPr id="9" name="Grafik 8" descr="Hilfe">
+            <a:extLst>
+              <a:ext uri="{FF2B5EF4-FFF2-40B4-BE49-F238E27FC236}">
+                <a16:creationId xmlns:a16="http://schemas.microsoft.com/office/drawing/2014/main" id="{403A72FC-DA38-4008-903A-FCAB78C63B06}"/>
+              </a:ext>
+            </a:extLst>
+          </p:cNvPr>
+          <p:cNvPicPr>
+            <a:picLocks noChangeAspect="1"/>
+          </p:cNvPicPr>
+          <p:nvPr/>
+        </p:nvPicPr>
+        <p:blipFill>
+          <a:blip r:embed="rId7">
+            <a:extLst>
+              <a:ext uri="{96DAC541-7B7A-43D3-8B79-37D633B846F1}">
+                <asvg:svgBlip xmlns:asvg="http://schemas.microsoft.com/office/drawing/2016/SVG/main" r:embed="rId8"/>
+              </a:ext>
+            </a:extLst>
+          </a:blip>
+          <a:stretch>
+            <a:fillRect/>
+          </a:stretch>
+        </p:blipFill>
+        <p:spPr>
+          <a:xfrm>
+            <a:off x="6804870" y="2233256"/>
+            <a:ext cx="1500232" cy="1500232"/>
+          </a:xfrm>
+          <a:prstGeom prst="rect">
+            <a:avLst/>
+          </a:prstGeom>
+        </p:spPr>
+      </p:pic>
+      <p:sp>
+        <p:nvSpPr>
+          <p:cNvPr id="20" name="Titel 1">
+            <a:extLst>
+              <a:ext uri="{FF2B5EF4-FFF2-40B4-BE49-F238E27FC236}">
+                <a16:creationId xmlns:a16="http://schemas.microsoft.com/office/drawing/2014/main" id="{8456B087-B5CF-45F9-8974-85BB46E98E14}"/>
+              </a:ext>
+            </a:extLst>
+          </p:cNvPr>
+          <p:cNvSpPr>
+            <a:spLocks noGrp="1"/>
+          </p:cNvSpPr>
+          <p:nvPr>
+            <p:ph type="title"/>
+          </p:nvPr>
+        </p:nvSpPr>
+        <p:spPr>
+          <a:xfrm>
+            <a:off x="0" y="831468"/>
+            <a:ext cx="3487783" cy="978063"/>
+          </a:xfrm>
+        </p:spPr>
+        <p:txBody>
+          <a:bodyPr rtlCol="0">
+            <a:noAutofit/>
+          </a:bodyPr>
+          <a:lstStyle/>
+          <a:p>
+            <a:pPr rtl="0"/>
+            <a:r>
+              <a:rPr lang="de-DE" sz="3600" dirty="0">
+                <a:solidFill>
+                  <a:schemeClr val="bg1"/>
+                </a:solidFill>
+              </a:rPr>
+              <a:t>Geplanter Ablauf</a:t>
+            </a:r>
+          </a:p>
+        </p:txBody>
+      </p:sp>
+      <p:graphicFrame>
+        <p:nvGraphicFramePr>
+          <p:cNvPr id="21" name="Diagramm 20">
+            <a:extLst>
+              <a:ext uri="{FF2B5EF4-FFF2-40B4-BE49-F238E27FC236}">
+                <a16:creationId xmlns:a16="http://schemas.microsoft.com/office/drawing/2014/main" id="{44A36CFB-6620-4E3C-B7CD-369699C0BEFA}"/>
+              </a:ext>
+            </a:extLst>
+          </p:cNvPr>
+          <p:cNvGraphicFramePr/>
+          <p:nvPr>
+            <p:extLst>
+              <p:ext uri="{D42A27DB-BD31-4B8C-83A1-F6EECF244321}">
+                <p14:modId xmlns:p14="http://schemas.microsoft.com/office/powerpoint/2010/main" val="2478294414"/>
+              </p:ext>
+            </p:extLst>
+          </p:nvPr>
+        </p:nvGraphicFramePr>
+        <p:xfrm>
+          <a:off x="3853848" y="4936278"/>
+          <a:ext cx="6545133" cy="1602634"/>
+        </p:xfrm>
+        <a:graphic>
+          <a:graphicData uri="http://schemas.openxmlformats.org/drawingml/2006/diagram">
+            <dgm:relIds xmlns:dgm="http://schemas.openxmlformats.org/drawingml/2006/diagram" xmlns:r="http://schemas.openxmlformats.org/officeDocument/2006/relationships" r:dm="rId9" r:lo="rId10" r:qs="rId11" r:cs="rId12"/>
+          </a:graphicData>
+        </a:graphic>
+      </p:graphicFrame>
+    </p:spTree>
+    <p:extLst>
+      <p:ext uri="{BB962C8B-B14F-4D97-AF65-F5344CB8AC3E}">
+        <p14:creationId xmlns:p14="http://schemas.microsoft.com/office/powerpoint/2010/main" val="2114741843"/>
+      </p:ext>
+    </p:extLst>
+  </p:cSld>
+  <p:clrMapOvr>
+    <a:masterClrMapping/>
+  </p:clrMapOvr>
+</p:sld>
+</file>
+
+<file path=ppt/slides/slide13.xml><?xml version="1.0" encoding="utf-8"?>
 <p:sld xmlns:a="http://schemas.openxmlformats.org/drawingml/2006/main" xmlns:r="http://schemas.openxmlformats.org/officeDocument/2006/relationships" xmlns:p="http://schemas.openxmlformats.org/presentationml/2006/main">
   <p:cSld>
     <p:bg>
@@ -9392,43 +11745,6 @@
       </p:sp>
       <p:sp>
         <p:nvSpPr>
-          <p:cNvPr id="3" name="Untertitel 2">
-            <a:extLst>
-              <a:ext uri="{FF2B5EF4-FFF2-40B4-BE49-F238E27FC236}">
-                <a16:creationId xmlns:a16="http://schemas.microsoft.com/office/drawing/2014/main" id="{EF6083A9-53C1-4358-80D7-727411C121D9}"/>
-              </a:ext>
-            </a:extLst>
-          </p:cNvPr>
-          <p:cNvSpPr>
-            <a:spLocks noGrp="1"/>
-          </p:cNvSpPr>
-          <p:nvPr>
-            <p:ph type="subTitle" idx="1"/>
-          </p:nvPr>
-        </p:nvSpPr>
-        <p:spPr>
-          <a:xfrm>
-            <a:off x="1100015" y="4670246"/>
-            <a:ext cx="7315200" cy="914400"/>
-          </a:xfrm>
-        </p:spPr>
-        <p:txBody>
-          <a:bodyPr rtlCol="0">
-            <a:normAutofit/>
-          </a:bodyPr>
-          <a:lstStyle/>
-          <a:p>
-            <a:pPr rtl="0"/>
-            <a:r>
-              <a:rPr lang="de-DE" b="1" dirty="0" err="1"/>
-              <a:t>RentATool</a:t>
-            </a:r>
-            <a:endParaRPr lang="de-DE" dirty="0"/>
-          </a:p>
-        </p:txBody>
-      </p:sp>
-      <p:sp>
-        <p:nvSpPr>
           <p:cNvPr id="23" name="Rectangle 22">
             <a:extLst>
               <a:ext uri="{FF2B5EF4-FFF2-40B4-BE49-F238E27FC236}">
@@ -9484,6 +11800,31 @@
           </a:fontRef>
         </p:style>
       </p:sp>
+      <p:sp>
+        <p:nvSpPr>
+          <p:cNvPr id="5" name="Untertitel 4">
+            <a:extLst>
+              <a:ext uri="{FF2B5EF4-FFF2-40B4-BE49-F238E27FC236}">
+                <a16:creationId xmlns:a16="http://schemas.microsoft.com/office/drawing/2014/main" id="{3149D9C2-1B8C-482E-8C3C-69E572DDD766}"/>
+              </a:ext>
+            </a:extLst>
+          </p:cNvPr>
+          <p:cNvSpPr>
+            <a:spLocks noGrp="1"/>
+          </p:cNvSpPr>
+          <p:nvPr>
+            <p:ph type="subTitle" idx="1"/>
+          </p:nvPr>
+        </p:nvSpPr>
+        <p:spPr/>
+        <p:txBody>
+          <a:bodyPr/>
+          <a:lstStyle/>
+          <a:p>
+            <a:endParaRPr lang="de-DE"/>
+          </a:p>
+        </p:txBody>
+      </p:sp>
     </p:spTree>
     <p:extLst>
       <p:ext uri="{BB962C8B-B14F-4D97-AF65-F5344CB8AC3E}">
@@ -9493,6 +11834,2085 @@
   </p:cSld>
   <p:clrMapOvr>
     <a:masterClrMapping/>
+  </p:clrMapOvr>
+</p:sld>
+</file>
+
+<file path=ppt/slides/slide2.xml><?xml version="1.0" encoding="utf-8"?>
+<p:sld xmlns:a="http://schemas.openxmlformats.org/drawingml/2006/main" xmlns:r="http://schemas.openxmlformats.org/officeDocument/2006/relationships" xmlns:p="http://schemas.openxmlformats.org/presentationml/2006/main">
+  <p:cSld>
+    <p:bg>
+      <p:bgPr>
+        <a:solidFill>
+          <a:schemeClr val="bg1"/>
+        </a:solidFill>
+        <a:effectLst/>
+      </p:bgPr>
+    </p:bg>
+    <p:spTree>
+      <p:nvGrpSpPr>
+        <p:cNvPr id="1" name=""/>
+        <p:cNvGrpSpPr/>
+        <p:nvPr/>
+      </p:nvGrpSpPr>
+      <p:grpSpPr>
+        <a:xfrm>
+          <a:off x="0" y="0"/>
+          <a:ext cx="0" cy="0"/>
+          <a:chOff x="0" y="0"/>
+          <a:chExt cx="0" cy="0"/>
+        </a:xfrm>
+      </p:grpSpPr>
+      <p:pic>
+        <p:nvPicPr>
+          <p:cNvPr id="11" name="Grafik 10" descr="Ein Bild, das Boden, Tisch, aus Holz, drinnen enthält.&#10;&#10;Automatisch generierte Beschreibung">
+            <a:extLst>
+              <a:ext uri="{FF2B5EF4-FFF2-40B4-BE49-F238E27FC236}">
+                <a16:creationId xmlns:a16="http://schemas.microsoft.com/office/drawing/2014/main" id="{EB201CCA-E5D6-430B-BA02-C73F7787DC5D}"/>
+              </a:ext>
+            </a:extLst>
+          </p:cNvPr>
+          <p:cNvPicPr>
+            <a:picLocks noChangeAspect="1"/>
+          </p:cNvPicPr>
+          <p:nvPr/>
+        </p:nvPicPr>
+        <p:blipFill rotWithShape="1">
+          <a:blip r:embed="rId3">
+            <a:alphaModFix amt="25000"/>
+          </a:blip>
+          <a:srcRect t="7361" b="8370"/>
+          <a:stretch/>
+        </p:blipFill>
+        <p:spPr>
+          <a:xfrm>
+            <a:off x="20" y="10"/>
+            <a:ext cx="12191980" cy="6857990"/>
+          </a:xfrm>
+          <a:prstGeom prst="rect">
+            <a:avLst/>
+          </a:prstGeom>
+        </p:spPr>
+      </p:pic>
+      <p:sp>
+        <p:nvSpPr>
+          <p:cNvPr id="2" name="Titel 1">
+            <a:extLst>
+              <a:ext uri="{FF2B5EF4-FFF2-40B4-BE49-F238E27FC236}">
+                <a16:creationId xmlns:a16="http://schemas.microsoft.com/office/drawing/2014/main" id="{28492750-E12D-4995-ABCB-5BB846060890}"/>
+              </a:ext>
+            </a:extLst>
+          </p:cNvPr>
+          <p:cNvSpPr>
+            <a:spLocks noGrp="1"/>
+          </p:cNvSpPr>
+          <p:nvPr>
+            <p:ph type="title"/>
+          </p:nvPr>
+        </p:nvSpPr>
+        <p:spPr>
+          <a:xfrm>
+            <a:off x="0" y="2769325"/>
+            <a:ext cx="3487783" cy="978063"/>
+          </a:xfrm>
+        </p:spPr>
+        <p:txBody>
+          <a:bodyPr rtlCol="0">
+            <a:normAutofit/>
+          </a:bodyPr>
+          <a:lstStyle/>
+          <a:p>
+            <a:pPr rtl="0"/>
+            <a:r>
+              <a:rPr lang="de-DE" dirty="0">
+                <a:solidFill>
+                  <a:schemeClr val="tx1"/>
+                </a:solidFill>
+              </a:rPr>
+              <a:t>Gliederung</a:t>
+            </a:r>
+          </a:p>
+        </p:txBody>
+      </p:sp>
+      <p:sp>
+        <p:nvSpPr>
+          <p:cNvPr id="3" name="Datumsplatzhalter 2">
+            <a:extLst>
+              <a:ext uri="{FF2B5EF4-FFF2-40B4-BE49-F238E27FC236}">
+                <a16:creationId xmlns:a16="http://schemas.microsoft.com/office/drawing/2014/main" id="{AAA7D7D8-C7DD-4D17-AFAF-CAD97ED68945}"/>
+              </a:ext>
+            </a:extLst>
+          </p:cNvPr>
+          <p:cNvSpPr>
+            <a:spLocks noGrp="1"/>
+          </p:cNvSpPr>
+          <p:nvPr>
+            <p:ph type="dt" sz="half" idx="10"/>
+          </p:nvPr>
+        </p:nvSpPr>
+        <p:spPr/>
+        <p:txBody>
+          <a:bodyPr>
+            <a:normAutofit/>
+          </a:bodyPr>
+          <a:lstStyle/>
+          <a:p>
+            <a:pPr rtl="0">
+              <a:spcAft>
+                <a:spcPts val="600"/>
+              </a:spcAft>
+            </a:pPr>
+            <a:fld id="{5D3B16C5-1466-462D-9DCB-5C8225BA97CD}" type="datetime1">
+              <a:rPr lang="de-DE" b="1" noProof="0" smtClean="0">
+                <a:solidFill>
+                  <a:schemeClr val="tx1"/>
+                </a:solidFill>
+              </a:rPr>
+              <a:t>14.06.2020</a:t>
+            </a:fld>
+            <a:endParaRPr lang="de-DE" b="1" noProof="0" dirty="0">
+              <a:solidFill>
+                <a:schemeClr val="tx1"/>
+              </a:solidFill>
+            </a:endParaRPr>
+          </a:p>
+        </p:txBody>
+      </p:sp>
+      <p:sp>
+        <p:nvSpPr>
+          <p:cNvPr id="6" name="Foliennummernplatzhalter 5">
+            <a:extLst>
+              <a:ext uri="{FF2B5EF4-FFF2-40B4-BE49-F238E27FC236}">
+                <a16:creationId xmlns:a16="http://schemas.microsoft.com/office/drawing/2014/main" id="{EC795EFD-F0D9-4FC3-BE50-5903450A1052}"/>
+              </a:ext>
+            </a:extLst>
+          </p:cNvPr>
+          <p:cNvSpPr>
+            <a:spLocks noGrp="1"/>
+          </p:cNvSpPr>
+          <p:nvPr>
+            <p:ph type="sldNum" sz="quarter" idx="12"/>
+          </p:nvPr>
+        </p:nvSpPr>
+        <p:spPr/>
+        <p:txBody>
+          <a:bodyPr>
+            <a:normAutofit/>
+          </a:bodyPr>
+          <a:lstStyle/>
+          <a:p>
+            <a:pPr rtl="0">
+              <a:spcAft>
+                <a:spcPts val="600"/>
+              </a:spcAft>
+            </a:pPr>
+            <a:fld id="{4FAB73BC-B049-4115-A692-8D63A059BFB8}" type="slidenum">
+              <a:rPr lang="de-DE" sz="1400" noProof="0">
+                <a:solidFill>
+                  <a:schemeClr val="tx1"/>
+                </a:solidFill>
+              </a:rPr>
+              <a:pPr rtl="0">
+                <a:spcAft>
+                  <a:spcPts val="600"/>
+                </a:spcAft>
+              </a:pPr>
+              <a:t>2</a:t>
+            </a:fld>
+            <a:endParaRPr lang="de-DE" sz="1400" noProof="0" dirty="0">
+              <a:solidFill>
+                <a:schemeClr val="tx1"/>
+              </a:solidFill>
+            </a:endParaRPr>
+          </a:p>
+        </p:txBody>
+      </p:sp>
+      <p:graphicFrame>
+        <p:nvGraphicFramePr>
+          <p:cNvPr id="4" name="Inhaltsplatzhalter 3" descr="Symbol für SmartArt-Platzhalter ">
+            <a:extLst>
+              <a:ext uri="{FF2B5EF4-FFF2-40B4-BE49-F238E27FC236}">
+                <a16:creationId xmlns:a16="http://schemas.microsoft.com/office/drawing/2014/main" id="{F5DF3745-CCEE-4BD3-9E49-A25F9124ACF6}"/>
+              </a:ext>
+            </a:extLst>
+          </p:cNvPr>
+          <p:cNvGraphicFramePr>
+            <a:graphicFrameLocks noGrp="1"/>
+          </p:cNvGraphicFramePr>
+          <p:nvPr>
+            <p:ph idx="4294967295"/>
+            <p:extLst>
+              <p:ext uri="{D42A27DB-BD31-4B8C-83A1-F6EECF244321}">
+                <p14:modId xmlns:p14="http://schemas.microsoft.com/office/powerpoint/2010/main" val="61507011"/>
+              </p:ext>
+            </p:extLst>
+          </p:nvPr>
+        </p:nvGraphicFramePr>
+        <p:xfrm>
+          <a:off x="4876800" y="863600"/>
+          <a:ext cx="7315200" cy="5121275"/>
+        </p:xfrm>
+        <a:graphic>
+          <a:graphicData uri="http://schemas.openxmlformats.org/drawingml/2006/diagram">
+            <dgm:relIds xmlns:dgm="http://schemas.openxmlformats.org/drawingml/2006/diagram" xmlns:r="http://schemas.openxmlformats.org/officeDocument/2006/relationships" r:dm="rId4" r:lo="rId5" r:qs="rId6" r:cs="rId7"/>
+          </a:graphicData>
+        </a:graphic>
+      </p:graphicFrame>
+    </p:spTree>
+    <p:extLst>
+      <p:ext uri="{BB962C8B-B14F-4D97-AF65-F5344CB8AC3E}">
+        <p14:creationId xmlns:p14="http://schemas.microsoft.com/office/powerpoint/2010/main" val="1115916446"/>
+      </p:ext>
+    </p:extLst>
+  </p:cSld>
+  <p:clrMapOvr>
+    <a:overrideClrMapping bg1="dk1" tx1="lt1" bg2="dk2" tx2="lt2" accent1="accent1" accent2="accent2" accent3="accent3" accent4="accent4" accent5="accent5" accent6="accent6" hlink="hlink" folHlink="folHlink"/>
+  </p:clrMapOvr>
+</p:sld>
+</file>
+
+<file path=ppt/slides/slide3.xml><?xml version="1.0" encoding="utf-8"?>
+<p:sld xmlns:a="http://schemas.openxmlformats.org/drawingml/2006/main" xmlns:r="http://schemas.openxmlformats.org/officeDocument/2006/relationships" xmlns:p="http://schemas.openxmlformats.org/presentationml/2006/main">
+  <p:cSld>
+    <p:bg>
+      <p:bgPr>
+        <a:solidFill>
+          <a:schemeClr val="bg1"/>
+        </a:solidFill>
+        <a:effectLst/>
+      </p:bgPr>
+    </p:bg>
+    <p:spTree>
+      <p:nvGrpSpPr>
+        <p:cNvPr id="1" name=""/>
+        <p:cNvGrpSpPr/>
+        <p:nvPr/>
+      </p:nvGrpSpPr>
+      <p:grpSpPr>
+        <a:xfrm>
+          <a:off x="0" y="0"/>
+          <a:ext cx="0" cy="0"/>
+          <a:chOff x="0" y="0"/>
+          <a:chExt cx="0" cy="0"/>
+        </a:xfrm>
+      </p:grpSpPr>
+      <p:sp>
+        <p:nvSpPr>
+          <p:cNvPr id="46" name="Rectangle 45">
+            <a:extLst>
+              <a:ext uri="{FF2B5EF4-FFF2-40B4-BE49-F238E27FC236}">
+                <a16:creationId xmlns:a16="http://schemas.microsoft.com/office/drawing/2014/main" id="{C0F396D4-D75E-4F3D-8ACF-09B23638F07C}"/>
+              </a:ext>
+              <a:ext uri="{C183D7F6-B498-43B3-948B-1728B52AA6E4}">
+                <adec:decorative xmlns:adec="http://schemas.microsoft.com/office/drawing/2017/decorative" val="1"/>
+              </a:ext>
+            </a:extLst>
+          </p:cNvPr>
+          <p:cNvSpPr>
+            <a:spLocks noGrp="1" noRot="1" noChangeAspect="1" noMove="1" noResize="1" noEditPoints="1" noAdjustHandles="1" noChangeArrowheads="1" noChangeShapeType="1" noTextEdit="1"/>
+          </p:cNvSpPr>
+          <p:nvPr>
+            <p:extLst>
+              <p:ext uri="{386F3935-93C4-4BCD-93E2-E3B085C9AB24}">
+                <p16:designElem xmlns:p16="http://schemas.microsoft.com/office/powerpoint/2015/main" val="1"/>
+              </p:ext>
+            </p:extLst>
+          </p:nvPr>
+        </p:nvSpPr>
+        <p:spPr>
+          <a:xfrm>
+            <a:off x="0" y="761999"/>
+            <a:ext cx="9141619" cy="5334001"/>
+          </a:xfrm>
+          <a:prstGeom prst="rect">
+            <a:avLst/>
+          </a:prstGeom>
+          <a:solidFill>
+            <a:schemeClr val="accent1"/>
+          </a:solidFill>
+          <a:ln>
+            <a:noFill/>
+          </a:ln>
+        </p:spPr>
+        <p:style>
+          <a:lnRef idx="2">
+            <a:schemeClr val="accent1">
+              <a:shade val="50000"/>
+            </a:schemeClr>
+          </a:lnRef>
+          <a:fillRef idx="1">
+            <a:schemeClr val="accent1"/>
+          </a:fillRef>
+          <a:effectRef idx="0">
+            <a:schemeClr val="accent1"/>
+          </a:effectRef>
+          <a:fontRef idx="minor">
+            <a:schemeClr val="lt1"/>
+          </a:fontRef>
+        </p:style>
+      </p:sp>
+      <p:sp>
+        <p:nvSpPr>
+          <p:cNvPr id="48" name="Rectangle 47">
+            <a:extLst>
+              <a:ext uri="{FF2B5EF4-FFF2-40B4-BE49-F238E27FC236}">
+                <a16:creationId xmlns:a16="http://schemas.microsoft.com/office/drawing/2014/main" id="{815F6DE6-8123-413F-BC7B-1EB368E43E0A}"/>
+              </a:ext>
+              <a:ext uri="{C183D7F6-B498-43B3-948B-1728B52AA6E4}">
+                <adec:decorative xmlns:adec="http://schemas.microsoft.com/office/drawing/2017/decorative" val="1"/>
+              </a:ext>
+            </a:extLst>
+          </p:cNvPr>
+          <p:cNvSpPr>
+            <a:spLocks noGrp="1" noRot="1" noChangeAspect="1" noMove="1" noResize="1" noEditPoints="1" noAdjustHandles="1" noChangeArrowheads="1" noChangeShapeType="1" noTextEdit="1"/>
+          </p:cNvSpPr>
+          <p:nvPr>
+            <p:extLst>
+              <p:ext uri="{386F3935-93C4-4BCD-93E2-E3B085C9AB24}">
+                <p16:designElem xmlns:p16="http://schemas.microsoft.com/office/powerpoint/2015/main" val="1"/>
+              </p:ext>
+            </p:extLst>
+          </p:nvPr>
+        </p:nvSpPr>
+        <p:spPr>
+          <a:xfrm>
+            <a:off x="9270263" y="761999"/>
+            <a:ext cx="2925318" cy="5334001"/>
+          </a:xfrm>
+          <a:prstGeom prst="rect">
+            <a:avLst/>
+          </a:prstGeom>
+          <a:solidFill>
+            <a:srgbClr val="C8C8C8">
+              <a:alpha val="50000"/>
+            </a:srgbClr>
+          </a:solidFill>
+          <a:ln>
+            <a:noFill/>
+          </a:ln>
+        </p:spPr>
+        <p:style>
+          <a:lnRef idx="2">
+            <a:schemeClr val="accent1">
+              <a:shade val="50000"/>
+            </a:schemeClr>
+          </a:lnRef>
+          <a:fillRef idx="1">
+            <a:schemeClr val="accent1"/>
+          </a:fillRef>
+          <a:effectRef idx="0">
+            <a:schemeClr val="accent1"/>
+          </a:effectRef>
+          <a:fontRef idx="minor">
+            <a:schemeClr val="lt1"/>
+          </a:fontRef>
+        </p:style>
+      </p:sp>
+      <p:sp useBgFill="1">
+        <p:nvSpPr>
+          <p:cNvPr id="50" name="Rectangle 49">
+            <a:extLst>
+              <a:ext uri="{FF2B5EF4-FFF2-40B4-BE49-F238E27FC236}">
+                <a16:creationId xmlns:a16="http://schemas.microsoft.com/office/drawing/2014/main" id="{04AC1ECA-56A6-4FA8-A216-A0502A627D3D}"/>
+              </a:ext>
+              <a:ext uri="{C183D7F6-B498-43B3-948B-1728B52AA6E4}">
+                <adec:decorative xmlns:adec="http://schemas.microsoft.com/office/drawing/2017/decorative" val="1"/>
+              </a:ext>
+            </a:extLst>
+          </p:cNvPr>
+          <p:cNvSpPr>
+            <a:spLocks noGrp="1" noRot="1" noChangeAspect="1" noMove="1" noResize="1" noEditPoints="1" noAdjustHandles="1" noChangeArrowheads="1" noChangeShapeType="1" noTextEdit="1"/>
+          </p:cNvSpPr>
+          <p:nvPr>
+            <p:extLst>
+              <p:ext uri="{386F3935-93C4-4BCD-93E2-E3B085C9AB24}">
+                <p16:designElem xmlns:p16="http://schemas.microsoft.com/office/powerpoint/2015/main" val="1"/>
+              </p:ext>
+            </p:extLst>
+          </p:nvPr>
+        </p:nvSpPr>
+        <p:spPr>
+          <a:xfrm>
+            <a:off x="0" y="0"/>
+            <a:ext cx="12191999" cy="6858000"/>
+          </a:xfrm>
+          <a:prstGeom prst="rect">
+            <a:avLst/>
+          </a:prstGeom>
+          <a:ln>
+            <a:noFill/>
+          </a:ln>
+        </p:spPr>
+        <p:style>
+          <a:lnRef idx="2">
+            <a:schemeClr val="accent1">
+              <a:shade val="50000"/>
+            </a:schemeClr>
+          </a:lnRef>
+          <a:fillRef idx="1">
+            <a:schemeClr val="accent1"/>
+          </a:fillRef>
+          <a:effectRef idx="0">
+            <a:schemeClr val="accent1"/>
+          </a:effectRef>
+          <a:fontRef idx="minor">
+            <a:schemeClr val="lt1"/>
+          </a:fontRef>
+        </p:style>
+        <p:txBody>
+          <a:bodyPr rtlCol="0" anchor="ctr"/>
+          <a:lstStyle/>
+          <a:p>
+            <a:pPr algn="ctr"/>
+            <a:endParaRPr lang="en-US"/>
+          </a:p>
+        </p:txBody>
+      </p:sp>
+      <p:sp>
+        <p:nvSpPr>
+          <p:cNvPr id="52" name="Rectangle 51">
+            <a:extLst>
+              <a:ext uri="{FF2B5EF4-FFF2-40B4-BE49-F238E27FC236}">
+                <a16:creationId xmlns:a16="http://schemas.microsoft.com/office/drawing/2014/main" id="{E08EC873-0A32-4290-8CF6-220477C54E29}"/>
+              </a:ext>
+              <a:ext uri="{C183D7F6-B498-43B3-948B-1728B52AA6E4}">
+                <adec:decorative xmlns:adec="http://schemas.microsoft.com/office/drawing/2017/decorative" val="1"/>
+              </a:ext>
+            </a:extLst>
+          </p:cNvPr>
+          <p:cNvSpPr>
+            <a:spLocks noGrp="1" noRot="1" noChangeAspect="1" noMove="1" noResize="1" noEditPoints="1" noAdjustHandles="1" noChangeArrowheads="1" noChangeShapeType="1" noTextEdit="1"/>
+          </p:cNvSpPr>
+          <p:nvPr>
+            <p:extLst>
+              <p:ext uri="{386F3935-93C4-4BCD-93E2-E3B085C9AB24}">
+                <p16:designElem xmlns:p16="http://schemas.microsoft.com/office/powerpoint/2015/main" val="1"/>
+              </p:ext>
+            </p:extLst>
+          </p:nvPr>
+        </p:nvSpPr>
+        <p:spPr>
+          <a:xfrm>
+            <a:off x="0" y="4367639"/>
+            <a:ext cx="11707367" cy="1852186"/>
+          </a:xfrm>
+          <a:prstGeom prst="rect">
+            <a:avLst/>
+          </a:prstGeom>
+          <a:solidFill>
+            <a:schemeClr val="accent1"/>
+          </a:solidFill>
+          <a:ln>
+            <a:noFill/>
+          </a:ln>
+        </p:spPr>
+        <p:style>
+          <a:lnRef idx="2">
+            <a:schemeClr val="accent1">
+              <a:shade val="50000"/>
+            </a:schemeClr>
+          </a:lnRef>
+          <a:fillRef idx="1">
+            <a:schemeClr val="accent1"/>
+          </a:fillRef>
+          <a:effectRef idx="0">
+            <a:schemeClr val="accent1"/>
+          </a:effectRef>
+          <a:fontRef idx="minor">
+            <a:schemeClr val="lt1"/>
+          </a:fontRef>
+        </p:style>
+      </p:sp>
+      <p:sp>
+        <p:nvSpPr>
+          <p:cNvPr id="30" name="Titel 1">
+            <a:extLst>
+              <a:ext uri="{FF2B5EF4-FFF2-40B4-BE49-F238E27FC236}">
+                <a16:creationId xmlns:a16="http://schemas.microsoft.com/office/drawing/2014/main" id="{9602C987-9C02-4EE5-AF63-E074FFADF6CD}"/>
+              </a:ext>
+            </a:extLst>
+          </p:cNvPr>
+          <p:cNvSpPr>
+            <a:spLocks noGrp="1"/>
+          </p:cNvSpPr>
+          <p:nvPr>
+            <p:ph type="title"/>
+          </p:nvPr>
+        </p:nvSpPr>
+        <p:spPr>
+          <a:xfrm>
+            <a:off x="1069848" y="4590661"/>
+            <a:ext cx="10210862" cy="1065690"/>
+          </a:xfrm>
+        </p:spPr>
+        <p:txBody>
+          <a:bodyPr vert="horz" lIns="91440" tIns="45720" rIns="91440" bIns="45720" rtlCol="0" anchor="b">
+            <a:normAutofit/>
+          </a:bodyPr>
+          <a:lstStyle/>
+          <a:p>
+            <a:r>
+              <a:rPr lang="en-US" sz="5000">
+                <a:solidFill>
+                  <a:srgbClr val="FFFFFF"/>
+                </a:solidFill>
+              </a:rPr>
+              <a:t>Projektteam &amp; Kundenunternehmen</a:t>
+            </a:r>
+          </a:p>
+        </p:txBody>
+      </p:sp>
+      <p:pic>
+        <p:nvPicPr>
+          <p:cNvPr id="7" name="Grafik 6" descr="Ein Bild, das Uhr, Schild, Personen enthält.&#10;&#10;Automatisch generierte Beschreibung">
+            <a:extLst>
+              <a:ext uri="{FF2B5EF4-FFF2-40B4-BE49-F238E27FC236}">
+                <a16:creationId xmlns:a16="http://schemas.microsoft.com/office/drawing/2014/main" id="{AEF87130-14E7-4814-9B69-5CE9B257FEB5}"/>
+              </a:ext>
+            </a:extLst>
+          </p:cNvPr>
+          <p:cNvPicPr>
+            <a:picLocks noChangeAspect="1"/>
+          </p:cNvPicPr>
+          <p:nvPr/>
+        </p:nvPicPr>
+        <p:blipFill rotWithShape="1">
+          <a:blip r:embed="rId2"/>
+          <a:srcRect l="5317" r="-2" b="-2"/>
+          <a:stretch/>
+        </p:blipFill>
+        <p:spPr>
+          <a:xfrm>
+            <a:off x="1063691" y="1327099"/>
+            <a:ext cx="4789994" cy="1871820"/>
+          </a:xfrm>
+          <a:prstGeom prst="rect">
+            <a:avLst/>
+          </a:prstGeom>
+        </p:spPr>
+      </p:pic>
+      <p:pic>
+        <p:nvPicPr>
+          <p:cNvPr id="13" name="Grafik 12" descr="Ein Bild, das Text enthält.&#10;&#10;Automatisch generierte Beschreibung">
+            <a:extLst>
+              <a:ext uri="{FF2B5EF4-FFF2-40B4-BE49-F238E27FC236}">
+                <a16:creationId xmlns:a16="http://schemas.microsoft.com/office/drawing/2014/main" id="{0A598495-5FD8-4E7B-BE03-7349E4B5E30F}"/>
+              </a:ext>
+            </a:extLst>
+          </p:cNvPr>
+          <p:cNvPicPr>
+            <a:picLocks noChangeAspect="1"/>
+          </p:cNvPicPr>
+          <p:nvPr/>
+        </p:nvPicPr>
+        <p:blipFill>
+          <a:blip r:embed="rId3"/>
+          <a:stretch>
+            <a:fillRect/>
+          </a:stretch>
+        </p:blipFill>
+        <p:spPr>
+          <a:xfrm>
+            <a:off x="6954934" y="484632"/>
+            <a:ext cx="3556755" cy="3556755"/>
+          </a:xfrm>
+          <a:prstGeom prst="rect">
+            <a:avLst/>
+          </a:prstGeom>
+        </p:spPr>
+      </p:pic>
+      <p:sp>
+        <p:nvSpPr>
+          <p:cNvPr id="4" name="Datumsplatzhalter 3">
+            <a:extLst>
+              <a:ext uri="{FF2B5EF4-FFF2-40B4-BE49-F238E27FC236}">
+                <a16:creationId xmlns:a16="http://schemas.microsoft.com/office/drawing/2014/main" id="{AD5BACCE-E520-4B5E-8F1F-D3C60D825AFA}"/>
+              </a:ext>
+            </a:extLst>
+          </p:cNvPr>
+          <p:cNvSpPr>
+            <a:spLocks noGrp="1"/>
+          </p:cNvSpPr>
+          <p:nvPr>
+            <p:ph type="dt" sz="half" idx="10"/>
+          </p:nvPr>
+        </p:nvSpPr>
+        <p:spPr>
+          <a:xfrm>
+            <a:off x="262465" y="6356350"/>
+            <a:ext cx="2743200" cy="365125"/>
+          </a:xfrm>
+        </p:spPr>
+        <p:txBody>
+          <a:bodyPr vert="horz" lIns="91440" tIns="45720" rIns="91440" bIns="45720" rtlCol="0" anchor="ctr">
+            <a:normAutofit/>
+          </a:bodyPr>
+          <a:lstStyle/>
+          <a:p>
+            <a:pPr>
+              <a:spcAft>
+                <a:spcPts val="600"/>
+              </a:spcAft>
+            </a:pPr>
+            <a:r>
+              <a:rPr lang="en-US" b="1" dirty="0">
+                <a:solidFill>
+                  <a:schemeClr val="tx1">
+                    <a:lumMod val="50000"/>
+                    <a:lumOff val="50000"/>
+                  </a:schemeClr>
+                </a:solidFill>
+              </a:rPr>
+              <a:t>14.06.2020</a:t>
+            </a:r>
+            <a:endParaRPr lang="en-US" dirty="0">
+              <a:solidFill>
+                <a:schemeClr val="tx1">
+                  <a:lumMod val="50000"/>
+                  <a:lumOff val="50000"/>
+                </a:schemeClr>
+              </a:solidFill>
+            </a:endParaRPr>
+          </a:p>
+        </p:txBody>
+      </p:sp>
+      <p:sp>
+        <p:nvSpPr>
+          <p:cNvPr id="5" name="Foliennummernplatzhalter 4">
+            <a:extLst>
+              <a:ext uri="{FF2B5EF4-FFF2-40B4-BE49-F238E27FC236}">
+                <a16:creationId xmlns:a16="http://schemas.microsoft.com/office/drawing/2014/main" id="{D3D1FB3E-B192-44A9-9902-C336C150151E}"/>
+              </a:ext>
+            </a:extLst>
+          </p:cNvPr>
+          <p:cNvSpPr>
+            <a:spLocks noGrp="1"/>
+          </p:cNvSpPr>
+          <p:nvPr>
+            <p:ph type="sldNum" sz="quarter" idx="12"/>
+          </p:nvPr>
+        </p:nvSpPr>
+        <p:spPr>
+          <a:xfrm>
+            <a:off x="10634135" y="6356350"/>
+            <a:ext cx="1530927" cy="365125"/>
+          </a:xfrm>
+        </p:spPr>
+        <p:txBody>
+          <a:bodyPr vert="horz" lIns="91440" tIns="45720" rIns="91440" bIns="45720" rtlCol="0" anchor="ctr">
+            <a:normAutofit/>
+          </a:bodyPr>
+          <a:lstStyle/>
+          <a:p>
+            <a:pPr>
+              <a:spcAft>
+                <a:spcPts val="600"/>
+              </a:spcAft>
+            </a:pPr>
+            <a:fld id="{4FAB73BC-B049-4115-A692-8D63A059BFB8}" type="slidenum">
+              <a:rPr lang="en-US" sz="1400" smtClean="0">
+                <a:solidFill>
+                  <a:schemeClr val="tx1"/>
+                </a:solidFill>
+              </a:rPr>
+              <a:pPr>
+                <a:spcAft>
+                  <a:spcPts val="600"/>
+                </a:spcAft>
+              </a:pPr>
+              <a:t>3</a:t>
+            </a:fld>
+            <a:endParaRPr lang="en-US" sz="1400" dirty="0">
+              <a:solidFill>
+                <a:schemeClr val="tx1"/>
+              </a:solidFill>
+            </a:endParaRPr>
+          </a:p>
+        </p:txBody>
+      </p:sp>
+    </p:spTree>
+    <p:extLst>
+      <p:ext uri="{BB962C8B-B14F-4D97-AF65-F5344CB8AC3E}">
+        <p14:creationId xmlns:p14="http://schemas.microsoft.com/office/powerpoint/2010/main" val="1532644602"/>
+      </p:ext>
+    </p:extLst>
+  </p:cSld>
+  <p:clrMapOvr>
+    <a:masterClrMapping/>
+  </p:clrMapOvr>
+</p:sld>
+</file>
+
+<file path=ppt/slides/slide4.xml><?xml version="1.0" encoding="utf-8"?>
+<p:sld xmlns:a="http://schemas.openxmlformats.org/drawingml/2006/main" xmlns:r="http://schemas.openxmlformats.org/officeDocument/2006/relationships" xmlns:p="http://schemas.openxmlformats.org/presentationml/2006/main">
+  <p:cSld>
+    <p:bg>
+      <p:bgPr>
+        <a:solidFill>
+          <a:schemeClr val="bg1"/>
+        </a:solidFill>
+        <a:effectLst/>
+      </p:bgPr>
+    </p:bg>
+    <p:spTree>
+      <p:nvGrpSpPr>
+        <p:cNvPr id="1" name=""/>
+        <p:cNvGrpSpPr/>
+        <p:nvPr/>
+      </p:nvGrpSpPr>
+      <p:grpSpPr>
+        <a:xfrm>
+          <a:off x="0" y="0"/>
+          <a:ext cx="0" cy="0"/>
+          <a:chOff x="0" y="0"/>
+          <a:chExt cx="0" cy="0"/>
+        </a:xfrm>
+      </p:grpSpPr>
+      <p:sp>
+        <p:nvSpPr>
+          <p:cNvPr id="77" name="Rectangle 76">
+            <a:extLst>
+              <a:ext uri="{FF2B5EF4-FFF2-40B4-BE49-F238E27FC236}">
+                <a16:creationId xmlns:a16="http://schemas.microsoft.com/office/drawing/2014/main" id="{C0F396D4-D75E-4F3D-8ACF-09B23638F07C}"/>
+              </a:ext>
+              <a:ext uri="{C183D7F6-B498-43B3-948B-1728B52AA6E4}">
+                <adec:decorative xmlns:adec="http://schemas.microsoft.com/office/drawing/2017/decorative" val="1"/>
+              </a:ext>
+            </a:extLst>
+          </p:cNvPr>
+          <p:cNvSpPr>
+            <a:spLocks noGrp="1" noRot="1" noChangeAspect="1" noMove="1" noResize="1" noEditPoints="1" noAdjustHandles="1" noChangeArrowheads="1" noChangeShapeType="1" noTextEdit="1"/>
+          </p:cNvSpPr>
+          <p:nvPr>
+            <p:extLst>
+              <p:ext uri="{386F3935-93C4-4BCD-93E2-E3B085C9AB24}">
+                <p16:designElem xmlns:p16="http://schemas.microsoft.com/office/powerpoint/2015/main" val="1"/>
+              </p:ext>
+            </p:extLst>
+          </p:nvPr>
+        </p:nvSpPr>
+        <p:spPr>
+          <a:xfrm>
+            <a:off x="0" y="761999"/>
+            <a:ext cx="9141619" cy="5334001"/>
+          </a:xfrm>
+          <a:prstGeom prst="rect">
+            <a:avLst/>
+          </a:prstGeom>
+          <a:solidFill>
+            <a:schemeClr val="accent1"/>
+          </a:solidFill>
+          <a:ln>
+            <a:noFill/>
+          </a:ln>
+        </p:spPr>
+        <p:style>
+          <a:lnRef idx="2">
+            <a:schemeClr val="accent1">
+              <a:shade val="50000"/>
+            </a:schemeClr>
+          </a:lnRef>
+          <a:fillRef idx="1">
+            <a:schemeClr val="accent1"/>
+          </a:fillRef>
+          <a:effectRef idx="0">
+            <a:schemeClr val="accent1"/>
+          </a:effectRef>
+          <a:fontRef idx="minor">
+            <a:schemeClr val="lt1"/>
+          </a:fontRef>
+        </p:style>
+      </p:sp>
+      <p:sp>
+        <p:nvSpPr>
+          <p:cNvPr id="79" name="Rectangle 78">
+            <a:extLst>
+              <a:ext uri="{FF2B5EF4-FFF2-40B4-BE49-F238E27FC236}">
+                <a16:creationId xmlns:a16="http://schemas.microsoft.com/office/drawing/2014/main" id="{815F6DE6-8123-413F-BC7B-1EB368E43E0A}"/>
+              </a:ext>
+              <a:ext uri="{C183D7F6-B498-43B3-948B-1728B52AA6E4}">
+                <adec:decorative xmlns:adec="http://schemas.microsoft.com/office/drawing/2017/decorative" val="1"/>
+              </a:ext>
+            </a:extLst>
+          </p:cNvPr>
+          <p:cNvSpPr>
+            <a:spLocks noGrp="1" noRot="1" noChangeAspect="1" noMove="1" noResize="1" noEditPoints="1" noAdjustHandles="1" noChangeArrowheads="1" noChangeShapeType="1" noTextEdit="1"/>
+          </p:cNvSpPr>
+          <p:nvPr>
+            <p:extLst>
+              <p:ext uri="{386F3935-93C4-4BCD-93E2-E3B085C9AB24}">
+                <p16:designElem xmlns:p16="http://schemas.microsoft.com/office/powerpoint/2015/main" val="1"/>
+              </p:ext>
+            </p:extLst>
+          </p:nvPr>
+        </p:nvSpPr>
+        <p:spPr>
+          <a:xfrm>
+            <a:off x="9270263" y="761999"/>
+            <a:ext cx="2925318" cy="5334001"/>
+          </a:xfrm>
+          <a:prstGeom prst="rect">
+            <a:avLst/>
+          </a:prstGeom>
+          <a:solidFill>
+            <a:srgbClr val="C8C8C8">
+              <a:alpha val="50000"/>
+            </a:srgbClr>
+          </a:solidFill>
+          <a:ln>
+            <a:noFill/>
+          </a:ln>
+        </p:spPr>
+        <p:style>
+          <a:lnRef idx="2">
+            <a:schemeClr val="accent1">
+              <a:shade val="50000"/>
+            </a:schemeClr>
+          </a:lnRef>
+          <a:fillRef idx="1">
+            <a:schemeClr val="accent1"/>
+          </a:fillRef>
+          <a:effectRef idx="0">
+            <a:schemeClr val="accent1"/>
+          </a:effectRef>
+          <a:fontRef idx="minor">
+            <a:schemeClr val="lt1"/>
+          </a:fontRef>
+        </p:style>
+      </p:sp>
+      <p:sp useBgFill="1">
+        <p:nvSpPr>
+          <p:cNvPr id="81" name="Rectangle 80">
+            <a:extLst>
+              <a:ext uri="{FF2B5EF4-FFF2-40B4-BE49-F238E27FC236}">
+                <a16:creationId xmlns:a16="http://schemas.microsoft.com/office/drawing/2014/main" id="{04AC1ECA-56A6-4FA8-A216-A0502A627D3D}"/>
+              </a:ext>
+              <a:ext uri="{C183D7F6-B498-43B3-948B-1728B52AA6E4}">
+                <adec:decorative xmlns:adec="http://schemas.microsoft.com/office/drawing/2017/decorative" val="1"/>
+              </a:ext>
+            </a:extLst>
+          </p:cNvPr>
+          <p:cNvSpPr>
+            <a:spLocks noGrp="1" noRot="1" noChangeAspect="1" noMove="1" noResize="1" noEditPoints="1" noAdjustHandles="1" noChangeArrowheads="1" noChangeShapeType="1" noTextEdit="1"/>
+          </p:cNvSpPr>
+          <p:nvPr>
+            <p:extLst>
+              <p:ext uri="{386F3935-93C4-4BCD-93E2-E3B085C9AB24}">
+                <p16:designElem xmlns:p16="http://schemas.microsoft.com/office/powerpoint/2015/main" val="1"/>
+              </p:ext>
+            </p:extLst>
+          </p:nvPr>
+        </p:nvSpPr>
+        <p:spPr>
+          <a:xfrm>
+            <a:off x="0" y="0"/>
+            <a:ext cx="12191999" cy="6858000"/>
+          </a:xfrm>
+          <a:prstGeom prst="rect">
+            <a:avLst/>
+          </a:prstGeom>
+          <a:ln>
+            <a:noFill/>
+          </a:ln>
+        </p:spPr>
+        <p:style>
+          <a:lnRef idx="2">
+            <a:schemeClr val="accent1">
+              <a:shade val="50000"/>
+            </a:schemeClr>
+          </a:lnRef>
+          <a:fillRef idx="1">
+            <a:schemeClr val="accent1"/>
+          </a:fillRef>
+          <a:effectRef idx="0">
+            <a:schemeClr val="accent1"/>
+          </a:effectRef>
+          <a:fontRef idx="minor">
+            <a:schemeClr val="lt1"/>
+          </a:fontRef>
+        </p:style>
+        <p:txBody>
+          <a:bodyPr rtlCol="0" anchor="ctr"/>
+          <a:lstStyle/>
+          <a:p>
+            <a:pPr algn="ctr"/>
+            <a:endParaRPr lang="en-US"/>
+          </a:p>
+        </p:txBody>
+      </p:sp>
+      <p:sp>
+        <p:nvSpPr>
+          <p:cNvPr id="83" name="Rectangle 82">
+            <a:extLst>
+              <a:ext uri="{FF2B5EF4-FFF2-40B4-BE49-F238E27FC236}">
+                <a16:creationId xmlns:a16="http://schemas.microsoft.com/office/drawing/2014/main" id="{E08EC873-0A32-4290-8CF6-220477C54E29}"/>
+              </a:ext>
+              <a:ext uri="{C183D7F6-B498-43B3-948B-1728B52AA6E4}">
+                <adec:decorative xmlns:adec="http://schemas.microsoft.com/office/drawing/2017/decorative" val="1"/>
+              </a:ext>
+            </a:extLst>
+          </p:cNvPr>
+          <p:cNvSpPr>
+            <a:spLocks noGrp="1" noRot="1" noChangeAspect="1" noMove="1" noResize="1" noEditPoints="1" noAdjustHandles="1" noChangeArrowheads="1" noChangeShapeType="1" noTextEdit="1"/>
+          </p:cNvSpPr>
+          <p:nvPr>
+            <p:extLst>
+              <p:ext uri="{386F3935-93C4-4BCD-93E2-E3B085C9AB24}">
+                <p16:designElem xmlns:p16="http://schemas.microsoft.com/office/powerpoint/2015/main" val="1"/>
+              </p:ext>
+            </p:extLst>
+          </p:nvPr>
+        </p:nvSpPr>
+        <p:spPr>
+          <a:xfrm>
+            <a:off x="0" y="4367639"/>
+            <a:ext cx="11707367" cy="1852186"/>
+          </a:xfrm>
+          <a:prstGeom prst="rect">
+            <a:avLst/>
+          </a:prstGeom>
+          <a:solidFill>
+            <a:schemeClr val="accent1"/>
+          </a:solidFill>
+          <a:ln>
+            <a:noFill/>
+          </a:ln>
+        </p:spPr>
+        <p:style>
+          <a:lnRef idx="2">
+            <a:schemeClr val="accent1">
+              <a:shade val="50000"/>
+            </a:schemeClr>
+          </a:lnRef>
+          <a:fillRef idx="1">
+            <a:schemeClr val="accent1"/>
+          </a:fillRef>
+          <a:effectRef idx="0">
+            <a:schemeClr val="accent1"/>
+          </a:effectRef>
+          <a:fontRef idx="minor">
+            <a:schemeClr val="lt1"/>
+          </a:fontRef>
+        </p:style>
+      </p:sp>
+      <p:sp>
+        <p:nvSpPr>
+          <p:cNvPr id="30" name="Titel 1">
+            <a:extLst>
+              <a:ext uri="{FF2B5EF4-FFF2-40B4-BE49-F238E27FC236}">
+                <a16:creationId xmlns:a16="http://schemas.microsoft.com/office/drawing/2014/main" id="{9602C987-9C02-4EE5-AF63-E074FFADF6CD}"/>
+              </a:ext>
+            </a:extLst>
+          </p:cNvPr>
+          <p:cNvSpPr>
+            <a:spLocks noGrp="1"/>
+          </p:cNvSpPr>
+          <p:nvPr>
+            <p:ph type="title"/>
+          </p:nvPr>
+        </p:nvSpPr>
+        <p:spPr>
+          <a:xfrm>
+            <a:off x="1069848" y="4590661"/>
+            <a:ext cx="10210862" cy="1065690"/>
+          </a:xfrm>
+        </p:spPr>
+        <p:txBody>
+          <a:bodyPr vert="horz" lIns="91440" tIns="45720" rIns="91440" bIns="45720" rtlCol="0" anchor="b">
+            <a:normAutofit/>
+          </a:bodyPr>
+          <a:lstStyle/>
+          <a:p>
+            <a:r>
+              <a:rPr lang="en-US">
+                <a:solidFill>
+                  <a:srgbClr val="FFFFFF"/>
+                </a:solidFill>
+              </a:rPr>
+              <a:t>Code &amp; GitHub</a:t>
+            </a:r>
+          </a:p>
+        </p:txBody>
+      </p:sp>
+      <p:pic>
+        <p:nvPicPr>
+          <p:cNvPr id="12" name="Grafik 11">
+            <a:extLst>
+              <a:ext uri="{FF2B5EF4-FFF2-40B4-BE49-F238E27FC236}">
+                <a16:creationId xmlns:a16="http://schemas.microsoft.com/office/drawing/2014/main" id="{A0F7276B-26DC-4854-BCF5-E113E1308D4E}"/>
+              </a:ext>
+            </a:extLst>
+          </p:cNvPr>
+          <p:cNvPicPr>
+            <a:picLocks noChangeAspect="1"/>
+          </p:cNvPicPr>
+          <p:nvPr/>
+        </p:nvPicPr>
+        <p:blipFill>
+          <a:blip r:embed="rId2"/>
+          <a:stretch>
+            <a:fillRect/>
+          </a:stretch>
+        </p:blipFill>
+        <p:spPr>
+          <a:xfrm>
+            <a:off x="1680310" y="484632"/>
+            <a:ext cx="3556755" cy="3556755"/>
+          </a:xfrm>
+          <a:prstGeom prst="rect">
+            <a:avLst/>
+          </a:prstGeom>
+        </p:spPr>
+      </p:pic>
+      <p:pic>
+        <p:nvPicPr>
+          <p:cNvPr id="8" name="Grafik 7" descr="Ein Bild, das Zeichnung enthält.&#10;&#10;Automatisch generierte Beschreibung">
+            <a:extLst>
+              <a:ext uri="{FF2B5EF4-FFF2-40B4-BE49-F238E27FC236}">
+                <a16:creationId xmlns:a16="http://schemas.microsoft.com/office/drawing/2014/main" id="{4E51EDC3-AFEB-4658-BC93-A17CFA023EA9}"/>
+              </a:ext>
+            </a:extLst>
+          </p:cNvPr>
+          <p:cNvPicPr>
+            <a:picLocks noChangeAspect="1"/>
+          </p:cNvPicPr>
+          <p:nvPr/>
+        </p:nvPicPr>
+        <p:blipFill>
+          <a:blip r:embed="rId3"/>
+          <a:stretch>
+            <a:fillRect/>
+          </a:stretch>
+        </p:blipFill>
+        <p:spPr>
+          <a:xfrm>
+            <a:off x="7549883" y="484632"/>
+            <a:ext cx="2366858" cy="3556755"/>
+          </a:xfrm>
+          <a:prstGeom prst="rect">
+            <a:avLst/>
+          </a:prstGeom>
+        </p:spPr>
+      </p:pic>
+      <p:sp>
+        <p:nvSpPr>
+          <p:cNvPr id="4" name="Datumsplatzhalter 3">
+            <a:extLst>
+              <a:ext uri="{FF2B5EF4-FFF2-40B4-BE49-F238E27FC236}">
+                <a16:creationId xmlns:a16="http://schemas.microsoft.com/office/drawing/2014/main" id="{AD5BACCE-E520-4B5E-8F1F-D3C60D825AFA}"/>
+              </a:ext>
+            </a:extLst>
+          </p:cNvPr>
+          <p:cNvSpPr>
+            <a:spLocks noGrp="1"/>
+          </p:cNvSpPr>
+          <p:nvPr>
+            <p:ph type="dt" sz="half" idx="10"/>
+          </p:nvPr>
+        </p:nvSpPr>
+        <p:spPr>
+          <a:xfrm>
+            <a:off x="262465" y="6356350"/>
+            <a:ext cx="2743200" cy="365125"/>
+          </a:xfrm>
+        </p:spPr>
+        <p:txBody>
+          <a:bodyPr vert="horz" lIns="91440" tIns="45720" rIns="91440" bIns="45720" rtlCol="0" anchor="ctr">
+            <a:normAutofit/>
+          </a:bodyPr>
+          <a:lstStyle/>
+          <a:p>
+            <a:pPr>
+              <a:spcAft>
+                <a:spcPts val="600"/>
+              </a:spcAft>
+            </a:pPr>
+            <a:r>
+              <a:rPr lang="en-US" b="1" dirty="0">
+                <a:solidFill>
+                  <a:schemeClr val="tx1">
+                    <a:lumMod val="50000"/>
+                    <a:lumOff val="50000"/>
+                  </a:schemeClr>
+                </a:solidFill>
+              </a:rPr>
+              <a:t>14.06.2020</a:t>
+            </a:r>
+            <a:endParaRPr lang="en-US" dirty="0">
+              <a:solidFill>
+                <a:schemeClr val="tx1">
+                  <a:lumMod val="50000"/>
+                  <a:lumOff val="50000"/>
+                </a:schemeClr>
+              </a:solidFill>
+            </a:endParaRPr>
+          </a:p>
+        </p:txBody>
+      </p:sp>
+      <p:sp>
+        <p:nvSpPr>
+          <p:cNvPr id="5" name="Foliennummernplatzhalter 4">
+            <a:extLst>
+              <a:ext uri="{FF2B5EF4-FFF2-40B4-BE49-F238E27FC236}">
+                <a16:creationId xmlns:a16="http://schemas.microsoft.com/office/drawing/2014/main" id="{D3D1FB3E-B192-44A9-9902-C336C150151E}"/>
+              </a:ext>
+            </a:extLst>
+          </p:cNvPr>
+          <p:cNvSpPr>
+            <a:spLocks noGrp="1"/>
+          </p:cNvSpPr>
+          <p:nvPr>
+            <p:ph type="sldNum" sz="quarter" idx="12"/>
+          </p:nvPr>
+        </p:nvSpPr>
+        <p:spPr>
+          <a:xfrm>
+            <a:off x="10634135" y="6356350"/>
+            <a:ext cx="1530927" cy="365125"/>
+          </a:xfrm>
+        </p:spPr>
+        <p:txBody>
+          <a:bodyPr vert="horz" lIns="91440" tIns="45720" rIns="91440" bIns="45720" rtlCol="0" anchor="ctr">
+            <a:normAutofit/>
+          </a:bodyPr>
+          <a:lstStyle/>
+          <a:p>
+            <a:pPr>
+              <a:spcAft>
+                <a:spcPts val="600"/>
+              </a:spcAft>
+            </a:pPr>
+            <a:fld id="{4FAB73BC-B049-4115-A692-8D63A059BFB8}" type="slidenum">
+              <a:rPr lang="en-US" sz="1400" smtClean="0">
+                <a:solidFill>
+                  <a:schemeClr val="accent1"/>
+                </a:solidFill>
+              </a:rPr>
+              <a:pPr>
+                <a:spcAft>
+                  <a:spcPts val="600"/>
+                </a:spcAft>
+              </a:pPr>
+              <a:t>4</a:t>
+            </a:fld>
+            <a:endParaRPr lang="en-US" sz="1400" dirty="0">
+              <a:solidFill>
+                <a:schemeClr val="accent1"/>
+              </a:solidFill>
+            </a:endParaRPr>
+          </a:p>
+        </p:txBody>
+      </p:sp>
+    </p:spTree>
+    <p:extLst>
+      <p:ext uri="{BB962C8B-B14F-4D97-AF65-F5344CB8AC3E}">
+        <p14:creationId xmlns:p14="http://schemas.microsoft.com/office/powerpoint/2010/main" val="1912891057"/>
+      </p:ext>
+    </p:extLst>
+  </p:cSld>
+  <p:clrMapOvr>
+    <a:masterClrMapping/>
+  </p:clrMapOvr>
+</p:sld>
+</file>
+
+<file path=ppt/slides/slide5.xml><?xml version="1.0" encoding="utf-8"?>
+<p:sld xmlns:a="http://schemas.openxmlformats.org/drawingml/2006/main" xmlns:r="http://schemas.openxmlformats.org/officeDocument/2006/relationships" xmlns:p="http://schemas.openxmlformats.org/presentationml/2006/main">
+  <p:cSld>
+    <p:bg>
+      <p:bgPr>
+        <a:solidFill>
+          <a:schemeClr val="accent1"/>
+        </a:solidFill>
+        <a:effectLst/>
+      </p:bgPr>
+    </p:bg>
+    <p:spTree>
+      <p:nvGrpSpPr>
+        <p:cNvPr id="1" name=""/>
+        <p:cNvGrpSpPr/>
+        <p:nvPr/>
+      </p:nvGrpSpPr>
+      <p:grpSpPr>
+        <a:xfrm>
+          <a:off x="0" y="0"/>
+          <a:ext cx="0" cy="0"/>
+          <a:chOff x="0" y="0"/>
+          <a:chExt cx="0" cy="0"/>
+        </a:xfrm>
+      </p:grpSpPr>
+      <p:pic>
+        <p:nvPicPr>
+          <p:cNvPr id="16" name="Grafik 15" descr="Ein Bild, das Screenshot enthält.&#10;&#10;Automatisch generierte Beschreibung">
+            <a:extLst>
+              <a:ext uri="{FF2B5EF4-FFF2-40B4-BE49-F238E27FC236}">
+                <a16:creationId xmlns:a16="http://schemas.microsoft.com/office/drawing/2014/main" id="{E8FB7494-E794-4B4E-801F-BAD9E8F6C196}"/>
+              </a:ext>
+            </a:extLst>
+          </p:cNvPr>
+          <p:cNvPicPr>
+            <a:picLocks noChangeAspect="1"/>
+          </p:cNvPicPr>
+          <p:nvPr/>
+        </p:nvPicPr>
+        <p:blipFill rotWithShape="1">
+          <a:blip r:embed="rId2"/>
+          <a:srcRect l="589"/>
+          <a:stretch/>
+        </p:blipFill>
+        <p:spPr>
+          <a:xfrm>
+            <a:off x="643467" y="1029383"/>
+            <a:ext cx="10905066" cy="4799234"/>
+          </a:xfrm>
+          <a:prstGeom prst="rect">
+            <a:avLst/>
+          </a:prstGeom>
+        </p:spPr>
+      </p:pic>
+      <p:sp>
+        <p:nvSpPr>
+          <p:cNvPr id="4" name="Datumsplatzhalter 3">
+            <a:extLst>
+              <a:ext uri="{FF2B5EF4-FFF2-40B4-BE49-F238E27FC236}">
+                <a16:creationId xmlns:a16="http://schemas.microsoft.com/office/drawing/2014/main" id="{F5FBF785-3218-4D76-9C9D-FA1582BC5BF4}"/>
+              </a:ext>
+            </a:extLst>
+          </p:cNvPr>
+          <p:cNvSpPr>
+            <a:spLocks noGrp="1"/>
+          </p:cNvSpPr>
+          <p:nvPr>
+            <p:ph type="dt" sz="half" idx="10"/>
+          </p:nvPr>
+        </p:nvSpPr>
+        <p:spPr>
+          <a:xfrm>
+            <a:off x="262465" y="6356350"/>
+            <a:ext cx="2743200" cy="365125"/>
+          </a:xfrm>
+        </p:spPr>
+        <p:txBody>
+          <a:bodyPr>
+            <a:normAutofit/>
+          </a:bodyPr>
+          <a:lstStyle/>
+          <a:p>
+            <a:pPr rtl="0">
+              <a:spcAft>
+                <a:spcPts val="600"/>
+              </a:spcAft>
+            </a:pPr>
+            <a:fld id="{0C6EF790-5E19-47DA-AC9B-C39E3D5FB3E1}" type="datetime1">
+              <a:rPr lang="de-DE" sz="1400" b="1" noProof="0" smtClean="0"/>
+              <a:t>14.06.2020</a:t>
+            </a:fld>
+            <a:endParaRPr lang="de-DE" b="1" noProof="0" dirty="0"/>
+          </a:p>
+        </p:txBody>
+      </p:sp>
+      <p:sp>
+        <p:nvSpPr>
+          <p:cNvPr id="5" name="Foliennummernplatzhalter 4">
+            <a:extLst>
+              <a:ext uri="{FF2B5EF4-FFF2-40B4-BE49-F238E27FC236}">
+                <a16:creationId xmlns:a16="http://schemas.microsoft.com/office/drawing/2014/main" id="{4BBA910E-8982-4148-B05F-B3E87C60C50C}"/>
+              </a:ext>
+            </a:extLst>
+          </p:cNvPr>
+          <p:cNvSpPr>
+            <a:spLocks noGrp="1"/>
+          </p:cNvSpPr>
+          <p:nvPr>
+            <p:ph type="sldNum" sz="quarter" idx="12"/>
+          </p:nvPr>
+        </p:nvSpPr>
+        <p:spPr>
+          <a:xfrm>
+            <a:off x="10634135" y="6356350"/>
+            <a:ext cx="1530927" cy="365125"/>
+          </a:xfrm>
+        </p:spPr>
+        <p:txBody>
+          <a:bodyPr>
+            <a:normAutofit/>
+          </a:bodyPr>
+          <a:lstStyle/>
+          <a:p>
+            <a:pPr rtl="0">
+              <a:spcAft>
+                <a:spcPts val="600"/>
+              </a:spcAft>
+            </a:pPr>
+            <a:fld id="{4FAB73BC-B049-4115-A692-8D63A059BFB8}" type="slidenum">
+              <a:rPr lang="de-DE" sz="1400" noProof="0">
+                <a:solidFill>
+                  <a:schemeClr val="tx1"/>
+                </a:solidFill>
+              </a:rPr>
+              <a:pPr rtl="0">
+                <a:spcAft>
+                  <a:spcPts val="600"/>
+                </a:spcAft>
+              </a:pPr>
+              <a:t>5</a:t>
+            </a:fld>
+            <a:endParaRPr lang="de-DE" sz="1400" noProof="0" dirty="0">
+              <a:solidFill>
+                <a:schemeClr val="tx1"/>
+              </a:solidFill>
+            </a:endParaRPr>
+          </a:p>
+        </p:txBody>
+      </p:sp>
+    </p:spTree>
+    <p:extLst>
+      <p:ext uri="{BB962C8B-B14F-4D97-AF65-F5344CB8AC3E}">
+        <p14:creationId xmlns:p14="http://schemas.microsoft.com/office/powerpoint/2010/main" val="2570776204"/>
+      </p:ext>
+    </p:extLst>
+  </p:cSld>
+  <p:clrMapOvr>
+    <a:overrideClrMapping bg1="dk1" tx1="lt1" bg2="dk2" tx2="lt2" accent1="accent1" accent2="accent2" accent3="accent3" accent4="accent4" accent5="accent5" accent6="accent6" hlink="hlink" folHlink="folHlink"/>
+  </p:clrMapOvr>
+</p:sld>
+</file>
+
+<file path=ppt/slides/slide6.xml><?xml version="1.0" encoding="utf-8"?>
+<p:sld xmlns:a="http://schemas.openxmlformats.org/drawingml/2006/main" xmlns:r="http://schemas.openxmlformats.org/officeDocument/2006/relationships" xmlns:p="http://schemas.openxmlformats.org/presentationml/2006/main">
+  <p:cSld>
+    <p:bg>
+      <p:bgPr>
+        <a:solidFill>
+          <a:schemeClr val="accent1"/>
+        </a:solidFill>
+        <a:effectLst/>
+      </p:bgPr>
+    </p:bg>
+    <p:spTree>
+      <p:nvGrpSpPr>
+        <p:cNvPr id="1" name=""/>
+        <p:cNvGrpSpPr/>
+        <p:nvPr/>
+      </p:nvGrpSpPr>
+      <p:grpSpPr>
+        <a:xfrm>
+          <a:off x="0" y="0"/>
+          <a:ext cx="0" cy="0"/>
+          <a:chOff x="0" y="0"/>
+          <a:chExt cx="0" cy="0"/>
+        </a:xfrm>
+      </p:grpSpPr>
+      <p:sp>
+        <p:nvSpPr>
+          <p:cNvPr id="4" name="Datumsplatzhalter 3">
+            <a:extLst>
+              <a:ext uri="{FF2B5EF4-FFF2-40B4-BE49-F238E27FC236}">
+                <a16:creationId xmlns:a16="http://schemas.microsoft.com/office/drawing/2014/main" id="{04808089-4013-43A4-8319-4F458DFF0537}"/>
+              </a:ext>
+            </a:extLst>
+          </p:cNvPr>
+          <p:cNvSpPr>
+            <a:spLocks noGrp="1"/>
+          </p:cNvSpPr>
+          <p:nvPr>
+            <p:ph type="dt" sz="half" idx="10"/>
+          </p:nvPr>
+        </p:nvSpPr>
+        <p:spPr>
+          <a:xfrm>
+            <a:off x="262465" y="6356350"/>
+            <a:ext cx="2743200" cy="365125"/>
+          </a:xfrm>
+        </p:spPr>
+        <p:txBody>
+          <a:bodyPr>
+            <a:normAutofit/>
+          </a:bodyPr>
+          <a:lstStyle/>
+          <a:p>
+            <a:pPr rtl="0">
+              <a:spcAft>
+                <a:spcPts val="600"/>
+              </a:spcAft>
+            </a:pPr>
+            <a:fld id="{EC0170B4-3827-4DD2-AC2F-A17380A8C5D8}" type="datetime1">
+              <a:rPr lang="de-DE" sz="1400" b="1" noProof="0" smtClean="0"/>
+              <a:t>14.06.2020</a:t>
+            </a:fld>
+            <a:endParaRPr lang="de-DE" b="1" noProof="0" dirty="0"/>
+          </a:p>
+        </p:txBody>
+      </p:sp>
+      <p:sp>
+        <p:nvSpPr>
+          <p:cNvPr id="5" name="Foliennummernplatzhalter 4">
+            <a:extLst>
+              <a:ext uri="{FF2B5EF4-FFF2-40B4-BE49-F238E27FC236}">
+                <a16:creationId xmlns:a16="http://schemas.microsoft.com/office/drawing/2014/main" id="{1EA0B2C6-5C03-4599-BD76-A571524418D6}"/>
+              </a:ext>
+            </a:extLst>
+          </p:cNvPr>
+          <p:cNvSpPr>
+            <a:spLocks noGrp="1"/>
+          </p:cNvSpPr>
+          <p:nvPr>
+            <p:ph type="sldNum" sz="quarter" idx="12"/>
+          </p:nvPr>
+        </p:nvSpPr>
+        <p:spPr>
+          <a:xfrm>
+            <a:off x="10634135" y="6356350"/>
+            <a:ext cx="1530927" cy="365125"/>
+          </a:xfrm>
+        </p:spPr>
+        <p:txBody>
+          <a:bodyPr>
+            <a:normAutofit/>
+          </a:bodyPr>
+          <a:lstStyle/>
+          <a:p>
+            <a:pPr rtl="0">
+              <a:spcAft>
+                <a:spcPts val="600"/>
+              </a:spcAft>
+            </a:pPr>
+            <a:fld id="{4FAB73BC-B049-4115-A692-8D63A059BFB8}" type="slidenum">
+              <a:rPr lang="de-DE" sz="1400" noProof="0" smtClean="0">
+                <a:solidFill>
+                  <a:schemeClr val="tx1"/>
+                </a:solidFill>
+              </a:rPr>
+              <a:pPr rtl="0">
+                <a:spcAft>
+                  <a:spcPts val="600"/>
+                </a:spcAft>
+              </a:pPr>
+              <a:t>6</a:t>
+            </a:fld>
+            <a:endParaRPr lang="de-DE" sz="1400" noProof="0" dirty="0">
+              <a:solidFill>
+                <a:schemeClr val="tx1"/>
+              </a:solidFill>
+            </a:endParaRPr>
+          </a:p>
+        </p:txBody>
+      </p:sp>
+      <p:pic>
+        <p:nvPicPr>
+          <p:cNvPr id="39" name="Grafik 38">
+            <a:extLst>
+              <a:ext uri="{FF2B5EF4-FFF2-40B4-BE49-F238E27FC236}">
+                <a16:creationId xmlns:a16="http://schemas.microsoft.com/office/drawing/2014/main" id="{4FD9FDF8-48E9-4DE0-87B1-52514C94B233}"/>
+              </a:ext>
+            </a:extLst>
+          </p:cNvPr>
+          <p:cNvPicPr>
+            <a:picLocks noChangeAspect="1"/>
+          </p:cNvPicPr>
+          <p:nvPr/>
+        </p:nvPicPr>
+        <p:blipFill rotWithShape="1">
+          <a:blip r:embed="rId2"/>
+          <a:srcRect b="26389"/>
+          <a:stretch/>
+        </p:blipFill>
+        <p:spPr>
+          <a:xfrm>
+            <a:off x="911317" y="647700"/>
+            <a:ext cx="5484573" cy="5467350"/>
+          </a:xfrm>
+          <a:prstGeom prst="rect">
+            <a:avLst/>
+          </a:prstGeom>
+        </p:spPr>
+      </p:pic>
+      <p:pic>
+        <p:nvPicPr>
+          <p:cNvPr id="40" name="Grafik 39">
+            <a:extLst>
+              <a:ext uri="{FF2B5EF4-FFF2-40B4-BE49-F238E27FC236}">
+                <a16:creationId xmlns:a16="http://schemas.microsoft.com/office/drawing/2014/main" id="{E5B9646C-0E2B-4939-965F-910C87A90D2F}"/>
+              </a:ext>
+            </a:extLst>
+          </p:cNvPr>
+          <p:cNvPicPr>
+            <a:picLocks noChangeAspect="1"/>
+          </p:cNvPicPr>
+          <p:nvPr/>
+        </p:nvPicPr>
+        <p:blipFill rotWithShape="1">
+          <a:blip r:embed="rId2"/>
+          <a:srcRect t="74167"/>
+          <a:stretch/>
+        </p:blipFill>
+        <p:spPr>
+          <a:xfrm>
+            <a:off x="6096000" y="647700"/>
+            <a:ext cx="5208348" cy="1771650"/>
+          </a:xfrm>
+          <a:prstGeom prst="rect">
+            <a:avLst/>
+          </a:prstGeom>
+        </p:spPr>
+      </p:pic>
+      <p:pic>
+        <p:nvPicPr>
+          <p:cNvPr id="42" name="Grafik 41">
+            <a:extLst>
+              <a:ext uri="{FF2B5EF4-FFF2-40B4-BE49-F238E27FC236}">
+                <a16:creationId xmlns:a16="http://schemas.microsoft.com/office/drawing/2014/main" id="{631D3439-B1E6-4ED3-8E8C-7FBAF27BE3DF}"/>
+              </a:ext>
+            </a:extLst>
+          </p:cNvPr>
+          <p:cNvPicPr>
+            <a:picLocks noChangeAspect="1"/>
+          </p:cNvPicPr>
+          <p:nvPr/>
+        </p:nvPicPr>
+        <p:blipFill>
+          <a:blip r:embed="rId3"/>
+          <a:stretch>
+            <a:fillRect/>
+          </a:stretch>
+        </p:blipFill>
+        <p:spPr>
+          <a:xfrm>
+            <a:off x="6300641" y="2291701"/>
+            <a:ext cx="5003707" cy="3823349"/>
+          </a:xfrm>
+          <a:prstGeom prst="rect">
+            <a:avLst/>
+          </a:prstGeom>
+        </p:spPr>
+      </p:pic>
+    </p:spTree>
+    <p:extLst>
+      <p:ext uri="{BB962C8B-B14F-4D97-AF65-F5344CB8AC3E}">
+        <p14:creationId xmlns:p14="http://schemas.microsoft.com/office/powerpoint/2010/main" val="814796416"/>
+      </p:ext>
+    </p:extLst>
+  </p:cSld>
+  <p:clrMapOvr>
+    <a:overrideClrMapping bg1="dk1" tx1="lt1" bg2="dk2" tx2="lt2" accent1="accent1" accent2="accent2" accent3="accent3" accent4="accent4" accent5="accent5" accent6="accent6" hlink="hlink" folHlink="folHlink"/>
+  </p:clrMapOvr>
+</p:sld>
+</file>
+
+<file path=ppt/slides/slide7.xml><?xml version="1.0" encoding="utf-8"?>
+<p:sld xmlns:a="http://schemas.openxmlformats.org/drawingml/2006/main" xmlns:r="http://schemas.openxmlformats.org/officeDocument/2006/relationships" xmlns:p="http://schemas.openxmlformats.org/presentationml/2006/main">
+  <p:cSld>
+    <p:bg>
+      <p:bgPr>
+        <a:solidFill>
+          <a:schemeClr val="accent1"/>
+        </a:solidFill>
+        <a:effectLst/>
+      </p:bgPr>
+    </p:bg>
+    <p:spTree>
+      <p:nvGrpSpPr>
+        <p:cNvPr id="1" name=""/>
+        <p:cNvGrpSpPr/>
+        <p:nvPr/>
+      </p:nvGrpSpPr>
+      <p:grpSpPr>
+        <a:xfrm>
+          <a:off x="0" y="0"/>
+          <a:ext cx="0" cy="0"/>
+          <a:chOff x="0" y="0"/>
+          <a:chExt cx="0" cy="0"/>
+        </a:xfrm>
+      </p:grpSpPr>
+      <p:sp>
+        <p:nvSpPr>
+          <p:cNvPr id="4" name="Datumsplatzhalter 3">
+            <a:extLst>
+              <a:ext uri="{FF2B5EF4-FFF2-40B4-BE49-F238E27FC236}">
+                <a16:creationId xmlns:a16="http://schemas.microsoft.com/office/drawing/2014/main" id="{04808089-4013-43A4-8319-4F458DFF0537}"/>
+              </a:ext>
+            </a:extLst>
+          </p:cNvPr>
+          <p:cNvSpPr>
+            <a:spLocks noGrp="1"/>
+          </p:cNvSpPr>
+          <p:nvPr>
+            <p:ph type="dt" sz="half" idx="10"/>
+          </p:nvPr>
+        </p:nvSpPr>
+        <p:spPr>
+          <a:xfrm>
+            <a:off x="262465" y="6356350"/>
+            <a:ext cx="2743200" cy="365125"/>
+          </a:xfrm>
+        </p:spPr>
+        <p:txBody>
+          <a:bodyPr>
+            <a:normAutofit/>
+          </a:bodyPr>
+          <a:lstStyle/>
+          <a:p>
+            <a:pPr rtl="0">
+              <a:spcAft>
+                <a:spcPts val="600"/>
+              </a:spcAft>
+            </a:pPr>
+            <a:fld id="{6B068280-2A27-4682-8998-B20A5AB8246E}" type="datetime1">
+              <a:rPr lang="de-DE" sz="1400" b="1" noProof="0" smtClean="0"/>
+              <a:t>14.06.2020</a:t>
+            </a:fld>
+            <a:endParaRPr lang="de-DE" b="1" noProof="0" dirty="0"/>
+          </a:p>
+        </p:txBody>
+      </p:sp>
+      <p:sp>
+        <p:nvSpPr>
+          <p:cNvPr id="5" name="Foliennummernplatzhalter 4">
+            <a:extLst>
+              <a:ext uri="{FF2B5EF4-FFF2-40B4-BE49-F238E27FC236}">
+                <a16:creationId xmlns:a16="http://schemas.microsoft.com/office/drawing/2014/main" id="{1EA0B2C6-5C03-4599-BD76-A571524418D6}"/>
+              </a:ext>
+            </a:extLst>
+          </p:cNvPr>
+          <p:cNvSpPr>
+            <a:spLocks noGrp="1"/>
+          </p:cNvSpPr>
+          <p:nvPr>
+            <p:ph type="sldNum" sz="quarter" idx="12"/>
+          </p:nvPr>
+        </p:nvSpPr>
+        <p:spPr>
+          <a:xfrm>
+            <a:off x="10634135" y="6356350"/>
+            <a:ext cx="1530927" cy="365125"/>
+          </a:xfrm>
+        </p:spPr>
+        <p:txBody>
+          <a:bodyPr>
+            <a:normAutofit/>
+          </a:bodyPr>
+          <a:lstStyle/>
+          <a:p>
+            <a:pPr rtl="0">
+              <a:spcAft>
+                <a:spcPts val="600"/>
+              </a:spcAft>
+            </a:pPr>
+            <a:fld id="{4FAB73BC-B049-4115-A692-8D63A059BFB8}" type="slidenum">
+              <a:rPr lang="de-DE" sz="1400" noProof="0" smtClean="0">
+                <a:solidFill>
+                  <a:schemeClr val="tx1"/>
+                </a:solidFill>
+              </a:rPr>
+              <a:pPr rtl="0">
+                <a:spcAft>
+                  <a:spcPts val="600"/>
+                </a:spcAft>
+              </a:pPr>
+              <a:t>7</a:t>
+            </a:fld>
+            <a:endParaRPr lang="de-DE" sz="1400" noProof="0" dirty="0">
+              <a:solidFill>
+                <a:schemeClr val="tx1"/>
+              </a:solidFill>
+            </a:endParaRPr>
+          </a:p>
+        </p:txBody>
+      </p:sp>
+      <p:pic>
+        <p:nvPicPr>
+          <p:cNvPr id="7" name="Grafik 6">
+            <a:extLst>
+              <a:ext uri="{FF2B5EF4-FFF2-40B4-BE49-F238E27FC236}">
+                <a16:creationId xmlns:a16="http://schemas.microsoft.com/office/drawing/2014/main" id="{32DB5BC7-7EF2-4C96-8682-0844F5D3E376}"/>
+              </a:ext>
+            </a:extLst>
+          </p:cNvPr>
+          <p:cNvPicPr>
+            <a:picLocks noChangeAspect="1"/>
+          </p:cNvPicPr>
+          <p:nvPr/>
+        </p:nvPicPr>
+        <p:blipFill>
+          <a:blip r:embed="rId2"/>
+          <a:stretch>
+            <a:fillRect/>
+          </a:stretch>
+        </p:blipFill>
+        <p:spPr>
+          <a:xfrm>
+            <a:off x="694942" y="1114253"/>
+            <a:ext cx="10564746" cy="3943522"/>
+          </a:xfrm>
+          <a:prstGeom prst="rect">
+            <a:avLst/>
+          </a:prstGeom>
+        </p:spPr>
+      </p:pic>
+    </p:spTree>
+    <p:extLst>
+      <p:ext uri="{BB962C8B-B14F-4D97-AF65-F5344CB8AC3E}">
+        <p14:creationId xmlns:p14="http://schemas.microsoft.com/office/powerpoint/2010/main" val="1183288971"/>
+      </p:ext>
+    </p:extLst>
+  </p:cSld>
+  <p:clrMapOvr>
+    <a:overrideClrMapping bg1="dk1" tx1="lt1" bg2="dk2" tx2="lt2" accent1="accent1" accent2="accent2" accent3="accent3" accent4="accent4" accent5="accent5" accent6="accent6" hlink="hlink" folHlink="folHlink"/>
+  </p:clrMapOvr>
+</p:sld>
+</file>
+
+<file path=ppt/slides/slide8.xml><?xml version="1.0" encoding="utf-8"?>
+<p:sld xmlns:a="http://schemas.openxmlformats.org/drawingml/2006/main" xmlns:r="http://schemas.openxmlformats.org/officeDocument/2006/relationships" xmlns:p="http://schemas.openxmlformats.org/presentationml/2006/main">
+  <p:cSld>
+    <p:bg>
+      <p:bgPr>
+        <a:solidFill>
+          <a:schemeClr val="accent1"/>
+        </a:solidFill>
+        <a:effectLst/>
+      </p:bgPr>
+    </p:bg>
+    <p:spTree>
+      <p:nvGrpSpPr>
+        <p:cNvPr id="1" name=""/>
+        <p:cNvGrpSpPr/>
+        <p:nvPr/>
+      </p:nvGrpSpPr>
+      <p:grpSpPr>
+        <a:xfrm>
+          <a:off x="0" y="0"/>
+          <a:ext cx="0" cy="0"/>
+          <a:chOff x="0" y="0"/>
+          <a:chExt cx="0" cy="0"/>
+        </a:xfrm>
+      </p:grpSpPr>
+      <p:sp>
+        <p:nvSpPr>
+          <p:cNvPr id="4" name="Datumsplatzhalter 3">
+            <a:extLst>
+              <a:ext uri="{FF2B5EF4-FFF2-40B4-BE49-F238E27FC236}">
+                <a16:creationId xmlns:a16="http://schemas.microsoft.com/office/drawing/2014/main" id="{04808089-4013-43A4-8319-4F458DFF0537}"/>
+              </a:ext>
+            </a:extLst>
+          </p:cNvPr>
+          <p:cNvSpPr>
+            <a:spLocks noGrp="1"/>
+          </p:cNvSpPr>
+          <p:nvPr>
+            <p:ph type="dt" sz="half" idx="10"/>
+          </p:nvPr>
+        </p:nvSpPr>
+        <p:spPr>
+          <a:xfrm>
+            <a:off x="262465" y="6356350"/>
+            <a:ext cx="2743200" cy="365125"/>
+          </a:xfrm>
+        </p:spPr>
+        <p:txBody>
+          <a:bodyPr>
+            <a:normAutofit/>
+          </a:bodyPr>
+          <a:lstStyle/>
+          <a:p>
+            <a:pPr rtl="0">
+              <a:spcAft>
+                <a:spcPts val="600"/>
+              </a:spcAft>
+            </a:pPr>
+            <a:fld id="{9809B556-1798-4F31-828B-F15A28A432B4}" type="datetime1">
+              <a:rPr lang="de-DE" sz="1400" b="1" noProof="0" smtClean="0"/>
+              <a:t>14.06.2020</a:t>
+            </a:fld>
+            <a:endParaRPr lang="de-DE" b="1" noProof="0" dirty="0"/>
+          </a:p>
+        </p:txBody>
+      </p:sp>
+      <p:sp>
+        <p:nvSpPr>
+          <p:cNvPr id="5" name="Foliennummernplatzhalter 4">
+            <a:extLst>
+              <a:ext uri="{FF2B5EF4-FFF2-40B4-BE49-F238E27FC236}">
+                <a16:creationId xmlns:a16="http://schemas.microsoft.com/office/drawing/2014/main" id="{1EA0B2C6-5C03-4599-BD76-A571524418D6}"/>
+              </a:ext>
+            </a:extLst>
+          </p:cNvPr>
+          <p:cNvSpPr>
+            <a:spLocks noGrp="1"/>
+          </p:cNvSpPr>
+          <p:nvPr>
+            <p:ph type="sldNum" sz="quarter" idx="12"/>
+          </p:nvPr>
+        </p:nvSpPr>
+        <p:spPr>
+          <a:xfrm>
+            <a:off x="10634135" y="6356350"/>
+            <a:ext cx="1530927" cy="365125"/>
+          </a:xfrm>
+        </p:spPr>
+        <p:txBody>
+          <a:bodyPr>
+            <a:normAutofit/>
+          </a:bodyPr>
+          <a:lstStyle/>
+          <a:p>
+            <a:pPr rtl="0">
+              <a:spcAft>
+                <a:spcPts val="600"/>
+              </a:spcAft>
+            </a:pPr>
+            <a:fld id="{4FAB73BC-B049-4115-A692-8D63A059BFB8}" type="slidenum">
+              <a:rPr lang="de-DE" sz="1400" noProof="0" smtClean="0">
+                <a:solidFill>
+                  <a:schemeClr val="tx1"/>
+                </a:solidFill>
+              </a:rPr>
+              <a:pPr rtl="0">
+                <a:spcAft>
+                  <a:spcPts val="600"/>
+                </a:spcAft>
+              </a:pPr>
+              <a:t>8</a:t>
+            </a:fld>
+            <a:endParaRPr lang="de-DE" sz="1400" noProof="0" dirty="0">
+              <a:solidFill>
+                <a:schemeClr val="tx1"/>
+              </a:solidFill>
+            </a:endParaRPr>
+          </a:p>
+        </p:txBody>
+      </p:sp>
+      <p:pic>
+        <p:nvPicPr>
+          <p:cNvPr id="8" name="Grafik 7">
+            <a:extLst>
+              <a:ext uri="{FF2B5EF4-FFF2-40B4-BE49-F238E27FC236}">
+                <a16:creationId xmlns:a16="http://schemas.microsoft.com/office/drawing/2014/main" id="{922CB720-6FB1-41E8-BED2-2F56C7978112}"/>
+              </a:ext>
+            </a:extLst>
+          </p:cNvPr>
+          <p:cNvPicPr>
+            <a:picLocks noChangeAspect="1"/>
+          </p:cNvPicPr>
+          <p:nvPr/>
+        </p:nvPicPr>
+        <p:blipFill rotWithShape="1">
+          <a:blip r:embed="rId2"/>
+          <a:srcRect r="6112"/>
+          <a:stretch/>
+        </p:blipFill>
+        <p:spPr>
+          <a:xfrm>
+            <a:off x="552046" y="635613"/>
+            <a:ext cx="6020203" cy="5586774"/>
+          </a:xfrm>
+          <a:prstGeom prst="rect">
+            <a:avLst/>
+          </a:prstGeom>
+        </p:spPr>
+      </p:pic>
+      <p:pic>
+        <p:nvPicPr>
+          <p:cNvPr id="9" name="Grafik 8">
+            <a:extLst>
+              <a:ext uri="{FF2B5EF4-FFF2-40B4-BE49-F238E27FC236}">
+                <a16:creationId xmlns:a16="http://schemas.microsoft.com/office/drawing/2014/main" id="{5FF7DD1E-07F8-4DAD-ADFE-BC75FCC0FE72}"/>
+              </a:ext>
+            </a:extLst>
+          </p:cNvPr>
+          <p:cNvPicPr>
+            <a:picLocks noChangeAspect="1"/>
+          </p:cNvPicPr>
+          <p:nvPr/>
+        </p:nvPicPr>
+        <p:blipFill>
+          <a:blip r:embed="rId3"/>
+          <a:stretch>
+            <a:fillRect/>
+          </a:stretch>
+        </p:blipFill>
+        <p:spPr>
+          <a:xfrm>
+            <a:off x="5292664" y="1997688"/>
+            <a:ext cx="6106934" cy="1431312"/>
+          </a:xfrm>
+          <a:prstGeom prst="rect">
+            <a:avLst/>
+          </a:prstGeom>
+        </p:spPr>
+      </p:pic>
+    </p:spTree>
+    <p:extLst>
+      <p:ext uri="{BB962C8B-B14F-4D97-AF65-F5344CB8AC3E}">
+        <p14:creationId xmlns:p14="http://schemas.microsoft.com/office/powerpoint/2010/main" val="1919221528"/>
+      </p:ext>
+    </p:extLst>
+  </p:cSld>
+  <p:clrMapOvr>
+    <a:overrideClrMapping bg1="dk1" tx1="lt1" bg2="dk2" tx2="lt2" accent1="accent1" accent2="accent2" accent3="accent3" accent4="accent4" accent5="accent5" accent6="accent6" hlink="hlink" folHlink="folHlink"/>
+  </p:clrMapOvr>
+</p:sld>
+</file>
+
+<file path=ppt/slides/slide9.xml><?xml version="1.0" encoding="utf-8"?>
+<p:sld xmlns:a="http://schemas.openxmlformats.org/drawingml/2006/main" xmlns:r="http://schemas.openxmlformats.org/officeDocument/2006/relationships" xmlns:p="http://schemas.openxmlformats.org/presentationml/2006/main">
+  <p:cSld>
+    <p:bg>
+      <p:bgPr>
+        <a:solidFill>
+          <a:schemeClr val="accent1"/>
+        </a:solidFill>
+        <a:effectLst/>
+      </p:bgPr>
+    </p:bg>
+    <p:spTree>
+      <p:nvGrpSpPr>
+        <p:cNvPr id="1" name=""/>
+        <p:cNvGrpSpPr/>
+        <p:nvPr/>
+      </p:nvGrpSpPr>
+      <p:grpSpPr>
+        <a:xfrm>
+          <a:off x="0" y="0"/>
+          <a:ext cx="0" cy="0"/>
+          <a:chOff x="0" y="0"/>
+          <a:chExt cx="0" cy="0"/>
+        </a:xfrm>
+      </p:grpSpPr>
+      <p:sp>
+        <p:nvSpPr>
+          <p:cNvPr id="4" name="Datumsplatzhalter 3">
+            <a:extLst>
+              <a:ext uri="{FF2B5EF4-FFF2-40B4-BE49-F238E27FC236}">
+                <a16:creationId xmlns:a16="http://schemas.microsoft.com/office/drawing/2014/main" id="{04808089-4013-43A4-8319-4F458DFF0537}"/>
+              </a:ext>
+            </a:extLst>
+          </p:cNvPr>
+          <p:cNvSpPr>
+            <a:spLocks noGrp="1"/>
+          </p:cNvSpPr>
+          <p:nvPr>
+            <p:ph type="dt" sz="half" idx="10"/>
+          </p:nvPr>
+        </p:nvSpPr>
+        <p:spPr>
+          <a:xfrm>
+            <a:off x="262465" y="6356350"/>
+            <a:ext cx="2743200" cy="365125"/>
+          </a:xfrm>
+        </p:spPr>
+        <p:txBody>
+          <a:bodyPr>
+            <a:normAutofit/>
+          </a:bodyPr>
+          <a:lstStyle/>
+          <a:p>
+            <a:pPr rtl="0">
+              <a:spcAft>
+                <a:spcPts val="600"/>
+              </a:spcAft>
+            </a:pPr>
+            <a:fld id="{8C30702F-9340-4455-8731-4C0913887CDC}" type="datetime1">
+              <a:rPr lang="de-DE" sz="1400" b="1" noProof="0" smtClean="0"/>
+              <a:t>14.06.2020</a:t>
+            </a:fld>
+            <a:endParaRPr lang="de-DE" b="1" noProof="0" dirty="0"/>
+          </a:p>
+        </p:txBody>
+      </p:sp>
+      <p:sp>
+        <p:nvSpPr>
+          <p:cNvPr id="5" name="Foliennummernplatzhalter 4">
+            <a:extLst>
+              <a:ext uri="{FF2B5EF4-FFF2-40B4-BE49-F238E27FC236}">
+                <a16:creationId xmlns:a16="http://schemas.microsoft.com/office/drawing/2014/main" id="{1EA0B2C6-5C03-4599-BD76-A571524418D6}"/>
+              </a:ext>
+            </a:extLst>
+          </p:cNvPr>
+          <p:cNvSpPr>
+            <a:spLocks noGrp="1"/>
+          </p:cNvSpPr>
+          <p:nvPr>
+            <p:ph type="sldNum" sz="quarter" idx="12"/>
+          </p:nvPr>
+        </p:nvSpPr>
+        <p:spPr>
+          <a:xfrm>
+            <a:off x="10634135" y="6356350"/>
+            <a:ext cx="1530927" cy="365125"/>
+          </a:xfrm>
+        </p:spPr>
+        <p:txBody>
+          <a:bodyPr>
+            <a:normAutofit/>
+          </a:bodyPr>
+          <a:lstStyle/>
+          <a:p>
+            <a:pPr rtl="0">
+              <a:spcAft>
+                <a:spcPts val="600"/>
+              </a:spcAft>
+            </a:pPr>
+            <a:fld id="{4FAB73BC-B049-4115-A692-8D63A059BFB8}" type="slidenum">
+              <a:rPr lang="de-DE" sz="1400" noProof="0" smtClean="0">
+                <a:solidFill>
+                  <a:schemeClr val="tx1"/>
+                </a:solidFill>
+              </a:rPr>
+              <a:pPr rtl="0">
+                <a:spcAft>
+                  <a:spcPts val="600"/>
+                </a:spcAft>
+              </a:pPr>
+              <a:t>9</a:t>
+            </a:fld>
+            <a:endParaRPr lang="de-DE" sz="1400" noProof="0" dirty="0">
+              <a:solidFill>
+                <a:schemeClr val="tx1"/>
+              </a:solidFill>
+            </a:endParaRPr>
+          </a:p>
+        </p:txBody>
+      </p:sp>
+      <p:pic>
+        <p:nvPicPr>
+          <p:cNvPr id="6" name="Grafik 5">
+            <a:extLst>
+              <a:ext uri="{FF2B5EF4-FFF2-40B4-BE49-F238E27FC236}">
+                <a16:creationId xmlns:a16="http://schemas.microsoft.com/office/drawing/2014/main" id="{DD00CDC1-0E0C-43E9-ACDC-EE8DD1A31AD8}"/>
+              </a:ext>
+            </a:extLst>
+          </p:cNvPr>
+          <p:cNvPicPr>
+            <a:picLocks noChangeAspect="1"/>
+          </p:cNvPicPr>
+          <p:nvPr/>
+        </p:nvPicPr>
+        <p:blipFill>
+          <a:blip r:embed="rId2"/>
+          <a:stretch>
+            <a:fillRect/>
+          </a:stretch>
+        </p:blipFill>
+        <p:spPr>
+          <a:xfrm>
+            <a:off x="2876247" y="495300"/>
+            <a:ext cx="6439505" cy="5867400"/>
+          </a:xfrm>
+          <a:prstGeom prst="rect">
+            <a:avLst/>
+          </a:prstGeom>
+        </p:spPr>
+      </p:pic>
+    </p:spTree>
+    <p:extLst>
+      <p:ext uri="{BB962C8B-B14F-4D97-AF65-F5344CB8AC3E}">
+        <p14:creationId xmlns:p14="http://schemas.microsoft.com/office/powerpoint/2010/main" val="2218266321"/>
+      </p:ext>
+    </p:extLst>
+  </p:cSld>
+  <p:clrMapOvr>
+    <a:overrideClrMapping bg1="dk1" tx1="lt1" bg2="dk2" tx2="lt2" accent1="accent1" accent2="accent2" accent3="accent3" accent4="accent4" accent5="accent5" accent6="accent6" hlink="hlink" folHlink="folHlink"/>
   </p:clrMapOvr>
 </p:sld>
 </file>
@@ -10319,6 +14739,15 @@
 </file>
 
 <file path=customXml/item1.xml><?xml version="1.0" encoding="utf-8"?>
+<?mso-contentType ?>
+<FormTemplates xmlns="http://schemas.microsoft.com/sharepoint/v3/contenttype/forms">
+  <Display>DocumentLibraryForm</Display>
+  <Edit>DocumentLibraryForm</Edit>
+  <New>DocumentLibraryForm</New>
+</FormTemplates>
+</file>
+
+<file path=customXml/item2.xml><?xml version="1.0" encoding="utf-8"?>
 <ct:contentTypeSchema xmlns:ct="http://schemas.microsoft.com/office/2006/metadata/contentType" xmlns:ma="http://schemas.microsoft.com/office/2006/metadata/properties/metaAttributes" ct:_="" ma:_="" ma:contentTypeName="Document" ma:contentTypeID="0x01010079F111ED35F8CC479449609E8A0923A6" ma:contentTypeVersion="11" ma:contentTypeDescription="Create a new document." ma:contentTypeScope="" ma:versionID="1c2eb7a32e66fb6e4260f3771546a5e2">
   <xsd:schema xmlns:xsd="http://www.w3.org/2001/XMLSchema" xmlns:xs="http://www.w3.org/2001/XMLSchema" xmlns:p="http://schemas.microsoft.com/office/2006/metadata/properties" xmlns:ns2="71af3243-3dd4-4a8d-8c0d-dd76da1f02a5" xmlns:ns3="16c05727-aa75-4e4a-9b5f-8a80a1165891" targetNamespace="http://schemas.microsoft.com/office/2006/metadata/properties" ma:root="true" ma:fieldsID="04e1f6479c48b08974ba73b5ca973489" ns2:_="" ns3:_="">
     <xsd:import namespace="71af3243-3dd4-4a8d-8c0d-dd76da1f02a5"/>
@@ -10529,15 +14958,6 @@
 </ct:contentTypeSchema>
 </file>
 
-<file path=customXml/item2.xml><?xml version="1.0" encoding="utf-8"?>
-<?mso-contentType ?>
-<FormTemplates xmlns="http://schemas.microsoft.com/sharepoint/v3/contenttype/forms">
-  <Display>DocumentLibraryForm</Display>
-  <Edit>DocumentLibraryForm</Edit>
-  <New>DocumentLibraryForm</New>
-</FormTemplates>
-</file>
-
 <file path=customXml/item3.xml><?xml version="1.0" encoding="utf-8"?>
 <p:properties xmlns:p="http://schemas.microsoft.com/office/2006/metadata/properties" xmlns:xsi="http://www.w3.org/2001/XMLSchema-instance" xmlns:pc="http://schemas.microsoft.com/office/infopath/2007/PartnerControls">
   <documentManagement>
@@ -10547,6 +14967,14 @@
 </file>
 
 <file path=customXml/itemProps1.xml><?xml version="1.0" encoding="utf-8"?>
+<ds:datastoreItem xmlns:ds="http://schemas.openxmlformats.org/officeDocument/2006/customXml" ds:itemID="{DFB9BFA2-1FA5-44A1-B975-10D6BF58ECD0}">
+  <ds:schemaRefs>
+    <ds:schemaRef ds:uri="http://schemas.microsoft.com/sharepoint/v3/contenttype/forms"/>
+  </ds:schemaRefs>
+</ds:datastoreItem>
+</file>
+
+<file path=customXml/itemProps2.xml><?xml version="1.0" encoding="utf-8"?>
 <ds:datastoreItem xmlns:ds="http://schemas.openxmlformats.org/officeDocument/2006/customXml" ds:itemID="{E577E783-5AB8-45E6-9E56-AE40075231B2}">
   <ds:schemaRefs>
     <ds:schemaRef ds:uri="http://schemas.microsoft.com/office/2006/metadata/contentType"/>
@@ -10565,27 +14993,19 @@
 </ds:datastoreItem>
 </file>
 
-<file path=customXml/itemProps2.xml><?xml version="1.0" encoding="utf-8"?>
-<ds:datastoreItem xmlns:ds="http://schemas.openxmlformats.org/officeDocument/2006/customXml" ds:itemID="{DFB9BFA2-1FA5-44A1-B975-10D6BF58ECD0}">
-  <ds:schemaRefs>
-    <ds:schemaRef ds:uri="http://schemas.microsoft.com/sharepoint/v3/contenttype/forms"/>
-  </ds:schemaRefs>
-</ds:datastoreItem>
-</file>
-
 <file path=customXml/itemProps3.xml><?xml version="1.0" encoding="utf-8"?>
 <ds:datastoreItem xmlns:ds="http://schemas.openxmlformats.org/officeDocument/2006/customXml" ds:itemID="{30541854-87B3-4953-A183-EF3BD285377B}">
   <ds:schemaRefs>
+    <ds:schemaRef ds:uri="http://schemas.openxmlformats.org/package/2006/metadata/core-properties"/>
     <ds:schemaRef ds:uri="http://www.w3.org/XML/1998/namespace"/>
+    <ds:schemaRef ds:uri="http://purl.org/dc/terms/"/>
+    <ds:schemaRef ds:uri="71af3243-3dd4-4a8d-8c0d-dd76da1f02a5"/>
+    <ds:schemaRef ds:uri="16c05727-aa75-4e4a-9b5f-8a80a1165891"/>
+    <ds:schemaRef ds:uri="http://purl.org/dc/dcmitype/"/>
+    <ds:schemaRef ds:uri="http://schemas.microsoft.com/office/2006/documentManagement/types"/>
+    <ds:schemaRef ds:uri="http://schemas.microsoft.com/office/infopath/2007/PartnerControls"/>
+    <ds:schemaRef ds:uri="http://schemas.microsoft.com/office/2006/metadata/properties"/>
     <ds:schemaRef ds:uri="http://purl.org/dc/elements/1.1/"/>
-    <ds:schemaRef ds:uri="http://schemas.microsoft.com/office/2006/documentManagement/types"/>
-    <ds:schemaRef ds:uri="http://purl.org/dc/dcmitype/"/>
-    <ds:schemaRef ds:uri="http://purl.org/dc/terms/"/>
-    <ds:schemaRef ds:uri="http://schemas.openxmlformats.org/package/2006/metadata/core-properties"/>
-    <ds:schemaRef ds:uri="71af3243-3dd4-4a8d-8c0d-dd76da1f02a5"/>
-    <ds:schemaRef ds:uri="http://schemas.microsoft.com/office/infopath/2007/PartnerControls"/>
-    <ds:schemaRef ds:uri="16c05727-aa75-4e4a-9b5f-8a80a1165891"/>
-    <ds:schemaRef ds:uri="http://schemas.microsoft.com/office/2006/metadata/properties"/>
   </ds:schemaRefs>
 </ds:datastoreItem>
 </file>
--- a/share/presentations/Java 2/RentATool_16.06.20.pptx
+++ b/share/presentations/Java 2/RentATool_16.06.20.pptx
@@ -5,25 +5,29 @@
     <p:sldMasterId id="2147483864" r:id="rId4"/>
   </p:sldMasterIdLst>
   <p:notesMasterIdLst>
-    <p:notesMasterId r:id="rId18"/>
+    <p:notesMasterId r:id="rId22"/>
   </p:notesMasterIdLst>
   <p:handoutMasterIdLst>
-    <p:handoutMasterId r:id="rId19"/>
+    <p:handoutMasterId r:id="rId23"/>
   </p:handoutMasterIdLst>
   <p:sldIdLst>
     <p:sldId id="256" r:id="rId5"/>
     <p:sldId id="262" r:id="rId6"/>
     <p:sldId id="270" r:id="rId7"/>
-    <p:sldId id="272" r:id="rId8"/>
-    <p:sldId id="264" r:id="rId9"/>
-    <p:sldId id="263" r:id="rId10"/>
-    <p:sldId id="266" r:id="rId11"/>
-    <p:sldId id="267" r:id="rId12"/>
-    <p:sldId id="268" r:id="rId13"/>
-    <p:sldId id="269" r:id="rId14"/>
-    <p:sldId id="273" r:id="rId15"/>
-    <p:sldId id="274" r:id="rId16"/>
-    <p:sldId id="261" r:id="rId17"/>
+    <p:sldId id="277" r:id="rId8"/>
+    <p:sldId id="275" r:id="rId9"/>
+    <p:sldId id="276" r:id="rId10"/>
+    <p:sldId id="272" r:id="rId11"/>
+    <p:sldId id="264" r:id="rId12"/>
+    <p:sldId id="263" r:id="rId13"/>
+    <p:sldId id="266" r:id="rId14"/>
+    <p:sldId id="267" r:id="rId15"/>
+    <p:sldId id="268" r:id="rId16"/>
+    <p:sldId id="269" r:id="rId17"/>
+    <p:sldId id="273" r:id="rId18"/>
+    <p:sldId id="278" r:id="rId19"/>
+    <p:sldId id="274" r:id="rId20"/>
+    <p:sldId id="261" r:id="rId21"/>
   </p:sldIdLst>
   <p:sldSz cx="12192000" cy="6858000"/>
   <p:notesSz cx="6858000" cy="9144000"/>
@@ -130,6 +134,9 @@
             <p14:sldId id="256"/>
             <p14:sldId id="262"/>
             <p14:sldId id="270"/>
+            <p14:sldId id="277"/>
+            <p14:sldId id="275"/>
+            <p14:sldId id="276"/>
             <p14:sldId id="272"/>
             <p14:sldId id="264"/>
             <p14:sldId id="263"/>
@@ -138,6 +145,7 @@
             <p14:sldId id="268"/>
             <p14:sldId id="269"/>
             <p14:sldId id="273"/>
+            <p14:sldId id="278"/>
             <p14:sldId id="274"/>
             <p14:sldId id="261"/>
           </p14:sldIdLst>
@@ -917,6 +925,753 @@
 </file>
 
 <file path=ppt/diagrams/colors2.xml><?xml version="1.0" encoding="utf-8"?>
+<dgm:colorsDef xmlns:dgm="http://schemas.openxmlformats.org/drawingml/2006/diagram" xmlns:a="http://schemas.openxmlformats.org/drawingml/2006/main" uniqueId="urn:microsoft.com/office/officeart/2005/8/colors/accent1_2">
+  <dgm:title val=""/>
+  <dgm:desc val=""/>
+  <dgm:catLst>
+    <dgm:cat type="accent1" pri="11200"/>
+  </dgm:catLst>
+  <dgm:styleLbl name="node0">
+    <dgm:fillClrLst meth="repeat">
+      <a:schemeClr val="accent1"/>
+    </dgm:fillClrLst>
+    <dgm:linClrLst meth="repeat">
+      <a:schemeClr val="lt1"/>
+    </dgm:linClrLst>
+    <dgm:effectClrLst/>
+    <dgm:txLinClrLst/>
+    <dgm:txFillClrLst/>
+    <dgm:txEffectClrLst/>
+  </dgm:styleLbl>
+  <dgm:styleLbl name="alignNode1">
+    <dgm:fillClrLst meth="repeat">
+      <a:schemeClr val="accent1"/>
+    </dgm:fillClrLst>
+    <dgm:linClrLst meth="repeat">
+      <a:schemeClr val="accent1"/>
+    </dgm:linClrLst>
+    <dgm:effectClrLst/>
+    <dgm:txLinClrLst/>
+    <dgm:txFillClrLst/>
+    <dgm:txEffectClrLst/>
+  </dgm:styleLbl>
+  <dgm:styleLbl name="node1">
+    <dgm:fillClrLst meth="repeat">
+      <a:schemeClr val="accent1"/>
+    </dgm:fillClrLst>
+    <dgm:linClrLst meth="repeat">
+      <a:schemeClr val="lt1"/>
+    </dgm:linClrLst>
+    <dgm:effectClrLst/>
+    <dgm:txLinClrLst/>
+    <dgm:txFillClrLst/>
+    <dgm:txEffectClrLst/>
+  </dgm:styleLbl>
+  <dgm:styleLbl name="lnNode1">
+    <dgm:fillClrLst meth="repeat">
+      <a:schemeClr val="accent1"/>
+    </dgm:fillClrLst>
+    <dgm:linClrLst meth="repeat">
+      <a:schemeClr val="lt1"/>
+    </dgm:linClrLst>
+    <dgm:effectClrLst/>
+    <dgm:txLinClrLst/>
+    <dgm:txFillClrLst/>
+    <dgm:txEffectClrLst/>
+  </dgm:styleLbl>
+  <dgm:styleLbl name="vennNode1">
+    <dgm:fillClrLst meth="repeat">
+      <a:schemeClr val="accent1">
+        <a:alpha val="50000"/>
+      </a:schemeClr>
+    </dgm:fillClrLst>
+    <dgm:linClrLst meth="repeat">
+      <a:schemeClr val="lt1"/>
+    </dgm:linClrLst>
+    <dgm:effectClrLst/>
+    <dgm:txLinClrLst/>
+    <dgm:txFillClrLst/>
+    <dgm:txEffectClrLst/>
+  </dgm:styleLbl>
+  <dgm:styleLbl name="node2">
+    <dgm:fillClrLst meth="repeat">
+      <a:schemeClr val="accent1"/>
+    </dgm:fillClrLst>
+    <dgm:linClrLst meth="repeat">
+      <a:schemeClr val="lt1"/>
+    </dgm:linClrLst>
+    <dgm:effectClrLst/>
+    <dgm:txLinClrLst/>
+    <dgm:txFillClrLst/>
+    <dgm:txEffectClrLst/>
+  </dgm:styleLbl>
+  <dgm:styleLbl name="node3">
+    <dgm:fillClrLst meth="repeat">
+      <a:schemeClr val="accent1"/>
+    </dgm:fillClrLst>
+    <dgm:linClrLst meth="repeat">
+      <a:schemeClr val="lt1"/>
+    </dgm:linClrLst>
+    <dgm:effectClrLst/>
+    <dgm:txLinClrLst/>
+    <dgm:txFillClrLst/>
+    <dgm:txEffectClrLst/>
+  </dgm:styleLbl>
+  <dgm:styleLbl name="node4">
+    <dgm:fillClrLst meth="repeat">
+      <a:schemeClr val="accent1"/>
+    </dgm:fillClrLst>
+    <dgm:linClrLst meth="repeat">
+      <a:schemeClr val="lt1"/>
+    </dgm:linClrLst>
+    <dgm:effectClrLst/>
+    <dgm:txLinClrLst/>
+    <dgm:txFillClrLst/>
+    <dgm:txEffectClrLst/>
+  </dgm:styleLbl>
+  <dgm:styleLbl name="fgImgPlace1">
+    <dgm:fillClrLst meth="repeat">
+      <a:schemeClr val="accent1">
+        <a:tint val="50000"/>
+      </a:schemeClr>
+    </dgm:fillClrLst>
+    <dgm:linClrLst meth="repeat">
+      <a:schemeClr val="lt1"/>
+    </dgm:linClrLst>
+    <dgm:effectClrLst/>
+    <dgm:txLinClrLst/>
+    <dgm:txFillClrLst meth="repeat">
+      <a:schemeClr val="lt1"/>
+    </dgm:txFillClrLst>
+    <dgm:txEffectClrLst/>
+  </dgm:styleLbl>
+  <dgm:styleLbl name="alignImgPlace1">
+    <dgm:fillClrLst meth="repeat">
+      <a:schemeClr val="accent1">
+        <a:tint val="50000"/>
+      </a:schemeClr>
+    </dgm:fillClrLst>
+    <dgm:linClrLst meth="repeat">
+      <a:schemeClr val="lt1"/>
+    </dgm:linClrLst>
+    <dgm:effectClrLst/>
+    <dgm:txLinClrLst/>
+    <dgm:txFillClrLst meth="repeat">
+      <a:schemeClr val="lt1"/>
+    </dgm:txFillClrLst>
+    <dgm:txEffectClrLst/>
+  </dgm:styleLbl>
+  <dgm:styleLbl name="bgImgPlace1">
+    <dgm:fillClrLst meth="repeat">
+      <a:schemeClr val="accent1">
+        <a:tint val="50000"/>
+      </a:schemeClr>
+    </dgm:fillClrLst>
+    <dgm:linClrLst meth="repeat">
+      <a:schemeClr val="lt1"/>
+    </dgm:linClrLst>
+    <dgm:effectClrLst/>
+    <dgm:txLinClrLst/>
+    <dgm:txFillClrLst meth="repeat">
+      <a:schemeClr val="lt1"/>
+    </dgm:txFillClrLst>
+    <dgm:txEffectClrLst/>
+  </dgm:styleLbl>
+  <dgm:styleLbl name="sibTrans2D1">
+    <dgm:fillClrLst meth="repeat">
+      <a:schemeClr val="accent1">
+        <a:tint val="60000"/>
+      </a:schemeClr>
+    </dgm:fillClrLst>
+    <dgm:linClrLst meth="repeat">
+      <a:schemeClr val="accent1">
+        <a:tint val="60000"/>
+      </a:schemeClr>
+    </dgm:linClrLst>
+    <dgm:effectClrLst/>
+    <dgm:txLinClrLst/>
+    <dgm:txFillClrLst/>
+    <dgm:txEffectClrLst/>
+  </dgm:styleLbl>
+  <dgm:styleLbl name="fgSibTrans2D1">
+    <dgm:fillClrLst meth="repeat">
+      <a:schemeClr val="accent1">
+        <a:tint val="60000"/>
+      </a:schemeClr>
+    </dgm:fillClrLst>
+    <dgm:linClrLst meth="repeat">
+      <a:schemeClr val="accent1">
+        <a:tint val="60000"/>
+      </a:schemeClr>
+    </dgm:linClrLst>
+    <dgm:effectClrLst/>
+    <dgm:txLinClrLst/>
+    <dgm:txFillClrLst/>
+    <dgm:txEffectClrLst/>
+  </dgm:styleLbl>
+  <dgm:styleLbl name="bgSibTrans2D1">
+    <dgm:fillClrLst meth="repeat">
+      <a:schemeClr val="accent1">
+        <a:tint val="60000"/>
+      </a:schemeClr>
+    </dgm:fillClrLst>
+    <dgm:linClrLst meth="repeat">
+      <a:schemeClr val="accent1">
+        <a:tint val="60000"/>
+      </a:schemeClr>
+    </dgm:linClrLst>
+    <dgm:effectClrLst/>
+    <dgm:txLinClrLst/>
+    <dgm:txFillClrLst/>
+    <dgm:txEffectClrLst/>
+  </dgm:styleLbl>
+  <dgm:styleLbl name="sibTrans1D1">
+    <dgm:fillClrLst meth="repeat">
+      <a:schemeClr val="accent1"/>
+    </dgm:fillClrLst>
+    <dgm:linClrLst meth="repeat">
+      <a:schemeClr val="accent1"/>
+    </dgm:linClrLst>
+    <dgm:effectClrLst/>
+    <dgm:txLinClrLst/>
+    <dgm:txFillClrLst meth="repeat">
+      <a:schemeClr val="tx1"/>
+    </dgm:txFillClrLst>
+    <dgm:txEffectClrLst/>
+  </dgm:styleLbl>
+  <dgm:styleLbl name="callout">
+    <dgm:fillClrLst meth="repeat">
+      <a:schemeClr val="accent1"/>
+    </dgm:fillClrLst>
+    <dgm:linClrLst meth="repeat">
+      <a:schemeClr val="accent1">
+        <a:tint val="50000"/>
+      </a:schemeClr>
+    </dgm:linClrLst>
+    <dgm:effectClrLst/>
+    <dgm:txLinClrLst/>
+    <dgm:txFillClrLst meth="repeat">
+      <a:schemeClr val="tx1"/>
+    </dgm:txFillClrLst>
+    <dgm:txEffectClrLst/>
+  </dgm:styleLbl>
+  <dgm:styleLbl name="asst0">
+    <dgm:fillClrLst meth="repeat">
+      <a:schemeClr val="accent1"/>
+    </dgm:fillClrLst>
+    <dgm:linClrLst meth="repeat">
+      <a:schemeClr val="lt1"/>
+    </dgm:linClrLst>
+    <dgm:effectClrLst/>
+    <dgm:txLinClrLst/>
+    <dgm:txFillClrLst/>
+    <dgm:txEffectClrLst/>
+  </dgm:styleLbl>
+  <dgm:styleLbl name="asst1">
+    <dgm:fillClrLst meth="repeat">
+      <a:schemeClr val="accent1"/>
+    </dgm:fillClrLst>
+    <dgm:linClrLst meth="repeat">
+      <a:schemeClr val="lt1"/>
+    </dgm:linClrLst>
+    <dgm:effectClrLst/>
+    <dgm:txLinClrLst/>
+    <dgm:txFillClrLst/>
+    <dgm:txEffectClrLst/>
+  </dgm:styleLbl>
+  <dgm:styleLbl name="asst2">
+    <dgm:fillClrLst meth="repeat">
+      <a:schemeClr val="accent1"/>
+    </dgm:fillClrLst>
+    <dgm:linClrLst meth="repeat">
+      <a:schemeClr val="lt1"/>
+    </dgm:linClrLst>
+    <dgm:effectClrLst/>
+    <dgm:txLinClrLst/>
+    <dgm:txFillClrLst/>
+    <dgm:txEffectClrLst/>
+  </dgm:styleLbl>
+  <dgm:styleLbl name="asst3">
+    <dgm:fillClrLst meth="repeat">
+      <a:schemeClr val="accent1"/>
+    </dgm:fillClrLst>
+    <dgm:linClrLst meth="repeat">
+      <a:schemeClr val="lt1"/>
+    </dgm:linClrLst>
+    <dgm:effectClrLst/>
+    <dgm:txLinClrLst/>
+    <dgm:txFillClrLst/>
+    <dgm:txEffectClrLst/>
+  </dgm:styleLbl>
+  <dgm:styleLbl name="asst4">
+    <dgm:fillClrLst meth="repeat">
+      <a:schemeClr val="accent1"/>
+    </dgm:fillClrLst>
+    <dgm:linClrLst meth="repeat">
+      <a:schemeClr val="lt1"/>
+    </dgm:linClrLst>
+    <dgm:effectClrLst/>
+    <dgm:txLinClrLst/>
+    <dgm:txFillClrLst/>
+    <dgm:txEffectClrLst/>
+  </dgm:styleLbl>
+  <dgm:styleLbl name="parChTrans2D1">
+    <dgm:fillClrLst meth="repeat">
+      <a:schemeClr val="accent1">
+        <a:tint val="60000"/>
+      </a:schemeClr>
+    </dgm:fillClrLst>
+    <dgm:linClrLst meth="repeat">
+      <a:schemeClr val="accent1">
+        <a:tint val="60000"/>
+      </a:schemeClr>
+    </dgm:linClrLst>
+    <dgm:effectClrLst/>
+    <dgm:txLinClrLst/>
+    <dgm:txFillClrLst meth="repeat">
+      <a:schemeClr val="lt1"/>
+    </dgm:txFillClrLst>
+    <dgm:txEffectClrLst/>
+  </dgm:styleLbl>
+  <dgm:styleLbl name="parChTrans2D2">
+    <dgm:fillClrLst meth="repeat">
+      <a:schemeClr val="accent1"/>
+    </dgm:fillClrLst>
+    <dgm:linClrLst meth="repeat">
+      <a:schemeClr val="accent1"/>
+    </dgm:linClrLst>
+    <dgm:effectClrLst/>
+    <dgm:txLinClrLst/>
+    <dgm:txFillClrLst meth="repeat">
+      <a:schemeClr val="lt1"/>
+    </dgm:txFillClrLst>
+    <dgm:txEffectClrLst/>
+  </dgm:styleLbl>
+  <dgm:styleLbl name="parChTrans2D3">
+    <dgm:fillClrLst meth="repeat">
+      <a:schemeClr val="accent1"/>
+    </dgm:fillClrLst>
+    <dgm:linClrLst meth="repeat">
+      <a:schemeClr val="accent1"/>
+    </dgm:linClrLst>
+    <dgm:effectClrLst/>
+    <dgm:txLinClrLst/>
+    <dgm:txFillClrLst meth="repeat">
+      <a:schemeClr val="lt1"/>
+    </dgm:txFillClrLst>
+    <dgm:txEffectClrLst/>
+  </dgm:styleLbl>
+  <dgm:styleLbl name="parChTrans2D4">
+    <dgm:fillClrLst meth="repeat">
+      <a:schemeClr val="accent1"/>
+    </dgm:fillClrLst>
+    <dgm:linClrLst meth="repeat">
+      <a:schemeClr val="accent1"/>
+    </dgm:linClrLst>
+    <dgm:effectClrLst/>
+    <dgm:txLinClrLst/>
+    <dgm:txFillClrLst meth="repeat">
+      <a:schemeClr val="lt1"/>
+    </dgm:txFillClrLst>
+    <dgm:txEffectClrLst/>
+  </dgm:styleLbl>
+  <dgm:styleLbl name="parChTrans1D1">
+    <dgm:fillClrLst meth="repeat">
+      <a:schemeClr val="accent1"/>
+    </dgm:fillClrLst>
+    <dgm:linClrLst meth="repeat">
+      <a:schemeClr val="accent1">
+        <a:shade val="60000"/>
+      </a:schemeClr>
+    </dgm:linClrLst>
+    <dgm:effectClrLst/>
+    <dgm:txLinClrLst/>
+    <dgm:txFillClrLst meth="repeat">
+      <a:schemeClr val="tx1"/>
+    </dgm:txFillClrLst>
+    <dgm:txEffectClrLst/>
+  </dgm:styleLbl>
+  <dgm:styleLbl name="parChTrans1D2">
+    <dgm:fillClrLst meth="repeat">
+      <a:schemeClr val="accent1"/>
+    </dgm:fillClrLst>
+    <dgm:linClrLst meth="repeat">
+      <a:schemeClr val="accent1">
+        <a:shade val="60000"/>
+      </a:schemeClr>
+    </dgm:linClrLst>
+    <dgm:effectClrLst/>
+    <dgm:txLinClrLst/>
+    <dgm:txFillClrLst meth="repeat">
+      <a:schemeClr val="tx1"/>
+    </dgm:txFillClrLst>
+    <dgm:txEffectClrLst/>
+  </dgm:styleLbl>
+  <dgm:styleLbl name="parChTrans1D3">
+    <dgm:fillClrLst meth="repeat">
+      <a:schemeClr val="accent1"/>
+    </dgm:fillClrLst>
+    <dgm:linClrLst meth="repeat">
+      <a:schemeClr val="accent1">
+        <a:shade val="80000"/>
+      </a:schemeClr>
+    </dgm:linClrLst>
+    <dgm:effectClrLst/>
+    <dgm:txLinClrLst/>
+    <dgm:txFillClrLst meth="repeat">
+      <a:schemeClr val="tx1"/>
+    </dgm:txFillClrLst>
+    <dgm:txEffectClrLst/>
+  </dgm:styleLbl>
+  <dgm:styleLbl name="parChTrans1D4">
+    <dgm:fillClrLst meth="repeat">
+      <a:schemeClr val="accent1"/>
+    </dgm:fillClrLst>
+    <dgm:linClrLst meth="repeat">
+      <a:schemeClr val="accent1">
+        <a:shade val="80000"/>
+      </a:schemeClr>
+    </dgm:linClrLst>
+    <dgm:effectClrLst/>
+    <dgm:txLinClrLst/>
+    <dgm:txFillClrLst meth="repeat">
+      <a:schemeClr val="tx1"/>
+    </dgm:txFillClrLst>
+    <dgm:txEffectClrLst/>
+  </dgm:styleLbl>
+  <dgm:styleLbl name="fgAcc1">
+    <dgm:fillClrLst meth="repeat">
+      <a:schemeClr val="lt1">
+        <a:alpha val="90000"/>
+      </a:schemeClr>
+    </dgm:fillClrLst>
+    <dgm:linClrLst meth="repeat">
+      <a:schemeClr val="accent1"/>
+    </dgm:linClrLst>
+    <dgm:effectClrLst/>
+    <dgm:txLinClrLst/>
+    <dgm:txFillClrLst meth="repeat">
+      <a:schemeClr val="dk1"/>
+    </dgm:txFillClrLst>
+    <dgm:txEffectClrLst/>
+  </dgm:styleLbl>
+  <dgm:styleLbl name="conFgAcc1">
+    <dgm:fillClrLst meth="repeat">
+      <a:schemeClr val="lt1">
+        <a:alpha val="90000"/>
+      </a:schemeClr>
+    </dgm:fillClrLst>
+    <dgm:linClrLst meth="repeat">
+      <a:schemeClr val="accent1"/>
+    </dgm:linClrLst>
+    <dgm:effectClrLst/>
+    <dgm:txLinClrLst/>
+    <dgm:txFillClrLst meth="repeat">
+      <a:schemeClr val="dk1"/>
+    </dgm:txFillClrLst>
+    <dgm:txEffectClrLst/>
+  </dgm:styleLbl>
+  <dgm:styleLbl name="alignAcc1">
+    <dgm:fillClrLst meth="repeat">
+      <a:schemeClr val="lt1">
+        <a:alpha val="90000"/>
+      </a:schemeClr>
+    </dgm:fillClrLst>
+    <dgm:linClrLst meth="repeat">
+      <a:schemeClr val="accent1"/>
+    </dgm:linClrLst>
+    <dgm:effectClrLst/>
+    <dgm:txLinClrLst/>
+    <dgm:txFillClrLst meth="repeat">
+      <a:schemeClr val="dk1"/>
+    </dgm:txFillClrLst>
+    <dgm:txEffectClrLst/>
+  </dgm:styleLbl>
+  <dgm:styleLbl name="trAlignAcc1">
+    <dgm:fillClrLst meth="repeat">
+      <a:schemeClr val="lt1">
+        <a:alpha val="40000"/>
+      </a:schemeClr>
+    </dgm:fillClrLst>
+    <dgm:linClrLst meth="repeat">
+      <a:schemeClr val="accent1"/>
+    </dgm:linClrLst>
+    <dgm:effectClrLst/>
+    <dgm:txLinClrLst/>
+    <dgm:txFillClrLst meth="repeat">
+      <a:schemeClr val="dk1"/>
+    </dgm:txFillClrLst>
+    <dgm:txEffectClrLst/>
+  </dgm:styleLbl>
+  <dgm:styleLbl name="bgAcc1">
+    <dgm:fillClrLst meth="repeat">
+      <a:schemeClr val="lt1">
+        <a:alpha val="90000"/>
+      </a:schemeClr>
+    </dgm:fillClrLst>
+    <dgm:linClrLst meth="repeat">
+      <a:schemeClr val="accent1"/>
+    </dgm:linClrLst>
+    <dgm:effectClrLst/>
+    <dgm:txLinClrLst/>
+    <dgm:txFillClrLst meth="repeat">
+      <a:schemeClr val="dk1"/>
+    </dgm:txFillClrLst>
+    <dgm:txEffectClrLst/>
+  </dgm:styleLbl>
+  <dgm:styleLbl name="solidFgAcc1">
+    <dgm:fillClrLst meth="repeat">
+      <a:schemeClr val="lt1"/>
+    </dgm:fillClrLst>
+    <dgm:linClrLst meth="repeat">
+      <a:schemeClr val="accent1"/>
+    </dgm:linClrLst>
+    <dgm:effectClrLst/>
+    <dgm:txLinClrLst/>
+    <dgm:txFillClrLst meth="repeat">
+      <a:schemeClr val="dk1"/>
+    </dgm:txFillClrLst>
+    <dgm:txEffectClrLst/>
+  </dgm:styleLbl>
+  <dgm:styleLbl name="solidAlignAcc1">
+    <dgm:fillClrLst meth="repeat">
+      <a:schemeClr val="lt1"/>
+    </dgm:fillClrLst>
+    <dgm:linClrLst meth="repeat">
+      <a:schemeClr val="accent1"/>
+    </dgm:linClrLst>
+    <dgm:effectClrLst/>
+    <dgm:txLinClrLst/>
+    <dgm:txFillClrLst meth="repeat">
+      <a:schemeClr val="dk1"/>
+    </dgm:txFillClrLst>
+    <dgm:txEffectClrLst/>
+  </dgm:styleLbl>
+  <dgm:styleLbl name="solidBgAcc1">
+    <dgm:fillClrLst meth="repeat">
+      <a:schemeClr val="lt1"/>
+    </dgm:fillClrLst>
+    <dgm:linClrLst meth="repeat">
+      <a:schemeClr val="accent1"/>
+    </dgm:linClrLst>
+    <dgm:effectClrLst/>
+    <dgm:txLinClrLst/>
+    <dgm:txFillClrLst meth="repeat">
+      <a:schemeClr val="dk1"/>
+    </dgm:txFillClrLst>
+    <dgm:txEffectClrLst/>
+  </dgm:styleLbl>
+  <dgm:styleLbl name="fgAccFollowNode1">
+    <dgm:fillClrLst meth="repeat">
+      <a:schemeClr val="accent1">
+        <a:alpha val="90000"/>
+        <a:tint val="40000"/>
+      </a:schemeClr>
+    </dgm:fillClrLst>
+    <dgm:linClrLst meth="repeat">
+      <a:schemeClr val="accent1">
+        <a:alpha val="90000"/>
+        <a:tint val="40000"/>
+      </a:schemeClr>
+    </dgm:linClrLst>
+    <dgm:effectClrLst/>
+    <dgm:txLinClrLst/>
+    <dgm:txFillClrLst meth="repeat">
+      <a:schemeClr val="dk1"/>
+    </dgm:txFillClrLst>
+    <dgm:txEffectClrLst/>
+  </dgm:styleLbl>
+  <dgm:styleLbl name="alignAccFollowNode1">
+    <dgm:fillClrLst meth="repeat">
+      <a:schemeClr val="accent1">
+        <a:alpha val="90000"/>
+        <a:tint val="40000"/>
+      </a:schemeClr>
+    </dgm:fillClrLst>
+    <dgm:linClrLst meth="repeat">
+      <a:schemeClr val="accent1">
+        <a:alpha val="90000"/>
+        <a:tint val="40000"/>
+      </a:schemeClr>
+    </dgm:linClrLst>
+    <dgm:effectClrLst/>
+    <dgm:txLinClrLst/>
+    <dgm:txFillClrLst meth="repeat">
+      <a:schemeClr val="dk1"/>
+    </dgm:txFillClrLst>
+    <dgm:txEffectClrLst/>
+  </dgm:styleLbl>
+  <dgm:styleLbl name="bgAccFollowNode1">
+    <dgm:fillClrLst meth="repeat">
+      <a:schemeClr val="accent1">
+        <a:alpha val="90000"/>
+        <a:tint val="40000"/>
+      </a:schemeClr>
+    </dgm:fillClrLst>
+    <dgm:linClrLst meth="repeat">
+      <a:schemeClr val="accent1">
+        <a:alpha val="90000"/>
+        <a:tint val="40000"/>
+      </a:schemeClr>
+    </dgm:linClrLst>
+    <dgm:effectClrLst/>
+    <dgm:txLinClrLst/>
+    <dgm:txFillClrLst meth="repeat">
+      <a:schemeClr val="dk1"/>
+    </dgm:txFillClrLst>
+    <dgm:txEffectClrLst/>
+  </dgm:styleLbl>
+  <dgm:styleLbl name="fgAcc0">
+    <dgm:fillClrLst meth="repeat">
+      <a:schemeClr val="lt1">
+        <a:alpha val="90000"/>
+      </a:schemeClr>
+    </dgm:fillClrLst>
+    <dgm:linClrLst meth="repeat">
+      <a:schemeClr val="accent1"/>
+    </dgm:linClrLst>
+    <dgm:effectClrLst/>
+    <dgm:txLinClrLst/>
+    <dgm:txFillClrLst meth="repeat">
+      <a:schemeClr val="dk1"/>
+    </dgm:txFillClrLst>
+    <dgm:txEffectClrLst/>
+  </dgm:styleLbl>
+  <dgm:styleLbl name="fgAcc2">
+    <dgm:fillClrLst meth="repeat">
+      <a:schemeClr val="lt1">
+        <a:alpha val="90000"/>
+      </a:schemeClr>
+    </dgm:fillClrLst>
+    <dgm:linClrLst meth="repeat">
+      <a:schemeClr val="accent1"/>
+    </dgm:linClrLst>
+    <dgm:effectClrLst/>
+    <dgm:txLinClrLst/>
+    <dgm:txFillClrLst meth="repeat">
+      <a:schemeClr val="dk1"/>
+    </dgm:txFillClrLst>
+    <dgm:txEffectClrLst/>
+  </dgm:styleLbl>
+  <dgm:styleLbl name="fgAcc3">
+    <dgm:fillClrLst meth="repeat">
+      <a:schemeClr val="lt1">
+        <a:alpha val="90000"/>
+      </a:schemeClr>
+    </dgm:fillClrLst>
+    <dgm:linClrLst meth="repeat">
+      <a:schemeClr val="accent1"/>
+    </dgm:linClrLst>
+    <dgm:effectClrLst/>
+    <dgm:txLinClrLst/>
+    <dgm:txFillClrLst meth="repeat">
+      <a:schemeClr val="dk1"/>
+    </dgm:txFillClrLst>
+    <dgm:txEffectClrLst/>
+  </dgm:styleLbl>
+  <dgm:styleLbl name="fgAcc4">
+    <dgm:fillClrLst meth="repeat">
+      <a:schemeClr val="lt1">
+        <a:alpha val="90000"/>
+      </a:schemeClr>
+    </dgm:fillClrLst>
+    <dgm:linClrLst meth="repeat">
+      <a:schemeClr val="accent1"/>
+    </dgm:linClrLst>
+    <dgm:effectClrLst/>
+    <dgm:txLinClrLst/>
+    <dgm:txFillClrLst meth="repeat">
+      <a:schemeClr val="dk1"/>
+    </dgm:txFillClrLst>
+    <dgm:txEffectClrLst/>
+  </dgm:styleLbl>
+  <dgm:styleLbl name="bgShp">
+    <dgm:fillClrLst meth="repeat">
+      <a:schemeClr val="accent1">
+        <a:tint val="40000"/>
+      </a:schemeClr>
+    </dgm:fillClrLst>
+    <dgm:linClrLst meth="repeat">
+      <a:schemeClr val="accent1"/>
+    </dgm:linClrLst>
+    <dgm:effectClrLst/>
+    <dgm:txLinClrLst/>
+    <dgm:txFillClrLst meth="repeat">
+      <a:schemeClr val="dk1"/>
+    </dgm:txFillClrLst>
+    <dgm:txEffectClrLst/>
+  </dgm:styleLbl>
+  <dgm:styleLbl name="dkBgShp">
+    <dgm:fillClrLst meth="repeat">
+      <a:schemeClr val="accent1">
+        <a:shade val="80000"/>
+      </a:schemeClr>
+    </dgm:fillClrLst>
+    <dgm:linClrLst meth="repeat">
+      <a:schemeClr val="accent1"/>
+    </dgm:linClrLst>
+    <dgm:effectClrLst/>
+    <dgm:txLinClrLst/>
+    <dgm:txFillClrLst meth="repeat">
+      <a:schemeClr val="lt1"/>
+    </dgm:txFillClrLst>
+    <dgm:txEffectClrLst/>
+  </dgm:styleLbl>
+  <dgm:styleLbl name="trBgShp">
+    <dgm:fillClrLst meth="repeat">
+      <a:schemeClr val="accent1">
+        <a:tint val="50000"/>
+        <a:alpha val="40000"/>
+      </a:schemeClr>
+    </dgm:fillClrLst>
+    <dgm:linClrLst meth="repeat">
+      <a:schemeClr val="accent1"/>
+    </dgm:linClrLst>
+    <dgm:effectClrLst/>
+    <dgm:txLinClrLst/>
+    <dgm:txFillClrLst meth="repeat">
+      <a:schemeClr val="lt1"/>
+    </dgm:txFillClrLst>
+    <dgm:txEffectClrLst/>
+  </dgm:styleLbl>
+  <dgm:styleLbl name="fgShp">
+    <dgm:fillClrLst meth="repeat">
+      <a:schemeClr val="accent1">
+        <a:tint val="60000"/>
+      </a:schemeClr>
+    </dgm:fillClrLst>
+    <dgm:linClrLst meth="repeat">
+      <a:schemeClr val="lt1"/>
+    </dgm:linClrLst>
+    <dgm:effectClrLst/>
+    <dgm:txLinClrLst/>
+    <dgm:txFillClrLst meth="repeat">
+      <a:schemeClr val="dk1"/>
+    </dgm:txFillClrLst>
+    <dgm:txEffectClrLst/>
+  </dgm:styleLbl>
+  <dgm:styleLbl name="revTx">
+    <dgm:fillClrLst meth="repeat">
+      <a:schemeClr val="lt1">
+        <a:alpha val="0"/>
+      </a:schemeClr>
+    </dgm:fillClrLst>
+    <dgm:linClrLst meth="repeat">
+      <a:schemeClr val="dk1">
+        <a:alpha val="0"/>
+      </a:schemeClr>
+    </dgm:linClrLst>
+    <dgm:effectClrLst/>
+    <dgm:txLinClrLst/>
+    <dgm:txFillClrLst meth="repeat">
+      <a:schemeClr val="tx1"/>
+    </dgm:txFillClrLst>
+    <dgm:txEffectClrLst/>
+  </dgm:styleLbl>
+</dgm:colorsDef>
+</file>
+
+<file path=ppt/diagrams/colors3.xml><?xml version="1.0" encoding="utf-8"?>
 <dgm:colorsDef xmlns:dgm="http://schemas.openxmlformats.org/drawingml/2006/diagram" xmlns:a="http://schemas.openxmlformats.org/drawingml/2006/main" uniqueId="urn:microsoft.com/office/officeart/2005/8/colors/accent1_2">
   <dgm:title val=""/>
   <dgm:desc val=""/>
@@ -1913,6 +2668,248 @@
 </file>
 
 <file path=ppt/diagrams/data2.xml><?xml version="1.0" encoding="utf-8"?>
+<dgm:dataModel xmlns:dgm="http://schemas.openxmlformats.org/drawingml/2006/diagram" xmlns:a="http://schemas.openxmlformats.org/drawingml/2006/main">
+  <dgm:ptLst>
+    <dgm:pt modelId="{C2D72EC4-F752-4319-91BE-A5E74E5B5F9E}" type="doc">
+      <dgm:prSet loTypeId="urn:microsoft.com/office/officeart/2005/8/layout/chevron1" loCatId="process" qsTypeId="urn:microsoft.com/office/officeart/2005/8/quickstyle/simple1" qsCatId="simple" csTypeId="urn:microsoft.com/office/officeart/2005/8/colors/accent1_2" csCatId="accent1" phldr="1"/>
+      <dgm:spPr/>
+    </dgm:pt>
+    <dgm:pt modelId="{4F2F146D-8F2A-4AF8-A115-CC64FC64FBD1}">
+      <dgm:prSet phldrT="[Text]"/>
+      <dgm:spPr/>
+      <dgm:t>
+        <a:bodyPr/>
+        <a:lstStyle/>
+        <a:p>
+          <a:r>
+            <a:rPr lang="de-DE" dirty="0"/>
+            <a:t>Einführung Spring</a:t>
+          </a:r>
+        </a:p>
+      </dgm:t>
+    </dgm:pt>
+    <dgm:pt modelId="{3097C091-248E-47BD-B3D4-C7E228B9DA2E}" type="parTrans" cxnId="{2546161C-1E53-4C16-A4DE-1931D6EE3401}">
+      <dgm:prSet/>
+      <dgm:spPr/>
+      <dgm:t>
+        <a:bodyPr/>
+        <a:lstStyle/>
+        <a:p>
+          <a:endParaRPr lang="de-DE"/>
+        </a:p>
+      </dgm:t>
+    </dgm:pt>
+    <dgm:pt modelId="{D7128C17-3F5C-4405-B93B-D090035413E6}" type="sibTrans" cxnId="{2546161C-1E53-4C16-A4DE-1931D6EE3401}">
+      <dgm:prSet/>
+      <dgm:spPr/>
+      <dgm:t>
+        <a:bodyPr/>
+        <a:lstStyle/>
+        <a:p>
+          <a:endParaRPr lang="de-DE"/>
+        </a:p>
+      </dgm:t>
+    </dgm:pt>
+    <dgm:pt modelId="{73FEFD8B-5141-40C5-885D-A6DAF365A791}">
+      <dgm:prSet phldrT="[Text]"/>
+      <dgm:spPr/>
+      <dgm:t>
+        <a:bodyPr/>
+        <a:lstStyle/>
+        <a:p>
+          <a:r>
+            <a:rPr lang="de-DE" dirty="0"/>
+            <a:t>REST Webservices</a:t>
+          </a:r>
+        </a:p>
+      </dgm:t>
+    </dgm:pt>
+    <dgm:pt modelId="{BFE68F10-CD65-4E98-932C-8F3C815A0637}" type="parTrans" cxnId="{9AAF8BE4-B254-4E41-82C6-4E0716CCA30C}">
+      <dgm:prSet/>
+      <dgm:spPr/>
+      <dgm:t>
+        <a:bodyPr/>
+        <a:lstStyle/>
+        <a:p>
+          <a:endParaRPr lang="de-DE"/>
+        </a:p>
+      </dgm:t>
+    </dgm:pt>
+    <dgm:pt modelId="{20C35A14-040F-4AD8-AC0F-4D75C84158AF}" type="sibTrans" cxnId="{9AAF8BE4-B254-4E41-82C6-4E0716CCA30C}">
+      <dgm:prSet/>
+      <dgm:spPr/>
+      <dgm:t>
+        <a:bodyPr/>
+        <a:lstStyle/>
+        <a:p>
+          <a:endParaRPr lang="de-DE"/>
+        </a:p>
+      </dgm:t>
+    </dgm:pt>
+    <dgm:pt modelId="{44E1DBBA-9AC0-4037-9792-3961B2AFA622}">
+      <dgm:prSet phldrT="[Text]"/>
+      <dgm:spPr/>
+      <dgm:t>
+        <a:bodyPr/>
+        <a:lstStyle/>
+        <a:p>
+          <a:r>
+            <a:rPr lang="de-DE" dirty="0"/>
+            <a:t>Webservice oder Website</a:t>
+          </a:r>
+        </a:p>
+      </dgm:t>
+    </dgm:pt>
+    <dgm:pt modelId="{CE718CBF-702C-45F7-9AED-71B90C783883}" type="parTrans" cxnId="{7328A35E-1575-40AD-8C1D-77F807D66609}">
+      <dgm:prSet/>
+      <dgm:spPr/>
+      <dgm:t>
+        <a:bodyPr/>
+        <a:lstStyle/>
+        <a:p>
+          <a:endParaRPr lang="de-DE"/>
+        </a:p>
+      </dgm:t>
+    </dgm:pt>
+    <dgm:pt modelId="{1B9979D9-931E-4170-A165-ACD447BA9267}" type="sibTrans" cxnId="{7328A35E-1575-40AD-8C1D-77F807D66609}">
+      <dgm:prSet/>
+      <dgm:spPr/>
+      <dgm:t>
+        <a:bodyPr/>
+        <a:lstStyle/>
+        <a:p>
+          <a:endParaRPr lang="de-DE"/>
+        </a:p>
+      </dgm:t>
+    </dgm:pt>
+    <dgm:pt modelId="{AD0C67B8-9D83-4C84-B7F8-9D3CCD937FBF}">
+      <dgm:prSet phldrT="[Text]"/>
+      <dgm:spPr/>
+      <dgm:t>
+        <a:bodyPr/>
+        <a:lstStyle/>
+        <a:p>
+          <a:r>
+            <a:rPr lang="de-DE" dirty="0"/>
+            <a:t>???</a:t>
+          </a:r>
+        </a:p>
+      </dgm:t>
+    </dgm:pt>
+    <dgm:pt modelId="{556E8FD3-6190-45AB-89E7-78104503C4BD}" type="parTrans" cxnId="{3B328F37-99C6-4846-9D82-D2CE7011DD72}">
+      <dgm:prSet/>
+      <dgm:spPr/>
+      <dgm:t>
+        <a:bodyPr/>
+        <a:lstStyle/>
+        <a:p>
+          <a:endParaRPr lang="de-DE"/>
+        </a:p>
+      </dgm:t>
+    </dgm:pt>
+    <dgm:pt modelId="{2C028DEE-33F3-47DE-B5B9-C3898074F9B5}" type="sibTrans" cxnId="{3B328F37-99C6-4846-9D82-D2CE7011DD72}">
+      <dgm:prSet/>
+      <dgm:spPr/>
+      <dgm:t>
+        <a:bodyPr/>
+        <a:lstStyle/>
+        <a:p>
+          <a:endParaRPr lang="de-DE"/>
+        </a:p>
+      </dgm:t>
+    </dgm:pt>
+    <dgm:pt modelId="{C2AD534B-2930-4DD9-9FBD-B09E862F74DD}" type="pres">
+      <dgm:prSet presAssocID="{C2D72EC4-F752-4319-91BE-A5E74E5B5F9E}" presName="Name0" presStyleCnt="0">
+        <dgm:presLayoutVars>
+          <dgm:dir/>
+          <dgm:animLvl val="lvl"/>
+          <dgm:resizeHandles val="exact"/>
+        </dgm:presLayoutVars>
+      </dgm:prSet>
+      <dgm:spPr/>
+    </dgm:pt>
+    <dgm:pt modelId="{2FE105B9-4BD3-4A1E-8C4D-8BD0A9A75643}" type="pres">
+      <dgm:prSet presAssocID="{4F2F146D-8F2A-4AF8-A115-CC64FC64FBD1}" presName="parTxOnly" presStyleLbl="node1" presStyleIdx="0" presStyleCnt="4">
+        <dgm:presLayoutVars>
+          <dgm:chMax val="0"/>
+          <dgm:chPref val="0"/>
+          <dgm:bulletEnabled val="1"/>
+        </dgm:presLayoutVars>
+      </dgm:prSet>
+      <dgm:spPr/>
+    </dgm:pt>
+    <dgm:pt modelId="{2CEFE862-40BB-437C-A350-B5259583DE5E}" type="pres">
+      <dgm:prSet presAssocID="{D7128C17-3F5C-4405-B93B-D090035413E6}" presName="parTxOnlySpace" presStyleCnt="0"/>
+      <dgm:spPr/>
+    </dgm:pt>
+    <dgm:pt modelId="{C1AB1E3E-90D9-49E3-ADF6-E7E60EBC974A}" type="pres">
+      <dgm:prSet presAssocID="{73FEFD8B-5141-40C5-885D-A6DAF365A791}" presName="parTxOnly" presStyleLbl="node1" presStyleIdx="1" presStyleCnt="4">
+        <dgm:presLayoutVars>
+          <dgm:chMax val="0"/>
+          <dgm:chPref val="0"/>
+          <dgm:bulletEnabled val="1"/>
+        </dgm:presLayoutVars>
+      </dgm:prSet>
+      <dgm:spPr/>
+    </dgm:pt>
+    <dgm:pt modelId="{6FA262B0-E108-4435-A243-4BE9CB2A2CF4}" type="pres">
+      <dgm:prSet presAssocID="{20C35A14-040F-4AD8-AC0F-4D75C84158AF}" presName="parTxOnlySpace" presStyleCnt="0"/>
+      <dgm:spPr/>
+    </dgm:pt>
+    <dgm:pt modelId="{A32CC01D-50EC-43F5-9EB4-BDE3B819DB4C}" type="pres">
+      <dgm:prSet presAssocID="{44E1DBBA-9AC0-4037-9792-3961B2AFA622}" presName="parTxOnly" presStyleLbl="node1" presStyleIdx="2" presStyleCnt="4">
+        <dgm:presLayoutVars>
+          <dgm:chMax val="0"/>
+          <dgm:chPref val="0"/>
+          <dgm:bulletEnabled val="1"/>
+        </dgm:presLayoutVars>
+      </dgm:prSet>
+      <dgm:spPr/>
+    </dgm:pt>
+    <dgm:pt modelId="{14CBF8B4-DD11-4BDF-86FC-AA15C67A4897}" type="pres">
+      <dgm:prSet presAssocID="{1B9979D9-931E-4170-A165-ACD447BA9267}" presName="parTxOnlySpace" presStyleCnt="0"/>
+      <dgm:spPr/>
+    </dgm:pt>
+    <dgm:pt modelId="{F4D1F037-EABE-44F7-83AF-9AA11A497827}" type="pres">
+      <dgm:prSet presAssocID="{AD0C67B8-9D83-4C84-B7F8-9D3CCD937FBF}" presName="parTxOnly" presStyleLbl="node1" presStyleIdx="3" presStyleCnt="4">
+        <dgm:presLayoutVars>
+          <dgm:chMax val="0"/>
+          <dgm:chPref val="0"/>
+          <dgm:bulletEnabled val="1"/>
+        </dgm:presLayoutVars>
+      </dgm:prSet>
+      <dgm:spPr/>
+    </dgm:pt>
+  </dgm:ptLst>
+  <dgm:cxnLst>
+    <dgm:cxn modelId="{2546161C-1E53-4C16-A4DE-1931D6EE3401}" srcId="{C2D72EC4-F752-4319-91BE-A5E74E5B5F9E}" destId="{4F2F146D-8F2A-4AF8-A115-CC64FC64FBD1}" srcOrd="0" destOrd="0" parTransId="{3097C091-248E-47BD-B3D4-C7E228B9DA2E}" sibTransId="{D7128C17-3F5C-4405-B93B-D090035413E6}"/>
+    <dgm:cxn modelId="{005B242B-1DC9-4243-B407-59F5C4EF09A2}" type="presOf" srcId="{4F2F146D-8F2A-4AF8-A115-CC64FC64FBD1}" destId="{2FE105B9-4BD3-4A1E-8C4D-8BD0A9A75643}" srcOrd="0" destOrd="0" presId="urn:microsoft.com/office/officeart/2005/8/layout/chevron1"/>
+    <dgm:cxn modelId="{3B328F37-99C6-4846-9D82-D2CE7011DD72}" srcId="{C2D72EC4-F752-4319-91BE-A5E74E5B5F9E}" destId="{AD0C67B8-9D83-4C84-B7F8-9D3CCD937FBF}" srcOrd="3" destOrd="0" parTransId="{556E8FD3-6190-45AB-89E7-78104503C4BD}" sibTransId="{2C028DEE-33F3-47DE-B5B9-C3898074F9B5}"/>
+    <dgm:cxn modelId="{5F4E7940-8C64-4ADF-9AA0-349B9267A77A}" type="presOf" srcId="{73FEFD8B-5141-40C5-885D-A6DAF365A791}" destId="{C1AB1E3E-90D9-49E3-ADF6-E7E60EBC974A}" srcOrd="0" destOrd="0" presId="urn:microsoft.com/office/officeart/2005/8/layout/chevron1"/>
+    <dgm:cxn modelId="{7328A35E-1575-40AD-8C1D-77F807D66609}" srcId="{C2D72EC4-F752-4319-91BE-A5E74E5B5F9E}" destId="{44E1DBBA-9AC0-4037-9792-3961B2AFA622}" srcOrd="2" destOrd="0" parTransId="{CE718CBF-702C-45F7-9AED-71B90C783883}" sibTransId="{1B9979D9-931E-4170-A165-ACD447BA9267}"/>
+    <dgm:cxn modelId="{502FCF4C-1E8C-4C73-A5BB-528F77AE79ED}" type="presOf" srcId="{AD0C67B8-9D83-4C84-B7F8-9D3CCD937FBF}" destId="{F4D1F037-EABE-44F7-83AF-9AA11A497827}" srcOrd="0" destOrd="0" presId="urn:microsoft.com/office/officeart/2005/8/layout/chevron1"/>
+    <dgm:cxn modelId="{AD89749F-C364-4EAE-AE62-38A0E6E9C840}" type="presOf" srcId="{44E1DBBA-9AC0-4037-9792-3961B2AFA622}" destId="{A32CC01D-50EC-43F5-9EB4-BDE3B819DB4C}" srcOrd="0" destOrd="0" presId="urn:microsoft.com/office/officeart/2005/8/layout/chevron1"/>
+    <dgm:cxn modelId="{9AAF8BE4-B254-4E41-82C6-4E0716CCA30C}" srcId="{C2D72EC4-F752-4319-91BE-A5E74E5B5F9E}" destId="{73FEFD8B-5141-40C5-885D-A6DAF365A791}" srcOrd="1" destOrd="0" parTransId="{BFE68F10-CD65-4E98-932C-8F3C815A0637}" sibTransId="{20C35A14-040F-4AD8-AC0F-4D75C84158AF}"/>
+    <dgm:cxn modelId="{975A7DE5-D9AC-4CC9-97AF-5961CCE5A362}" type="presOf" srcId="{C2D72EC4-F752-4319-91BE-A5E74E5B5F9E}" destId="{C2AD534B-2930-4DD9-9FBD-B09E862F74DD}" srcOrd="0" destOrd="0" presId="urn:microsoft.com/office/officeart/2005/8/layout/chevron1"/>
+    <dgm:cxn modelId="{28FB32EA-6D63-486C-B961-506F82F43AE9}" type="presParOf" srcId="{C2AD534B-2930-4DD9-9FBD-B09E862F74DD}" destId="{2FE105B9-4BD3-4A1E-8C4D-8BD0A9A75643}" srcOrd="0" destOrd="0" presId="urn:microsoft.com/office/officeart/2005/8/layout/chevron1"/>
+    <dgm:cxn modelId="{4B8E0F30-8D79-454F-83A0-0F768BA9DF5B}" type="presParOf" srcId="{C2AD534B-2930-4DD9-9FBD-B09E862F74DD}" destId="{2CEFE862-40BB-437C-A350-B5259583DE5E}" srcOrd="1" destOrd="0" presId="urn:microsoft.com/office/officeart/2005/8/layout/chevron1"/>
+    <dgm:cxn modelId="{F619E7F5-4ADF-4AAC-92D2-82D01564A21E}" type="presParOf" srcId="{C2AD534B-2930-4DD9-9FBD-B09E862F74DD}" destId="{C1AB1E3E-90D9-49E3-ADF6-E7E60EBC974A}" srcOrd="2" destOrd="0" presId="urn:microsoft.com/office/officeart/2005/8/layout/chevron1"/>
+    <dgm:cxn modelId="{BF74FC70-997F-4FAC-92F3-3D4CC48BAAD4}" type="presParOf" srcId="{C2AD534B-2930-4DD9-9FBD-B09E862F74DD}" destId="{6FA262B0-E108-4435-A243-4BE9CB2A2CF4}" srcOrd="3" destOrd="0" presId="urn:microsoft.com/office/officeart/2005/8/layout/chevron1"/>
+    <dgm:cxn modelId="{3A592F3C-28A2-4013-97E2-F070A1169545}" type="presParOf" srcId="{C2AD534B-2930-4DD9-9FBD-B09E862F74DD}" destId="{A32CC01D-50EC-43F5-9EB4-BDE3B819DB4C}" srcOrd="4" destOrd="0" presId="urn:microsoft.com/office/officeart/2005/8/layout/chevron1"/>
+    <dgm:cxn modelId="{D9D21E91-582C-44FA-8913-81456F2634ED}" type="presParOf" srcId="{C2AD534B-2930-4DD9-9FBD-B09E862F74DD}" destId="{14CBF8B4-DD11-4BDF-86FC-AA15C67A4897}" srcOrd="5" destOrd="0" presId="urn:microsoft.com/office/officeart/2005/8/layout/chevron1"/>
+    <dgm:cxn modelId="{D4A766F4-E1C3-4DC8-86DE-C523AF967698}" type="presParOf" srcId="{C2AD534B-2930-4DD9-9FBD-B09E862F74DD}" destId="{F4D1F037-EABE-44F7-83AF-9AA11A497827}" srcOrd="6" destOrd="0" presId="urn:microsoft.com/office/officeart/2005/8/layout/chevron1"/>
+  </dgm:cxnLst>
+  <dgm:bg/>
+  <dgm:whole/>
+  <dgm:extLst>
+    <a:ext uri="http://schemas.microsoft.com/office/drawing/2008/diagram">
+      <dsp:dataModelExt xmlns:dsp="http://schemas.microsoft.com/office/drawing/2008/diagram" relId="rId6" minVer="http://schemas.openxmlformats.org/drawingml/2006/diagram"/>
+    </a:ext>
+  </dgm:extLst>
+</dgm:dataModel>
+</file>
+
+<file path=ppt/diagrams/data3.xml><?xml version="1.0" encoding="utf-8"?>
 <dgm:dataModel xmlns:dgm="http://schemas.openxmlformats.org/drawingml/2006/diagram" xmlns:a="http://schemas.openxmlformats.org/drawingml/2006/main">
   <dgm:ptLst>
     <dgm:pt modelId="{C2D72EC4-F752-4319-91BE-A5E74E5B5F9E}" type="doc">
@@ -2557,6 +3554,326 @@
 </file>
 
 <file path=ppt/diagrams/drawing2.xml><?xml version="1.0" encoding="utf-8"?>
+<dsp:drawing xmlns:dgm="http://schemas.openxmlformats.org/drawingml/2006/diagram" xmlns:dsp="http://schemas.microsoft.com/office/drawing/2008/diagram" xmlns:a="http://schemas.openxmlformats.org/drawingml/2006/main">
+  <dsp:spTree>
+    <dsp:nvGrpSpPr>
+      <dsp:cNvPr id="0" name=""/>
+      <dsp:cNvGrpSpPr/>
+    </dsp:nvGrpSpPr>
+    <dsp:grpSpPr/>
+    <dsp:sp modelId="{2FE105B9-4BD3-4A1E-8C4D-8BD0A9A75643}">
+      <dsp:nvSpPr>
+        <dsp:cNvPr id="0" name=""/>
+        <dsp:cNvSpPr/>
+      </dsp:nvSpPr>
+      <dsp:spPr>
+        <a:xfrm>
+          <a:off x="3368" y="533940"/>
+          <a:ext cx="1960764" cy="784305"/>
+        </a:xfrm>
+        <a:prstGeom prst="chevron">
+          <a:avLst/>
+        </a:prstGeom>
+        <a:solidFill>
+          <a:schemeClr val="accent1">
+            <a:hueOff val="0"/>
+            <a:satOff val="0"/>
+            <a:lumOff val="0"/>
+            <a:alphaOff val="0"/>
+          </a:schemeClr>
+        </a:solidFill>
+        <a:ln w="10795" cap="flat" cmpd="sng" algn="ctr">
+          <a:solidFill>
+            <a:schemeClr val="lt1">
+              <a:hueOff val="0"/>
+              <a:satOff val="0"/>
+              <a:lumOff val="0"/>
+              <a:alphaOff val="0"/>
+            </a:schemeClr>
+          </a:solidFill>
+          <a:prstDash val="solid"/>
+        </a:ln>
+        <a:effectLst/>
+      </dsp:spPr>
+      <dsp:style>
+        <a:lnRef idx="2">
+          <a:scrgbClr r="0" g="0" b="0"/>
+        </a:lnRef>
+        <a:fillRef idx="1">
+          <a:scrgbClr r="0" g="0" b="0"/>
+        </a:fillRef>
+        <a:effectRef idx="0">
+          <a:scrgbClr r="0" g="0" b="0"/>
+        </a:effectRef>
+        <a:fontRef idx="minor">
+          <a:schemeClr val="lt1"/>
+        </a:fontRef>
+      </dsp:style>
+      <dsp:txBody>
+        <a:bodyPr spcFirstLastPara="0" vert="horz" wrap="square" lIns="64008" tIns="21336" rIns="21336" bIns="21336" numCol="1" spcCol="1270" anchor="ctr" anchorCtr="0">
+          <a:noAutofit/>
+        </a:bodyPr>
+        <a:lstStyle/>
+        <a:p>
+          <a:pPr marL="0" lvl="0" indent="0" algn="ctr" defTabSz="711200">
+            <a:lnSpc>
+              <a:spcPct val="90000"/>
+            </a:lnSpc>
+            <a:spcBef>
+              <a:spcPct val="0"/>
+            </a:spcBef>
+            <a:spcAft>
+              <a:spcPct val="35000"/>
+            </a:spcAft>
+            <a:buNone/>
+          </a:pPr>
+          <a:r>
+            <a:rPr lang="de-DE" sz="1600" kern="1200" dirty="0"/>
+            <a:t>Einführung Spring</a:t>
+          </a:r>
+        </a:p>
+      </dsp:txBody>
+      <dsp:txXfrm>
+        <a:off x="395521" y="533940"/>
+        <a:ext cx="1176459" cy="784305"/>
+      </dsp:txXfrm>
+    </dsp:sp>
+    <dsp:sp modelId="{C1AB1E3E-90D9-49E3-ADF6-E7E60EBC974A}">
+      <dsp:nvSpPr>
+        <dsp:cNvPr id="0" name=""/>
+        <dsp:cNvSpPr/>
+      </dsp:nvSpPr>
+      <dsp:spPr>
+        <a:xfrm>
+          <a:off x="1768056" y="533940"/>
+          <a:ext cx="1960764" cy="784305"/>
+        </a:xfrm>
+        <a:prstGeom prst="chevron">
+          <a:avLst/>
+        </a:prstGeom>
+        <a:solidFill>
+          <a:schemeClr val="accent1">
+            <a:hueOff val="0"/>
+            <a:satOff val="0"/>
+            <a:lumOff val="0"/>
+            <a:alphaOff val="0"/>
+          </a:schemeClr>
+        </a:solidFill>
+        <a:ln w="10795" cap="flat" cmpd="sng" algn="ctr">
+          <a:solidFill>
+            <a:schemeClr val="lt1">
+              <a:hueOff val="0"/>
+              <a:satOff val="0"/>
+              <a:lumOff val="0"/>
+              <a:alphaOff val="0"/>
+            </a:schemeClr>
+          </a:solidFill>
+          <a:prstDash val="solid"/>
+        </a:ln>
+        <a:effectLst/>
+      </dsp:spPr>
+      <dsp:style>
+        <a:lnRef idx="2">
+          <a:scrgbClr r="0" g="0" b="0"/>
+        </a:lnRef>
+        <a:fillRef idx="1">
+          <a:scrgbClr r="0" g="0" b="0"/>
+        </a:fillRef>
+        <a:effectRef idx="0">
+          <a:scrgbClr r="0" g="0" b="0"/>
+        </a:effectRef>
+        <a:fontRef idx="minor">
+          <a:schemeClr val="lt1"/>
+        </a:fontRef>
+      </dsp:style>
+      <dsp:txBody>
+        <a:bodyPr spcFirstLastPara="0" vert="horz" wrap="square" lIns="64008" tIns="21336" rIns="21336" bIns="21336" numCol="1" spcCol="1270" anchor="ctr" anchorCtr="0">
+          <a:noAutofit/>
+        </a:bodyPr>
+        <a:lstStyle/>
+        <a:p>
+          <a:pPr marL="0" lvl="0" indent="0" algn="ctr" defTabSz="711200">
+            <a:lnSpc>
+              <a:spcPct val="90000"/>
+            </a:lnSpc>
+            <a:spcBef>
+              <a:spcPct val="0"/>
+            </a:spcBef>
+            <a:spcAft>
+              <a:spcPct val="35000"/>
+            </a:spcAft>
+            <a:buNone/>
+          </a:pPr>
+          <a:r>
+            <a:rPr lang="de-DE" sz="1600" kern="1200" dirty="0"/>
+            <a:t>REST Webservices</a:t>
+          </a:r>
+        </a:p>
+      </dsp:txBody>
+      <dsp:txXfrm>
+        <a:off x="2160209" y="533940"/>
+        <a:ext cx="1176459" cy="784305"/>
+      </dsp:txXfrm>
+    </dsp:sp>
+    <dsp:sp modelId="{A32CC01D-50EC-43F5-9EB4-BDE3B819DB4C}">
+      <dsp:nvSpPr>
+        <dsp:cNvPr id="0" name=""/>
+        <dsp:cNvSpPr/>
+      </dsp:nvSpPr>
+      <dsp:spPr>
+        <a:xfrm>
+          <a:off x="3532744" y="533940"/>
+          <a:ext cx="1960764" cy="784305"/>
+        </a:xfrm>
+        <a:prstGeom prst="chevron">
+          <a:avLst/>
+        </a:prstGeom>
+        <a:solidFill>
+          <a:schemeClr val="accent1">
+            <a:hueOff val="0"/>
+            <a:satOff val="0"/>
+            <a:lumOff val="0"/>
+            <a:alphaOff val="0"/>
+          </a:schemeClr>
+        </a:solidFill>
+        <a:ln w="10795" cap="flat" cmpd="sng" algn="ctr">
+          <a:solidFill>
+            <a:schemeClr val="lt1">
+              <a:hueOff val="0"/>
+              <a:satOff val="0"/>
+              <a:lumOff val="0"/>
+              <a:alphaOff val="0"/>
+            </a:schemeClr>
+          </a:solidFill>
+          <a:prstDash val="solid"/>
+        </a:ln>
+        <a:effectLst/>
+      </dsp:spPr>
+      <dsp:style>
+        <a:lnRef idx="2">
+          <a:scrgbClr r="0" g="0" b="0"/>
+        </a:lnRef>
+        <a:fillRef idx="1">
+          <a:scrgbClr r="0" g="0" b="0"/>
+        </a:fillRef>
+        <a:effectRef idx="0">
+          <a:scrgbClr r="0" g="0" b="0"/>
+        </a:effectRef>
+        <a:fontRef idx="minor">
+          <a:schemeClr val="lt1"/>
+        </a:fontRef>
+      </dsp:style>
+      <dsp:txBody>
+        <a:bodyPr spcFirstLastPara="0" vert="horz" wrap="square" lIns="64008" tIns="21336" rIns="21336" bIns="21336" numCol="1" spcCol="1270" anchor="ctr" anchorCtr="0">
+          <a:noAutofit/>
+        </a:bodyPr>
+        <a:lstStyle/>
+        <a:p>
+          <a:pPr marL="0" lvl="0" indent="0" algn="ctr" defTabSz="711200">
+            <a:lnSpc>
+              <a:spcPct val="90000"/>
+            </a:lnSpc>
+            <a:spcBef>
+              <a:spcPct val="0"/>
+            </a:spcBef>
+            <a:spcAft>
+              <a:spcPct val="35000"/>
+            </a:spcAft>
+            <a:buNone/>
+          </a:pPr>
+          <a:r>
+            <a:rPr lang="de-DE" sz="1600" kern="1200" dirty="0"/>
+            <a:t>Webservice oder Website</a:t>
+          </a:r>
+        </a:p>
+      </dsp:txBody>
+      <dsp:txXfrm>
+        <a:off x="3924897" y="533940"/>
+        <a:ext cx="1176459" cy="784305"/>
+      </dsp:txXfrm>
+    </dsp:sp>
+    <dsp:sp modelId="{F4D1F037-EABE-44F7-83AF-9AA11A497827}">
+      <dsp:nvSpPr>
+        <dsp:cNvPr id="0" name=""/>
+        <dsp:cNvSpPr/>
+      </dsp:nvSpPr>
+      <dsp:spPr>
+        <a:xfrm>
+          <a:off x="5297432" y="533940"/>
+          <a:ext cx="1960764" cy="784305"/>
+        </a:xfrm>
+        <a:prstGeom prst="chevron">
+          <a:avLst/>
+        </a:prstGeom>
+        <a:solidFill>
+          <a:schemeClr val="accent1">
+            <a:hueOff val="0"/>
+            <a:satOff val="0"/>
+            <a:lumOff val="0"/>
+            <a:alphaOff val="0"/>
+          </a:schemeClr>
+        </a:solidFill>
+        <a:ln w="10795" cap="flat" cmpd="sng" algn="ctr">
+          <a:solidFill>
+            <a:schemeClr val="lt1">
+              <a:hueOff val="0"/>
+              <a:satOff val="0"/>
+              <a:lumOff val="0"/>
+              <a:alphaOff val="0"/>
+            </a:schemeClr>
+          </a:solidFill>
+          <a:prstDash val="solid"/>
+        </a:ln>
+        <a:effectLst/>
+      </dsp:spPr>
+      <dsp:style>
+        <a:lnRef idx="2">
+          <a:scrgbClr r="0" g="0" b="0"/>
+        </a:lnRef>
+        <a:fillRef idx="1">
+          <a:scrgbClr r="0" g="0" b="0"/>
+        </a:fillRef>
+        <a:effectRef idx="0">
+          <a:scrgbClr r="0" g="0" b="0"/>
+        </a:effectRef>
+        <a:fontRef idx="minor">
+          <a:schemeClr val="lt1"/>
+        </a:fontRef>
+      </dsp:style>
+      <dsp:txBody>
+        <a:bodyPr spcFirstLastPara="0" vert="horz" wrap="square" lIns="64008" tIns="21336" rIns="21336" bIns="21336" numCol="1" spcCol="1270" anchor="ctr" anchorCtr="0">
+          <a:noAutofit/>
+        </a:bodyPr>
+        <a:lstStyle/>
+        <a:p>
+          <a:pPr marL="0" lvl="0" indent="0" algn="ctr" defTabSz="711200">
+            <a:lnSpc>
+              <a:spcPct val="90000"/>
+            </a:lnSpc>
+            <a:spcBef>
+              <a:spcPct val="0"/>
+            </a:spcBef>
+            <a:spcAft>
+              <a:spcPct val="35000"/>
+            </a:spcAft>
+            <a:buNone/>
+          </a:pPr>
+          <a:r>
+            <a:rPr lang="de-DE" sz="1600" kern="1200" dirty="0"/>
+            <a:t>???</a:t>
+          </a:r>
+        </a:p>
+      </dsp:txBody>
+      <dsp:txXfrm>
+        <a:off x="5689585" y="533940"/>
+        <a:ext cx="1176459" cy="784305"/>
+      </dsp:txXfrm>
+    </dsp:sp>
+  </dsp:spTree>
+</dsp:drawing>
+</file>
+
+<file path=ppt/diagrams/drawing3.xml><?xml version="1.0" encoding="utf-8"?>
 <dsp:drawing xmlns:dgm="http://schemas.openxmlformats.org/drawingml/2006/diagram" xmlns:dsp="http://schemas.microsoft.com/office/drawing/2008/diagram" xmlns:a="http://schemas.openxmlformats.org/drawingml/2006/main">
   <dsp:spTree>
     <dsp:nvGrpSpPr>
@@ -3722,6 +5039,289 @@
 </dgm:layoutDef>
 </file>
 
+<file path=ppt/diagrams/layout3.xml><?xml version="1.0" encoding="utf-8"?>
+<dgm:layoutDef xmlns:dgm="http://schemas.openxmlformats.org/drawingml/2006/diagram" xmlns:a="http://schemas.openxmlformats.org/drawingml/2006/main" uniqueId="urn:microsoft.com/office/officeart/2005/8/layout/chevron1">
+  <dgm:title val=""/>
+  <dgm:desc val=""/>
+  <dgm:catLst>
+    <dgm:cat type="process" pri="9000"/>
+  </dgm:catLst>
+  <dgm:sampData useDef="1">
+    <dgm:dataModel>
+      <dgm:ptLst/>
+      <dgm:bg/>
+      <dgm:whole/>
+    </dgm:dataModel>
+  </dgm:sampData>
+  <dgm:styleData>
+    <dgm:dataModel>
+      <dgm:ptLst>
+        <dgm:pt modelId="0" type="doc"/>
+        <dgm:pt modelId="1"/>
+        <dgm:pt modelId="2"/>
+      </dgm:ptLst>
+      <dgm:cxnLst>
+        <dgm:cxn modelId="3" srcId="0" destId="1" srcOrd="0" destOrd="0"/>
+        <dgm:cxn modelId="4" srcId="0" destId="2" srcOrd="1" destOrd="0"/>
+      </dgm:cxnLst>
+      <dgm:bg/>
+      <dgm:whole/>
+    </dgm:dataModel>
+  </dgm:styleData>
+  <dgm:clrData>
+    <dgm:dataModel>
+      <dgm:ptLst>
+        <dgm:pt modelId="0" type="doc"/>
+        <dgm:pt modelId="1"/>
+        <dgm:pt modelId="2"/>
+        <dgm:pt modelId="3"/>
+        <dgm:pt modelId="4"/>
+      </dgm:ptLst>
+      <dgm:cxnLst>
+        <dgm:cxn modelId="5" srcId="0" destId="1" srcOrd="0" destOrd="0"/>
+        <dgm:cxn modelId="6" srcId="0" destId="2" srcOrd="1" destOrd="0"/>
+        <dgm:cxn modelId="7" srcId="0" destId="3" srcOrd="2" destOrd="0"/>
+        <dgm:cxn modelId="8" srcId="0" destId="4" srcOrd="3" destOrd="0"/>
+      </dgm:cxnLst>
+      <dgm:bg/>
+      <dgm:whole/>
+    </dgm:dataModel>
+  </dgm:clrData>
+  <dgm:layoutNode name="Name0">
+    <dgm:varLst>
+      <dgm:dir/>
+      <dgm:animLvl val="lvl"/>
+      <dgm:resizeHandles val="exact"/>
+    </dgm:varLst>
+    <dgm:choose name="Name1">
+      <dgm:if name="Name2" func="var" arg="dir" op="equ" val="norm">
+        <dgm:alg type="lin"/>
+      </dgm:if>
+      <dgm:else name="Name3">
+        <dgm:alg type="lin">
+          <dgm:param type="linDir" val="fromR"/>
+        </dgm:alg>
+      </dgm:else>
+    </dgm:choose>
+    <dgm:shape xmlns:r="http://schemas.openxmlformats.org/officeDocument/2006/relationships" r:blip="">
+      <dgm:adjLst/>
+    </dgm:shape>
+    <dgm:presOf/>
+    <dgm:choose name="Name4">
+      <dgm:if name="Name5" axis="des" func="maxDepth" op="gte" val="2">
+        <dgm:constrLst>
+          <dgm:constr type="h" for="ch" forName="composite" refType="h"/>
+          <dgm:constr type="w" for="ch" forName="composite" refType="w"/>
+          <dgm:constr type="w" for="des" forName="parTx"/>
+          <dgm:constr type="h" for="des" forName="parTx" op="equ"/>
+          <dgm:constr type="w" for="des" forName="desTx"/>
+          <dgm:constr type="h" for="des" forName="desTx" op="equ"/>
+          <dgm:constr type="primFontSz" for="des" forName="parTx" val="65"/>
+          <dgm:constr type="secFontSz" for="des" forName="desTx" refType="primFontSz" refFor="des" refForName="parTx" op="equ"/>
+          <dgm:constr type="h" for="des" forName="parTx" refType="primFontSz" refFor="des" refForName="parTx" fact="1.5"/>
+          <dgm:constr type="h" for="des" forName="desTx" refType="primFontSz" refFor="des" refForName="parTx" fact="0.5"/>
+          <dgm:constr type="w" for="ch" forName="space" op="equ" val="-6"/>
+        </dgm:constrLst>
+        <dgm:ruleLst>
+          <dgm:rule type="w" for="ch" forName="composite" val="0" fact="NaN" max="NaN"/>
+          <dgm:rule type="primFontSz" for="des" forName="parTx" val="5" fact="NaN" max="NaN"/>
+        </dgm:ruleLst>
+        <dgm:forEach name="Name6" axis="ch" ptType="node">
+          <dgm:layoutNode name="composite">
+            <dgm:alg type="composite"/>
+            <dgm:shape xmlns:r="http://schemas.openxmlformats.org/officeDocument/2006/relationships" r:blip="">
+              <dgm:adjLst/>
+            </dgm:shape>
+            <dgm:presOf/>
+            <dgm:choose name="Name7">
+              <dgm:if name="Name8" func="var" arg="dir" op="equ" val="norm">
+                <dgm:constrLst>
+                  <dgm:constr type="l" for="ch" forName="parTx"/>
+                  <dgm:constr type="w" for="ch" forName="parTx" refType="w"/>
+                  <dgm:constr type="t" for="ch" forName="parTx"/>
+                  <dgm:constr type="l" for="ch" forName="desTx"/>
+                  <dgm:constr type="w" for="ch" forName="desTx" refType="w" refFor="ch" refForName="parTx" fact="0.8"/>
+                  <dgm:constr type="t" for="ch" forName="desTx" refType="h" refFor="ch" refForName="parTx" fact="1.125"/>
+                </dgm:constrLst>
+              </dgm:if>
+              <dgm:else name="Name9">
+                <dgm:constrLst>
+                  <dgm:constr type="l" for="ch" forName="parTx"/>
+                  <dgm:constr type="w" for="ch" forName="parTx" refType="w"/>
+                  <dgm:constr type="t" for="ch" forName="parTx"/>
+                  <dgm:constr type="l" for="ch" forName="desTx" refType="w" fact="0.2"/>
+                  <dgm:constr type="w" for="ch" forName="desTx" refType="w" refFor="ch" refForName="parTx" fact="0.8"/>
+                  <dgm:constr type="t" for="ch" forName="desTx" refType="h" refFor="ch" refForName="parTx" fact="1.125"/>
+                </dgm:constrLst>
+              </dgm:else>
+            </dgm:choose>
+            <dgm:ruleLst>
+              <dgm:rule type="h" val="INF" fact="NaN" max="NaN"/>
+            </dgm:ruleLst>
+            <dgm:layoutNode name="parTx">
+              <dgm:varLst>
+                <dgm:chMax val="0"/>
+                <dgm:chPref val="0"/>
+                <dgm:bulletEnabled val="1"/>
+              </dgm:varLst>
+              <dgm:alg type="tx"/>
+              <dgm:choose name="Name10">
+                <dgm:if name="Name11" func="var" arg="dir" op="equ" val="norm">
+                  <dgm:shape xmlns:r="http://schemas.openxmlformats.org/officeDocument/2006/relationships" type="chevron" r:blip="">
+                    <dgm:adjLst/>
+                  </dgm:shape>
+                </dgm:if>
+                <dgm:else name="Name12">
+                  <dgm:shape xmlns:r="http://schemas.openxmlformats.org/officeDocument/2006/relationships" rot="180" type="chevron" r:blip="">
+                    <dgm:adjLst/>
+                  </dgm:shape>
+                </dgm:else>
+              </dgm:choose>
+              <dgm:presOf axis="self" ptType="node"/>
+              <dgm:choose name="Name13">
+                <dgm:if name="Name14" func="var" arg="dir" op="equ" val="norm">
+                  <dgm:constrLst>
+                    <dgm:constr type="h" refType="w" op="lte" fact="0.4"/>
+                    <dgm:constr type="h"/>
+                    <dgm:constr type="tMarg" refType="primFontSz" fact="0.105"/>
+                    <dgm:constr type="bMarg" refType="primFontSz" fact="0.105"/>
+                    <dgm:constr type="lMarg" refType="primFontSz" fact="0.315"/>
+                    <dgm:constr type="rMarg" refType="primFontSz" fact="0.105"/>
+                  </dgm:constrLst>
+                </dgm:if>
+                <dgm:else name="Name15">
+                  <dgm:constrLst>
+                    <dgm:constr type="h" refType="w" op="lte" fact="0.4"/>
+                    <dgm:constr type="h"/>
+                    <dgm:constr type="tMarg" refType="primFontSz" fact="0.105"/>
+                    <dgm:constr type="bMarg" refType="primFontSz" fact="0.105"/>
+                    <dgm:constr type="lMarg" refType="primFontSz" fact="0.105"/>
+                    <dgm:constr type="rMarg" refType="primFontSz" fact="0.315"/>
+                  </dgm:constrLst>
+                </dgm:else>
+              </dgm:choose>
+              <dgm:ruleLst>
+                <dgm:rule type="h" val="INF" fact="NaN" max="NaN"/>
+              </dgm:ruleLst>
+            </dgm:layoutNode>
+            <dgm:layoutNode name="desTx" styleLbl="revTx">
+              <dgm:varLst>
+                <dgm:bulletEnabled val="1"/>
+              </dgm:varLst>
+              <dgm:alg type="tx">
+                <dgm:param type="stBulletLvl" val="1"/>
+              </dgm:alg>
+              <dgm:choose name="Name16">
+                <dgm:if name="Name17" axis="ch" ptType="node" func="cnt" op="gte" val="1">
+                  <dgm:shape xmlns:r="http://schemas.openxmlformats.org/officeDocument/2006/relationships" type="rect" r:blip="">
+                    <dgm:adjLst/>
+                  </dgm:shape>
+                </dgm:if>
+                <dgm:else name="Name18">
+                  <dgm:shape xmlns:r="http://schemas.openxmlformats.org/officeDocument/2006/relationships" type="rect" r:blip="" hideGeom="1">
+                    <dgm:adjLst/>
+                  </dgm:shape>
+                </dgm:else>
+              </dgm:choose>
+              <dgm:presOf axis="des" ptType="node"/>
+              <dgm:constrLst>
+                <dgm:constr type="secFontSz" val="65"/>
+                <dgm:constr type="primFontSz" refType="secFontSz"/>
+                <dgm:constr type="h"/>
+                <dgm:constr type="tMarg"/>
+                <dgm:constr type="bMarg"/>
+                <dgm:constr type="rMarg"/>
+                <dgm:constr type="lMarg"/>
+              </dgm:constrLst>
+              <dgm:ruleLst>
+                <dgm:rule type="h" val="INF" fact="NaN" max="NaN"/>
+              </dgm:ruleLst>
+            </dgm:layoutNode>
+          </dgm:layoutNode>
+          <dgm:forEach name="Name19" axis="followSib" ptType="sibTrans" cnt="1">
+            <dgm:layoutNode name="space">
+              <dgm:alg type="sp"/>
+              <dgm:shape xmlns:r="http://schemas.openxmlformats.org/officeDocument/2006/relationships" r:blip="">
+                <dgm:adjLst/>
+              </dgm:shape>
+              <dgm:presOf/>
+              <dgm:constrLst/>
+              <dgm:ruleLst/>
+            </dgm:layoutNode>
+          </dgm:forEach>
+        </dgm:forEach>
+      </dgm:if>
+      <dgm:else name="Name20">
+        <dgm:constrLst>
+          <dgm:constr type="w" for="ch" forName="parTxOnly" refType="w"/>
+          <dgm:constr type="h" for="des" forName="parTxOnly" op="equ"/>
+          <dgm:constr type="primFontSz" for="des" forName="parTxOnly" op="equ" val="65"/>
+          <dgm:constr type="w" for="ch" forName="parTxOnlySpace" refType="w" refFor="ch" refForName="parTxOnly" fact="-0.1"/>
+        </dgm:constrLst>
+        <dgm:ruleLst/>
+        <dgm:forEach name="Name21" axis="ch" ptType="node">
+          <dgm:layoutNode name="parTxOnly">
+            <dgm:varLst>
+              <dgm:chMax val="0"/>
+              <dgm:chPref val="0"/>
+              <dgm:bulletEnabled val="1"/>
+            </dgm:varLst>
+            <dgm:alg type="tx"/>
+            <dgm:choose name="Name22">
+              <dgm:if name="Name23" func="var" arg="dir" op="equ" val="norm">
+                <dgm:shape xmlns:r="http://schemas.openxmlformats.org/officeDocument/2006/relationships" type="chevron" r:blip="">
+                  <dgm:adjLst/>
+                </dgm:shape>
+              </dgm:if>
+              <dgm:else name="Name24">
+                <dgm:shape xmlns:r="http://schemas.openxmlformats.org/officeDocument/2006/relationships" rot="180" type="chevron" r:blip="">
+                  <dgm:adjLst/>
+                </dgm:shape>
+              </dgm:else>
+            </dgm:choose>
+            <dgm:presOf axis="self" ptType="node"/>
+            <dgm:choose name="Name25">
+              <dgm:if name="Name26" func="var" arg="dir" op="equ" val="norm">
+                <dgm:constrLst>
+                  <dgm:constr type="h" refType="w" op="equ" fact="0.4"/>
+                  <dgm:constr type="tMarg" refType="primFontSz" fact="0.105"/>
+                  <dgm:constr type="bMarg" refType="primFontSz" fact="0.105"/>
+                  <dgm:constr type="lMarg" refType="primFontSz" fact="0.315"/>
+                  <dgm:constr type="rMarg" refType="primFontSz" fact="0.105"/>
+                </dgm:constrLst>
+              </dgm:if>
+              <dgm:else name="Name27">
+                <dgm:constrLst>
+                  <dgm:constr type="h" refType="w" op="equ" fact="0.4"/>
+                  <dgm:constr type="tMarg" refType="primFontSz" fact="0.105"/>
+                  <dgm:constr type="bMarg" refType="primFontSz" fact="0.105"/>
+                  <dgm:constr type="lMarg" refType="primFontSz" fact="0.105"/>
+                  <dgm:constr type="rMarg" refType="primFontSz" fact="0.315"/>
+                </dgm:constrLst>
+              </dgm:else>
+            </dgm:choose>
+            <dgm:ruleLst>
+              <dgm:rule type="primFontSz" val="5" fact="NaN" max="NaN"/>
+            </dgm:ruleLst>
+          </dgm:layoutNode>
+          <dgm:forEach name="Name28" axis="followSib" ptType="sibTrans" cnt="1">
+            <dgm:layoutNode name="parTxOnlySpace">
+              <dgm:alg type="sp"/>
+              <dgm:shape xmlns:r="http://schemas.openxmlformats.org/officeDocument/2006/relationships" r:blip="">
+                <dgm:adjLst/>
+              </dgm:shape>
+              <dgm:presOf/>
+              <dgm:constrLst/>
+              <dgm:ruleLst/>
+            </dgm:layoutNode>
+          </dgm:forEach>
+        </dgm:forEach>
+      </dgm:else>
+    </dgm:choose>
+  </dgm:layoutNode>
+</dgm:layoutDef>
+</file>
+
 <file path=ppt/diagrams/quickStyle1.xml><?xml version="1.0" encoding="utf-8"?>
 <dgm:styleDef xmlns:dgm="http://schemas.openxmlformats.org/drawingml/2006/diagram" xmlns:a="http://schemas.openxmlformats.org/drawingml/2006/main" uniqueId="urn:microsoft.com/office/officeart/2005/8/quickstyle/simple1">
   <dgm:title val=""/>
@@ -4757,6 +6357,1040 @@
 </file>
 
 <file path=ppt/diagrams/quickStyle2.xml><?xml version="1.0" encoding="utf-8"?>
+<dgm:styleDef xmlns:dgm="http://schemas.openxmlformats.org/drawingml/2006/diagram" xmlns:a="http://schemas.openxmlformats.org/drawingml/2006/main" uniqueId="urn:microsoft.com/office/officeart/2005/8/quickstyle/simple1">
+  <dgm:title val=""/>
+  <dgm:desc val=""/>
+  <dgm:catLst>
+    <dgm:cat type="simple" pri="10100"/>
+  </dgm:catLst>
+  <dgm:scene3d>
+    <a:camera prst="orthographicFront"/>
+    <a:lightRig rig="threePt" dir="t"/>
+  </dgm:scene3d>
+  <dgm:styleLbl name="node0">
+    <dgm:scene3d>
+      <a:camera prst="orthographicFront"/>
+      <a:lightRig rig="threePt" dir="t"/>
+    </dgm:scene3d>
+    <dgm:sp3d/>
+    <dgm:txPr/>
+    <dgm:style>
+      <a:lnRef idx="2">
+        <a:scrgbClr r="0" g="0" b="0"/>
+      </a:lnRef>
+      <a:fillRef idx="1">
+        <a:scrgbClr r="0" g="0" b="0"/>
+      </a:fillRef>
+      <a:effectRef idx="0">
+        <a:scrgbClr r="0" g="0" b="0"/>
+      </a:effectRef>
+      <a:fontRef idx="minor">
+        <a:schemeClr val="lt1"/>
+      </a:fontRef>
+    </dgm:style>
+  </dgm:styleLbl>
+  <dgm:styleLbl name="lnNode1">
+    <dgm:scene3d>
+      <a:camera prst="orthographicFront"/>
+      <a:lightRig rig="threePt" dir="t"/>
+    </dgm:scene3d>
+    <dgm:sp3d/>
+    <dgm:txPr/>
+    <dgm:style>
+      <a:lnRef idx="2">
+        <a:scrgbClr r="0" g="0" b="0"/>
+      </a:lnRef>
+      <a:fillRef idx="1">
+        <a:scrgbClr r="0" g="0" b="0"/>
+      </a:fillRef>
+      <a:effectRef idx="0">
+        <a:scrgbClr r="0" g="0" b="0"/>
+      </a:effectRef>
+      <a:fontRef idx="minor">
+        <a:schemeClr val="lt1"/>
+      </a:fontRef>
+    </dgm:style>
+  </dgm:styleLbl>
+  <dgm:styleLbl name="vennNode1">
+    <dgm:scene3d>
+      <a:camera prst="orthographicFront"/>
+      <a:lightRig rig="threePt" dir="t"/>
+    </dgm:scene3d>
+    <dgm:sp3d/>
+    <dgm:txPr/>
+    <dgm:style>
+      <a:lnRef idx="2">
+        <a:scrgbClr r="0" g="0" b="0"/>
+      </a:lnRef>
+      <a:fillRef idx="1">
+        <a:scrgbClr r="0" g="0" b="0"/>
+      </a:fillRef>
+      <a:effectRef idx="0">
+        <a:scrgbClr r="0" g="0" b="0"/>
+      </a:effectRef>
+      <a:fontRef idx="minor">
+        <a:schemeClr val="tx1"/>
+      </a:fontRef>
+    </dgm:style>
+  </dgm:styleLbl>
+  <dgm:styleLbl name="alignNode1">
+    <dgm:scene3d>
+      <a:camera prst="orthographicFront"/>
+      <a:lightRig rig="threePt" dir="t"/>
+    </dgm:scene3d>
+    <dgm:sp3d/>
+    <dgm:txPr/>
+    <dgm:style>
+      <a:lnRef idx="2">
+        <a:scrgbClr r="0" g="0" b="0"/>
+      </a:lnRef>
+      <a:fillRef idx="1">
+        <a:scrgbClr r="0" g="0" b="0"/>
+      </a:fillRef>
+      <a:effectRef idx="0">
+        <a:scrgbClr r="0" g="0" b="0"/>
+      </a:effectRef>
+      <a:fontRef idx="minor">
+        <a:schemeClr val="lt1"/>
+      </a:fontRef>
+    </dgm:style>
+  </dgm:styleLbl>
+  <dgm:styleLbl name="node1">
+    <dgm:scene3d>
+      <a:camera prst="orthographicFront"/>
+      <a:lightRig rig="threePt" dir="t"/>
+    </dgm:scene3d>
+    <dgm:sp3d/>
+    <dgm:txPr/>
+    <dgm:style>
+      <a:lnRef idx="2">
+        <a:scrgbClr r="0" g="0" b="0"/>
+      </a:lnRef>
+      <a:fillRef idx="1">
+        <a:scrgbClr r="0" g="0" b="0"/>
+      </a:fillRef>
+      <a:effectRef idx="0">
+        <a:scrgbClr r="0" g="0" b="0"/>
+      </a:effectRef>
+      <a:fontRef idx="minor">
+        <a:schemeClr val="lt1"/>
+      </a:fontRef>
+    </dgm:style>
+  </dgm:styleLbl>
+  <dgm:styleLbl name="node2">
+    <dgm:scene3d>
+      <a:camera prst="orthographicFront"/>
+      <a:lightRig rig="threePt" dir="t"/>
+    </dgm:scene3d>
+    <dgm:sp3d/>
+    <dgm:txPr/>
+    <dgm:style>
+      <a:lnRef idx="2">
+        <a:scrgbClr r="0" g="0" b="0"/>
+      </a:lnRef>
+      <a:fillRef idx="1">
+        <a:scrgbClr r="0" g="0" b="0"/>
+      </a:fillRef>
+      <a:effectRef idx="0">
+        <a:scrgbClr r="0" g="0" b="0"/>
+      </a:effectRef>
+      <a:fontRef idx="minor">
+        <a:schemeClr val="lt1"/>
+      </a:fontRef>
+    </dgm:style>
+  </dgm:styleLbl>
+  <dgm:styleLbl name="node3">
+    <dgm:scene3d>
+      <a:camera prst="orthographicFront"/>
+      <a:lightRig rig="threePt" dir="t"/>
+    </dgm:scene3d>
+    <dgm:sp3d/>
+    <dgm:txPr/>
+    <dgm:style>
+      <a:lnRef idx="2">
+        <a:scrgbClr r="0" g="0" b="0"/>
+      </a:lnRef>
+      <a:fillRef idx="1">
+        <a:scrgbClr r="0" g="0" b="0"/>
+      </a:fillRef>
+      <a:effectRef idx="0">
+        <a:scrgbClr r="0" g="0" b="0"/>
+      </a:effectRef>
+      <a:fontRef idx="minor">
+        <a:schemeClr val="lt1"/>
+      </a:fontRef>
+    </dgm:style>
+  </dgm:styleLbl>
+  <dgm:styleLbl name="node4">
+    <dgm:scene3d>
+      <a:camera prst="orthographicFront"/>
+      <a:lightRig rig="threePt" dir="t"/>
+    </dgm:scene3d>
+    <dgm:sp3d/>
+    <dgm:txPr/>
+    <dgm:style>
+      <a:lnRef idx="2">
+        <a:scrgbClr r="0" g="0" b="0"/>
+      </a:lnRef>
+      <a:fillRef idx="1">
+        <a:scrgbClr r="0" g="0" b="0"/>
+      </a:fillRef>
+      <a:effectRef idx="0">
+        <a:scrgbClr r="0" g="0" b="0"/>
+      </a:effectRef>
+      <a:fontRef idx="minor">
+        <a:schemeClr val="lt1"/>
+      </a:fontRef>
+    </dgm:style>
+  </dgm:styleLbl>
+  <dgm:styleLbl name="fgImgPlace1">
+    <dgm:scene3d>
+      <a:camera prst="orthographicFront"/>
+      <a:lightRig rig="threePt" dir="t"/>
+    </dgm:scene3d>
+    <dgm:sp3d/>
+    <dgm:txPr/>
+    <dgm:style>
+      <a:lnRef idx="2">
+        <a:scrgbClr r="0" g="0" b="0"/>
+      </a:lnRef>
+      <a:fillRef idx="1">
+        <a:scrgbClr r="0" g="0" b="0"/>
+      </a:fillRef>
+      <a:effectRef idx="0">
+        <a:scrgbClr r="0" g="0" b="0"/>
+      </a:effectRef>
+      <a:fontRef idx="minor"/>
+    </dgm:style>
+  </dgm:styleLbl>
+  <dgm:styleLbl name="alignImgPlace1">
+    <dgm:scene3d>
+      <a:camera prst="orthographicFront"/>
+      <a:lightRig rig="threePt" dir="t"/>
+    </dgm:scene3d>
+    <dgm:sp3d/>
+    <dgm:txPr/>
+    <dgm:style>
+      <a:lnRef idx="2">
+        <a:scrgbClr r="0" g="0" b="0"/>
+      </a:lnRef>
+      <a:fillRef idx="1">
+        <a:scrgbClr r="0" g="0" b="0"/>
+      </a:fillRef>
+      <a:effectRef idx="0">
+        <a:scrgbClr r="0" g="0" b="0"/>
+      </a:effectRef>
+      <a:fontRef idx="minor"/>
+    </dgm:style>
+  </dgm:styleLbl>
+  <dgm:styleLbl name="bgImgPlace1">
+    <dgm:scene3d>
+      <a:camera prst="orthographicFront"/>
+      <a:lightRig rig="threePt" dir="t"/>
+    </dgm:scene3d>
+    <dgm:sp3d/>
+    <dgm:txPr/>
+    <dgm:style>
+      <a:lnRef idx="2">
+        <a:scrgbClr r="0" g="0" b="0"/>
+      </a:lnRef>
+      <a:fillRef idx="1">
+        <a:scrgbClr r="0" g="0" b="0"/>
+      </a:fillRef>
+      <a:effectRef idx="0">
+        <a:scrgbClr r="0" g="0" b="0"/>
+      </a:effectRef>
+      <a:fontRef idx="minor"/>
+    </dgm:style>
+  </dgm:styleLbl>
+  <dgm:styleLbl name="sibTrans2D1">
+    <dgm:scene3d>
+      <a:camera prst="orthographicFront"/>
+      <a:lightRig rig="threePt" dir="t"/>
+    </dgm:scene3d>
+    <dgm:sp3d/>
+    <dgm:txPr/>
+    <dgm:style>
+      <a:lnRef idx="0">
+        <a:scrgbClr r="0" g="0" b="0"/>
+      </a:lnRef>
+      <a:fillRef idx="1">
+        <a:scrgbClr r="0" g="0" b="0"/>
+      </a:fillRef>
+      <a:effectRef idx="0">
+        <a:scrgbClr r="0" g="0" b="0"/>
+      </a:effectRef>
+      <a:fontRef idx="minor">
+        <a:schemeClr val="lt1"/>
+      </a:fontRef>
+    </dgm:style>
+  </dgm:styleLbl>
+  <dgm:styleLbl name="fgSibTrans2D1">
+    <dgm:scene3d>
+      <a:camera prst="orthographicFront"/>
+      <a:lightRig rig="threePt" dir="t"/>
+    </dgm:scene3d>
+    <dgm:sp3d/>
+    <dgm:txPr/>
+    <dgm:style>
+      <a:lnRef idx="0">
+        <a:scrgbClr r="0" g="0" b="0"/>
+      </a:lnRef>
+      <a:fillRef idx="1">
+        <a:scrgbClr r="0" g="0" b="0"/>
+      </a:fillRef>
+      <a:effectRef idx="0">
+        <a:scrgbClr r="0" g="0" b="0"/>
+      </a:effectRef>
+      <a:fontRef idx="minor">
+        <a:schemeClr val="lt1"/>
+      </a:fontRef>
+    </dgm:style>
+  </dgm:styleLbl>
+  <dgm:styleLbl name="bgSibTrans2D1">
+    <dgm:scene3d>
+      <a:camera prst="orthographicFront"/>
+      <a:lightRig rig="threePt" dir="t"/>
+    </dgm:scene3d>
+    <dgm:sp3d/>
+    <dgm:txPr/>
+    <dgm:style>
+      <a:lnRef idx="0">
+        <a:scrgbClr r="0" g="0" b="0"/>
+      </a:lnRef>
+      <a:fillRef idx="1">
+        <a:scrgbClr r="0" g="0" b="0"/>
+      </a:fillRef>
+      <a:effectRef idx="0">
+        <a:scrgbClr r="0" g="0" b="0"/>
+      </a:effectRef>
+      <a:fontRef idx="minor">
+        <a:schemeClr val="lt1"/>
+      </a:fontRef>
+    </dgm:style>
+  </dgm:styleLbl>
+  <dgm:styleLbl name="sibTrans1D1">
+    <dgm:scene3d>
+      <a:camera prst="orthographicFront"/>
+      <a:lightRig rig="threePt" dir="t"/>
+    </dgm:scene3d>
+    <dgm:sp3d/>
+    <dgm:txPr/>
+    <dgm:style>
+      <a:lnRef idx="1">
+        <a:scrgbClr r="0" g="0" b="0"/>
+      </a:lnRef>
+      <a:fillRef idx="0">
+        <a:scrgbClr r="0" g="0" b="0"/>
+      </a:fillRef>
+      <a:effectRef idx="0">
+        <a:scrgbClr r="0" g="0" b="0"/>
+      </a:effectRef>
+      <a:fontRef idx="minor"/>
+    </dgm:style>
+  </dgm:styleLbl>
+  <dgm:styleLbl name="callout">
+    <dgm:scene3d>
+      <a:camera prst="orthographicFront"/>
+      <a:lightRig rig="threePt" dir="t"/>
+    </dgm:scene3d>
+    <dgm:sp3d/>
+    <dgm:txPr/>
+    <dgm:style>
+      <a:lnRef idx="2">
+        <a:scrgbClr r="0" g="0" b="0"/>
+      </a:lnRef>
+      <a:fillRef idx="1">
+        <a:scrgbClr r="0" g="0" b="0"/>
+      </a:fillRef>
+      <a:effectRef idx="0">
+        <a:scrgbClr r="0" g="0" b="0"/>
+      </a:effectRef>
+      <a:fontRef idx="minor"/>
+    </dgm:style>
+  </dgm:styleLbl>
+  <dgm:styleLbl name="asst0">
+    <dgm:scene3d>
+      <a:camera prst="orthographicFront"/>
+      <a:lightRig rig="threePt" dir="t"/>
+    </dgm:scene3d>
+    <dgm:sp3d/>
+    <dgm:txPr/>
+    <dgm:style>
+      <a:lnRef idx="2">
+        <a:scrgbClr r="0" g="0" b="0"/>
+      </a:lnRef>
+      <a:fillRef idx="1">
+        <a:scrgbClr r="0" g="0" b="0"/>
+      </a:fillRef>
+      <a:effectRef idx="0">
+        <a:scrgbClr r="0" g="0" b="0"/>
+      </a:effectRef>
+      <a:fontRef idx="minor">
+        <a:schemeClr val="lt1"/>
+      </a:fontRef>
+    </dgm:style>
+  </dgm:styleLbl>
+  <dgm:styleLbl name="asst1">
+    <dgm:scene3d>
+      <a:camera prst="orthographicFront"/>
+      <a:lightRig rig="threePt" dir="t"/>
+    </dgm:scene3d>
+    <dgm:sp3d/>
+    <dgm:txPr/>
+    <dgm:style>
+      <a:lnRef idx="2">
+        <a:scrgbClr r="0" g="0" b="0"/>
+      </a:lnRef>
+      <a:fillRef idx="1">
+        <a:scrgbClr r="0" g="0" b="0"/>
+      </a:fillRef>
+      <a:effectRef idx="0">
+        <a:scrgbClr r="0" g="0" b="0"/>
+      </a:effectRef>
+      <a:fontRef idx="minor">
+        <a:schemeClr val="lt1"/>
+      </a:fontRef>
+    </dgm:style>
+  </dgm:styleLbl>
+  <dgm:styleLbl name="asst2">
+    <dgm:scene3d>
+      <a:camera prst="orthographicFront"/>
+      <a:lightRig rig="threePt" dir="t"/>
+    </dgm:scene3d>
+    <dgm:sp3d/>
+    <dgm:txPr/>
+    <dgm:style>
+      <a:lnRef idx="2">
+        <a:scrgbClr r="0" g="0" b="0"/>
+      </a:lnRef>
+      <a:fillRef idx="1">
+        <a:scrgbClr r="0" g="0" b="0"/>
+      </a:fillRef>
+      <a:effectRef idx="0">
+        <a:scrgbClr r="0" g="0" b="0"/>
+      </a:effectRef>
+      <a:fontRef idx="minor">
+        <a:schemeClr val="lt1"/>
+      </a:fontRef>
+    </dgm:style>
+  </dgm:styleLbl>
+  <dgm:styleLbl name="asst3">
+    <dgm:scene3d>
+      <a:camera prst="orthographicFront"/>
+      <a:lightRig rig="threePt" dir="t"/>
+    </dgm:scene3d>
+    <dgm:sp3d/>
+    <dgm:txPr/>
+    <dgm:style>
+      <a:lnRef idx="2">
+        <a:scrgbClr r="0" g="0" b="0"/>
+      </a:lnRef>
+      <a:fillRef idx="1">
+        <a:scrgbClr r="0" g="0" b="0"/>
+      </a:fillRef>
+      <a:effectRef idx="0">
+        <a:scrgbClr r="0" g="0" b="0"/>
+      </a:effectRef>
+      <a:fontRef idx="minor">
+        <a:schemeClr val="lt1"/>
+      </a:fontRef>
+    </dgm:style>
+  </dgm:styleLbl>
+  <dgm:styleLbl name="asst4">
+    <dgm:scene3d>
+      <a:camera prst="orthographicFront"/>
+      <a:lightRig rig="threePt" dir="t"/>
+    </dgm:scene3d>
+    <dgm:sp3d/>
+    <dgm:txPr/>
+    <dgm:style>
+      <a:lnRef idx="2">
+        <a:scrgbClr r="0" g="0" b="0"/>
+      </a:lnRef>
+      <a:fillRef idx="1">
+        <a:scrgbClr r="0" g="0" b="0"/>
+      </a:fillRef>
+      <a:effectRef idx="0">
+        <a:scrgbClr r="0" g="0" b="0"/>
+      </a:effectRef>
+      <a:fontRef idx="minor">
+        <a:schemeClr val="lt1"/>
+      </a:fontRef>
+    </dgm:style>
+  </dgm:styleLbl>
+  <dgm:styleLbl name="parChTrans2D1">
+    <dgm:scene3d>
+      <a:camera prst="orthographicFront"/>
+      <a:lightRig rig="threePt" dir="t"/>
+    </dgm:scene3d>
+    <dgm:sp3d/>
+    <dgm:txPr/>
+    <dgm:style>
+      <a:lnRef idx="2">
+        <a:scrgbClr r="0" g="0" b="0"/>
+      </a:lnRef>
+      <a:fillRef idx="1">
+        <a:scrgbClr r="0" g="0" b="0"/>
+      </a:fillRef>
+      <a:effectRef idx="0">
+        <a:scrgbClr r="0" g="0" b="0"/>
+      </a:effectRef>
+      <a:fontRef idx="minor">
+        <a:schemeClr val="lt1"/>
+      </a:fontRef>
+    </dgm:style>
+  </dgm:styleLbl>
+  <dgm:styleLbl name="parChTrans2D2">
+    <dgm:scene3d>
+      <a:camera prst="orthographicFront"/>
+      <a:lightRig rig="threePt" dir="t"/>
+    </dgm:scene3d>
+    <dgm:sp3d/>
+    <dgm:txPr/>
+    <dgm:style>
+      <a:lnRef idx="2">
+        <a:scrgbClr r="0" g="0" b="0"/>
+      </a:lnRef>
+      <a:fillRef idx="1">
+        <a:scrgbClr r="0" g="0" b="0"/>
+      </a:fillRef>
+      <a:effectRef idx="0">
+        <a:scrgbClr r="0" g="0" b="0"/>
+      </a:effectRef>
+      <a:fontRef idx="minor">
+        <a:schemeClr val="lt1"/>
+      </a:fontRef>
+    </dgm:style>
+  </dgm:styleLbl>
+  <dgm:styleLbl name="parChTrans2D3">
+    <dgm:scene3d>
+      <a:camera prst="orthographicFront"/>
+      <a:lightRig rig="threePt" dir="t"/>
+    </dgm:scene3d>
+    <dgm:sp3d/>
+    <dgm:txPr/>
+    <dgm:style>
+      <a:lnRef idx="2">
+        <a:scrgbClr r="0" g="0" b="0"/>
+      </a:lnRef>
+      <a:fillRef idx="1">
+        <a:scrgbClr r="0" g="0" b="0"/>
+      </a:fillRef>
+      <a:effectRef idx="0">
+        <a:scrgbClr r="0" g="0" b="0"/>
+      </a:effectRef>
+      <a:fontRef idx="minor">
+        <a:schemeClr val="lt1"/>
+      </a:fontRef>
+    </dgm:style>
+  </dgm:styleLbl>
+  <dgm:styleLbl name="parChTrans2D4">
+    <dgm:scene3d>
+      <a:camera prst="orthographicFront"/>
+      <a:lightRig rig="threePt" dir="t"/>
+    </dgm:scene3d>
+    <dgm:sp3d/>
+    <dgm:txPr/>
+    <dgm:style>
+      <a:lnRef idx="2">
+        <a:scrgbClr r="0" g="0" b="0"/>
+      </a:lnRef>
+      <a:fillRef idx="1">
+        <a:scrgbClr r="0" g="0" b="0"/>
+      </a:fillRef>
+      <a:effectRef idx="0">
+        <a:scrgbClr r="0" g="0" b="0"/>
+      </a:effectRef>
+      <a:fontRef idx="minor">
+        <a:schemeClr val="lt1"/>
+      </a:fontRef>
+    </dgm:style>
+  </dgm:styleLbl>
+  <dgm:styleLbl name="parChTrans1D1">
+    <dgm:scene3d>
+      <a:camera prst="orthographicFront"/>
+      <a:lightRig rig="threePt" dir="t"/>
+    </dgm:scene3d>
+    <dgm:sp3d/>
+    <dgm:txPr/>
+    <dgm:style>
+      <a:lnRef idx="2">
+        <a:scrgbClr r="0" g="0" b="0"/>
+      </a:lnRef>
+      <a:fillRef idx="0">
+        <a:scrgbClr r="0" g="0" b="0"/>
+      </a:fillRef>
+      <a:effectRef idx="0">
+        <a:scrgbClr r="0" g="0" b="0"/>
+      </a:effectRef>
+      <a:fontRef idx="minor"/>
+    </dgm:style>
+  </dgm:styleLbl>
+  <dgm:styleLbl name="parChTrans1D2">
+    <dgm:scene3d>
+      <a:camera prst="orthographicFront"/>
+      <a:lightRig rig="threePt" dir="t"/>
+    </dgm:scene3d>
+    <dgm:sp3d/>
+    <dgm:txPr/>
+    <dgm:style>
+      <a:lnRef idx="2">
+        <a:scrgbClr r="0" g="0" b="0"/>
+      </a:lnRef>
+      <a:fillRef idx="0">
+        <a:scrgbClr r="0" g="0" b="0"/>
+      </a:fillRef>
+      <a:effectRef idx="0">
+        <a:scrgbClr r="0" g="0" b="0"/>
+      </a:effectRef>
+      <a:fontRef idx="minor"/>
+    </dgm:style>
+  </dgm:styleLbl>
+  <dgm:styleLbl name="parChTrans1D3">
+    <dgm:scene3d>
+      <a:camera prst="orthographicFront"/>
+      <a:lightRig rig="threePt" dir="t"/>
+    </dgm:scene3d>
+    <dgm:sp3d/>
+    <dgm:txPr/>
+    <dgm:style>
+      <a:lnRef idx="2">
+        <a:scrgbClr r="0" g="0" b="0"/>
+      </a:lnRef>
+      <a:fillRef idx="0">
+        <a:scrgbClr r="0" g="0" b="0"/>
+      </a:fillRef>
+      <a:effectRef idx="0">
+        <a:scrgbClr r="0" g="0" b="0"/>
+      </a:effectRef>
+      <a:fontRef idx="minor"/>
+    </dgm:style>
+  </dgm:styleLbl>
+  <dgm:styleLbl name="parChTrans1D4">
+    <dgm:scene3d>
+      <a:camera prst="orthographicFront"/>
+      <a:lightRig rig="threePt" dir="t"/>
+    </dgm:scene3d>
+    <dgm:sp3d/>
+    <dgm:txPr/>
+    <dgm:style>
+      <a:lnRef idx="2">
+        <a:scrgbClr r="0" g="0" b="0"/>
+      </a:lnRef>
+      <a:fillRef idx="0">
+        <a:scrgbClr r="0" g="0" b="0"/>
+      </a:fillRef>
+      <a:effectRef idx="0">
+        <a:scrgbClr r="0" g="0" b="0"/>
+      </a:effectRef>
+      <a:fontRef idx="minor"/>
+    </dgm:style>
+  </dgm:styleLbl>
+  <dgm:styleLbl name="fgAcc1">
+    <dgm:scene3d>
+      <a:camera prst="orthographicFront"/>
+      <a:lightRig rig="threePt" dir="t"/>
+    </dgm:scene3d>
+    <dgm:sp3d/>
+    <dgm:txPr/>
+    <dgm:style>
+      <a:lnRef idx="2">
+        <a:scrgbClr r="0" g="0" b="0"/>
+      </a:lnRef>
+      <a:fillRef idx="1">
+        <a:scrgbClr r="0" g="0" b="0"/>
+      </a:fillRef>
+      <a:effectRef idx="0">
+        <a:scrgbClr r="0" g="0" b="0"/>
+      </a:effectRef>
+      <a:fontRef idx="minor"/>
+    </dgm:style>
+  </dgm:styleLbl>
+  <dgm:styleLbl name="conFgAcc1">
+    <dgm:scene3d>
+      <a:camera prst="orthographicFront"/>
+      <a:lightRig rig="threePt" dir="t"/>
+    </dgm:scene3d>
+    <dgm:sp3d/>
+    <dgm:txPr/>
+    <dgm:style>
+      <a:lnRef idx="2">
+        <a:scrgbClr r="0" g="0" b="0"/>
+      </a:lnRef>
+      <a:fillRef idx="1">
+        <a:scrgbClr r="0" g="0" b="0"/>
+      </a:fillRef>
+      <a:effectRef idx="0">
+        <a:scrgbClr r="0" g="0" b="0"/>
+      </a:effectRef>
+      <a:fontRef idx="minor"/>
+    </dgm:style>
+  </dgm:styleLbl>
+  <dgm:styleLbl name="alignAcc1">
+    <dgm:scene3d>
+      <a:camera prst="orthographicFront"/>
+      <a:lightRig rig="threePt" dir="t"/>
+    </dgm:scene3d>
+    <dgm:sp3d/>
+    <dgm:txPr/>
+    <dgm:style>
+      <a:lnRef idx="2">
+        <a:scrgbClr r="0" g="0" b="0"/>
+      </a:lnRef>
+      <a:fillRef idx="1">
+        <a:scrgbClr r="0" g="0" b="0"/>
+      </a:fillRef>
+      <a:effectRef idx="0">
+        <a:scrgbClr r="0" g="0" b="0"/>
+      </a:effectRef>
+      <a:fontRef idx="minor"/>
+    </dgm:style>
+  </dgm:styleLbl>
+  <dgm:styleLbl name="trAlignAcc1">
+    <dgm:scene3d>
+      <a:camera prst="orthographicFront"/>
+      <a:lightRig rig="threePt" dir="t"/>
+    </dgm:scene3d>
+    <dgm:sp3d/>
+    <dgm:txPr/>
+    <dgm:style>
+      <a:lnRef idx="1">
+        <a:scrgbClr r="0" g="0" b="0"/>
+      </a:lnRef>
+      <a:fillRef idx="1">
+        <a:scrgbClr r="0" g="0" b="0"/>
+      </a:fillRef>
+      <a:effectRef idx="0">
+        <a:scrgbClr r="0" g="0" b="0"/>
+      </a:effectRef>
+      <a:fontRef idx="minor"/>
+    </dgm:style>
+  </dgm:styleLbl>
+  <dgm:styleLbl name="bgAcc1">
+    <dgm:scene3d>
+      <a:camera prst="orthographicFront"/>
+      <a:lightRig rig="threePt" dir="t"/>
+    </dgm:scene3d>
+    <dgm:sp3d/>
+    <dgm:txPr/>
+    <dgm:style>
+      <a:lnRef idx="2">
+        <a:scrgbClr r="0" g="0" b="0"/>
+      </a:lnRef>
+      <a:fillRef idx="1">
+        <a:scrgbClr r="0" g="0" b="0"/>
+      </a:fillRef>
+      <a:effectRef idx="0">
+        <a:scrgbClr r="0" g="0" b="0"/>
+      </a:effectRef>
+      <a:fontRef idx="minor"/>
+    </dgm:style>
+  </dgm:styleLbl>
+  <dgm:styleLbl name="solidFgAcc1">
+    <dgm:scene3d>
+      <a:camera prst="orthographicFront"/>
+      <a:lightRig rig="threePt" dir="t"/>
+    </dgm:scene3d>
+    <dgm:sp3d/>
+    <dgm:txPr/>
+    <dgm:style>
+      <a:lnRef idx="2">
+        <a:scrgbClr r="0" g="0" b="0"/>
+      </a:lnRef>
+      <a:fillRef idx="1">
+        <a:scrgbClr r="0" g="0" b="0"/>
+      </a:fillRef>
+      <a:effectRef idx="0">
+        <a:scrgbClr r="0" g="0" b="0"/>
+      </a:effectRef>
+      <a:fontRef idx="minor"/>
+    </dgm:style>
+  </dgm:styleLbl>
+  <dgm:styleLbl name="solidAlignAcc1">
+    <dgm:scene3d>
+      <a:camera prst="orthographicFront"/>
+      <a:lightRig rig="threePt" dir="t"/>
+    </dgm:scene3d>
+    <dgm:sp3d/>
+    <dgm:txPr/>
+    <dgm:style>
+      <a:lnRef idx="2">
+        <a:scrgbClr r="0" g="0" b="0"/>
+      </a:lnRef>
+      <a:fillRef idx="1">
+        <a:scrgbClr r="0" g="0" b="0"/>
+      </a:fillRef>
+      <a:effectRef idx="0">
+        <a:scrgbClr r="0" g="0" b="0"/>
+      </a:effectRef>
+      <a:fontRef idx="minor"/>
+    </dgm:style>
+  </dgm:styleLbl>
+  <dgm:styleLbl name="solidBgAcc1">
+    <dgm:scene3d>
+      <a:camera prst="orthographicFront"/>
+      <a:lightRig rig="threePt" dir="t"/>
+    </dgm:scene3d>
+    <dgm:sp3d/>
+    <dgm:txPr/>
+    <dgm:style>
+      <a:lnRef idx="2">
+        <a:scrgbClr r="0" g="0" b="0"/>
+      </a:lnRef>
+      <a:fillRef idx="1">
+        <a:scrgbClr r="0" g="0" b="0"/>
+      </a:fillRef>
+      <a:effectRef idx="0">
+        <a:scrgbClr r="0" g="0" b="0"/>
+      </a:effectRef>
+      <a:fontRef idx="minor"/>
+    </dgm:style>
+  </dgm:styleLbl>
+  <dgm:styleLbl name="fgAccFollowNode1">
+    <dgm:scene3d>
+      <a:camera prst="orthographicFront"/>
+      <a:lightRig rig="threePt" dir="t"/>
+    </dgm:scene3d>
+    <dgm:sp3d/>
+    <dgm:txPr/>
+    <dgm:style>
+      <a:lnRef idx="2">
+        <a:scrgbClr r="0" g="0" b="0"/>
+      </a:lnRef>
+      <a:fillRef idx="1">
+        <a:scrgbClr r="0" g="0" b="0"/>
+      </a:fillRef>
+      <a:effectRef idx="0">
+        <a:scrgbClr r="0" g="0" b="0"/>
+      </a:effectRef>
+      <a:fontRef idx="minor"/>
+    </dgm:style>
+  </dgm:styleLbl>
+  <dgm:styleLbl name="alignAccFollowNode1">
+    <dgm:scene3d>
+      <a:camera prst="orthographicFront"/>
+      <a:lightRig rig="threePt" dir="t"/>
+    </dgm:scene3d>
+    <dgm:sp3d/>
+    <dgm:txPr/>
+    <dgm:style>
+      <a:lnRef idx="2">
+        <a:scrgbClr r="0" g="0" b="0"/>
+      </a:lnRef>
+      <a:fillRef idx="1">
+        <a:scrgbClr r="0" g="0" b="0"/>
+      </a:fillRef>
+      <a:effectRef idx="0">
+        <a:scrgbClr r="0" g="0" b="0"/>
+      </a:effectRef>
+      <a:fontRef idx="minor"/>
+    </dgm:style>
+  </dgm:styleLbl>
+  <dgm:styleLbl name="bgAccFollowNode1">
+    <dgm:scene3d>
+      <a:camera prst="orthographicFront"/>
+      <a:lightRig rig="threePt" dir="t"/>
+    </dgm:scene3d>
+    <dgm:sp3d/>
+    <dgm:txPr/>
+    <dgm:style>
+      <a:lnRef idx="2">
+        <a:scrgbClr r="0" g="0" b="0"/>
+      </a:lnRef>
+      <a:fillRef idx="1">
+        <a:scrgbClr r="0" g="0" b="0"/>
+      </a:fillRef>
+      <a:effectRef idx="0">
+        <a:scrgbClr r="0" g="0" b="0"/>
+      </a:effectRef>
+      <a:fontRef idx="minor"/>
+    </dgm:style>
+  </dgm:styleLbl>
+  <dgm:styleLbl name="fgAcc0">
+    <dgm:scene3d>
+      <a:camera prst="orthographicFront"/>
+      <a:lightRig rig="threePt" dir="t"/>
+    </dgm:scene3d>
+    <dgm:sp3d/>
+    <dgm:txPr/>
+    <dgm:style>
+      <a:lnRef idx="2">
+        <a:scrgbClr r="0" g="0" b="0"/>
+      </a:lnRef>
+      <a:fillRef idx="1">
+        <a:scrgbClr r="0" g="0" b="0"/>
+      </a:fillRef>
+      <a:effectRef idx="0">
+        <a:scrgbClr r="0" g="0" b="0"/>
+      </a:effectRef>
+      <a:fontRef idx="minor"/>
+    </dgm:style>
+  </dgm:styleLbl>
+  <dgm:styleLbl name="fgAcc2">
+    <dgm:scene3d>
+      <a:camera prst="orthographicFront"/>
+      <a:lightRig rig="threePt" dir="t"/>
+    </dgm:scene3d>
+    <dgm:sp3d/>
+    <dgm:txPr/>
+    <dgm:style>
+      <a:lnRef idx="2">
+        <a:scrgbClr r="0" g="0" b="0"/>
+      </a:lnRef>
+      <a:fillRef idx="1">
+        <a:scrgbClr r="0" g="0" b="0"/>
+      </a:fillRef>
+      <a:effectRef idx="0">
+        <a:scrgbClr r="0" g="0" b="0"/>
+      </a:effectRef>
+      <a:fontRef idx="minor"/>
+    </dgm:style>
+  </dgm:styleLbl>
+  <dgm:styleLbl name="fgAcc3">
+    <dgm:scene3d>
+      <a:camera prst="orthographicFront"/>
+      <a:lightRig rig="threePt" dir="t"/>
+    </dgm:scene3d>
+    <dgm:sp3d/>
+    <dgm:txPr/>
+    <dgm:style>
+      <a:lnRef idx="2">
+        <a:scrgbClr r="0" g="0" b="0"/>
+      </a:lnRef>
+      <a:fillRef idx="1">
+        <a:scrgbClr r="0" g="0" b="0"/>
+      </a:fillRef>
+      <a:effectRef idx="0">
+        <a:scrgbClr r="0" g="0" b="0"/>
+      </a:effectRef>
+      <a:fontRef idx="minor"/>
+    </dgm:style>
+  </dgm:styleLbl>
+  <dgm:styleLbl name="fgAcc4">
+    <dgm:scene3d>
+      <a:camera prst="orthographicFront"/>
+      <a:lightRig rig="threePt" dir="t"/>
+    </dgm:scene3d>
+    <dgm:sp3d/>
+    <dgm:txPr/>
+    <dgm:style>
+      <a:lnRef idx="2">
+        <a:scrgbClr r="0" g="0" b="0"/>
+      </a:lnRef>
+      <a:fillRef idx="1">
+        <a:scrgbClr r="0" g="0" b="0"/>
+      </a:fillRef>
+      <a:effectRef idx="0">
+        <a:scrgbClr r="0" g="0" b="0"/>
+      </a:effectRef>
+      <a:fontRef idx="minor"/>
+    </dgm:style>
+  </dgm:styleLbl>
+  <dgm:styleLbl name="bgShp">
+    <dgm:scene3d>
+      <a:camera prst="orthographicFront"/>
+      <a:lightRig rig="threePt" dir="t"/>
+    </dgm:scene3d>
+    <dgm:sp3d/>
+    <dgm:txPr/>
+    <dgm:style>
+      <a:lnRef idx="0">
+        <a:scrgbClr r="0" g="0" b="0"/>
+      </a:lnRef>
+      <a:fillRef idx="1">
+        <a:scrgbClr r="0" g="0" b="0"/>
+      </a:fillRef>
+      <a:effectRef idx="0">
+        <a:scrgbClr r="0" g="0" b="0"/>
+      </a:effectRef>
+      <a:fontRef idx="minor"/>
+    </dgm:style>
+  </dgm:styleLbl>
+  <dgm:styleLbl name="dkBgShp">
+    <dgm:scene3d>
+      <a:camera prst="orthographicFront"/>
+      <a:lightRig rig="threePt" dir="t"/>
+    </dgm:scene3d>
+    <dgm:sp3d/>
+    <dgm:txPr/>
+    <dgm:style>
+      <a:lnRef idx="0">
+        <a:scrgbClr r="0" g="0" b="0"/>
+      </a:lnRef>
+      <a:fillRef idx="1">
+        <a:scrgbClr r="0" g="0" b="0"/>
+      </a:fillRef>
+      <a:effectRef idx="0">
+        <a:scrgbClr r="0" g="0" b="0"/>
+      </a:effectRef>
+      <a:fontRef idx="minor"/>
+    </dgm:style>
+  </dgm:styleLbl>
+  <dgm:styleLbl name="trBgShp">
+    <dgm:scene3d>
+      <a:camera prst="orthographicFront"/>
+      <a:lightRig rig="threePt" dir="t"/>
+    </dgm:scene3d>
+    <dgm:sp3d/>
+    <dgm:txPr/>
+    <dgm:style>
+      <a:lnRef idx="0">
+        <a:scrgbClr r="0" g="0" b="0"/>
+      </a:lnRef>
+      <a:fillRef idx="1">
+        <a:scrgbClr r="0" g="0" b="0"/>
+      </a:fillRef>
+      <a:effectRef idx="0">
+        <a:scrgbClr r="0" g="0" b="0"/>
+      </a:effectRef>
+      <a:fontRef idx="minor"/>
+    </dgm:style>
+  </dgm:styleLbl>
+  <dgm:styleLbl name="fgShp">
+    <dgm:scene3d>
+      <a:camera prst="orthographicFront"/>
+      <a:lightRig rig="threePt" dir="t"/>
+    </dgm:scene3d>
+    <dgm:sp3d/>
+    <dgm:txPr/>
+    <dgm:style>
+      <a:lnRef idx="2">
+        <a:scrgbClr r="0" g="0" b="0"/>
+      </a:lnRef>
+      <a:fillRef idx="1">
+        <a:scrgbClr r="0" g="0" b="0"/>
+      </a:fillRef>
+      <a:effectRef idx="0">
+        <a:scrgbClr r="0" g="0" b="0"/>
+      </a:effectRef>
+      <a:fontRef idx="minor"/>
+    </dgm:style>
+  </dgm:styleLbl>
+  <dgm:styleLbl name="revTx">
+    <dgm:scene3d>
+      <a:camera prst="orthographicFront"/>
+      <a:lightRig rig="threePt" dir="t"/>
+    </dgm:scene3d>
+    <dgm:sp3d/>
+    <dgm:txPr/>
+    <dgm:style>
+      <a:lnRef idx="0">
+        <a:scrgbClr r="0" g="0" b="0"/>
+      </a:lnRef>
+      <a:fillRef idx="0">
+        <a:scrgbClr r="0" g="0" b="0"/>
+      </a:fillRef>
+      <a:effectRef idx="0">
+        <a:scrgbClr r="0" g="0" b="0"/>
+      </a:effectRef>
+      <a:fontRef idx="minor"/>
+    </dgm:style>
+  </dgm:styleLbl>
+</dgm:styleDef>
+</file>
+
+<file path=ppt/diagrams/quickStyle3.xml><?xml version="1.0" encoding="utf-8"?>
 <dgm:styleDef xmlns:dgm="http://schemas.openxmlformats.org/drawingml/2006/diagram" xmlns:a="http://schemas.openxmlformats.org/drawingml/2006/main" uniqueId="urn:microsoft.com/office/officeart/2005/8/quickstyle/simple1">
   <dgm:title val=""/>
   <dgm:desc val=""/>
@@ -6563,7 +9197,7 @@
           <a:p>
             <a:fld id="{76EB2DAB-85D8-4EA8-8EA4-376013B7B13D}" type="slidenum">
               <a:rPr lang="de-DE" noProof="0" smtClean="0"/>
-              <a:t>13</a:t>
+              <a:t>17</a:t>
             </a:fld>
             <a:endParaRPr lang="de-DE" noProof="0"/>
           </a:p>
@@ -10582,7 +13216,7 @@
                 <a:spcPts val="600"/>
               </a:spcAft>
             </a:pPr>
-            <a:fld id="{6E08865F-54D0-4740-85C6-9F08F4842E2B}" type="datetime1">
+            <a:fld id="{6B068280-2A27-4682-8998-B20A5AB8246E}" type="datetime1">
               <a:rPr lang="de-DE" sz="1400" b="1" noProof="0" smtClean="0"/>
               <a:t>14.06.2020</a:t>
             </a:fld>
@@ -10649,6 +13283,524 @@
           <p:cNvPr id="7" name="Grafik 6">
             <a:extLst>
               <a:ext uri="{FF2B5EF4-FFF2-40B4-BE49-F238E27FC236}">
+                <a16:creationId xmlns:a16="http://schemas.microsoft.com/office/drawing/2014/main" id="{32DB5BC7-7EF2-4C96-8682-0844F5D3E376}"/>
+              </a:ext>
+            </a:extLst>
+          </p:cNvPr>
+          <p:cNvPicPr>
+            <a:picLocks noChangeAspect="1"/>
+          </p:cNvPicPr>
+          <p:nvPr/>
+        </p:nvPicPr>
+        <p:blipFill>
+          <a:blip r:embed="rId2"/>
+          <a:stretch>
+            <a:fillRect/>
+          </a:stretch>
+        </p:blipFill>
+        <p:spPr>
+          <a:xfrm>
+            <a:off x="694942" y="1114253"/>
+            <a:ext cx="10564746" cy="3943522"/>
+          </a:xfrm>
+          <a:prstGeom prst="rect">
+            <a:avLst/>
+          </a:prstGeom>
+        </p:spPr>
+      </p:pic>
+    </p:spTree>
+    <p:extLst>
+      <p:ext uri="{BB962C8B-B14F-4D97-AF65-F5344CB8AC3E}">
+        <p14:creationId xmlns:p14="http://schemas.microsoft.com/office/powerpoint/2010/main" val="1183288971"/>
+      </p:ext>
+    </p:extLst>
+  </p:cSld>
+  <p:clrMapOvr>
+    <a:overrideClrMapping bg1="dk1" tx1="lt1" bg2="dk2" tx2="lt2" accent1="accent1" accent2="accent2" accent3="accent3" accent4="accent4" accent5="accent5" accent6="accent6" hlink="hlink" folHlink="folHlink"/>
+  </p:clrMapOvr>
+</p:sld>
+</file>
+
+<file path=ppt/slides/slide11.xml><?xml version="1.0" encoding="utf-8"?>
+<p:sld xmlns:a="http://schemas.openxmlformats.org/drawingml/2006/main" xmlns:r="http://schemas.openxmlformats.org/officeDocument/2006/relationships" xmlns:p="http://schemas.openxmlformats.org/presentationml/2006/main">
+  <p:cSld>
+    <p:bg>
+      <p:bgPr>
+        <a:solidFill>
+          <a:schemeClr val="accent1"/>
+        </a:solidFill>
+        <a:effectLst/>
+      </p:bgPr>
+    </p:bg>
+    <p:spTree>
+      <p:nvGrpSpPr>
+        <p:cNvPr id="1" name=""/>
+        <p:cNvGrpSpPr/>
+        <p:nvPr/>
+      </p:nvGrpSpPr>
+      <p:grpSpPr>
+        <a:xfrm>
+          <a:off x="0" y="0"/>
+          <a:ext cx="0" cy="0"/>
+          <a:chOff x="0" y="0"/>
+          <a:chExt cx="0" cy="0"/>
+        </a:xfrm>
+      </p:grpSpPr>
+      <p:sp>
+        <p:nvSpPr>
+          <p:cNvPr id="4" name="Datumsplatzhalter 3">
+            <a:extLst>
+              <a:ext uri="{FF2B5EF4-FFF2-40B4-BE49-F238E27FC236}">
+                <a16:creationId xmlns:a16="http://schemas.microsoft.com/office/drawing/2014/main" id="{04808089-4013-43A4-8319-4F458DFF0537}"/>
+              </a:ext>
+            </a:extLst>
+          </p:cNvPr>
+          <p:cNvSpPr>
+            <a:spLocks noGrp="1"/>
+          </p:cNvSpPr>
+          <p:nvPr>
+            <p:ph type="dt" sz="half" idx="10"/>
+          </p:nvPr>
+        </p:nvSpPr>
+        <p:spPr>
+          <a:xfrm>
+            <a:off x="262465" y="6356350"/>
+            <a:ext cx="2743200" cy="365125"/>
+          </a:xfrm>
+        </p:spPr>
+        <p:txBody>
+          <a:bodyPr>
+            <a:normAutofit/>
+          </a:bodyPr>
+          <a:lstStyle/>
+          <a:p>
+            <a:pPr rtl="0">
+              <a:spcAft>
+                <a:spcPts val="600"/>
+              </a:spcAft>
+            </a:pPr>
+            <a:fld id="{9809B556-1798-4F31-828B-F15A28A432B4}" type="datetime1">
+              <a:rPr lang="de-DE" sz="1400" b="1" noProof="0" smtClean="0"/>
+              <a:t>14.06.2020</a:t>
+            </a:fld>
+            <a:endParaRPr lang="de-DE" b="1" noProof="0" dirty="0"/>
+          </a:p>
+        </p:txBody>
+      </p:sp>
+      <p:sp>
+        <p:nvSpPr>
+          <p:cNvPr id="5" name="Foliennummernplatzhalter 4">
+            <a:extLst>
+              <a:ext uri="{FF2B5EF4-FFF2-40B4-BE49-F238E27FC236}">
+                <a16:creationId xmlns:a16="http://schemas.microsoft.com/office/drawing/2014/main" id="{1EA0B2C6-5C03-4599-BD76-A571524418D6}"/>
+              </a:ext>
+            </a:extLst>
+          </p:cNvPr>
+          <p:cNvSpPr>
+            <a:spLocks noGrp="1"/>
+          </p:cNvSpPr>
+          <p:nvPr>
+            <p:ph type="sldNum" sz="quarter" idx="12"/>
+          </p:nvPr>
+        </p:nvSpPr>
+        <p:spPr>
+          <a:xfrm>
+            <a:off x="10634135" y="6356350"/>
+            <a:ext cx="1530927" cy="365125"/>
+          </a:xfrm>
+        </p:spPr>
+        <p:txBody>
+          <a:bodyPr>
+            <a:normAutofit/>
+          </a:bodyPr>
+          <a:lstStyle/>
+          <a:p>
+            <a:pPr rtl="0">
+              <a:spcAft>
+                <a:spcPts val="600"/>
+              </a:spcAft>
+            </a:pPr>
+            <a:fld id="{4FAB73BC-B049-4115-A692-8D63A059BFB8}" type="slidenum">
+              <a:rPr lang="de-DE" sz="1400" noProof="0" smtClean="0">
+                <a:solidFill>
+                  <a:schemeClr val="tx1"/>
+                </a:solidFill>
+              </a:rPr>
+              <a:pPr rtl="0">
+                <a:spcAft>
+                  <a:spcPts val="600"/>
+                </a:spcAft>
+              </a:pPr>
+              <a:t>11</a:t>
+            </a:fld>
+            <a:endParaRPr lang="de-DE" sz="1400" noProof="0" dirty="0">
+              <a:solidFill>
+                <a:schemeClr val="tx1"/>
+              </a:solidFill>
+            </a:endParaRPr>
+          </a:p>
+        </p:txBody>
+      </p:sp>
+      <p:pic>
+        <p:nvPicPr>
+          <p:cNvPr id="8" name="Grafik 7">
+            <a:extLst>
+              <a:ext uri="{FF2B5EF4-FFF2-40B4-BE49-F238E27FC236}">
+                <a16:creationId xmlns:a16="http://schemas.microsoft.com/office/drawing/2014/main" id="{922CB720-6FB1-41E8-BED2-2F56C7978112}"/>
+              </a:ext>
+            </a:extLst>
+          </p:cNvPr>
+          <p:cNvPicPr>
+            <a:picLocks noChangeAspect="1"/>
+          </p:cNvPicPr>
+          <p:nvPr/>
+        </p:nvPicPr>
+        <p:blipFill rotWithShape="1">
+          <a:blip r:embed="rId2"/>
+          <a:srcRect r="6112"/>
+          <a:stretch/>
+        </p:blipFill>
+        <p:spPr>
+          <a:xfrm>
+            <a:off x="552046" y="635613"/>
+            <a:ext cx="6020203" cy="5586774"/>
+          </a:xfrm>
+          <a:prstGeom prst="rect">
+            <a:avLst/>
+          </a:prstGeom>
+        </p:spPr>
+      </p:pic>
+      <p:pic>
+        <p:nvPicPr>
+          <p:cNvPr id="9" name="Grafik 8">
+            <a:extLst>
+              <a:ext uri="{FF2B5EF4-FFF2-40B4-BE49-F238E27FC236}">
+                <a16:creationId xmlns:a16="http://schemas.microsoft.com/office/drawing/2014/main" id="{5FF7DD1E-07F8-4DAD-ADFE-BC75FCC0FE72}"/>
+              </a:ext>
+            </a:extLst>
+          </p:cNvPr>
+          <p:cNvPicPr>
+            <a:picLocks noChangeAspect="1"/>
+          </p:cNvPicPr>
+          <p:nvPr/>
+        </p:nvPicPr>
+        <p:blipFill>
+          <a:blip r:embed="rId3"/>
+          <a:stretch>
+            <a:fillRect/>
+          </a:stretch>
+        </p:blipFill>
+        <p:spPr>
+          <a:xfrm>
+            <a:off x="5292664" y="1997688"/>
+            <a:ext cx="6106934" cy="1431312"/>
+          </a:xfrm>
+          <a:prstGeom prst="rect">
+            <a:avLst/>
+          </a:prstGeom>
+        </p:spPr>
+      </p:pic>
+    </p:spTree>
+    <p:extLst>
+      <p:ext uri="{BB962C8B-B14F-4D97-AF65-F5344CB8AC3E}">
+        <p14:creationId xmlns:p14="http://schemas.microsoft.com/office/powerpoint/2010/main" val="1919221528"/>
+      </p:ext>
+    </p:extLst>
+  </p:cSld>
+  <p:clrMapOvr>
+    <a:overrideClrMapping bg1="dk1" tx1="lt1" bg2="dk2" tx2="lt2" accent1="accent1" accent2="accent2" accent3="accent3" accent4="accent4" accent5="accent5" accent6="accent6" hlink="hlink" folHlink="folHlink"/>
+  </p:clrMapOvr>
+</p:sld>
+</file>
+
+<file path=ppt/slides/slide12.xml><?xml version="1.0" encoding="utf-8"?>
+<p:sld xmlns:a="http://schemas.openxmlformats.org/drawingml/2006/main" xmlns:r="http://schemas.openxmlformats.org/officeDocument/2006/relationships" xmlns:p="http://schemas.openxmlformats.org/presentationml/2006/main">
+  <p:cSld>
+    <p:bg>
+      <p:bgPr>
+        <a:solidFill>
+          <a:schemeClr val="accent1"/>
+        </a:solidFill>
+        <a:effectLst/>
+      </p:bgPr>
+    </p:bg>
+    <p:spTree>
+      <p:nvGrpSpPr>
+        <p:cNvPr id="1" name=""/>
+        <p:cNvGrpSpPr/>
+        <p:nvPr/>
+      </p:nvGrpSpPr>
+      <p:grpSpPr>
+        <a:xfrm>
+          <a:off x="0" y="0"/>
+          <a:ext cx="0" cy="0"/>
+          <a:chOff x="0" y="0"/>
+          <a:chExt cx="0" cy="0"/>
+        </a:xfrm>
+      </p:grpSpPr>
+      <p:sp>
+        <p:nvSpPr>
+          <p:cNvPr id="4" name="Datumsplatzhalter 3">
+            <a:extLst>
+              <a:ext uri="{FF2B5EF4-FFF2-40B4-BE49-F238E27FC236}">
+                <a16:creationId xmlns:a16="http://schemas.microsoft.com/office/drawing/2014/main" id="{04808089-4013-43A4-8319-4F458DFF0537}"/>
+              </a:ext>
+            </a:extLst>
+          </p:cNvPr>
+          <p:cNvSpPr>
+            <a:spLocks noGrp="1"/>
+          </p:cNvSpPr>
+          <p:nvPr>
+            <p:ph type="dt" sz="half" idx="10"/>
+          </p:nvPr>
+        </p:nvSpPr>
+        <p:spPr>
+          <a:xfrm>
+            <a:off x="262465" y="6356350"/>
+            <a:ext cx="2743200" cy="365125"/>
+          </a:xfrm>
+        </p:spPr>
+        <p:txBody>
+          <a:bodyPr>
+            <a:normAutofit/>
+          </a:bodyPr>
+          <a:lstStyle/>
+          <a:p>
+            <a:pPr rtl="0">
+              <a:spcAft>
+                <a:spcPts val="600"/>
+              </a:spcAft>
+            </a:pPr>
+            <a:fld id="{8C30702F-9340-4455-8731-4C0913887CDC}" type="datetime1">
+              <a:rPr lang="de-DE" sz="1400" b="1" noProof="0" smtClean="0"/>
+              <a:t>14.06.2020</a:t>
+            </a:fld>
+            <a:endParaRPr lang="de-DE" b="1" noProof="0" dirty="0"/>
+          </a:p>
+        </p:txBody>
+      </p:sp>
+      <p:sp>
+        <p:nvSpPr>
+          <p:cNvPr id="5" name="Foliennummernplatzhalter 4">
+            <a:extLst>
+              <a:ext uri="{FF2B5EF4-FFF2-40B4-BE49-F238E27FC236}">
+                <a16:creationId xmlns:a16="http://schemas.microsoft.com/office/drawing/2014/main" id="{1EA0B2C6-5C03-4599-BD76-A571524418D6}"/>
+              </a:ext>
+            </a:extLst>
+          </p:cNvPr>
+          <p:cNvSpPr>
+            <a:spLocks noGrp="1"/>
+          </p:cNvSpPr>
+          <p:nvPr>
+            <p:ph type="sldNum" sz="quarter" idx="12"/>
+          </p:nvPr>
+        </p:nvSpPr>
+        <p:spPr>
+          <a:xfrm>
+            <a:off x="10634135" y="6356350"/>
+            <a:ext cx="1530927" cy="365125"/>
+          </a:xfrm>
+        </p:spPr>
+        <p:txBody>
+          <a:bodyPr>
+            <a:normAutofit/>
+          </a:bodyPr>
+          <a:lstStyle/>
+          <a:p>
+            <a:pPr rtl="0">
+              <a:spcAft>
+                <a:spcPts val="600"/>
+              </a:spcAft>
+            </a:pPr>
+            <a:fld id="{4FAB73BC-B049-4115-A692-8D63A059BFB8}" type="slidenum">
+              <a:rPr lang="de-DE" sz="1400" noProof="0" smtClean="0">
+                <a:solidFill>
+                  <a:schemeClr val="tx1"/>
+                </a:solidFill>
+              </a:rPr>
+              <a:pPr rtl="0">
+                <a:spcAft>
+                  <a:spcPts val="600"/>
+                </a:spcAft>
+              </a:pPr>
+              <a:t>12</a:t>
+            </a:fld>
+            <a:endParaRPr lang="de-DE" sz="1400" noProof="0" dirty="0">
+              <a:solidFill>
+                <a:schemeClr val="tx1"/>
+              </a:solidFill>
+            </a:endParaRPr>
+          </a:p>
+        </p:txBody>
+      </p:sp>
+      <p:pic>
+        <p:nvPicPr>
+          <p:cNvPr id="6" name="Grafik 5">
+            <a:extLst>
+              <a:ext uri="{FF2B5EF4-FFF2-40B4-BE49-F238E27FC236}">
+                <a16:creationId xmlns:a16="http://schemas.microsoft.com/office/drawing/2014/main" id="{DD00CDC1-0E0C-43E9-ACDC-EE8DD1A31AD8}"/>
+              </a:ext>
+            </a:extLst>
+          </p:cNvPr>
+          <p:cNvPicPr>
+            <a:picLocks noChangeAspect="1"/>
+          </p:cNvPicPr>
+          <p:nvPr/>
+        </p:nvPicPr>
+        <p:blipFill>
+          <a:blip r:embed="rId2"/>
+          <a:stretch>
+            <a:fillRect/>
+          </a:stretch>
+        </p:blipFill>
+        <p:spPr>
+          <a:xfrm>
+            <a:off x="2876247" y="495300"/>
+            <a:ext cx="6439505" cy="5867400"/>
+          </a:xfrm>
+          <a:prstGeom prst="rect">
+            <a:avLst/>
+          </a:prstGeom>
+        </p:spPr>
+      </p:pic>
+    </p:spTree>
+    <p:extLst>
+      <p:ext uri="{BB962C8B-B14F-4D97-AF65-F5344CB8AC3E}">
+        <p14:creationId xmlns:p14="http://schemas.microsoft.com/office/powerpoint/2010/main" val="2218266321"/>
+      </p:ext>
+    </p:extLst>
+  </p:cSld>
+  <p:clrMapOvr>
+    <a:overrideClrMapping bg1="dk1" tx1="lt1" bg2="dk2" tx2="lt2" accent1="accent1" accent2="accent2" accent3="accent3" accent4="accent4" accent5="accent5" accent6="accent6" hlink="hlink" folHlink="folHlink"/>
+  </p:clrMapOvr>
+</p:sld>
+</file>
+
+<file path=ppt/slides/slide13.xml><?xml version="1.0" encoding="utf-8"?>
+<p:sld xmlns:a="http://schemas.openxmlformats.org/drawingml/2006/main" xmlns:r="http://schemas.openxmlformats.org/officeDocument/2006/relationships" xmlns:p="http://schemas.openxmlformats.org/presentationml/2006/main">
+  <p:cSld>
+    <p:bg>
+      <p:bgPr>
+        <a:solidFill>
+          <a:schemeClr val="accent1"/>
+        </a:solidFill>
+        <a:effectLst/>
+      </p:bgPr>
+    </p:bg>
+    <p:spTree>
+      <p:nvGrpSpPr>
+        <p:cNvPr id="1" name=""/>
+        <p:cNvGrpSpPr/>
+        <p:nvPr/>
+      </p:nvGrpSpPr>
+      <p:grpSpPr>
+        <a:xfrm>
+          <a:off x="0" y="0"/>
+          <a:ext cx="0" cy="0"/>
+          <a:chOff x="0" y="0"/>
+          <a:chExt cx="0" cy="0"/>
+        </a:xfrm>
+      </p:grpSpPr>
+      <p:sp>
+        <p:nvSpPr>
+          <p:cNvPr id="4" name="Datumsplatzhalter 3">
+            <a:extLst>
+              <a:ext uri="{FF2B5EF4-FFF2-40B4-BE49-F238E27FC236}">
+                <a16:creationId xmlns:a16="http://schemas.microsoft.com/office/drawing/2014/main" id="{04808089-4013-43A4-8319-4F458DFF0537}"/>
+              </a:ext>
+            </a:extLst>
+          </p:cNvPr>
+          <p:cNvSpPr>
+            <a:spLocks noGrp="1"/>
+          </p:cNvSpPr>
+          <p:nvPr>
+            <p:ph type="dt" sz="half" idx="10"/>
+          </p:nvPr>
+        </p:nvSpPr>
+        <p:spPr>
+          <a:xfrm>
+            <a:off x="262465" y="6356350"/>
+            <a:ext cx="2743200" cy="365125"/>
+          </a:xfrm>
+        </p:spPr>
+        <p:txBody>
+          <a:bodyPr>
+            <a:normAutofit/>
+          </a:bodyPr>
+          <a:lstStyle/>
+          <a:p>
+            <a:pPr rtl="0">
+              <a:spcAft>
+                <a:spcPts val="600"/>
+              </a:spcAft>
+            </a:pPr>
+            <a:fld id="{6E08865F-54D0-4740-85C6-9F08F4842E2B}" type="datetime1">
+              <a:rPr lang="de-DE" sz="1400" b="1" noProof="0" smtClean="0"/>
+              <a:t>14.06.2020</a:t>
+            </a:fld>
+            <a:endParaRPr lang="de-DE" b="1" noProof="0" dirty="0"/>
+          </a:p>
+        </p:txBody>
+      </p:sp>
+      <p:sp>
+        <p:nvSpPr>
+          <p:cNvPr id="5" name="Foliennummernplatzhalter 4">
+            <a:extLst>
+              <a:ext uri="{FF2B5EF4-FFF2-40B4-BE49-F238E27FC236}">
+                <a16:creationId xmlns:a16="http://schemas.microsoft.com/office/drawing/2014/main" id="{1EA0B2C6-5C03-4599-BD76-A571524418D6}"/>
+              </a:ext>
+            </a:extLst>
+          </p:cNvPr>
+          <p:cNvSpPr>
+            <a:spLocks noGrp="1"/>
+          </p:cNvSpPr>
+          <p:nvPr>
+            <p:ph type="sldNum" sz="quarter" idx="12"/>
+          </p:nvPr>
+        </p:nvSpPr>
+        <p:spPr>
+          <a:xfrm>
+            <a:off x="10634135" y="6356350"/>
+            <a:ext cx="1530927" cy="365125"/>
+          </a:xfrm>
+        </p:spPr>
+        <p:txBody>
+          <a:bodyPr>
+            <a:normAutofit/>
+          </a:bodyPr>
+          <a:lstStyle/>
+          <a:p>
+            <a:pPr rtl="0">
+              <a:spcAft>
+                <a:spcPts val="600"/>
+              </a:spcAft>
+            </a:pPr>
+            <a:fld id="{4FAB73BC-B049-4115-A692-8D63A059BFB8}" type="slidenum">
+              <a:rPr lang="de-DE" sz="1400" noProof="0" smtClean="0">
+                <a:solidFill>
+                  <a:schemeClr val="tx1"/>
+                </a:solidFill>
+              </a:rPr>
+              <a:pPr rtl="0">
+                <a:spcAft>
+                  <a:spcPts val="600"/>
+                </a:spcAft>
+              </a:pPr>
+              <a:t>13</a:t>
+            </a:fld>
+            <a:endParaRPr lang="de-DE" sz="1400" noProof="0" dirty="0">
+              <a:solidFill>
+                <a:schemeClr val="tx1"/>
+              </a:solidFill>
+            </a:endParaRPr>
+          </a:p>
+        </p:txBody>
+      </p:sp>
+      <p:pic>
+        <p:nvPicPr>
+          <p:cNvPr id="7" name="Grafik 6">
+            <a:extLst>
+              <a:ext uri="{FF2B5EF4-FFF2-40B4-BE49-F238E27FC236}">
                 <a16:creationId xmlns:a16="http://schemas.microsoft.com/office/drawing/2014/main" id="{12767E97-F058-4738-8B6E-79BFB04A0F45}"/>
               </a:ext>
             </a:extLst>
@@ -10686,7 +13838,7 @@
 </p:sld>
 </file>
 
-<file path=ppt/slides/slide11.xml><?xml version="1.0" encoding="utf-8"?>
+<file path=ppt/slides/slide14.xml><?xml version="1.0" encoding="utf-8"?>
 <p:sld xmlns:a="http://schemas.openxmlformats.org/drawingml/2006/main" xmlns:r="http://schemas.openxmlformats.org/officeDocument/2006/relationships" xmlns:p="http://schemas.openxmlformats.org/presentationml/2006/main">
   <p:cSld>
     <p:bg>
@@ -11111,7 +14263,7 @@
                   <a:spcPts val="600"/>
                 </a:spcAft>
               </a:pPr>
-              <a:t>11</a:t>
+              <a:t>14</a:t>
             </a:fld>
             <a:endParaRPr lang="en-US" sz="1200" dirty="0">
               <a:solidFill>
@@ -11164,7 +14316,655 @@
 </p:sld>
 </file>
 
-<file path=ppt/slides/slide12.xml><?xml version="1.0" encoding="utf-8"?>
+<file path=ppt/slides/slide15.xml><?xml version="1.0" encoding="utf-8"?>
+<p:sld xmlns:a="http://schemas.openxmlformats.org/drawingml/2006/main" xmlns:r="http://schemas.openxmlformats.org/officeDocument/2006/relationships" xmlns:p="http://schemas.openxmlformats.org/presentationml/2006/main">
+  <p:cSld>
+    <p:bg>
+      <p:bgPr>
+        <a:solidFill>
+          <a:schemeClr val="bg1"/>
+        </a:solidFill>
+        <a:effectLst/>
+      </p:bgPr>
+    </p:bg>
+    <p:spTree>
+      <p:nvGrpSpPr>
+        <p:cNvPr id="1" name=""/>
+        <p:cNvGrpSpPr/>
+        <p:nvPr/>
+      </p:nvGrpSpPr>
+      <p:grpSpPr>
+        <a:xfrm>
+          <a:off x="0" y="0"/>
+          <a:ext cx="0" cy="0"/>
+          <a:chOff x="0" y="0"/>
+          <a:chExt cx="0" cy="0"/>
+        </a:xfrm>
+      </p:grpSpPr>
+      <p:sp>
+        <p:nvSpPr>
+          <p:cNvPr id="99" name="Rectangle 98">
+            <a:extLst>
+              <a:ext uri="{FF2B5EF4-FFF2-40B4-BE49-F238E27FC236}">
+                <a16:creationId xmlns:a16="http://schemas.microsoft.com/office/drawing/2014/main" id="{C0F396D4-D75E-4F3D-8ACF-09B23638F07C}"/>
+              </a:ext>
+              <a:ext uri="{C183D7F6-B498-43B3-948B-1728B52AA6E4}">
+                <adec:decorative xmlns:adec="http://schemas.microsoft.com/office/drawing/2017/decorative" val="1"/>
+              </a:ext>
+            </a:extLst>
+          </p:cNvPr>
+          <p:cNvSpPr>
+            <a:spLocks noGrp="1" noRot="1" noChangeAspect="1" noMove="1" noResize="1" noEditPoints="1" noAdjustHandles="1" noChangeArrowheads="1" noChangeShapeType="1" noTextEdit="1"/>
+          </p:cNvSpPr>
+          <p:nvPr>
+            <p:extLst>
+              <p:ext uri="{386F3935-93C4-4BCD-93E2-E3B085C9AB24}">
+                <p16:designElem xmlns:p16="http://schemas.microsoft.com/office/powerpoint/2015/main" val="1"/>
+              </p:ext>
+            </p:extLst>
+          </p:nvPr>
+        </p:nvSpPr>
+        <p:spPr>
+          <a:xfrm>
+            <a:off x="0" y="761999"/>
+            <a:ext cx="9141619" cy="5334001"/>
+          </a:xfrm>
+          <a:prstGeom prst="rect">
+            <a:avLst/>
+          </a:prstGeom>
+          <a:solidFill>
+            <a:schemeClr val="accent1"/>
+          </a:solidFill>
+          <a:ln>
+            <a:noFill/>
+          </a:ln>
+        </p:spPr>
+        <p:style>
+          <a:lnRef idx="2">
+            <a:schemeClr val="accent1">
+              <a:shade val="50000"/>
+            </a:schemeClr>
+          </a:lnRef>
+          <a:fillRef idx="1">
+            <a:schemeClr val="accent1"/>
+          </a:fillRef>
+          <a:effectRef idx="0">
+            <a:schemeClr val="accent1"/>
+          </a:effectRef>
+          <a:fontRef idx="minor">
+            <a:schemeClr val="lt1"/>
+          </a:fontRef>
+        </p:style>
+      </p:sp>
+      <p:sp>
+        <p:nvSpPr>
+          <p:cNvPr id="101" name="Rectangle 100">
+            <a:extLst>
+              <a:ext uri="{FF2B5EF4-FFF2-40B4-BE49-F238E27FC236}">
+                <a16:creationId xmlns:a16="http://schemas.microsoft.com/office/drawing/2014/main" id="{815F6DE6-8123-413F-BC7B-1EB368E43E0A}"/>
+              </a:ext>
+              <a:ext uri="{C183D7F6-B498-43B3-948B-1728B52AA6E4}">
+                <adec:decorative xmlns:adec="http://schemas.microsoft.com/office/drawing/2017/decorative" val="1"/>
+              </a:ext>
+            </a:extLst>
+          </p:cNvPr>
+          <p:cNvSpPr>
+            <a:spLocks noGrp="1" noRot="1" noChangeAspect="1" noMove="1" noResize="1" noEditPoints="1" noAdjustHandles="1" noChangeArrowheads="1" noChangeShapeType="1" noTextEdit="1"/>
+          </p:cNvSpPr>
+          <p:nvPr>
+            <p:extLst>
+              <p:ext uri="{386F3935-93C4-4BCD-93E2-E3B085C9AB24}">
+                <p16:designElem xmlns:p16="http://schemas.microsoft.com/office/powerpoint/2015/main" val="1"/>
+              </p:ext>
+            </p:extLst>
+          </p:nvPr>
+        </p:nvSpPr>
+        <p:spPr>
+          <a:xfrm>
+            <a:off x="9270263" y="761999"/>
+            <a:ext cx="2925318" cy="5334001"/>
+          </a:xfrm>
+          <a:prstGeom prst="rect">
+            <a:avLst/>
+          </a:prstGeom>
+          <a:solidFill>
+            <a:srgbClr val="C8C8C8">
+              <a:alpha val="50000"/>
+            </a:srgbClr>
+          </a:solidFill>
+          <a:ln>
+            <a:noFill/>
+          </a:ln>
+        </p:spPr>
+        <p:style>
+          <a:lnRef idx="2">
+            <a:schemeClr val="accent1">
+              <a:shade val="50000"/>
+            </a:schemeClr>
+          </a:lnRef>
+          <a:fillRef idx="1">
+            <a:schemeClr val="accent1"/>
+          </a:fillRef>
+          <a:effectRef idx="0">
+            <a:schemeClr val="accent1"/>
+          </a:effectRef>
+          <a:fontRef idx="minor">
+            <a:schemeClr val="lt1"/>
+          </a:fontRef>
+        </p:style>
+      </p:sp>
+      <p:sp useBgFill="1">
+        <p:nvSpPr>
+          <p:cNvPr id="103" name="Rectangle 102">
+            <a:extLst>
+              <a:ext uri="{FF2B5EF4-FFF2-40B4-BE49-F238E27FC236}">
+                <a16:creationId xmlns:a16="http://schemas.microsoft.com/office/drawing/2014/main" id="{04AC1ECA-56A6-4FA8-A216-A0502A627D3D}"/>
+              </a:ext>
+              <a:ext uri="{C183D7F6-B498-43B3-948B-1728B52AA6E4}">
+                <adec:decorative xmlns:adec="http://schemas.microsoft.com/office/drawing/2017/decorative" val="1"/>
+              </a:ext>
+            </a:extLst>
+          </p:cNvPr>
+          <p:cNvSpPr>
+            <a:spLocks noGrp="1" noRot="1" noChangeAspect="1" noMove="1" noResize="1" noEditPoints="1" noAdjustHandles="1" noChangeArrowheads="1" noChangeShapeType="1" noTextEdit="1"/>
+          </p:cNvSpPr>
+          <p:nvPr>
+            <p:extLst>
+              <p:ext uri="{386F3935-93C4-4BCD-93E2-E3B085C9AB24}">
+                <p16:designElem xmlns:p16="http://schemas.microsoft.com/office/powerpoint/2015/main" val="1"/>
+              </p:ext>
+            </p:extLst>
+          </p:nvPr>
+        </p:nvSpPr>
+        <p:spPr>
+          <a:xfrm>
+            <a:off x="0" y="0"/>
+            <a:ext cx="12191999" cy="6858000"/>
+          </a:xfrm>
+          <a:prstGeom prst="rect">
+            <a:avLst/>
+          </a:prstGeom>
+          <a:ln>
+            <a:noFill/>
+          </a:ln>
+        </p:spPr>
+        <p:style>
+          <a:lnRef idx="2">
+            <a:schemeClr val="accent1">
+              <a:shade val="50000"/>
+            </a:schemeClr>
+          </a:lnRef>
+          <a:fillRef idx="1">
+            <a:schemeClr val="accent1"/>
+          </a:fillRef>
+          <a:effectRef idx="0">
+            <a:schemeClr val="accent1"/>
+          </a:effectRef>
+          <a:fontRef idx="minor">
+            <a:schemeClr val="lt1"/>
+          </a:fontRef>
+        </p:style>
+        <p:txBody>
+          <a:bodyPr rtlCol="0" anchor="ctr"/>
+          <a:lstStyle/>
+          <a:p>
+            <a:pPr algn="ctr"/>
+            <a:endParaRPr lang="en-US"/>
+          </a:p>
+        </p:txBody>
+      </p:sp>
+      <p:sp>
+        <p:nvSpPr>
+          <p:cNvPr id="105" name="Rectangle 104">
+            <a:extLst>
+              <a:ext uri="{FF2B5EF4-FFF2-40B4-BE49-F238E27FC236}">
+                <a16:creationId xmlns:a16="http://schemas.microsoft.com/office/drawing/2014/main" id="{E08EC873-0A32-4290-8CF6-220477C54E29}"/>
+              </a:ext>
+              <a:ext uri="{C183D7F6-B498-43B3-948B-1728B52AA6E4}">
+                <adec:decorative xmlns:adec="http://schemas.microsoft.com/office/drawing/2017/decorative" val="1"/>
+              </a:ext>
+            </a:extLst>
+          </p:cNvPr>
+          <p:cNvSpPr>
+            <a:spLocks noGrp="1" noRot="1" noChangeAspect="1" noMove="1" noResize="1" noEditPoints="1" noAdjustHandles="1" noChangeArrowheads="1" noChangeShapeType="1" noTextEdit="1"/>
+          </p:cNvSpPr>
+          <p:nvPr>
+            <p:extLst>
+              <p:ext uri="{386F3935-93C4-4BCD-93E2-E3B085C9AB24}">
+                <p16:designElem xmlns:p16="http://schemas.microsoft.com/office/powerpoint/2015/main" val="1"/>
+              </p:ext>
+            </p:extLst>
+          </p:nvPr>
+        </p:nvSpPr>
+        <p:spPr>
+          <a:xfrm>
+            <a:off x="0" y="4367639"/>
+            <a:ext cx="11707367" cy="1852186"/>
+          </a:xfrm>
+          <a:prstGeom prst="rect">
+            <a:avLst/>
+          </a:prstGeom>
+          <a:solidFill>
+            <a:schemeClr val="accent1"/>
+          </a:solidFill>
+          <a:ln>
+            <a:noFill/>
+          </a:ln>
+        </p:spPr>
+        <p:style>
+          <a:lnRef idx="2">
+            <a:schemeClr val="accent1">
+              <a:shade val="50000"/>
+            </a:schemeClr>
+          </a:lnRef>
+          <a:fillRef idx="1">
+            <a:schemeClr val="accent1"/>
+          </a:fillRef>
+          <a:effectRef idx="0">
+            <a:schemeClr val="accent1"/>
+          </a:effectRef>
+          <a:fontRef idx="minor">
+            <a:schemeClr val="lt1"/>
+          </a:fontRef>
+        </p:style>
+      </p:sp>
+      <p:sp>
+        <p:nvSpPr>
+          <p:cNvPr id="30" name="Titel 1">
+            <a:extLst>
+              <a:ext uri="{FF2B5EF4-FFF2-40B4-BE49-F238E27FC236}">
+                <a16:creationId xmlns:a16="http://schemas.microsoft.com/office/drawing/2014/main" id="{9602C987-9C02-4EE5-AF63-E074FFADF6CD}"/>
+              </a:ext>
+            </a:extLst>
+          </p:cNvPr>
+          <p:cNvSpPr>
+            <a:spLocks noGrp="1"/>
+          </p:cNvSpPr>
+          <p:nvPr>
+            <p:ph type="title"/>
+          </p:nvPr>
+        </p:nvSpPr>
+        <p:spPr>
+          <a:xfrm>
+            <a:off x="1069848" y="4590661"/>
+            <a:ext cx="10210862" cy="1065690"/>
+          </a:xfrm>
+        </p:spPr>
+        <p:txBody>
+          <a:bodyPr vert="horz" lIns="91440" tIns="45720" rIns="91440" bIns="45720" rtlCol="0" anchor="b">
+            <a:normAutofit/>
+          </a:bodyPr>
+          <a:lstStyle/>
+          <a:p>
+            <a:r>
+              <a:rPr lang="en-US" dirty="0" err="1">
+                <a:solidFill>
+                  <a:srgbClr val="FFFFFF"/>
+                </a:solidFill>
+              </a:rPr>
+              <a:t>Geplanter</a:t>
+            </a:r>
+            <a:r>
+              <a:rPr lang="en-US" dirty="0">
+                <a:solidFill>
+                  <a:srgbClr val="FFFFFF"/>
+                </a:solidFill>
+              </a:rPr>
+              <a:t> </a:t>
+            </a:r>
+            <a:r>
+              <a:rPr lang="en-US" dirty="0" err="1">
+                <a:solidFill>
+                  <a:srgbClr val="FFFFFF"/>
+                </a:solidFill>
+              </a:rPr>
+              <a:t>Ablauf</a:t>
+            </a:r>
+            <a:endParaRPr lang="en-US" dirty="0">
+              <a:solidFill>
+                <a:srgbClr val="FFFFFF"/>
+              </a:solidFill>
+            </a:endParaRPr>
+          </a:p>
+        </p:txBody>
+      </p:sp>
+      <p:sp>
+        <p:nvSpPr>
+          <p:cNvPr id="4" name="Datumsplatzhalter 3">
+            <a:extLst>
+              <a:ext uri="{FF2B5EF4-FFF2-40B4-BE49-F238E27FC236}">
+                <a16:creationId xmlns:a16="http://schemas.microsoft.com/office/drawing/2014/main" id="{AD5BACCE-E520-4B5E-8F1F-D3C60D825AFA}"/>
+              </a:ext>
+            </a:extLst>
+          </p:cNvPr>
+          <p:cNvSpPr>
+            <a:spLocks noGrp="1"/>
+          </p:cNvSpPr>
+          <p:nvPr>
+            <p:ph type="dt" sz="half" idx="10"/>
+          </p:nvPr>
+        </p:nvSpPr>
+        <p:spPr>
+          <a:xfrm>
+            <a:off x="262465" y="6356350"/>
+            <a:ext cx="2743200" cy="365125"/>
+          </a:xfrm>
+        </p:spPr>
+        <p:txBody>
+          <a:bodyPr vert="horz" lIns="91440" tIns="45720" rIns="91440" bIns="45720" rtlCol="0" anchor="ctr">
+            <a:normAutofit/>
+          </a:bodyPr>
+          <a:lstStyle/>
+          <a:p>
+            <a:pPr>
+              <a:spcAft>
+                <a:spcPts val="600"/>
+              </a:spcAft>
+            </a:pPr>
+            <a:r>
+              <a:rPr lang="en-US" b="1" dirty="0">
+                <a:solidFill>
+                  <a:schemeClr val="tx1">
+                    <a:lumMod val="50000"/>
+                    <a:lumOff val="50000"/>
+                  </a:schemeClr>
+                </a:solidFill>
+              </a:rPr>
+              <a:t>14.06.2020</a:t>
+            </a:r>
+            <a:endParaRPr lang="en-US" dirty="0">
+              <a:solidFill>
+                <a:schemeClr val="tx1">
+                  <a:lumMod val="50000"/>
+                  <a:lumOff val="50000"/>
+                </a:schemeClr>
+              </a:solidFill>
+            </a:endParaRPr>
+          </a:p>
+        </p:txBody>
+      </p:sp>
+      <p:sp>
+        <p:nvSpPr>
+          <p:cNvPr id="5" name="Foliennummernplatzhalter 4">
+            <a:extLst>
+              <a:ext uri="{FF2B5EF4-FFF2-40B4-BE49-F238E27FC236}">
+                <a16:creationId xmlns:a16="http://schemas.microsoft.com/office/drawing/2014/main" id="{D3D1FB3E-B192-44A9-9902-C336C150151E}"/>
+              </a:ext>
+            </a:extLst>
+          </p:cNvPr>
+          <p:cNvSpPr>
+            <a:spLocks noGrp="1"/>
+          </p:cNvSpPr>
+          <p:nvPr>
+            <p:ph type="sldNum" sz="quarter" idx="12"/>
+          </p:nvPr>
+        </p:nvSpPr>
+        <p:spPr>
+          <a:xfrm>
+            <a:off x="10634135" y="6356350"/>
+            <a:ext cx="1530927" cy="365125"/>
+          </a:xfrm>
+        </p:spPr>
+        <p:txBody>
+          <a:bodyPr vert="horz" lIns="91440" tIns="45720" rIns="91440" bIns="45720" rtlCol="0" anchor="ctr">
+            <a:normAutofit/>
+          </a:bodyPr>
+          <a:lstStyle/>
+          <a:p>
+            <a:pPr>
+              <a:spcAft>
+                <a:spcPts val="600"/>
+              </a:spcAft>
+            </a:pPr>
+            <a:fld id="{4FAB73BC-B049-4115-A692-8D63A059BFB8}" type="slidenum">
+              <a:rPr lang="en-US" sz="1400" smtClean="0">
+                <a:solidFill>
+                  <a:schemeClr val="accent1"/>
+                </a:solidFill>
+              </a:rPr>
+              <a:pPr>
+                <a:spcAft>
+                  <a:spcPts val="600"/>
+                </a:spcAft>
+              </a:pPr>
+              <a:t>15</a:t>
+            </a:fld>
+            <a:endParaRPr lang="en-US" sz="1200" dirty="0">
+              <a:solidFill>
+                <a:schemeClr val="accent1"/>
+              </a:solidFill>
+            </a:endParaRPr>
+          </a:p>
+        </p:txBody>
+      </p:sp>
+      <p:graphicFrame>
+        <p:nvGraphicFramePr>
+          <p:cNvPr id="11" name="Diagramm 10">
+            <a:extLst>
+              <a:ext uri="{FF2B5EF4-FFF2-40B4-BE49-F238E27FC236}">
+                <a16:creationId xmlns:a16="http://schemas.microsoft.com/office/drawing/2014/main" id="{BFD9D2DA-966B-4BD4-A2ED-1410FB321FB7}"/>
+              </a:ext>
+            </a:extLst>
+          </p:cNvPr>
+          <p:cNvGraphicFramePr/>
+          <p:nvPr>
+            <p:extLst>
+              <p:ext uri="{D42A27DB-BD31-4B8C-83A1-F6EECF244321}">
+                <p14:modId xmlns:p14="http://schemas.microsoft.com/office/powerpoint/2010/main" val="1750115673"/>
+              </p:ext>
+            </p:extLst>
+          </p:nvPr>
+        </p:nvGraphicFramePr>
+        <p:xfrm>
+          <a:off x="422751" y="-163143"/>
+          <a:ext cx="7261565" cy="1852186"/>
+        </p:xfrm>
+        <a:graphic>
+          <a:graphicData uri="http://schemas.openxmlformats.org/drawingml/2006/diagram">
+            <dgm:relIds xmlns:dgm="http://schemas.openxmlformats.org/drawingml/2006/diagram" xmlns:r="http://schemas.openxmlformats.org/officeDocument/2006/relationships" r:dm="rId2" r:lo="rId3" r:qs="rId4" r:cs="rId5"/>
+          </a:graphicData>
+        </a:graphic>
+      </p:graphicFrame>
+      <p:pic>
+        <p:nvPicPr>
+          <p:cNvPr id="12" name="Grafik 11" descr="Ein Bild, das Zeichnung enthält.&#10;&#10;Automatisch generierte Beschreibung">
+            <a:extLst>
+              <a:ext uri="{FF2B5EF4-FFF2-40B4-BE49-F238E27FC236}">
+                <a16:creationId xmlns:a16="http://schemas.microsoft.com/office/drawing/2014/main" id="{686B1DF1-0A4B-4B20-8B31-F7FD73C3A984}"/>
+              </a:ext>
+            </a:extLst>
+          </p:cNvPr>
+          <p:cNvPicPr>
+            <a:picLocks noChangeAspect="1"/>
+          </p:cNvPicPr>
+          <p:nvPr/>
+        </p:nvPicPr>
+        <p:blipFill>
+          <a:blip r:embed="rId7"/>
+          <a:stretch>
+            <a:fillRect/>
+          </a:stretch>
+        </p:blipFill>
+        <p:spPr>
+          <a:xfrm>
+            <a:off x="5608051" y="2874613"/>
+            <a:ext cx="2499016" cy="1301739"/>
+          </a:xfrm>
+          <a:prstGeom prst="rect">
+            <a:avLst/>
+          </a:prstGeom>
+        </p:spPr>
+      </p:pic>
+      <p:pic>
+        <p:nvPicPr>
+          <p:cNvPr id="13" name="Grafik 12">
+            <a:extLst>
+              <a:ext uri="{FF2B5EF4-FFF2-40B4-BE49-F238E27FC236}">
+                <a16:creationId xmlns:a16="http://schemas.microsoft.com/office/drawing/2014/main" id="{CAB93B75-D003-420D-B070-A7A6E1E23BE6}"/>
+              </a:ext>
+            </a:extLst>
+          </p:cNvPr>
+          <p:cNvPicPr>
+            <a:picLocks noChangeAspect="1"/>
+          </p:cNvPicPr>
+          <p:nvPr/>
+        </p:nvPicPr>
+        <p:blipFill>
+          <a:blip r:embed="rId8"/>
+          <a:stretch>
+            <a:fillRect/>
+          </a:stretch>
+        </p:blipFill>
+        <p:spPr>
+          <a:xfrm>
+            <a:off x="2027264" y="2622961"/>
+            <a:ext cx="1593970" cy="1593970"/>
+          </a:xfrm>
+          <a:prstGeom prst="rect">
+            <a:avLst/>
+          </a:prstGeom>
+        </p:spPr>
+      </p:pic>
+      <p:pic>
+        <p:nvPicPr>
+          <p:cNvPr id="14" name="Grafik 13" descr="Ein Bild, das Zeichnung enthält.&#10;&#10;Automatisch generierte Beschreibung">
+            <a:extLst>
+              <a:ext uri="{FF2B5EF4-FFF2-40B4-BE49-F238E27FC236}">
+                <a16:creationId xmlns:a16="http://schemas.microsoft.com/office/drawing/2014/main" id="{BAAAC860-F0D6-45E8-AE8B-304E34B303CC}"/>
+              </a:ext>
+            </a:extLst>
+          </p:cNvPr>
+          <p:cNvPicPr>
+            <a:picLocks noChangeAspect="1"/>
+          </p:cNvPicPr>
+          <p:nvPr/>
+        </p:nvPicPr>
+        <p:blipFill>
+          <a:blip r:embed="rId9"/>
+          <a:stretch>
+            <a:fillRect/>
+          </a:stretch>
+        </p:blipFill>
+        <p:spPr>
+          <a:xfrm>
+            <a:off x="2364270" y="1418136"/>
+            <a:ext cx="2191070" cy="1093112"/>
+          </a:xfrm>
+          <a:prstGeom prst="rect">
+            <a:avLst/>
+          </a:prstGeom>
+        </p:spPr>
+      </p:pic>
+      <p:pic>
+        <p:nvPicPr>
+          <p:cNvPr id="15" name="Grafik 14">
+            <a:extLst>
+              <a:ext uri="{FF2B5EF4-FFF2-40B4-BE49-F238E27FC236}">
+                <a16:creationId xmlns:a16="http://schemas.microsoft.com/office/drawing/2014/main" id="{047C2230-E225-4291-8EE7-7D3061272B13}"/>
+              </a:ext>
+            </a:extLst>
+          </p:cNvPr>
+          <p:cNvPicPr>
+            <a:picLocks noChangeAspect="1"/>
+          </p:cNvPicPr>
+          <p:nvPr/>
+        </p:nvPicPr>
+        <p:blipFill>
+          <a:blip r:embed="rId10"/>
+          <a:stretch>
+            <a:fillRect/>
+          </a:stretch>
+        </p:blipFill>
+        <p:spPr>
+          <a:xfrm>
+            <a:off x="3353770" y="2685649"/>
+            <a:ext cx="1481516" cy="1531282"/>
+          </a:xfrm>
+          <a:prstGeom prst="rect">
+            <a:avLst/>
+          </a:prstGeom>
+        </p:spPr>
+      </p:pic>
+      <p:pic>
+        <p:nvPicPr>
+          <p:cNvPr id="16" name="Grafik 15" descr="Ein Bild, das Spielzeug enthält.&#10;&#10;Automatisch generierte Beschreibung">
+            <a:extLst>
+              <a:ext uri="{FF2B5EF4-FFF2-40B4-BE49-F238E27FC236}">
+                <a16:creationId xmlns:a16="http://schemas.microsoft.com/office/drawing/2014/main" id="{466F0037-96D0-446D-AEE0-8B64AA4A3FA9}"/>
+              </a:ext>
+            </a:extLst>
+          </p:cNvPr>
+          <p:cNvPicPr>
+            <a:picLocks noChangeAspect="1"/>
+          </p:cNvPicPr>
+          <p:nvPr/>
+        </p:nvPicPr>
+        <p:blipFill>
+          <a:blip r:embed="rId11"/>
+          <a:stretch>
+            <a:fillRect/>
+          </a:stretch>
+        </p:blipFill>
+        <p:spPr>
+          <a:xfrm>
+            <a:off x="5095693" y="1385079"/>
+            <a:ext cx="2360814" cy="1180407"/>
+          </a:xfrm>
+          <a:prstGeom prst="rect">
+            <a:avLst/>
+          </a:prstGeom>
+        </p:spPr>
+      </p:pic>
+      <p:pic>
+        <p:nvPicPr>
+          <p:cNvPr id="17" name="Grafik 16" descr="Hilfe">
+            <a:extLst>
+              <a:ext uri="{FF2B5EF4-FFF2-40B4-BE49-F238E27FC236}">
+                <a16:creationId xmlns:a16="http://schemas.microsoft.com/office/drawing/2014/main" id="{3B87D1B9-A7B6-4139-BF1E-BE373C4702B8}"/>
+              </a:ext>
+            </a:extLst>
+          </p:cNvPr>
+          <p:cNvPicPr>
+            <a:picLocks noChangeAspect="1"/>
+          </p:cNvPicPr>
+          <p:nvPr/>
+        </p:nvPicPr>
+        <p:blipFill>
+          <a:blip r:embed="rId12">
+            <a:extLst>
+              <a:ext uri="{96DAC541-7B7A-43D3-8B79-37D633B846F1}">
+                <asvg:svgBlip xmlns:asvg="http://schemas.microsoft.com/office/drawing/2016/SVG/main" r:embed="rId13"/>
+              </a:ext>
+            </a:extLst>
+          </a:blip>
+          <a:stretch>
+            <a:fillRect/>
+          </a:stretch>
+        </p:blipFill>
+        <p:spPr>
+          <a:xfrm>
+            <a:off x="4731287" y="2418150"/>
+            <a:ext cx="751171" cy="751171"/>
+          </a:xfrm>
+          <a:prstGeom prst="rect">
+            <a:avLst/>
+          </a:prstGeom>
+        </p:spPr>
+      </p:pic>
+    </p:spTree>
+    <p:extLst>
+      <p:ext uri="{BB962C8B-B14F-4D97-AF65-F5344CB8AC3E}">
+        <p14:creationId xmlns:p14="http://schemas.microsoft.com/office/powerpoint/2010/main" val="340518354"/>
+      </p:ext>
+    </p:extLst>
+  </p:cSld>
+  <p:clrMapOvr>
+    <a:masterClrMapping/>
+  </p:clrMapOvr>
+</p:sld>
+</file>
+
+<file path=ppt/slides/slide16.xml><?xml version="1.0" encoding="utf-8"?>
 <p:sld xmlns:a="http://schemas.openxmlformats.org/drawingml/2006/main" xmlns:r="http://schemas.openxmlformats.org/officeDocument/2006/relationships" xmlns:p="http://schemas.openxmlformats.org/presentationml/2006/main">
   <p:cSld>
     <p:spTree>
@@ -11406,7 +15206,7 @@
                 </a:solidFill>
               </a:rPr>
               <a:pPr/>
-              <a:t>12</a:t>
+              <a:t>16</a:t>
             </a:fld>
             <a:endParaRPr lang="de-DE" dirty="0">
               <a:solidFill>
@@ -11536,7 +15336,7 @@
 </p:sld>
 </file>
 
-<file path=ppt/slides/slide13.xml><?xml version="1.0" encoding="utf-8"?>
+<file path=ppt/slides/slide17.xml><?xml version="1.0" encoding="utf-8"?>
 <p:sld xmlns:a="http://schemas.openxmlformats.org/drawingml/2006/main" xmlns:r="http://schemas.openxmlformats.org/officeDocument/2006/relationships" xmlns:p="http://schemas.openxmlformats.org/presentationml/2006/main">
   <p:cSld>
     <p:bg>
@@ -12570,6 +16370,868 @@
       </p:grpSpPr>
       <p:sp>
         <p:nvSpPr>
+          <p:cNvPr id="46" name="Rectangle 45">
+            <a:extLst>
+              <a:ext uri="{FF2B5EF4-FFF2-40B4-BE49-F238E27FC236}">
+                <a16:creationId xmlns:a16="http://schemas.microsoft.com/office/drawing/2014/main" id="{C0F396D4-D75E-4F3D-8ACF-09B23638F07C}"/>
+              </a:ext>
+              <a:ext uri="{C183D7F6-B498-43B3-948B-1728B52AA6E4}">
+                <adec:decorative xmlns:adec="http://schemas.microsoft.com/office/drawing/2017/decorative" val="1"/>
+              </a:ext>
+            </a:extLst>
+          </p:cNvPr>
+          <p:cNvSpPr>
+            <a:spLocks noGrp="1" noRot="1" noChangeAspect="1" noMove="1" noResize="1" noEditPoints="1" noAdjustHandles="1" noChangeArrowheads="1" noChangeShapeType="1" noTextEdit="1"/>
+          </p:cNvSpPr>
+          <p:nvPr>
+            <p:extLst>
+              <p:ext uri="{386F3935-93C4-4BCD-93E2-E3B085C9AB24}">
+                <p16:designElem xmlns:p16="http://schemas.microsoft.com/office/powerpoint/2015/main" val="1"/>
+              </p:ext>
+            </p:extLst>
+          </p:nvPr>
+        </p:nvSpPr>
+        <p:spPr>
+          <a:xfrm>
+            <a:off x="0" y="761999"/>
+            <a:ext cx="9141619" cy="5334001"/>
+          </a:xfrm>
+          <a:prstGeom prst="rect">
+            <a:avLst/>
+          </a:prstGeom>
+          <a:solidFill>
+            <a:schemeClr val="accent1"/>
+          </a:solidFill>
+          <a:ln>
+            <a:noFill/>
+          </a:ln>
+        </p:spPr>
+        <p:style>
+          <a:lnRef idx="2">
+            <a:schemeClr val="accent1">
+              <a:shade val="50000"/>
+            </a:schemeClr>
+          </a:lnRef>
+          <a:fillRef idx="1">
+            <a:schemeClr val="accent1"/>
+          </a:fillRef>
+          <a:effectRef idx="0">
+            <a:schemeClr val="accent1"/>
+          </a:effectRef>
+          <a:fontRef idx="minor">
+            <a:schemeClr val="lt1"/>
+          </a:fontRef>
+        </p:style>
+      </p:sp>
+      <p:sp>
+        <p:nvSpPr>
+          <p:cNvPr id="48" name="Rectangle 47">
+            <a:extLst>
+              <a:ext uri="{FF2B5EF4-FFF2-40B4-BE49-F238E27FC236}">
+                <a16:creationId xmlns:a16="http://schemas.microsoft.com/office/drawing/2014/main" id="{815F6DE6-8123-413F-BC7B-1EB368E43E0A}"/>
+              </a:ext>
+              <a:ext uri="{C183D7F6-B498-43B3-948B-1728B52AA6E4}">
+                <adec:decorative xmlns:adec="http://schemas.microsoft.com/office/drawing/2017/decorative" val="1"/>
+              </a:ext>
+            </a:extLst>
+          </p:cNvPr>
+          <p:cNvSpPr>
+            <a:spLocks noGrp="1" noRot="1" noChangeAspect="1" noMove="1" noResize="1" noEditPoints="1" noAdjustHandles="1" noChangeArrowheads="1" noChangeShapeType="1" noTextEdit="1"/>
+          </p:cNvSpPr>
+          <p:nvPr>
+            <p:extLst>
+              <p:ext uri="{386F3935-93C4-4BCD-93E2-E3B085C9AB24}">
+                <p16:designElem xmlns:p16="http://schemas.microsoft.com/office/powerpoint/2015/main" val="1"/>
+              </p:ext>
+            </p:extLst>
+          </p:nvPr>
+        </p:nvSpPr>
+        <p:spPr>
+          <a:xfrm>
+            <a:off x="9270263" y="761999"/>
+            <a:ext cx="2925318" cy="5334001"/>
+          </a:xfrm>
+          <a:prstGeom prst="rect">
+            <a:avLst/>
+          </a:prstGeom>
+          <a:solidFill>
+            <a:srgbClr val="C8C8C8">
+              <a:alpha val="50000"/>
+            </a:srgbClr>
+          </a:solidFill>
+          <a:ln>
+            <a:noFill/>
+          </a:ln>
+        </p:spPr>
+        <p:style>
+          <a:lnRef idx="2">
+            <a:schemeClr val="accent1">
+              <a:shade val="50000"/>
+            </a:schemeClr>
+          </a:lnRef>
+          <a:fillRef idx="1">
+            <a:schemeClr val="accent1"/>
+          </a:fillRef>
+          <a:effectRef idx="0">
+            <a:schemeClr val="accent1"/>
+          </a:effectRef>
+          <a:fontRef idx="minor">
+            <a:schemeClr val="lt1"/>
+          </a:fontRef>
+        </p:style>
+      </p:sp>
+      <p:sp useBgFill="1">
+        <p:nvSpPr>
+          <p:cNvPr id="50" name="Rectangle 49">
+            <a:extLst>
+              <a:ext uri="{FF2B5EF4-FFF2-40B4-BE49-F238E27FC236}">
+                <a16:creationId xmlns:a16="http://schemas.microsoft.com/office/drawing/2014/main" id="{04AC1ECA-56A6-4FA8-A216-A0502A627D3D}"/>
+              </a:ext>
+              <a:ext uri="{C183D7F6-B498-43B3-948B-1728B52AA6E4}">
+                <adec:decorative xmlns:adec="http://schemas.microsoft.com/office/drawing/2017/decorative" val="1"/>
+              </a:ext>
+            </a:extLst>
+          </p:cNvPr>
+          <p:cNvSpPr>
+            <a:spLocks noGrp="1" noRot="1" noChangeAspect="1" noMove="1" noResize="1" noEditPoints="1" noAdjustHandles="1" noChangeArrowheads="1" noChangeShapeType="1" noTextEdit="1"/>
+          </p:cNvSpPr>
+          <p:nvPr>
+            <p:extLst>
+              <p:ext uri="{386F3935-93C4-4BCD-93E2-E3B085C9AB24}">
+                <p16:designElem xmlns:p16="http://schemas.microsoft.com/office/powerpoint/2015/main" val="1"/>
+              </p:ext>
+            </p:extLst>
+          </p:nvPr>
+        </p:nvSpPr>
+        <p:spPr>
+          <a:xfrm>
+            <a:off x="0" y="0"/>
+            <a:ext cx="12191999" cy="6858000"/>
+          </a:xfrm>
+          <a:prstGeom prst="rect">
+            <a:avLst/>
+          </a:prstGeom>
+          <a:ln>
+            <a:noFill/>
+          </a:ln>
+        </p:spPr>
+        <p:style>
+          <a:lnRef idx="2">
+            <a:schemeClr val="accent1">
+              <a:shade val="50000"/>
+            </a:schemeClr>
+          </a:lnRef>
+          <a:fillRef idx="1">
+            <a:schemeClr val="accent1"/>
+          </a:fillRef>
+          <a:effectRef idx="0">
+            <a:schemeClr val="accent1"/>
+          </a:effectRef>
+          <a:fontRef idx="minor">
+            <a:schemeClr val="lt1"/>
+          </a:fontRef>
+        </p:style>
+        <p:txBody>
+          <a:bodyPr rtlCol="0" anchor="ctr"/>
+          <a:lstStyle/>
+          <a:p>
+            <a:pPr algn="ctr"/>
+            <a:endParaRPr lang="en-US"/>
+          </a:p>
+        </p:txBody>
+      </p:sp>
+      <p:sp>
+        <p:nvSpPr>
+          <p:cNvPr id="52" name="Rectangle 51">
+            <a:extLst>
+              <a:ext uri="{FF2B5EF4-FFF2-40B4-BE49-F238E27FC236}">
+                <a16:creationId xmlns:a16="http://schemas.microsoft.com/office/drawing/2014/main" id="{E08EC873-0A32-4290-8CF6-220477C54E29}"/>
+              </a:ext>
+              <a:ext uri="{C183D7F6-B498-43B3-948B-1728B52AA6E4}">
+                <adec:decorative xmlns:adec="http://schemas.microsoft.com/office/drawing/2017/decorative" val="1"/>
+              </a:ext>
+            </a:extLst>
+          </p:cNvPr>
+          <p:cNvSpPr>
+            <a:spLocks noGrp="1" noRot="1" noChangeAspect="1" noMove="1" noResize="1" noEditPoints="1" noAdjustHandles="1" noChangeArrowheads="1" noChangeShapeType="1" noTextEdit="1"/>
+          </p:cNvSpPr>
+          <p:nvPr>
+            <p:extLst>
+              <p:ext uri="{386F3935-93C4-4BCD-93E2-E3B085C9AB24}">
+                <p16:designElem xmlns:p16="http://schemas.microsoft.com/office/powerpoint/2015/main" val="1"/>
+              </p:ext>
+            </p:extLst>
+          </p:nvPr>
+        </p:nvSpPr>
+        <p:spPr>
+          <a:xfrm>
+            <a:off x="0" y="4367639"/>
+            <a:ext cx="11707367" cy="1852186"/>
+          </a:xfrm>
+          <a:prstGeom prst="rect">
+            <a:avLst/>
+          </a:prstGeom>
+          <a:solidFill>
+            <a:schemeClr val="accent1"/>
+          </a:solidFill>
+          <a:ln>
+            <a:noFill/>
+          </a:ln>
+        </p:spPr>
+        <p:style>
+          <a:lnRef idx="2">
+            <a:schemeClr val="accent1">
+              <a:shade val="50000"/>
+            </a:schemeClr>
+          </a:lnRef>
+          <a:fillRef idx="1">
+            <a:schemeClr val="accent1"/>
+          </a:fillRef>
+          <a:effectRef idx="0">
+            <a:schemeClr val="accent1"/>
+          </a:effectRef>
+          <a:fontRef idx="minor">
+            <a:schemeClr val="lt1"/>
+          </a:fontRef>
+        </p:style>
+      </p:sp>
+      <p:sp>
+        <p:nvSpPr>
+          <p:cNvPr id="30" name="Titel 1">
+            <a:extLst>
+              <a:ext uri="{FF2B5EF4-FFF2-40B4-BE49-F238E27FC236}">
+                <a16:creationId xmlns:a16="http://schemas.microsoft.com/office/drawing/2014/main" id="{9602C987-9C02-4EE5-AF63-E074FFADF6CD}"/>
+              </a:ext>
+            </a:extLst>
+          </p:cNvPr>
+          <p:cNvSpPr>
+            <a:spLocks noGrp="1"/>
+          </p:cNvSpPr>
+          <p:nvPr>
+            <p:ph type="title"/>
+          </p:nvPr>
+        </p:nvSpPr>
+        <p:spPr>
+          <a:xfrm>
+            <a:off x="1069848" y="4590661"/>
+            <a:ext cx="10210862" cy="1065690"/>
+          </a:xfrm>
+        </p:spPr>
+        <p:txBody>
+          <a:bodyPr vert="horz" lIns="91440" tIns="45720" rIns="91440" bIns="45720" rtlCol="0" anchor="b">
+            <a:normAutofit/>
+          </a:bodyPr>
+          <a:lstStyle/>
+          <a:p>
+            <a:r>
+              <a:rPr lang="en-US" sz="5000" dirty="0" err="1">
+                <a:solidFill>
+                  <a:srgbClr val="FFFFFF"/>
+                </a:solidFill>
+              </a:rPr>
+              <a:t>Projektstruktur</a:t>
+            </a:r>
+            <a:r>
+              <a:rPr lang="en-US" sz="5000" dirty="0">
+                <a:solidFill>
+                  <a:srgbClr val="FFFFFF"/>
+                </a:solidFill>
+              </a:rPr>
+              <a:t> &amp; </a:t>
+            </a:r>
+            <a:r>
+              <a:rPr lang="en-US" sz="5000" dirty="0" err="1">
+                <a:solidFill>
+                  <a:srgbClr val="FFFFFF"/>
+                </a:solidFill>
+              </a:rPr>
+              <a:t>Datenbankmodel</a:t>
+            </a:r>
+            <a:endParaRPr lang="en-US" sz="5000" dirty="0">
+              <a:solidFill>
+                <a:srgbClr val="FFFFFF"/>
+              </a:solidFill>
+            </a:endParaRPr>
+          </a:p>
+        </p:txBody>
+      </p:sp>
+      <p:sp>
+        <p:nvSpPr>
+          <p:cNvPr id="4" name="Datumsplatzhalter 3">
+            <a:extLst>
+              <a:ext uri="{FF2B5EF4-FFF2-40B4-BE49-F238E27FC236}">
+                <a16:creationId xmlns:a16="http://schemas.microsoft.com/office/drawing/2014/main" id="{AD5BACCE-E520-4B5E-8F1F-D3C60D825AFA}"/>
+              </a:ext>
+            </a:extLst>
+          </p:cNvPr>
+          <p:cNvSpPr>
+            <a:spLocks noGrp="1"/>
+          </p:cNvSpPr>
+          <p:nvPr>
+            <p:ph type="dt" sz="half" idx="10"/>
+          </p:nvPr>
+        </p:nvSpPr>
+        <p:spPr>
+          <a:xfrm>
+            <a:off x="262465" y="6356350"/>
+            <a:ext cx="2743200" cy="365125"/>
+          </a:xfrm>
+        </p:spPr>
+        <p:txBody>
+          <a:bodyPr vert="horz" lIns="91440" tIns="45720" rIns="91440" bIns="45720" rtlCol="0" anchor="ctr">
+            <a:normAutofit/>
+          </a:bodyPr>
+          <a:lstStyle/>
+          <a:p>
+            <a:pPr>
+              <a:spcAft>
+                <a:spcPts val="600"/>
+              </a:spcAft>
+            </a:pPr>
+            <a:r>
+              <a:rPr lang="en-US" b="1" dirty="0">
+                <a:solidFill>
+                  <a:schemeClr val="tx1">
+                    <a:lumMod val="50000"/>
+                    <a:lumOff val="50000"/>
+                  </a:schemeClr>
+                </a:solidFill>
+              </a:rPr>
+              <a:t>14.06.2020</a:t>
+            </a:r>
+            <a:endParaRPr lang="en-US" dirty="0">
+              <a:solidFill>
+                <a:schemeClr val="tx1">
+                  <a:lumMod val="50000"/>
+                  <a:lumOff val="50000"/>
+                </a:schemeClr>
+              </a:solidFill>
+            </a:endParaRPr>
+          </a:p>
+        </p:txBody>
+      </p:sp>
+      <p:sp>
+        <p:nvSpPr>
+          <p:cNvPr id="5" name="Foliennummernplatzhalter 4">
+            <a:extLst>
+              <a:ext uri="{FF2B5EF4-FFF2-40B4-BE49-F238E27FC236}">
+                <a16:creationId xmlns:a16="http://schemas.microsoft.com/office/drawing/2014/main" id="{D3D1FB3E-B192-44A9-9902-C336C150151E}"/>
+              </a:ext>
+            </a:extLst>
+          </p:cNvPr>
+          <p:cNvSpPr>
+            <a:spLocks noGrp="1"/>
+          </p:cNvSpPr>
+          <p:nvPr>
+            <p:ph type="sldNum" sz="quarter" idx="12"/>
+          </p:nvPr>
+        </p:nvSpPr>
+        <p:spPr>
+          <a:xfrm>
+            <a:off x="10634135" y="6356350"/>
+            <a:ext cx="1530927" cy="365125"/>
+          </a:xfrm>
+        </p:spPr>
+        <p:txBody>
+          <a:bodyPr vert="horz" lIns="91440" tIns="45720" rIns="91440" bIns="45720" rtlCol="0" anchor="ctr">
+            <a:normAutofit/>
+          </a:bodyPr>
+          <a:lstStyle/>
+          <a:p>
+            <a:pPr>
+              <a:spcAft>
+                <a:spcPts val="600"/>
+              </a:spcAft>
+            </a:pPr>
+            <a:fld id="{4FAB73BC-B049-4115-A692-8D63A059BFB8}" type="slidenum">
+              <a:rPr lang="en-US" sz="1400" smtClean="0">
+                <a:solidFill>
+                  <a:schemeClr val="accent1"/>
+                </a:solidFill>
+              </a:rPr>
+              <a:pPr>
+                <a:spcAft>
+                  <a:spcPts val="600"/>
+                </a:spcAft>
+              </a:pPr>
+              <a:t>4</a:t>
+            </a:fld>
+            <a:endParaRPr lang="en-US" sz="1400" dirty="0">
+              <a:solidFill>
+                <a:schemeClr val="accent1"/>
+              </a:solidFill>
+            </a:endParaRPr>
+          </a:p>
+        </p:txBody>
+      </p:sp>
+      <p:pic>
+        <p:nvPicPr>
+          <p:cNvPr id="8" name="Grafik 7">
+            <a:extLst>
+              <a:ext uri="{FF2B5EF4-FFF2-40B4-BE49-F238E27FC236}">
+                <a16:creationId xmlns:a16="http://schemas.microsoft.com/office/drawing/2014/main" id="{219800BD-568B-4C20-A61D-178041AE0CAC}"/>
+              </a:ext>
+            </a:extLst>
+          </p:cNvPr>
+          <p:cNvPicPr>
+            <a:picLocks noChangeAspect="1"/>
+          </p:cNvPicPr>
+          <p:nvPr/>
+        </p:nvPicPr>
+        <p:blipFill>
+          <a:blip r:embed="rId2"/>
+          <a:stretch>
+            <a:fillRect/>
+          </a:stretch>
+        </p:blipFill>
+        <p:spPr>
+          <a:xfrm>
+            <a:off x="1634065" y="455401"/>
+            <a:ext cx="3348764" cy="3348764"/>
+          </a:xfrm>
+          <a:prstGeom prst="rect">
+            <a:avLst/>
+          </a:prstGeom>
+        </p:spPr>
+      </p:pic>
+      <p:pic>
+        <p:nvPicPr>
+          <p:cNvPr id="12" name="Grafik 11" descr="Liste">
+            <a:extLst>
+              <a:ext uri="{FF2B5EF4-FFF2-40B4-BE49-F238E27FC236}">
+                <a16:creationId xmlns:a16="http://schemas.microsoft.com/office/drawing/2014/main" id="{31F753EF-8597-4EEB-862C-6FBC329C8C48}"/>
+              </a:ext>
+            </a:extLst>
+          </p:cNvPr>
+          <p:cNvPicPr>
+            <a:picLocks noChangeAspect="1"/>
+          </p:cNvPicPr>
+          <p:nvPr/>
+        </p:nvPicPr>
+        <p:blipFill>
+          <a:blip r:embed="rId3">
+            <a:extLst>
+              <a:ext uri="{96DAC541-7B7A-43D3-8B79-37D633B846F1}">
+                <asvg:svgBlip xmlns:asvg="http://schemas.microsoft.com/office/drawing/2016/SVG/main" r:embed="rId4"/>
+              </a:ext>
+            </a:extLst>
+          </a:blip>
+          <a:stretch>
+            <a:fillRect/>
+          </a:stretch>
+        </p:blipFill>
+        <p:spPr>
+          <a:xfrm>
+            <a:off x="6669345" y="638173"/>
+            <a:ext cx="2950515" cy="2950515"/>
+          </a:xfrm>
+          <a:prstGeom prst="rect">
+            <a:avLst/>
+          </a:prstGeom>
+        </p:spPr>
+      </p:pic>
+    </p:spTree>
+    <p:extLst>
+      <p:ext uri="{BB962C8B-B14F-4D97-AF65-F5344CB8AC3E}">
+        <p14:creationId xmlns:p14="http://schemas.microsoft.com/office/powerpoint/2010/main" val="391510720"/>
+      </p:ext>
+    </p:extLst>
+  </p:cSld>
+  <p:clrMapOvr>
+    <a:masterClrMapping/>
+  </p:clrMapOvr>
+</p:sld>
+</file>
+
+<file path=ppt/slides/slide5.xml><?xml version="1.0" encoding="utf-8"?>
+<p:sld xmlns:a="http://schemas.openxmlformats.org/drawingml/2006/main" xmlns:r="http://schemas.openxmlformats.org/officeDocument/2006/relationships" xmlns:p="http://schemas.openxmlformats.org/presentationml/2006/main">
+  <p:cSld>
+    <p:bg>
+      <p:bgPr>
+        <a:solidFill>
+          <a:schemeClr val="accent1"/>
+        </a:solidFill>
+        <a:effectLst/>
+      </p:bgPr>
+    </p:bg>
+    <p:spTree>
+      <p:nvGrpSpPr>
+        <p:cNvPr id="1" name=""/>
+        <p:cNvGrpSpPr/>
+        <p:nvPr/>
+      </p:nvGrpSpPr>
+      <p:grpSpPr>
+        <a:xfrm>
+          <a:off x="0" y="0"/>
+          <a:ext cx="0" cy="0"/>
+          <a:chOff x="0" y="0"/>
+          <a:chExt cx="0" cy="0"/>
+        </a:xfrm>
+      </p:grpSpPr>
+      <p:sp>
+        <p:nvSpPr>
+          <p:cNvPr id="4" name="Datumsplatzhalter 3">
+            <a:extLst>
+              <a:ext uri="{FF2B5EF4-FFF2-40B4-BE49-F238E27FC236}">
+                <a16:creationId xmlns:a16="http://schemas.microsoft.com/office/drawing/2014/main" id="{F5FBF785-3218-4D76-9C9D-FA1582BC5BF4}"/>
+              </a:ext>
+            </a:extLst>
+          </p:cNvPr>
+          <p:cNvSpPr>
+            <a:spLocks noGrp="1"/>
+          </p:cNvSpPr>
+          <p:nvPr>
+            <p:ph type="dt" sz="half" idx="10"/>
+          </p:nvPr>
+        </p:nvSpPr>
+        <p:spPr>
+          <a:xfrm>
+            <a:off x="262465" y="6356350"/>
+            <a:ext cx="2743200" cy="365125"/>
+          </a:xfrm>
+        </p:spPr>
+        <p:txBody>
+          <a:bodyPr>
+            <a:normAutofit/>
+          </a:bodyPr>
+          <a:lstStyle/>
+          <a:p>
+            <a:pPr rtl="0">
+              <a:spcAft>
+                <a:spcPts val="600"/>
+              </a:spcAft>
+            </a:pPr>
+            <a:fld id="{0C6EF790-5E19-47DA-AC9B-C39E3D5FB3E1}" type="datetime1">
+              <a:rPr lang="de-DE" sz="1400" b="1" noProof="0" smtClean="0"/>
+              <a:t>14.06.2020</a:t>
+            </a:fld>
+            <a:endParaRPr lang="de-DE" b="1" noProof="0" dirty="0"/>
+          </a:p>
+        </p:txBody>
+      </p:sp>
+      <p:sp>
+        <p:nvSpPr>
+          <p:cNvPr id="5" name="Foliennummernplatzhalter 4">
+            <a:extLst>
+              <a:ext uri="{FF2B5EF4-FFF2-40B4-BE49-F238E27FC236}">
+                <a16:creationId xmlns:a16="http://schemas.microsoft.com/office/drawing/2014/main" id="{4BBA910E-8982-4148-B05F-B3E87C60C50C}"/>
+              </a:ext>
+            </a:extLst>
+          </p:cNvPr>
+          <p:cNvSpPr>
+            <a:spLocks noGrp="1"/>
+          </p:cNvSpPr>
+          <p:nvPr>
+            <p:ph type="sldNum" sz="quarter" idx="12"/>
+          </p:nvPr>
+        </p:nvSpPr>
+        <p:spPr>
+          <a:xfrm>
+            <a:off x="10634135" y="6356350"/>
+            <a:ext cx="1530927" cy="365125"/>
+          </a:xfrm>
+        </p:spPr>
+        <p:txBody>
+          <a:bodyPr>
+            <a:normAutofit/>
+          </a:bodyPr>
+          <a:lstStyle/>
+          <a:p>
+            <a:pPr rtl="0">
+              <a:spcAft>
+                <a:spcPts val="600"/>
+              </a:spcAft>
+            </a:pPr>
+            <a:fld id="{4FAB73BC-B049-4115-A692-8D63A059BFB8}" type="slidenum">
+              <a:rPr lang="de-DE" sz="1400" noProof="0">
+                <a:solidFill>
+                  <a:schemeClr val="tx1"/>
+                </a:solidFill>
+              </a:rPr>
+              <a:pPr rtl="0">
+                <a:spcAft>
+                  <a:spcPts val="600"/>
+                </a:spcAft>
+              </a:pPr>
+              <a:t>5</a:t>
+            </a:fld>
+            <a:endParaRPr lang="de-DE" sz="1400" noProof="0" dirty="0">
+              <a:solidFill>
+                <a:schemeClr val="tx1"/>
+              </a:solidFill>
+            </a:endParaRPr>
+          </a:p>
+        </p:txBody>
+      </p:sp>
+      <p:pic>
+        <p:nvPicPr>
+          <p:cNvPr id="2" name="Grafik 1">
+            <a:extLst>
+              <a:ext uri="{FF2B5EF4-FFF2-40B4-BE49-F238E27FC236}">
+                <a16:creationId xmlns:a16="http://schemas.microsoft.com/office/drawing/2014/main" id="{490D2774-3159-44FD-9B3F-062CC80AA4AA}"/>
+              </a:ext>
+            </a:extLst>
+          </p:cNvPr>
+          <p:cNvPicPr>
+            <a:picLocks noChangeAspect="1"/>
+          </p:cNvPicPr>
+          <p:nvPr/>
+        </p:nvPicPr>
+        <p:blipFill>
+          <a:blip r:embed="rId2"/>
+          <a:stretch>
+            <a:fillRect/>
+          </a:stretch>
+        </p:blipFill>
+        <p:spPr>
+          <a:xfrm>
+            <a:off x="2702434" y="597159"/>
+            <a:ext cx="4043599" cy="5382240"/>
+          </a:xfrm>
+          <a:prstGeom prst="rect">
+            <a:avLst/>
+          </a:prstGeom>
+        </p:spPr>
+      </p:pic>
+      <p:pic>
+        <p:nvPicPr>
+          <p:cNvPr id="3" name="Grafik 2">
+            <a:extLst>
+              <a:ext uri="{FF2B5EF4-FFF2-40B4-BE49-F238E27FC236}">
+                <a16:creationId xmlns:a16="http://schemas.microsoft.com/office/drawing/2014/main" id="{F4588821-F42F-4E30-925F-2F0C09696B74}"/>
+              </a:ext>
+            </a:extLst>
+          </p:cNvPr>
+          <p:cNvPicPr>
+            <a:picLocks noChangeAspect="1"/>
+          </p:cNvPicPr>
+          <p:nvPr/>
+        </p:nvPicPr>
+        <p:blipFill>
+          <a:blip r:embed="rId3"/>
+          <a:stretch>
+            <a:fillRect/>
+          </a:stretch>
+        </p:blipFill>
+        <p:spPr>
+          <a:xfrm>
+            <a:off x="6307785" y="3288279"/>
+            <a:ext cx="2490983" cy="2852129"/>
+          </a:xfrm>
+          <a:prstGeom prst="rect">
+            <a:avLst/>
+          </a:prstGeom>
+        </p:spPr>
+      </p:pic>
+    </p:spTree>
+    <p:extLst>
+      <p:ext uri="{BB962C8B-B14F-4D97-AF65-F5344CB8AC3E}">
+        <p14:creationId xmlns:p14="http://schemas.microsoft.com/office/powerpoint/2010/main" val="3754337095"/>
+      </p:ext>
+    </p:extLst>
+  </p:cSld>
+  <p:clrMapOvr>
+    <a:overrideClrMapping bg1="dk1" tx1="lt1" bg2="dk2" tx2="lt2" accent1="accent1" accent2="accent2" accent3="accent3" accent4="accent4" accent5="accent5" accent6="accent6" hlink="hlink" folHlink="folHlink"/>
+  </p:clrMapOvr>
+</p:sld>
+</file>
+
+<file path=ppt/slides/slide6.xml><?xml version="1.0" encoding="utf-8"?>
+<p:sld xmlns:a="http://schemas.openxmlformats.org/drawingml/2006/main" xmlns:r="http://schemas.openxmlformats.org/officeDocument/2006/relationships" xmlns:p="http://schemas.openxmlformats.org/presentationml/2006/main">
+  <p:cSld>
+    <p:bg>
+      <p:bgPr>
+        <a:solidFill>
+          <a:schemeClr val="accent1"/>
+        </a:solidFill>
+        <a:effectLst/>
+      </p:bgPr>
+    </p:bg>
+    <p:spTree>
+      <p:nvGrpSpPr>
+        <p:cNvPr id="1" name=""/>
+        <p:cNvGrpSpPr/>
+        <p:nvPr/>
+      </p:nvGrpSpPr>
+      <p:grpSpPr>
+        <a:xfrm>
+          <a:off x="0" y="0"/>
+          <a:ext cx="0" cy="0"/>
+          <a:chOff x="0" y="0"/>
+          <a:chExt cx="0" cy="0"/>
+        </a:xfrm>
+      </p:grpSpPr>
+      <p:sp>
+        <p:nvSpPr>
+          <p:cNvPr id="4" name="Datumsplatzhalter 3">
+            <a:extLst>
+              <a:ext uri="{FF2B5EF4-FFF2-40B4-BE49-F238E27FC236}">
+                <a16:creationId xmlns:a16="http://schemas.microsoft.com/office/drawing/2014/main" id="{F5FBF785-3218-4D76-9C9D-FA1582BC5BF4}"/>
+              </a:ext>
+            </a:extLst>
+          </p:cNvPr>
+          <p:cNvSpPr>
+            <a:spLocks noGrp="1"/>
+          </p:cNvSpPr>
+          <p:nvPr>
+            <p:ph type="dt" sz="half" idx="10"/>
+          </p:nvPr>
+        </p:nvSpPr>
+        <p:spPr>
+          <a:xfrm>
+            <a:off x="262465" y="6356350"/>
+            <a:ext cx="2743200" cy="365125"/>
+          </a:xfrm>
+        </p:spPr>
+        <p:txBody>
+          <a:bodyPr>
+            <a:normAutofit/>
+          </a:bodyPr>
+          <a:lstStyle/>
+          <a:p>
+            <a:pPr rtl="0">
+              <a:spcAft>
+                <a:spcPts val="600"/>
+              </a:spcAft>
+            </a:pPr>
+            <a:fld id="{0C6EF790-5E19-47DA-AC9B-C39E3D5FB3E1}" type="datetime1">
+              <a:rPr lang="de-DE" sz="1400" b="1" noProof="0" smtClean="0"/>
+              <a:t>14.06.2020</a:t>
+            </a:fld>
+            <a:endParaRPr lang="de-DE" b="1" noProof="0" dirty="0"/>
+          </a:p>
+        </p:txBody>
+      </p:sp>
+      <p:sp>
+        <p:nvSpPr>
+          <p:cNvPr id="5" name="Foliennummernplatzhalter 4">
+            <a:extLst>
+              <a:ext uri="{FF2B5EF4-FFF2-40B4-BE49-F238E27FC236}">
+                <a16:creationId xmlns:a16="http://schemas.microsoft.com/office/drawing/2014/main" id="{4BBA910E-8982-4148-B05F-B3E87C60C50C}"/>
+              </a:ext>
+            </a:extLst>
+          </p:cNvPr>
+          <p:cNvSpPr>
+            <a:spLocks noGrp="1"/>
+          </p:cNvSpPr>
+          <p:nvPr>
+            <p:ph type="sldNum" sz="quarter" idx="12"/>
+          </p:nvPr>
+        </p:nvSpPr>
+        <p:spPr>
+          <a:xfrm>
+            <a:off x="10634135" y="6356350"/>
+            <a:ext cx="1530927" cy="365125"/>
+          </a:xfrm>
+        </p:spPr>
+        <p:txBody>
+          <a:bodyPr>
+            <a:normAutofit/>
+          </a:bodyPr>
+          <a:lstStyle/>
+          <a:p>
+            <a:pPr rtl="0">
+              <a:spcAft>
+                <a:spcPts val="600"/>
+              </a:spcAft>
+            </a:pPr>
+            <a:fld id="{4FAB73BC-B049-4115-A692-8D63A059BFB8}" type="slidenum">
+              <a:rPr lang="de-DE" sz="1400" noProof="0">
+                <a:solidFill>
+                  <a:schemeClr val="tx1"/>
+                </a:solidFill>
+              </a:rPr>
+              <a:pPr rtl="0">
+                <a:spcAft>
+                  <a:spcPts val="600"/>
+                </a:spcAft>
+              </a:pPr>
+              <a:t>6</a:t>
+            </a:fld>
+            <a:endParaRPr lang="de-DE" sz="1400" noProof="0" dirty="0">
+              <a:solidFill>
+                <a:schemeClr val="tx1"/>
+              </a:solidFill>
+            </a:endParaRPr>
+          </a:p>
+        </p:txBody>
+      </p:sp>
+      <p:pic>
+        <p:nvPicPr>
+          <p:cNvPr id="6" name="Inhaltsplatzhalter 4" descr="Ein Bild, das Screenshot enthält.&#10;&#10;Automatisch generierte Beschreibung">
+            <a:extLst>
+              <a:ext uri="{FF2B5EF4-FFF2-40B4-BE49-F238E27FC236}">
+                <a16:creationId xmlns:a16="http://schemas.microsoft.com/office/drawing/2014/main" id="{AD9AF808-31E5-4060-A1FC-622310819EAE}"/>
+              </a:ext>
+            </a:extLst>
+          </p:cNvPr>
+          <p:cNvPicPr>
+            <a:picLocks noChangeAspect="1"/>
+          </p:cNvPicPr>
+          <p:nvPr/>
+        </p:nvPicPr>
+        <p:blipFill>
+          <a:blip r:embed="rId2">
+            <a:extLst>
+              <a:ext uri="{28A0092B-C50C-407E-A947-70E740481C1C}">
+                <a14:useLocalDpi xmlns:a14="http://schemas.microsoft.com/office/drawing/2010/main" val="0"/>
+              </a:ext>
+            </a:extLst>
+          </a:blip>
+          <a:stretch>
+            <a:fillRect/>
+          </a:stretch>
+        </p:blipFill>
+        <p:spPr>
+          <a:xfrm>
+            <a:off x="1403889" y="702796"/>
+            <a:ext cx="9384222" cy="5250135"/>
+          </a:xfrm>
+          <a:prstGeom prst="rect">
+            <a:avLst/>
+          </a:prstGeom>
+        </p:spPr>
+      </p:pic>
+    </p:spTree>
+    <p:extLst>
+      <p:ext uri="{BB962C8B-B14F-4D97-AF65-F5344CB8AC3E}">
+        <p14:creationId xmlns:p14="http://schemas.microsoft.com/office/powerpoint/2010/main" val="1496678890"/>
+      </p:ext>
+    </p:extLst>
+  </p:cSld>
+  <p:clrMapOvr>
+    <a:overrideClrMapping bg1="dk1" tx1="lt1" bg2="dk2" tx2="lt2" accent1="accent1" accent2="accent2" accent3="accent3" accent4="accent4" accent5="accent5" accent6="accent6" hlink="hlink" folHlink="folHlink"/>
+  </p:clrMapOvr>
+</p:sld>
+</file>
+
+<file path=ppt/slides/slide7.xml><?xml version="1.0" encoding="utf-8"?>
+<p:sld xmlns:a="http://schemas.openxmlformats.org/drawingml/2006/main" xmlns:r="http://schemas.openxmlformats.org/officeDocument/2006/relationships" xmlns:p="http://schemas.openxmlformats.org/presentationml/2006/main">
+  <p:cSld>
+    <p:bg>
+      <p:bgPr>
+        <a:solidFill>
+          <a:schemeClr val="bg1"/>
+        </a:solidFill>
+        <a:effectLst/>
+      </p:bgPr>
+    </p:bg>
+    <p:spTree>
+      <p:nvGrpSpPr>
+        <p:cNvPr id="1" name=""/>
+        <p:cNvGrpSpPr/>
+        <p:nvPr/>
+      </p:nvGrpSpPr>
+      <p:grpSpPr>
+        <a:xfrm>
+          <a:off x="0" y="0"/>
+          <a:ext cx="0" cy="0"/>
+          <a:chOff x="0" y="0"/>
+          <a:chExt cx="0" cy="0"/>
+        </a:xfrm>
+      </p:grpSpPr>
+      <p:sp>
+        <p:nvSpPr>
           <p:cNvPr id="77" name="Rectangle 76">
             <a:extLst>
               <a:ext uri="{FF2B5EF4-FFF2-40B4-BE49-F238E27FC236}">
@@ -12993,7 +17655,7 @@
                   <a:spcPts val="600"/>
                 </a:spcAft>
               </a:pPr>
-              <a:t>4</a:t>
+              <a:t>7</a:t>
             </a:fld>
             <a:endParaRPr lang="en-US" sz="1400" dirty="0">
               <a:solidFill>
@@ -13016,7 +17678,7 @@
 </p:sld>
 </file>
 
-<file path=ppt/slides/slide5.xml><?xml version="1.0" encoding="utf-8"?>
+<file path=ppt/slides/slide8.xml><?xml version="1.0" encoding="utf-8"?>
 <p:sld xmlns:a="http://schemas.openxmlformats.org/drawingml/2006/main" xmlns:r="http://schemas.openxmlformats.org/officeDocument/2006/relationships" xmlns:p="http://schemas.openxmlformats.org/presentationml/2006/main">
   <p:cSld>
     <p:bg>
@@ -13155,7 +17817,7 @@
                   <a:spcPts val="600"/>
                 </a:spcAft>
               </a:pPr>
-              <a:t>5</a:t>
+              <a:t>8</a:t>
             </a:fld>
             <a:endParaRPr lang="de-DE" sz="1400" noProof="0" dirty="0">
               <a:solidFill>
@@ -13178,7 +17840,7 @@
 </p:sld>
 </file>
 
-<file path=ppt/slides/slide6.xml><?xml version="1.0" encoding="utf-8"?>
+<file path=ppt/slides/slide9.xml><?xml version="1.0" encoding="utf-8"?>
 <p:sld xmlns:a="http://schemas.openxmlformats.org/drawingml/2006/main" xmlns:r="http://schemas.openxmlformats.org/officeDocument/2006/relationships" xmlns:p="http://schemas.openxmlformats.org/presentationml/2006/main">
   <p:cSld>
     <p:bg>
@@ -13288,7 +17950,7 @@
                   <a:spcPts val="600"/>
                 </a:spcAft>
               </a:pPr>
-              <a:t>6</a:t>
+              <a:t>9</a:t>
             </a:fld>
             <a:endParaRPr lang="de-DE" sz="1400" noProof="0" dirty="0">
               <a:solidFill>
@@ -13390,524 +18052,6 @@
     <p:extLst>
       <p:ext uri="{BB962C8B-B14F-4D97-AF65-F5344CB8AC3E}">
         <p14:creationId xmlns:p14="http://schemas.microsoft.com/office/powerpoint/2010/main" val="814796416"/>
-      </p:ext>
-    </p:extLst>
-  </p:cSld>
-  <p:clrMapOvr>
-    <a:overrideClrMapping bg1="dk1" tx1="lt1" bg2="dk2" tx2="lt2" accent1="accent1" accent2="accent2" accent3="accent3" accent4="accent4" accent5="accent5" accent6="accent6" hlink="hlink" folHlink="folHlink"/>
-  </p:clrMapOvr>
-</p:sld>
-</file>
-
-<file path=ppt/slides/slide7.xml><?xml version="1.0" encoding="utf-8"?>
-<p:sld xmlns:a="http://schemas.openxmlformats.org/drawingml/2006/main" xmlns:r="http://schemas.openxmlformats.org/officeDocument/2006/relationships" xmlns:p="http://schemas.openxmlformats.org/presentationml/2006/main">
-  <p:cSld>
-    <p:bg>
-      <p:bgPr>
-        <a:solidFill>
-          <a:schemeClr val="accent1"/>
-        </a:solidFill>
-        <a:effectLst/>
-      </p:bgPr>
-    </p:bg>
-    <p:spTree>
-      <p:nvGrpSpPr>
-        <p:cNvPr id="1" name=""/>
-        <p:cNvGrpSpPr/>
-        <p:nvPr/>
-      </p:nvGrpSpPr>
-      <p:grpSpPr>
-        <a:xfrm>
-          <a:off x="0" y="0"/>
-          <a:ext cx="0" cy="0"/>
-          <a:chOff x="0" y="0"/>
-          <a:chExt cx="0" cy="0"/>
-        </a:xfrm>
-      </p:grpSpPr>
-      <p:sp>
-        <p:nvSpPr>
-          <p:cNvPr id="4" name="Datumsplatzhalter 3">
-            <a:extLst>
-              <a:ext uri="{FF2B5EF4-FFF2-40B4-BE49-F238E27FC236}">
-                <a16:creationId xmlns:a16="http://schemas.microsoft.com/office/drawing/2014/main" id="{04808089-4013-43A4-8319-4F458DFF0537}"/>
-              </a:ext>
-            </a:extLst>
-          </p:cNvPr>
-          <p:cNvSpPr>
-            <a:spLocks noGrp="1"/>
-          </p:cNvSpPr>
-          <p:nvPr>
-            <p:ph type="dt" sz="half" idx="10"/>
-          </p:nvPr>
-        </p:nvSpPr>
-        <p:spPr>
-          <a:xfrm>
-            <a:off x="262465" y="6356350"/>
-            <a:ext cx="2743200" cy="365125"/>
-          </a:xfrm>
-        </p:spPr>
-        <p:txBody>
-          <a:bodyPr>
-            <a:normAutofit/>
-          </a:bodyPr>
-          <a:lstStyle/>
-          <a:p>
-            <a:pPr rtl="0">
-              <a:spcAft>
-                <a:spcPts val="600"/>
-              </a:spcAft>
-            </a:pPr>
-            <a:fld id="{6B068280-2A27-4682-8998-B20A5AB8246E}" type="datetime1">
-              <a:rPr lang="de-DE" sz="1400" b="1" noProof="0" smtClean="0"/>
-              <a:t>14.06.2020</a:t>
-            </a:fld>
-            <a:endParaRPr lang="de-DE" b="1" noProof="0" dirty="0"/>
-          </a:p>
-        </p:txBody>
-      </p:sp>
-      <p:sp>
-        <p:nvSpPr>
-          <p:cNvPr id="5" name="Foliennummernplatzhalter 4">
-            <a:extLst>
-              <a:ext uri="{FF2B5EF4-FFF2-40B4-BE49-F238E27FC236}">
-                <a16:creationId xmlns:a16="http://schemas.microsoft.com/office/drawing/2014/main" id="{1EA0B2C6-5C03-4599-BD76-A571524418D6}"/>
-              </a:ext>
-            </a:extLst>
-          </p:cNvPr>
-          <p:cNvSpPr>
-            <a:spLocks noGrp="1"/>
-          </p:cNvSpPr>
-          <p:nvPr>
-            <p:ph type="sldNum" sz="quarter" idx="12"/>
-          </p:nvPr>
-        </p:nvSpPr>
-        <p:spPr>
-          <a:xfrm>
-            <a:off x="10634135" y="6356350"/>
-            <a:ext cx="1530927" cy="365125"/>
-          </a:xfrm>
-        </p:spPr>
-        <p:txBody>
-          <a:bodyPr>
-            <a:normAutofit/>
-          </a:bodyPr>
-          <a:lstStyle/>
-          <a:p>
-            <a:pPr rtl="0">
-              <a:spcAft>
-                <a:spcPts val="600"/>
-              </a:spcAft>
-            </a:pPr>
-            <a:fld id="{4FAB73BC-B049-4115-A692-8D63A059BFB8}" type="slidenum">
-              <a:rPr lang="de-DE" sz="1400" noProof="0" smtClean="0">
-                <a:solidFill>
-                  <a:schemeClr val="tx1"/>
-                </a:solidFill>
-              </a:rPr>
-              <a:pPr rtl="0">
-                <a:spcAft>
-                  <a:spcPts val="600"/>
-                </a:spcAft>
-              </a:pPr>
-              <a:t>7</a:t>
-            </a:fld>
-            <a:endParaRPr lang="de-DE" sz="1400" noProof="0" dirty="0">
-              <a:solidFill>
-                <a:schemeClr val="tx1"/>
-              </a:solidFill>
-            </a:endParaRPr>
-          </a:p>
-        </p:txBody>
-      </p:sp>
-      <p:pic>
-        <p:nvPicPr>
-          <p:cNvPr id="7" name="Grafik 6">
-            <a:extLst>
-              <a:ext uri="{FF2B5EF4-FFF2-40B4-BE49-F238E27FC236}">
-                <a16:creationId xmlns:a16="http://schemas.microsoft.com/office/drawing/2014/main" id="{32DB5BC7-7EF2-4C96-8682-0844F5D3E376}"/>
-              </a:ext>
-            </a:extLst>
-          </p:cNvPr>
-          <p:cNvPicPr>
-            <a:picLocks noChangeAspect="1"/>
-          </p:cNvPicPr>
-          <p:nvPr/>
-        </p:nvPicPr>
-        <p:blipFill>
-          <a:blip r:embed="rId2"/>
-          <a:stretch>
-            <a:fillRect/>
-          </a:stretch>
-        </p:blipFill>
-        <p:spPr>
-          <a:xfrm>
-            <a:off x="694942" y="1114253"/>
-            <a:ext cx="10564746" cy="3943522"/>
-          </a:xfrm>
-          <a:prstGeom prst="rect">
-            <a:avLst/>
-          </a:prstGeom>
-        </p:spPr>
-      </p:pic>
-    </p:spTree>
-    <p:extLst>
-      <p:ext uri="{BB962C8B-B14F-4D97-AF65-F5344CB8AC3E}">
-        <p14:creationId xmlns:p14="http://schemas.microsoft.com/office/powerpoint/2010/main" val="1183288971"/>
-      </p:ext>
-    </p:extLst>
-  </p:cSld>
-  <p:clrMapOvr>
-    <a:overrideClrMapping bg1="dk1" tx1="lt1" bg2="dk2" tx2="lt2" accent1="accent1" accent2="accent2" accent3="accent3" accent4="accent4" accent5="accent5" accent6="accent6" hlink="hlink" folHlink="folHlink"/>
-  </p:clrMapOvr>
-</p:sld>
-</file>
-
-<file path=ppt/slides/slide8.xml><?xml version="1.0" encoding="utf-8"?>
-<p:sld xmlns:a="http://schemas.openxmlformats.org/drawingml/2006/main" xmlns:r="http://schemas.openxmlformats.org/officeDocument/2006/relationships" xmlns:p="http://schemas.openxmlformats.org/presentationml/2006/main">
-  <p:cSld>
-    <p:bg>
-      <p:bgPr>
-        <a:solidFill>
-          <a:schemeClr val="accent1"/>
-        </a:solidFill>
-        <a:effectLst/>
-      </p:bgPr>
-    </p:bg>
-    <p:spTree>
-      <p:nvGrpSpPr>
-        <p:cNvPr id="1" name=""/>
-        <p:cNvGrpSpPr/>
-        <p:nvPr/>
-      </p:nvGrpSpPr>
-      <p:grpSpPr>
-        <a:xfrm>
-          <a:off x="0" y="0"/>
-          <a:ext cx="0" cy="0"/>
-          <a:chOff x="0" y="0"/>
-          <a:chExt cx="0" cy="0"/>
-        </a:xfrm>
-      </p:grpSpPr>
-      <p:sp>
-        <p:nvSpPr>
-          <p:cNvPr id="4" name="Datumsplatzhalter 3">
-            <a:extLst>
-              <a:ext uri="{FF2B5EF4-FFF2-40B4-BE49-F238E27FC236}">
-                <a16:creationId xmlns:a16="http://schemas.microsoft.com/office/drawing/2014/main" id="{04808089-4013-43A4-8319-4F458DFF0537}"/>
-              </a:ext>
-            </a:extLst>
-          </p:cNvPr>
-          <p:cNvSpPr>
-            <a:spLocks noGrp="1"/>
-          </p:cNvSpPr>
-          <p:nvPr>
-            <p:ph type="dt" sz="half" idx="10"/>
-          </p:nvPr>
-        </p:nvSpPr>
-        <p:spPr>
-          <a:xfrm>
-            <a:off x="262465" y="6356350"/>
-            <a:ext cx="2743200" cy="365125"/>
-          </a:xfrm>
-        </p:spPr>
-        <p:txBody>
-          <a:bodyPr>
-            <a:normAutofit/>
-          </a:bodyPr>
-          <a:lstStyle/>
-          <a:p>
-            <a:pPr rtl="0">
-              <a:spcAft>
-                <a:spcPts val="600"/>
-              </a:spcAft>
-            </a:pPr>
-            <a:fld id="{9809B556-1798-4F31-828B-F15A28A432B4}" type="datetime1">
-              <a:rPr lang="de-DE" sz="1400" b="1" noProof="0" smtClean="0"/>
-              <a:t>14.06.2020</a:t>
-            </a:fld>
-            <a:endParaRPr lang="de-DE" b="1" noProof="0" dirty="0"/>
-          </a:p>
-        </p:txBody>
-      </p:sp>
-      <p:sp>
-        <p:nvSpPr>
-          <p:cNvPr id="5" name="Foliennummernplatzhalter 4">
-            <a:extLst>
-              <a:ext uri="{FF2B5EF4-FFF2-40B4-BE49-F238E27FC236}">
-                <a16:creationId xmlns:a16="http://schemas.microsoft.com/office/drawing/2014/main" id="{1EA0B2C6-5C03-4599-BD76-A571524418D6}"/>
-              </a:ext>
-            </a:extLst>
-          </p:cNvPr>
-          <p:cNvSpPr>
-            <a:spLocks noGrp="1"/>
-          </p:cNvSpPr>
-          <p:nvPr>
-            <p:ph type="sldNum" sz="quarter" idx="12"/>
-          </p:nvPr>
-        </p:nvSpPr>
-        <p:spPr>
-          <a:xfrm>
-            <a:off x="10634135" y="6356350"/>
-            <a:ext cx="1530927" cy="365125"/>
-          </a:xfrm>
-        </p:spPr>
-        <p:txBody>
-          <a:bodyPr>
-            <a:normAutofit/>
-          </a:bodyPr>
-          <a:lstStyle/>
-          <a:p>
-            <a:pPr rtl="0">
-              <a:spcAft>
-                <a:spcPts val="600"/>
-              </a:spcAft>
-            </a:pPr>
-            <a:fld id="{4FAB73BC-B049-4115-A692-8D63A059BFB8}" type="slidenum">
-              <a:rPr lang="de-DE" sz="1400" noProof="0" smtClean="0">
-                <a:solidFill>
-                  <a:schemeClr val="tx1"/>
-                </a:solidFill>
-              </a:rPr>
-              <a:pPr rtl="0">
-                <a:spcAft>
-                  <a:spcPts val="600"/>
-                </a:spcAft>
-              </a:pPr>
-              <a:t>8</a:t>
-            </a:fld>
-            <a:endParaRPr lang="de-DE" sz="1400" noProof="0" dirty="0">
-              <a:solidFill>
-                <a:schemeClr val="tx1"/>
-              </a:solidFill>
-            </a:endParaRPr>
-          </a:p>
-        </p:txBody>
-      </p:sp>
-      <p:pic>
-        <p:nvPicPr>
-          <p:cNvPr id="8" name="Grafik 7">
-            <a:extLst>
-              <a:ext uri="{FF2B5EF4-FFF2-40B4-BE49-F238E27FC236}">
-                <a16:creationId xmlns:a16="http://schemas.microsoft.com/office/drawing/2014/main" id="{922CB720-6FB1-41E8-BED2-2F56C7978112}"/>
-              </a:ext>
-            </a:extLst>
-          </p:cNvPr>
-          <p:cNvPicPr>
-            <a:picLocks noChangeAspect="1"/>
-          </p:cNvPicPr>
-          <p:nvPr/>
-        </p:nvPicPr>
-        <p:blipFill rotWithShape="1">
-          <a:blip r:embed="rId2"/>
-          <a:srcRect r="6112"/>
-          <a:stretch/>
-        </p:blipFill>
-        <p:spPr>
-          <a:xfrm>
-            <a:off x="552046" y="635613"/>
-            <a:ext cx="6020203" cy="5586774"/>
-          </a:xfrm>
-          <a:prstGeom prst="rect">
-            <a:avLst/>
-          </a:prstGeom>
-        </p:spPr>
-      </p:pic>
-      <p:pic>
-        <p:nvPicPr>
-          <p:cNvPr id="9" name="Grafik 8">
-            <a:extLst>
-              <a:ext uri="{FF2B5EF4-FFF2-40B4-BE49-F238E27FC236}">
-                <a16:creationId xmlns:a16="http://schemas.microsoft.com/office/drawing/2014/main" id="{5FF7DD1E-07F8-4DAD-ADFE-BC75FCC0FE72}"/>
-              </a:ext>
-            </a:extLst>
-          </p:cNvPr>
-          <p:cNvPicPr>
-            <a:picLocks noChangeAspect="1"/>
-          </p:cNvPicPr>
-          <p:nvPr/>
-        </p:nvPicPr>
-        <p:blipFill>
-          <a:blip r:embed="rId3"/>
-          <a:stretch>
-            <a:fillRect/>
-          </a:stretch>
-        </p:blipFill>
-        <p:spPr>
-          <a:xfrm>
-            <a:off x="5292664" y="1997688"/>
-            <a:ext cx="6106934" cy="1431312"/>
-          </a:xfrm>
-          <a:prstGeom prst="rect">
-            <a:avLst/>
-          </a:prstGeom>
-        </p:spPr>
-      </p:pic>
-    </p:spTree>
-    <p:extLst>
-      <p:ext uri="{BB962C8B-B14F-4D97-AF65-F5344CB8AC3E}">
-        <p14:creationId xmlns:p14="http://schemas.microsoft.com/office/powerpoint/2010/main" val="1919221528"/>
-      </p:ext>
-    </p:extLst>
-  </p:cSld>
-  <p:clrMapOvr>
-    <a:overrideClrMapping bg1="dk1" tx1="lt1" bg2="dk2" tx2="lt2" accent1="accent1" accent2="accent2" accent3="accent3" accent4="accent4" accent5="accent5" accent6="accent6" hlink="hlink" folHlink="folHlink"/>
-  </p:clrMapOvr>
-</p:sld>
-</file>
-
-<file path=ppt/slides/slide9.xml><?xml version="1.0" encoding="utf-8"?>
-<p:sld xmlns:a="http://schemas.openxmlformats.org/drawingml/2006/main" xmlns:r="http://schemas.openxmlformats.org/officeDocument/2006/relationships" xmlns:p="http://schemas.openxmlformats.org/presentationml/2006/main">
-  <p:cSld>
-    <p:bg>
-      <p:bgPr>
-        <a:solidFill>
-          <a:schemeClr val="accent1"/>
-        </a:solidFill>
-        <a:effectLst/>
-      </p:bgPr>
-    </p:bg>
-    <p:spTree>
-      <p:nvGrpSpPr>
-        <p:cNvPr id="1" name=""/>
-        <p:cNvGrpSpPr/>
-        <p:nvPr/>
-      </p:nvGrpSpPr>
-      <p:grpSpPr>
-        <a:xfrm>
-          <a:off x="0" y="0"/>
-          <a:ext cx="0" cy="0"/>
-          <a:chOff x="0" y="0"/>
-          <a:chExt cx="0" cy="0"/>
-        </a:xfrm>
-      </p:grpSpPr>
-      <p:sp>
-        <p:nvSpPr>
-          <p:cNvPr id="4" name="Datumsplatzhalter 3">
-            <a:extLst>
-              <a:ext uri="{FF2B5EF4-FFF2-40B4-BE49-F238E27FC236}">
-                <a16:creationId xmlns:a16="http://schemas.microsoft.com/office/drawing/2014/main" id="{04808089-4013-43A4-8319-4F458DFF0537}"/>
-              </a:ext>
-            </a:extLst>
-          </p:cNvPr>
-          <p:cNvSpPr>
-            <a:spLocks noGrp="1"/>
-          </p:cNvSpPr>
-          <p:nvPr>
-            <p:ph type="dt" sz="half" idx="10"/>
-          </p:nvPr>
-        </p:nvSpPr>
-        <p:spPr>
-          <a:xfrm>
-            <a:off x="262465" y="6356350"/>
-            <a:ext cx="2743200" cy="365125"/>
-          </a:xfrm>
-        </p:spPr>
-        <p:txBody>
-          <a:bodyPr>
-            <a:normAutofit/>
-          </a:bodyPr>
-          <a:lstStyle/>
-          <a:p>
-            <a:pPr rtl="0">
-              <a:spcAft>
-                <a:spcPts val="600"/>
-              </a:spcAft>
-            </a:pPr>
-            <a:fld id="{8C30702F-9340-4455-8731-4C0913887CDC}" type="datetime1">
-              <a:rPr lang="de-DE" sz="1400" b="1" noProof="0" smtClean="0"/>
-              <a:t>14.06.2020</a:t>
-            </a:fld>
-            <a:endParaRPr lang="de-DE" b="1" noProof="0" dirty="0"/>
-          </a:p>
-        </p:txBody>
-      </p:sp>
-      <p:sp>
-        <p:nvSpPr>
-          <p:cNvPr id="5" name="Foliennummernplatzhalter 4">
-            <a:extLst>
-              <a:ext uri="{FF2B5EF4-FFF2-40B4-BE49-F238E27FC236}">
-                <a16:creationId xmlns:a16="http://schemas.microsoft.com/office/drawing/2014/main" id="{1EA0B2C6-5C03-4599-BD76-A571524418D6}"/>
-              </a:ext>
-            </a:extLst>
-          </p:cNvPr>
-          <p:cNvSpPr>
-            <a:spLocks noGrp="1"/>
-          </p:cNvSpPr>
-          <p:nvPr>
-            <p:ph type="sldNum" sz="quarter" idx="12"/>
-          </p:nvPr>
-        </p:nvSpPr>
-        <p:spPr>
-          <a:xfrm>
-            <a:off x="10634135" y="6356350"/>
-            <a:ext cx="1530927" cy="365125"/>
-          </a:xfrm>
-        </p:spPr>
-        <p:txBody>
-          <a:bodyPr>
-            <a:normAutofit/>
-          </a:bodyPr>
-          <a:lstStyle/>
-          <a:p>
-            <a:pPr rtl="0">
-              <a:spcAft>
-                <a:spcPts val="600"/>
-              </a:spcAft>
-            </a:pPr>
-            <a:fld id="{4FAB73BC-B049-4115-A692-8D63A059BFB8}" type="slidenum">
-              <a:rPr lang="de-DE" sz="1400" noProof="0" smtClean="0">
-                <a:solidFill>
-                  <a:schemeClr val="tx1"/>
-                </a:solidFill>
-              </a:rPr>
-              <a:pPr rtl="0">
-                <a:spcAft>
-                  <a:spcPts val="600"/>
-                </a:spcAft>
-              </a:pPr>
-              <a:t>9</a:t>
-            </a:fld>
-            <a:endParaRPr lang="de-DE" sz="1400" noProof="0" dirty="0">
-              <a:solidFill>
-                <a:schemeClr val="tx1"/>
-              </a:solidFill>
-            </a:endParaRPr>
-          </a:p>
-        </p:txBody>
-      </p:sp>
-      <p:pic>
-        <p:nvPicPr>
-          <p:cNvPr id="6" name="Grafik 5">
-            <a:extLst>
-              <a:ext uri="{FF2B5EF4-FFF2-40B4-BE49-F238E27FC236}">
-                <a16:creationId xmlns:a16="http://schemas.microsoft.com/office/drawing/2014/main" id="{DD00CDC1-0E0C-43E9-ACDC-EE8DD1A31AD8}"/>
-              </a:ext>
-            </a:extLst>
-          </p:cNvPr>
-          <p:cNvPicPr>
-            <a:picLocks noChangeAspect="1"/>
-          </p:cNvPicPr>
-          <p:nvPr/>
-        </p:nvPicPr>
-        <p:blipFill>
-          <a:blip r:embed="rId2"/>
-          <a:stretch>
-            <a:fillRect/>
-          </a:stretch>
-        </p:blipFill>
-        <p:spPr>
-          <a:xfrm>
-            <a:off x="2876247" y="495300"/>
-            <a:ext cx="6439505" cy="5867400"/>
-          </a:xfrm>
-          <a:prstGeom prst="rect">
-            <a:avLst/>
-          </a:prstGeom>
-        </p:spPr>
-      </p:pic>
-    </p:spTree>
-    <p:extLst>
-      <p:ext uri="{BB962C8B-B14F-4D97-AF65-F5344CB8AC3E}">
-        <p14:creationId xmlns:p14="http://schemas.microsoft.com/office/powerpoint/2010/main" val="2218266321"/>
       </p:ext>
     </p:extLst>
   </p:cSld>
@@ -14739,15 +18883,6 @@
 </file>
 
 <file path=customXml/item1.xml><?xml version="1.0" encoding="utf-8"?>
-<?mso-contentType ?>
-<FormTemplates xmlns="http://schemas.microsoft.com/sharepoint/v3/contenttype/forms">
-  <Display>DocumentLibraryForm</Display>
-  <Edit>DocumentLibraryForm</Edit>
-  <New>DocumentLibraryForm</New>
-</FormTemplates>
-</file>
-
-<file path=customXml/item2.xml><?xml version="1.0" encoding="utf-8"?>
 <ct:contentTypeSchema xmlns:ct="http://schemas.microsoft.com/office/2006/metadata/contentType" xmlns:ma="http://schemas.microsoft.com/office/2006/metadata/properties/metaAttributes" ct:_="" ma:_="" ma:contentTypeName="Document" ma:contentTypeID="0x01010079F111ED35F8CC479449609E8A0923A6" ma:contentTypeVersion="11" ma:contentTypeDescription="Create a new document." ma:contentTypeScope="" ma:versionID="1c2eb7a32e66fb6e4260f3771546a5e2">
   <xsd:schema xmlns:xsd="http://www.w3.org/2001/XMLSchema" xmlns:xs="http://www.w3.org/2001/XMLSchema" xmlns:p="http://schemas.microsoft.com/office/2006/metadata/properties" xmlns:ns2="71af3243-3dd4-4a8d-8c0d-dd76da1f02a5" xmlns:ns3="16c05727-aa75-4e4a-9b5f-8a80a1165891" targetNamespace="http://schemas.microsoft.com/office/2006/metadata/properties" ma:root="true" ma:fieldsID="04e1f6479c48b08974ba73b5ca973489" ns2:_="" ns3:_="">
     <xsd:import namespace="71af3243-3dd4-4a8d-8c0d-dd76da1f02a5"/>
@@ -14958,6 +19093,15 @@
 </ct:contentTypeSchema>
 </file>
 
+<file path=customXml/item2.xml><?xml version="1.0" encoding="utf-8"?>
+<?mso-contentType ?>
+<FormTemplates xmlns="http://schemas.microsoft.com/sharepoint/v3/contenttype/forms">
+  <Display>DocumentLibraryForm</Display>
+  <Edit>DocumentLibraryForm</Edit>
+  <New>DocumentLibraryForm</New>
+</FormTemplates>
+</file>
+
 <file path=customXml/item3.xml><?xml version="1.0" encoding="utf-8"?>
 <p:properties xmlns:p="http://schemas.microsoft.com/office/2006/metadata/properties" xmlns:xsi="http://www.w3.org/2001/XMLSchema-instance" xmlns:pc="http://schemas.microsoft.com/office/infopath/2007/PartnerControls">
   <documentManagement>
@@ -14967,14 +19111,6 @@
 </file>
 
 <file path=customXml/itemProps1.xml><?xml version="1.0" encoding="utf-8"?>
-<ds:datastoreItem xmlns:ds="http://schemas.openxmlformats.org/officeDocument/2006/customXml" ds:itemID="{DFB9BFA2-1FA5-44A1-B975-10D6BF58ECD0}">
-  <ds:schemaRefs>
-    <ds:schemaRef ds:uri="http://schemas.microsoft.com/sharepoint/v3/contenttype/forms"/>
-  </ds:schemaRefs>
-</ds:datastoreItem>
-</file>
-
-<file path=customXml/itemProps2.xml><?xml version="1.0" encoding="utf-8"?>
 <ds:datastoreItem xmlns:ds="http://schemas.openxmlformats.org/officeDocument/2006/customXml" ds:itemID="{E577E783-5AB8-45E6-9E56-AE40075231B2}">
   <ds:schemaRefs>
     <ds:schemaRef ds:uri="http://schemas.microsoft.com/office/2006/metadata/contentType"/>
@@ -14989,6 +19125,14 @@
     <ds:schemaRef ds:uri="http://purl.org/dc/elements/1.1/"/>
     <ds:schemaRef ds:uri="http://purl.org/dc/terms/"/>
     <ds:schemaRef ds:uri="http://schemas.microsoft.com/internal/obd"/>
+  </ds:schemaRefs>
+</ds:datastoreItem>
+</file>
+
+<file path=customXml/itemProps2.xml><?xml version="1.0" encoding="utf-8"?>
+<ds:datastoreItem xmlns:ds="http://schemas.openxmlformats.org/officeDocument/2006/customXml" ds:itemID="{DFB9BFA2-1FA5-44A1-B975-10D6BF58ECD0}">
+  <ds:schemaRefs>
+    <ds:schemaRef ds:uri="http://schemas.microsoft.com/sharepoint/v3/contenttype/forms"/>
   </ds:schemaRefs>
 </ds:datastoreItem>
 </file>
